--- a/__Master-Abschlussarbeit.pptx
+++ b/__Master-Abschlussarbeit.pptx
@@ -5,28 +5,34 @@
     <p:sldMasterId id="2147483648" r:id="rId1"/>
   </p:sldMasterIdLst>
   <p:notesMasterIdLst>
-    <p:notesMasterId r:id="rId18"/>
+    <p:notesMasterId r:id="rId24"/>
   </p:notesMasterIdLst>
   <p:handoutMasterIdLst>
-    <p:handoutMasterId r:id="rId19"/>
+    <p:handoutMasterId r:id="rId25"/>
   </p:handoutMasterIdLst>
   <p:sldIdLst>
     <p:sldId id="258" r:id="rId2"/>
     <p:sldId id="259" r:id="rId3"/>
-    <p:sldId id="260" r:id="rId4"/>
-    <p:sldId id="263" r:id="rId5"/>
-    <p:sldId id="261" r:id="rId6"/>
-    <p:sldId id="262" r:id="rId7"/>
-    <p:sldId id="264" r:id="rId8"/>
-    <p:sldId id="265" r:id="rId9"/>
-    <p:sldId id="266" r:id="rId10"/>
-    <p:sldId id="267" r:id="rId11"/>
-    <p:sldId id="273" r:id="rId12"/>
-    <p:sldId id="269" r:id="rId13"/>
-    <p:sldId id="272" r:id="rId14"/>
-    <p:sldId id="271" r:id="rId15"/>
-    <p:sldId id="270" r:id="rId16"/>
-    <p:sldId id="268" r:id="rId17"/>
+    <p:sldId id="274" r:id="rId4"/>
+    <p:sldId id="260" r:id="rId5"/>
+    <p:sldId id="263" r:id="rId6"/>
+    <p:sldId id="261" r:id="rId7"/>
+    <p:sldId id="262" r:id="rId8"/>
+    <p:sldId id="275" r:id="rId9"/>
+    <p:sldId id="264" r:id="rId10"/>
+    <p:sldId id="265" r:id="rId11"/>
+    <p:sldId id="266" r:id="rId12"/>
+    <p:sldId id="267" r:id="rId13"/>
+    <p:sldId id="273" r:id="rId14"/>
+    <p:sldId id="269" r:id="rId15"/>
+    <p:sldId id="276" r:id="rId16"/>
+    <p:sldId id="277" r:id="rId17"/>
+    <p:sldId id="278" r:id="rId18"/>
+    <p:sldId id="279" r:id="rId19"/>
+    <p:sldId id="272" r:id="rId20"/>
+    <p:sldId id="271" r:id="rId21"/>
+    <p:sldId id="270" r:id="rId22"/>
+    <p:sldId id="268" r:id="rId23"/>
   </p:sldIdLst>
   <p:sldSz cx="9144000" cy="6858000" type="screen4x3"/>
   <p:notesSz cx="6858000" cy="9144000"/>
@@ -272,7 +278,7 @@
               <a:pPr>
                 <a:defRPr/>
               </a:pPr>
-              <a:t>20.07.2018</a:t>
+              <a:t>30.07.2018</a:t>
             </a:fld>
             <a:endParaRPr lang="de-DE"/>
           </a:p>
@@ -458,7 +464,7 @@
               <a:pPr>
                 <a:defRPr/>
               </a:pPr>
-              <a:t>20.07.2018</a:t>
+              <a:t>30.07.2018</a:t>
             </a:fld>
             <a:endParaRPr lang="de-DE"/>
           </a:p>
@@ -494,7 +500,7 @@
           <a:lstStyle/>
           <a:p>
             <a:pPr lvl="0"/>
-            <a:endParaRPr lang="de-DE" noProof="0" smtClean="0"/>
+            <a:endParaRPr lang="de-DE" noProof="0"/>
           </a:p>
         </p:txBody>
       </p:sp>
@@ -523,35 +529,35 @@
           <a:p>
             <a:pPr lvl="0"/>
             <a:r>
-              <a:rPr lang="de-DE" noProof="0" smtClean="0"/>
+              <a:rPr lang="de-DE" noProof="0"/>
               <a:t>Formatvorlagen des Textmasters bearbeiten</a:t>
             </a:r>
           </a:p>
           <a:p>
             <a:pPr lvl="1"/>
             <a:r>
-              <a:rPr lang="de-DE" noProof="0" smtClean="0"/>
+              <a:rPr lang="de-DE" noProof="0"/>
               <a:t>Zweite Ebene</a:t>
             </a:r>
           </a:p>
           <a:p>
             <a:pPr lvl="2"/>
             <a:r>
-              <a:rPr lang="de-DE" noProof="0" smtClean="0"/>
+              <a:rPr lang="de-DE" noProof="0"/>
               <a:t>Dritte Ebene</a:t>
             </a:r>
           </a:p>
           <a:p>
             <a:pPr lvl="3"/>
             <a:r>
-              <a:rPr lang="de-DE" noProof="0" smtClean="0"/>
+              <a:rPr lang="de-DE" noProof="0"/>
               <a:t>Vierte Ebene</a:t>
             </a:r>
           </a:p>
           <a:p>
             <a:pPr lvl="4"/>
             <a:r>
-              <a:rPr lang="de-DE" noProof="0" smtClean="0"/>
+              <a:rPr lang="de-DE" noProof="0"/>
               <a:t>Fünfte Ebene</a:t>
             </a:r>
           </a:p>
@@ -858,7 +864,18 @@
                 <a:spcPct val="0"/>
               </a:spcBef>
             </a:pPr>
-            <a:endParaRPr lang="de-DE" altLang="de-DE" smtClean="0"/>
+            <a:r>
+              <a:rPr lang="de-DE" altLang="de-DE" dirty="0"/>
+              <a:t>Guten Tag, meine Damen und Herren, und herzlich willkommen in meiner Präsentation bzw. Colloquien mit dem Thema …. Mein Name ist … Student an der H und seit 2 J </a:t>
+            </a:r>
+            <a:r>
+              <a:rPr lang="de-DE" altLang="de-DE" dirty="0" err="1"/>
+              <a:t>SoftwareEntwickler</a:t>
+            </a:r>
+            <a:r>
+              <a:rPr lang="de-DE" altLang="de-DE" dirty="0"/>
+              <a:t> bei der Firma Hilscher Ge. Für Systemautomation mbh.</a:t>
+            </a:r>
           </a:p>
         </p:txBody>
       </p:sp>
@@ -1013,7 +1030,7 @@
               <a:pPr/>
               <a:t>1</a:t>
             </a:fld>
-            <a:endParaRPr lang="de-DE" altLang="de-DE" smtClean="0"/>
+            <a:endParaRPr lang="de-DE" altLang="de-DE"/>
           </a:p>
         </p:txBody>
       </p:sp>
@@ -1101,7 +1118,7 @@
               <a:pPr>
                 <a:defRPr/>
               </a:pPr>
-              <a:t>12</a:t>
+              <a:t>10</a:t>
             </a:fld>
             <a:endParaRPr lang="de-DE"/>
           </a:p>
@@ -1110,7 +1127,7 @@
     </p:spTree>
     <p:extLst>
       <p:ext uri="{BB962C8B-B14F-4D97-AF65-F5344CB8AC3E}">
-        <p14:creationId xmlns:p14="http://schemas.microsoft.com/office/powerpoint/2010/main" val="3177870924"/>
+        <p14:creationId xmlns:p14="http://schemas.microsoft.com/office/powerpoint/2010/main" val="4181652786"/>
       </p:ext>
     </p:extLst>
   </p:cSld>
@@ -1164,6 +1181,14 @@
           <a:bodyPr/>
           <a:lstStyle/>
           <a:p>
+            <a:r>
+              <a:rPr lang="de-DE" dirty="0"/>
+              <a:t>5) Wie Laden, Speichern, Importieren</a:t>
+            </a:r>
+            <a:r>
+              <a:rPr lang="de-DE" baseline="0" dirty="0"/>
+              <a:t> und Exportieren</a:t>
+            </a:r>
             <a:endParaRPr lang="de-DE" dirty="0"/>
           </a:p>
         </p:txBody>
@@ -1191,7 +1216,7 @@
               <a:pPr>
                 <a:defRPr/>
               </a:pPr>
-              <a:t>13</a:t>
+              <a:t>11</a:t>
             </a:fld>
             <a:endParaRPr lang="de-DE"/>
           </a:p>
@@ -1200,7 +1225,7 @@
     </p:spTree>
     <p:extLst>
       <p:ext uri="{BB962C8B-B14F-4D97-AF65-F5344CB8AC3E}">
-        <p14:creationId xmlns:p14="http://schemas.microsoft.com/office/powerpoint/2010/main" val="1615335567"/>
+        <p14:creationId xmlns:p14="http://schemas.microsoft.com/office/powerpoint/2010/main" val="1127723579"/>
       </p:ext>
     </p:extLst>
   </p:cSld>
@@ -1254,7 +1279,18 @@
           <a:bodyPr/>
           <a:lstStyle/>
           <a:p>
-            <a:endParaRPr lang="de-DE" dirty="0"/>
+            <a:r>
+              <a:rPr lang="de-DE" dirty="0"/>
+              <a:t>Wie ich schon erwähnt  habe, das Plugin basiert auf einen verteilten System. In dieser Kapitel werde ich hauptsätzlich über die </a:t>
+            </a:r>
+            <a:r>
+              <a:rPr lang="de-DE" dirty="0" err="1"/>
+              <a:t>clienseitige</a:t>
+            </a:r>
+            <a:r>
+              <a:rPr lang="de-DE" dirty="0"/>
+              <a:t> Frameworks sprechen.. </a:t>
+            </a:r>
           </a:p>
         </p:txBody>
       </p:sp>
@@ -1281,7 +1317,7 @@
               <a:pPr>
                 <a:defRPr/>
               </a:pPr>
-              <a:t>14</a:t>
+              <a:t>12</a:t>
             </a:fld>
             <a:endParaRPr lang="de-DE"/>
           </a:p>
@@ -1290,7 +1326,7 @@
     </p:spTree>
     <p:extLst>
       <p:ext uri="{BB962C8B-B14F-4D97-AF65-F5344CB8AC3E}">
-        <p14:creationId xmlns:p14="http://schemas.microsoft.com/office/powerpoint/2010/main" val="2033798850"/>
+        <p14:creationId xmlns:p14="http://schemas.microsoft.com/office/powerpoint/2010/main" val="3992928686"/>
       </p:ext>
     </p:extLst>
   </p:cSld>
@@ -1345,17 +1381,273 @@
           <a:lstStyle/>
           <a:p>
             <a:r>
-              <a:rPr lang="de-DE" dirty="0" smtClean="0"/>
-              <a:t>4) </a:t>
-            </a:r>
-            <a:r>
-              <a:rPr lang="de-DE" dirty="0" err="1" smtClean="0"/>
-              <a:t>d.h</a:t>
-            </a:r>
-            <a:r>
-              <a:rPr lang="de-DE" baseline="0" dirty="0" smtClean="0"/>
-              <a:t> mit Berücksichtigung des Datenflusses</a:t>
-            </a:r>
+              <a:rPr lang="de-DE" dirty="0"/>
+              <a:t>Es wurde eine Fülle von verschiedenen Frameworks ausfindig gemacht. Um ein systematisch Vergleich durchzuführen, habe ich mir ein  Kriterienkatalog erstellt….</a:t>
+            </a:r>
+          </a:p>
+          <a:p>
+            <a:r>
+              <a:rPr lang="de-DE" dirty="0"/>
+              <a:t>--Hier zum einer Seite soll die </a:t>
+            </a:r>
+            <a:r>
+              <a:rPr lang="de-DE" dirty="0" err="1"/>
+              <a:t>Kom</a:t>
+            </a:r>
+            <a:r>
+              <a:rPr lang="de-DE" dirty="0"/>
+              <a:t> </a:t>
+            </a:r>
+            <a:r>
+              <a:rPr lang="de-DE" dirty="0" err="1"/>
+              <a:t>zwisc</a:t>
+            </a:r>
+            <a:r>
+              <a:rPr lang="de-DE" dirty="0"/>
+              <a:t>. </a:t>
+            </a:r>
+            <a:r>
+              <a:rPr lang="de-DE" dirty="0" err="1"/>
+              <a:t>Komponent</a:t>
+            </a:r>
+            <a:r>
+              <a:rPr lang="de-DE" dirty="0"/>
+              <a:t> </a:t>
+            </a:r>
+            <a:r>
+              <a:rPr lang="de-DE" dirty="0" err="1"/>
+              <a:t>sichegestellt</a:t>
+            </a:r>
+            <a:r>
+              <a:rPr lang="de-DE" dirty="0"/>
+              <a:t> </a:t>
+            </a:r>
+            <a:r>
+              <a:rPr lang="de-DE" dirty="0" err="1"/>
+              <a:t>werdenn</a:t>
+            </a:r>
+            <a:r>
+              <a:rPr lang="de-DE" dirty="0"/>
+              <a:t>. Und andere </a:t>
+            </a:r>
+            <a:r>
+              <a:rPr lang="de-DE" dirty="0" err="1"/>
+              <a:t>seite</a:t>
+            </a:r>
+            <a:r>
+              <a:rPr lang="de-DE" dirty="0"/>
+              <a:t> soll Interface zu Datendank bereitgestellt werden.</a:t>
+            </a:r>
+          </a:p>
+          <a:p>
+            <a:r>
+              <a:rPr lang="de-DE" dirty="0"/>
+              <a:t>-- hier kommt in Einsatz welche Programmiersprache wurde unterstützt ,</a:t>
+            </a:r>
+            <a:r>
+              <a:rPr lang="de-DE" dirty="0" err="1"/>
+              <a:t>Typescript</a:t>
+            </a:r>
+            <a:r>
+              <a:rPr lang="de-DE" dirty="0"/>
+              <a:t> und </a:t>
+            </a:r>
+            <a:r>
+              <a:rPr lang="de-DE" dirty="0" err="1"/>
+              <a:t>Javascript</a:t>
+            </a:r>
+            <a:r>
+              <a:rPr lang="de-DE" dirty="0"/>
+              <a:t> sind denkbar.</a:t>
+            </a:r>
+          </a:p>
+          <a:p>
+            <a:r>
+              <a:rPr lang="de-DE" dirty="0"/>
+              <a:t>-- Diese Kategorie bezieht  sich auf die Lernkurve und alle finanzielle ausgaben , die für die Nutzung der Frameworks entstehen.</a:t>
+            </a:r>
+          </a:p>
+          <a:p>
+            <a:endParaRPr lang="de-DE" dirty="0"/>
+          </a:p>
+        </p:txBody>
+      </p:sp>
+      <p:sp>
+        <p:nvSpPr>
+          <p:cNvPr id="4" name="Foliennummernplatzhalter 3"/>
+          <p:cNvSpPr>
+            <a:spLocks noGrp="1"/>
+          </p:cNvSpPr>
+          <p:nvPr>
+            <p:ph type="sldNum" sz="quarter" idx="10"/>
+          </p:nvPr>
+        </p:nvSpPr>
+        <p:spPr/>
+        <p:txBody>
+          <a:bodyPr/>
+          <a:lstStyle/>
+          <a:p>
+            <a:pPr>
+              <a:defRPr/>
+            </a:pPr>
+            <a:fld id="{862C4B85-5E71-423A-A9E4-96958528BF14}" type="slidenum">
+              <a:rPr lang="de-DE" smtClean="0"/>
+              <a:pPr>
+                <a:defRPr/>
+              </a:pPr>
+              <a:t>13</a:t>
+            </a:fld>
+            <a:endParaRPr lang="de-DE"/>
+          </a:p>
+        </p:txBody>
+      </p:sp>
+    </p:spTree>
+    <p:extLst>
+      <p:ext uri="{BB962C8B-B14F-4D97-AF65-F5344CB8AC3E}">
+        <p14:creationId xmlns:p14="http://schemas.microsoft.com/office/powerpoint/2010/main" val="3446626571"/>
+      </p:ext>
+    </p:extLst>
+  </p:cSld>
+  <p:clrMapOvr>
+    <a:masterClrMapping/>
+  </p:clrMapOvr>
+</p:notes>
+</file>
+
+<file path=ppt/notesSlides/notesSlide14.xml><?xml version="1.0" encoding="utf-8"?>
+<p:notes xmlns:a="http://schemas.openxmlformats.org/drawingml/2006/main" xmlns:r="http://schemas.openxmlformats.org/officeDocument/2006/relationships" xmlns:p="http://schemas.openxmlformats.org/presentationml/2006/main">
+  <p:cSld>
+    <p:spTree>
+      <p:nvGrpSpPr>
+        <p:cNvPr id="1" name=""/>
+        <p:cNvGrpSpPr/>
+        <p:nvPr/>
+      </p:nvGrpSpPr>
+      <p:grpSpPr>
+        <a:xfrm>
+          <a:off x="0" y="0"/>
+          <a:ext cx="0" cy="0"/>
+          <a:chOff x="0" y="0"/>
+          <a:chExt cx="0" cy="0"/>
+        </a:xfrm>
+      </p:grpSpPr>
+      <p:sp>
+        <p:nvSpPr>
+          <p:cNvPr id="2" name="Folienbildplatzhalter 1"/>
+          <p:cNvSpPr>
+            <a:spLocks noGrp="1" noRot="1" noChangeAspect="1"/>
+          </p:cNvSpPr>
+          <p:nvPr>
+            <p:ph type="sldImg"/>
+          </p:nvPr>
+        </p:nvSpPr>
+        <p:spPr/>
+      </p:sp>
+      <p:sp>
+        <p:nvSpPr>
+          <p:cNvPr id="3" name="Notizenplatzhalter 2"/>
+          <p:cNvSpPr>
+            <a:spLocks noGrp="1"/>
+          </p:cNvSpPr>
+          <p:nvPr>
+            <p:ph type="body" idx="1"/>
+          </p:nvPr>
+        </p:nvSpPr>
+        <p:spPr/>
+        <p:txBody>
+          <a:bodyPr/>
+          <a:lstStyle/>
+          <a:p>
+            <a:endParaRPr lang="de-DE" dirty="0"/>
+          </a:p>
+        </p:txBody>
+      </p:sp>
+      <p:sp>
+        <p:nvSpPr>
+          <p:cNvPr id="4" name="Foliennummernplatzhalter 3"/>
+          <p:cNvSpPr>
+            <a:spLocks noGrp="1"/>
+          </p:cNvSpPr>
+          <p:nvPr>
+            <p:ph type="sldNum" sz="quarter" idx="10"/>
+          </p:nvPr>
+        </p:nvSpPr>
+        <p:spPr/>
+        <p:txBody>
+          <a:bodyPr/>
+          <a:lstStyle/>
+          <a:p>
+            <a:pPr>
+              <a:defRPr/>
+            </a:pPr>
+            <a:fld id="{862C4B85-5E71-423A-A9E4-96958528BF14}" type="slidenum">
+              <a:rPr lang="de-DE" smtClean="0"/>
+              <a:pPr>
+                <a:defRPr/>
+              </a:pPr>
+              <a:t>14</a:t>
+            </a:fld>
+            <a:endParaRPr lang="de-DE"/>
+          </a:p>
+        </p:txBody>
+      </p:sp>
+    </p:spTree>
+    <p:extLst>
+      <p:ext uri="{BB962C8B-B14F-4D97-AF65-F5344CB8AC3E}">
+        <p14:creationId xmlns:p14="http://schemas.microsoft.com/office/powerpoint/2010/main" val="3177870924"/>
+      </p:ext>
+    </p:extLst>
+  </p:cSld>
+  <p:clrMapOvr>
+    <a:masterClrMapping/>
+  </p:clrMapOvr>
+</p:notes>
+</file>
+
+<file path=ppt/notesSlides/notesSlide15.xml><?xml version="1.0" encoding="utf-8"?>
+<p:notes xmlns:a="http://schemas.openxmlformats.org/drawingml/2006/main" xmlns:r="http://schemas.openxmlformats.org/officeDocument/2006/relationships" xmlns:p="http://schemas.openxmlformats.org/presentationml/2006/main">
+  <p:cSld>
+    <p:spTree>
+      <p:nvGrpSpPr>
+        <p:cNvPr id="1" name=""/>
+        <p:cNvGrpSpPr/>
+        <p:nvPr/>
+      </p:nvGrpSpPr>
+      <p:grpSpPr>
+        <a:xfrm>
+          <a:off x="0" y="0"/>
+          <a:ext cx="0" cy="0"/>
+          <a:chOff x="0" y="0"/>
+          <a:chExt cx="0" cy="0"/>
+        </a:xfrm>
+      </p:grpSpPr>
+      <p:sp>
+        <p:nvSpPr>
+          <p:cNvPr id="2" name="Folienbildplatzhalter 1"/>
+          <p:cNvSpPr>
+            <a:spLocks noGrp="1" noRot="1" noChangeAspect="1"/>
+          </p:cNvSpPr>
+          <p:nvPr>
+            <p:ph type="sldImg"/>
+          </p:nvPr>
+        </p:nvSpPr>
+        <p:spPr/>
+      </p:sp>
+      <p:sp>
+        <p:nvSpPr>
+          <p:cNvPr id="3" name="Notizenplatzhalter 2"/>
+          <p:cNvSpPr>
+            <a:spLocks noGrp="1"/>
+          </p:cNvSpPr>
+          <p:nvPr>
+            <p:ph type="body" idx="1"/>
+          </p:nvPr>
+        </p:nvSpPr>
+        <p:spPr/>
+        <p:txBody>
+          <a:bodyPr/>
+          <a:lstStyle/>
+          <a:p>
             <a:endParaRPr lang="de-DE" dirty="0"/>
           </a:p>
         </p:txBody>
@@ -1384,6 +1676,288 @@
                 <a:defRPr/>
               </a:pPr>
               <a:t>15</a:t>
+            </a:fld>
+            <a:endParaRPr lang="de-DE"/>
+          </a:p>
+        </p:txBody>
+      </p:sp>
+    </p:spTree>
+    <p:extLst>
+      <p:ext uri="{BB962C8B-B14F-4D97-AF65-F5344CB8AC3E}">
+        <p14:creationId xmlns:p14="http://schemas.microsoft.com/office/powerpoint/2010/main" val="3050514409"/>
+      </p:ext>
+    </p:extLst>
+  </p:cSld>
+  <p:clrMapOvr>
+    <a:masterClrMapping/>
+  </p:clrMapOvr>
+</p:notes>
+</file>
+
+<file path=ppt/notesSlides/notesSlide16.xml><?xml version="1.0" encoding="utf-8"?>
+<p:notes xmlns:a="http://schemas.openxmlformats.org/drawingml/2006/main" xmlns:r="http://schemas.openxmlformats.org/officeDocument/2006/relationships" xmlns:p="http://schemas.openxmlformats.org/presentationml/2006/main">
+  <p:cSld>
+    <p:spTree>
+      <p:nvGrpSpPr>
+        <p:cNvPr id="1" name=""/>
+        <p:cNvGrpSpPr/>
+        <p:nvPr/>
+      </p:nvGrpSpPr>
+      <p:grpSpPr>
+        <a:xfrm>
+          <a:off x="0" y="0"/>
+          <a:ext cx="0" cy="0"/>
+          <a:chOff x="0" y="0"/>
+          <a:chExt cx="0" cy="0"/>
+        </a:xfrm>
+      </p:grpSpPr>
+      <p:sp>
+        <p:nvSpPr>
+          <p:cNvPr id="2" name="Folienbildplatzhalter 1"/>
+          <p:cNvSpPr>
+            <a:spLocks noGrp="1" noRot="1" noChangeAspect="1"/>
+          </p:cNvSpPr>
+          <p:nvPr>
+            <p:ph type="sldImg"/>
+          </p:nvPr>
+        </p:nvSpPr>
+        <p:spPr/>
+      </p:sp>
+      <p:sp>
+        <p:nvSpPr>
+          <p:cNvPr id="3" name="Notizenplatzhalter 2"/>
+          <p:cNvSpPr>
+            <a:spLocks noGrp="1"/>
+          </p:cNvSpPr>
+          <p:nvPr>
+            <p:ph type="body" idx="1"/>
+          </p:nvPr>
+        </p:nvSpPr>
+        <p:spPr/>
+        <p:txBody>
+          <a:bodyPr/>
+          <a:lstStyle/>
+          <a:p>
+            <a:endParaRPr lang="de-DE" dirty="0"/>
+          </a:p>
+        </p:txBody>
+      </p:sp>
+      <p:sp>
+        <p:nvSpPr>
+          <p:cNvPr id="4" name="Foliennummernplatzhalter 3"/>
+          <p:cNvSpPr>
+            <a:spLocks noGrp="1"/>
+          </p:cNvSpPr>
+          <p:nvPr>
+            <p:ph type="sldNum" sz="quarter" idx="10"/>
+          </p:nvPr>
+        </p:nvSpPr>
+        <p:spPr/>
+        <p:txBody>
+          <a:bodyPr/>
+          <a:lstStyle/>
+          <a:p>
+            <a:pPr>
+              <a:defRPr/>
+            </a:pPr>
+            <a:fld id="{862C4B85-5E71-423A-A9E4-96958528BF14}" type="slidenum">
+              <a:rPr lang="de-DE" smtClean="0"/>
+              <a:pPr>
+                <a:defRPr/>
+              </a:pPr>
+              <a:t>19</a:t>
+            </a:fld>
+            <a:endParaRPr lang="de-DE"/>
+          </a:p>
+        </p:txBody>
+      </p:sp>
+    </p:spTree>
+    <p:extLst>
+      <p:ext uri="{BB962C8B-B14F-4D97-AF65-F5344CB8AC3E}">
+        <p14:creationId xmlns:p14="http://schemas.microsoft.com/office/powerpoint/2010/main" val="1615335567"/>
+      </p:ext>
+    </p:extLst>
+  </p:cSld>
+  <p:clrMapOvr>
+    <a:masterClrMapping/>
+  </p:clrMapOvr>
+</p:notes>
+</file>
+
+<file path=ppt/notesSlides/notesSlide17.xml><?xml version="1.0" encoding="utf-8"?>
+<p:notes xmlns:a="http://schemas.openxmlformats.org/drawingml/2006/main" xmlns:r="http://schemas.openxmlformats.org/officeDocument/2006/relationships" xmlns:p="http://schemas.openxmlformats.org/presentationml/2006/main">
+  <p:cSld>
+    <p:spTree>
+      <p:nvGrpSpPr>
+        <p:cNvPr id="1" name=""/>
+        <p:cNvGrpSpPr/>
+        <p:nvPr/>
+      </p:nvGrpSpPr>
+      <p:grpSpPr>
+        <a:xfrm>
+          <a:off x="0" y="0"/>
+          <a:ext cx="0" cy="0"/>
+          <a:chOff x="0" y="0"/>
+          <a:chExt cx="0" cy="0"/>
+        </a:xfrm>
+      </p:grpSpPr>
+      <p:sp>
+        <p:nvSpPr>
+          <p:cNvPr id="2" name="Folienbildplatzhalter 1"/>
+          <p:cNvSpPr>
+            <a:spLocks noGrp="1" noRot="1" noChangeAspect="1"/>
+          </p:cNvSpPr>
+          <p:nvPr>
+            <p:ph type="sldImg"/>
+          </p:nvPr>
+        </p:nvSpPr>
+        <p:spPr/>
+      </p:sp>
+      <p:sp>
+        <p:nvSpPr>
+          <p:cNvPr id="3" name="Notizenplatzhalter 2"/>
+          <p:cNvSpPr>
+            <a:spLocks noGrp="1"/>
+          </p:cNvSpPr>
+          <p:nvPr>
+            <p:ph type="body" idx="1"/>
+          </p:nvPr>
+        </p:nvSpPr>
+        <p:spPr/>
+        <p:txBody>
+          <a:bodyPr/>
+          <a:lstStyle/>
+          <a:p>
+            <a:endParaRPr lang="de-DE" dirty="0"/>
+          </a:p>
+        </p:txBody>
+      </p:sp>
+      <p:sp>
+        <p:nvSpPr>
+          <p:cNvPr id="4" name="Foliennummernplatzhalter 3"/>
+          <p:cNvSpPr>
+            <a:spLocks noGrp="1"/>
+          </p:cNvSpPr>
+          <p:nvPr>
+            <p:ph type="sldNum" sz="quarter" idx="10"/>
+          </p:nvPr>
+        </p:nvSpPr>
+        <p:spPr/>
+        <p:txBody>
+          <a:bodyPr/>
+          <a:lstStyle/>
+          <a:p>
+            <a:pPr>
+              <a:defRPr/>
+            </a:pPr>
+            <a:fld id="{862C4B85-5E71-423A-A9E4-96958528BF14}" type="slidenum">
+              <a:rPr lang="de-DE" smtClean="0"/>
+              <a:pPr>
+                <a:defRPr/>
+              </a:pPr>
+              <a:t>20</a:t>
+            </a:fld>
+            <a:endParaRPr lang="de-DE"/>
+          </a:p>
+        </p:txBody>
+      </p:sp>
+    </p:spTree>
+    <p:extLst>
+      <p:ext uri="{BB962C8B-B14F-4D97-AF65-F5344CB8AC3E}">
+        <p14:creationId xmlns:p14="http://schemas.microsoft.com/office/powerpoint/2010/main" val="2033798850"/>
+      </p:ext>
+    </p:extLst>
+  </p:cSld>
+  <p:clrMapOvr>
+    <a:masterClrMapping/>
+  </p:clrMapOvr>
+</p:notes>
+</file>
+
+<file path=ppt/notesSlides/notesSlide18.xml><?xml version="1.0" encoding="utf-8"?>
+<p:notes xmlns:a="http://schemas.openxmlformats.org/drawingml/2006/main" xmlns:r="http://schemas.openxmlformats.org/officeDocument/2006/relationships" xmlns:p="http://schemas.openxmlformats.org/presentationml/2006/main">
+  <p:cSld>
+    <p:spTree>
+      <p:nvGrpSpPr>
+        <p:cNvPr id="1" name=""/>
+        <p:cNvGrpSpPr/>
+        <p:nvPr/>
+      </p:nvGrpSpPr>
+      <p:grpSpPr>
+        <a:xfrm>
+          <a:off x="0" y="0"/>
+          <a:ext cx="0" cy="0"/>
+          <a:chOff x="0" y="0"/>
+          <a:chExt cx="0" cy="0"/>
+        </a:xfrm>
+      </p:grpSpPr>
+      <p:sp>
+        <p:nvSpPr>
+          <p:cNvPr id="2" name="Folienbildplatzhalter 1"/>
+          <p:cNvSpPr>
+            <a:spLocks noGrp="1" noRot="1" noChangeAspect="1"/>
+          </p:cNvSpPr>
+          <p:nvPr>
+            <p:ph type="sldImg"/>
+          </p:nvPr>
+        </p:nvSpPr>
+        <p:spPr/>
+      </p:sp>
+      <p:sp>
+        <p:nvSpPr>
+          <p:cNvPr id="3" name="Notizenplatzhalter 2"/>
+          <p:cNvSpPr>
+            <a:spLocks noGrp="1"/>
+          </p:cNvSpPr>
+          <p:nvPr>
+            <p:ph type="body" idx="1"/>
+          </p:nvPr>
+        </p:nvSpPr>
+        <p:spPr/>
+        <p:txBody>
+          <a:bodyPr/>
+          <a:lstStyle/>
+          <a:p>
+            <a:r>
+              <a:rPr lang="de-DE" dirty="0"/>
+              <a:t>4) </a:t>
+            </a:r>
+            <a:r>
+              <a:rPr lang="de-DE" dirty="0" err="1"/>
+              <a:t>d.h</a:t>
+            </a:r>
+            <a:r>
+              <a:rPr lang="de-DE" baseline="0" dirty="0"/>
+              <a:t> mit Berücksichtigung des Datenflusses</a:t>
+            </a:r>
+            <a:endParaRPr lang="de-DE" dirty="0"/>
+          </a:p>
+        </p:txBody>
+      </p:sp>
+      <p:sp>
+        <p:nvSpPr>
+          <p:cNvPr id="4" name="Foliennummernplatzhalter 3"/>
+          <p:cNvSpPr>
+            <a:spLocks noGrp="1"/>
+          </p:cNvSpPr>
+          <p:nvPr>
+            <p:ph type="sldNum" sz="quarter" idx="10"/>
+          </p:nvPr>
+        </p:nvSpPr>
+        <p:spPr/>
+        <p:txBody>
+          <a:bodyPr/>
+          <a:lstStyle/>
+          <a:p>
+            <a:pPr>
+              <a:defRPr/>
+            </a:pPr>
+            <a:fld id="{862C4B85-5E71-423A-A9E4-96958528BF14}" type="slidenum">
+              <a:rPr lang="de-DE" smtClean="0"/>
+              <a:pPr>
+                <a:defRPr/>
+              </a:pPr>
+              <a:t>21</a:t>
             </a:fld>
             <a:endParaRPr lang="de-DE"/>
           </a:p>
@@ -1446,7 +2020,10 @@
           <a:bodyPr/>
           <a:lstStyle/>
           <a:p>
-            <a:endParaRPr lang="de-DE" dirty="0"/>
+            <a:r>
+              <a:rPr lang="de-DE" dirty="0"/>
+              <a:t>Mein Vortrag besteht aus folgenden Teilen: Erstens [spreche ich über die Einleitung warum eine grafische Komponente entstehen soll, welche Zeile erreicht werden], zweitens [wird über die Grundlage der Topologie eingegangen und dann analysiere ich einige Anforderungen], drittens [spreche ich ausführlich über die 3 Ergebnisse, die in Laufe der MA herausgegeben wurden]. Zum Schluss  gibt es noch einige Fakten zu grafische Komponente.</a:t>
+            </a:r>
           </a:p>
         </p:txBody>
       </p:sp>
@@ -1536,28 +2113,6 @@
           <a:bodyPr/>
           <a:lstStyle/>
           <a:p>
-            <a:r>
-              <a:rPr lang="de-DE" dirty="0" err="1" smtClean="0"/>
-              <a:t>Zeilsetzung</a:t>
-            </a:r>
-            <a:r>
-              <a:rPr lang="de-DE" baseline="0" dirty="0" smtClean="0"/>
-              <a:t> 1) der in das </a:t>
-            </a:r>
-            <a:r>
-              <a:rPr lang="de-DE" baseline="0" dirty="0" err="1" smtClean="0"/>
-              <a:t>ComStudio</a:t>
-            </a:r>
-            <a:r>
-              <a:rPr lang="de-DE" baseline="0" dirty="0" smtClean="0"/>
-              <a:t> integrierbar ist und leicht erweiterbar ist um die künftige Netzwerke zu unterstützen.</a:t>
-            </a:r>
-          </a:p>
-          <a:p>
-            <a:r>
-              <a:rPr lang="de-DE" baseline="0" dirty="0" smtClean="0"/>
-              <a:t>2) Es dem Endnutzer einfaches Management der verschiedenartigen Netzwerkes erlaubt, protokollneutrag implementiert ist.</a:t>
-            </a:r>
             <a:endParaRPr lang="de-DE" dirty="0"/>
           </a:p>
         </p:txBody>
@@ -1594,7 +2149,7 @@
     </p:spTree>
     <p:extLst>
       <p:ext uri="{BB962C8B-B14F-4D97-AF65-F5344CB8AC3E}">
-        <p14:creationId xmlns:p14="http://schemas.microsoft.com/office/powerpoint/2010/main" val="3322090033"/>
+        <p14:creationId xmlns:p14="http://schemas.microsoft.com/office/powerpoint/2010/main" val="1478347966"/>
       </p:ext>
     </p:extLst>
   </p:cSld>
@@ -1648,6 +2203,111 @@
           <a:bodyPr/>
           <a:lstStyle/>
           <a:p>
+            <a:r>
+              <a:rPr lang="de-DE" sz="1200" b="0" i="0" u="none" strike="noStrike" kern="1200" baseline="0" dirty="0">
+                <a:solidFill>
+                  <a:schemeClr val="tx1"/>
+                </a:solidFill>
+                <a:latin typeface="+mn-lt"/>
+                <a:ea typeface="+mn-ea"/>
+                <a:cs typeface="+mn-cs"/>
+              </a:rPr>
+              <a:t>Die Firma Hilscher sucht eine Möglichkeit, das Engineering Tool Communication Studio um eine grafische Komponente für die Abbildung komplexer industriellen Netzwerke zu erweitern… CS ist eine Software um Netzwerk zu parametrisieren und Konfigurieren  und  Der aktuelle Stand des CS bietet   Darstellung der Netzwerktopologien, die</a:t>
+            </a:r>
+          </a:p>
+          <a:p>
+            <a:r>
+              <a:rPr lang="de-DE" sz="1200" b="0" i="0" u="none" strike="noStrike" kern="1200" baseline="0" dirty="0">
+                <a:solidFill>
+                  <a:schemeClr val="tx1"/>
+                </a:solidFill>
+                <a:latin typeface="+mn-lt"/>
+                <a:ea typeface="+mn-ea"/>
+                <a:cs typeface="+mn-cs"/>
+              </a:rPr>
+              <a:t> unhandlich sind,  protokollabhängig in jeweiliger Binärkomponente verankert sind, auf verschiedene Technologien basieren und schwer zu warten und zu erweitern sind.</a:t>
+            </a:r>
+          </a:p>
+          <a:p>
+            <a:r>
+              <a:rPr lang="de-DE" sz="1200" b="0" i="0" u="none" strike="noStrike" kern="1200" baseline="0" dirty="0">
+                <a:solidFill>
+                  <a:schemeClr val="tx1"/>
+                </a:solidFill>
+                <a:latin typeface="+mn-lt"/>
+                <a:ea typeface="+mn-ea"/>
+                <a:cs typeface="+mn-cs"/>
+              </a:rPr>
+              <a:t>- --- in … die es dem Anwender einfaches Management der Netzwerke erlaubt, alle gängigen </a:t>
+            </a:r>
+            <a:r>
+              <a:rPr lang="de-DE" sz="1200" b="0" i="0" u="none" strike="noStrike" kern="1200" baseline="0" dirty="0" err="1">
+                <a:solidFill>
+                  <a:schemeClr val="tx1"/>
+                </a:solidFill>
+                <a:latin typeface="+mn-lt"/>
+                <a:ea typeface="+mn-ea"/>
+                <a:cs typeface="+mn-cs"/>
+              </a:rPr>
+              <a:t>Topologiemuster</a:t>
+            </a:r>
+            <a:r>
+              <a:rPr lang="de-DE" sz="1200" b="0" i="0" u="none" strike="noStrike" kern="1200" baseline="0" dirty="0">
+                <a:solidFill>
+                  <a:schemeClr val="tx1"/>
+                </a:solidFill>
+                <a:latin typeface="+mn-lt"/>
+                <a:ea typeface="+mn-ea"/>
+                <a:cs typeface="+mn-cs"/>
+              </a:rPr>
+              <a:t> im Kontext der industriellen Netzwerke unterstützt, leicht erweiterbar ist, um künftige Netzwerke zu unterstützen. Dabei stellt man die FP mit welchen Technologie lässt  ein Verteilte Anwendung mit einer möglichst einheitlichen Codebasis umsetzen, mit dem Ziel </a:t>
+            </a:r>
+            <a:r>
+              <a:rPr lang="de-DE" sz="1200" b="0" i="0" u="none" strike="noStrike" kern="1200" baseline="0" dirty="0" err="1">
+                <a:solidFill>
+                  <a:schemeClr val="tx1"/>
+                </a:solidFill>
+                <a:latin typeface="+mn-lt"/>
+                <a:ea typeface="+mn-ea"/>
+                <a:cs typeface="+mn-cs"/>
+              </a:rPr>
+              <a:t>vernächlässigbare</a:t>
+            </a:r>
+            <a:r>
+              <a:rPr lang="de-DE" sz="1200" b="0" i="0" u="none" strike="noStrike" kern="1200" baseline="0" dirty="0">
+                <a:solidFill>
+                  <a:schemeClr val="tx1"/>
+                </a:solidFill>
+                <a:latin typeface="+mn-lt"/>
+                <a:ea typeface="+mn-ea"/>
+                <a:cs typeface="+mn-cs"/>
+              </a:rPr>
+              <a:t> Veränderung der Host-</a:t>
+            </a:r>
+            <a:r>
+              <a:rPr lang="de-DE" sz="1200" b="0" i="0" u="none" strike="noStrike" kern="1200" baseline="0" dirty="0" err="1">
+                <a:solidFill>
+                  <a:schemeClr val="tx1"/>
+                </a:solidFill>
+                <a:latin typeface="+mn-lt"/>
+                <a:ea typeface="+mn-ea"/>
+                <a:cs typeface="+mn-cs"/>
+              </a:rPr>
+              <a:t>Appl</a:t>
+            </a:r>
+            <a:r>
+              <a:rPr lang="de-DE" sz="1200" b="0" i="0" u="none" strike="noStrike" kern="1200" baseline="0" dirty="0">
+                <a:solidFill>
+                  <a:schemeClr val="tx1"/>
+                </a:solidFill>
+                <a:latin typeface="+mn-lt"/>
+                <a:ea typeface="+mn-ea"/>
+                <a:cs typeface="+mn-cs"/>
+              </a:rPr>
+              <a:t> vorauszusetzen </a:t>
+            </a:r>
+          </a:p>
+          <a:p>
             <a:endParaRPr lang="de-DE" dirty="0"/>
           </a:p>
         </p:txBody>
@@ -1684,7 +2344,7 @@
     </p:spTree>
     <p:extLst>
       <p:ext uri="{BB962C8B-B14F-4D97-AF65-F5344CB8AC3E}">
-        <p14:creationId xmlns:p14="http://schemas.microsoft.com/office/powerpoint/2010/main" val="79408764"/>
+        <p14:creationId xmlns:p14="http://schemas.microsoft.com/office/powerpoint/2010/main" val="3322090033"/>
       </p:ext>
     </p:extLst>
   </p:cSld>
@@ -1738,26 +2398,6 @@
           <a:bodyPr/>
           <a:lstStyle/>
           <a:p>
-            <a:r>
-              <a:rPr lang="de-DE" dirty="0" smtClean="0"/>
-              <a:t>5) </a:t>
-            </a:r>
-            <a:r>
-              <a:rPr lang="de-DE" dirty="0" err="1" smtClean="0"/>
-              <a:t>ComStudio</a:t>
-            </a:r>
-            <a:r>
-              <a:rPr lang="de-DE" baseline="0" dirty="0" smtClean="0"/>
-              <a:t> spricht man von </a:t>
-            </a:r>
-            <a:r>
-              <a:rPr lang="de-DE" baseline="0" dirty="0" err="1" smtClean="0"/>
-              <a:t>Ausgangsitution</a:t>
-            </a:r>
-            <a:r>
-              <a:rPr lang="de-DE" baseline="0" dirty="0" smtClean="0"/>
-              <a:t>.</a:t>
-            </a:r>
             <a:endParaRPr lang="de-DE" dirty="0"/>
           </a:p>
         </p:txBody>
@@ -1794,7 +2434,7 @@
     </p:spTree>
     <p:extLst>
       <p:ext uri="{BB962C8B-B14F-4D97-AF65-F5344CB8AC3E}">
-        <p14:creationId xmlns:p14="http://schemas.microsoft.com/office/powerpoint/2010/main" val="2983038261"/>
+        <p14:creationId xmlns:p14="http://schemas.microsoft.com/office/powerpoint/2010/main" val="79408764"/>
       </p:ext>
     </p:extLst>
   </p:cSld>
@@ -1848,18 +2488,231 @@
           <a:bodyPr/>
           <a:lstStyle/>
           <a:p>
-            <a:r>
-              <a:rPr lang="de-DE" dirty="0" err="1" smtClean="0"/>
-              <a:t>Profinet</a:t>
-            </a:r>
-            <a:r>
-              <a:rPr lang="de-DE" dirty="0" smtClean="0"/>
-              <a:t> IRT Fahrbahn mit mehre</a:t>
-            </a:r>
-            <a:r>
-              <a:rPr lang="de-DE" baseline="0" dirty="0" smtClean="0"/>
-              <a:t> Spüren.</a:t>
-            </a:r>
+            <a:pPr marL="228600" indent="-228600">
+              <a:buAutoNum type="arabicParenR"/>
+            </a:pPr>
+            <a:r>
+              <a:rPr lang="de-DE" sz="1200" b="0" i="0" u="none" strike="noStrike" kern="1200" baseline="0" dirty="0">
+                <a:solidFill>
+                  <a:schemeClr val="tx1"/>
+                </a:solidFill>
+                <a:latin typeface="+mn-lt"/>
+                <a:ea typeface="+mn-ea"/>
+                <a:cs typeface="+mn-cs"/>
+              </a:rPr>
+              <a:t>unter Feldbus versteht man ein leitungsgebundenes Bussystem, das es ermöglicht, Daten in einer Prozessautomatisierungstechnik zu übertragen. </a:t>
+            </a:r>
+          </a:p>
+          <a:p>
+            <a:pPr marL="228600" indent="-228600">
+              <a:buAutoNum type="arabicParenR"/>
+            </a:pPr>
+            <a:r>
+              <a:rPr lang="de-DE" sz="1200" b="0" i="0" u="none" strike="noStrike" kern="1200" baseline="0" dirty="0">
+                <a:solidFill>
+                  <a:schemeClr val="tx1"/>
+                </a:solidFill>
+                <a:latin typeface="+mn-lt"/>
+                <a:ea typeface="+mn-ea"/>
+                <a:cs typeface="+mn-cs"/>
+              </a:rPr>
+              <a:t>In Kontext der industrielle Kommunikation ist die Topologie  die Verbindungen der Geräte untereinander, die den Datenverkehr ermöglichen.</a:t>
+            </a:r>
+          </a:p>
+          <a:p>
+            <a:pPr marL="228600" indent="-228600">
+              <a:buAutoNum type="arabicParenR"/>
+            </a:pPr>
+            <a:r>
+              <a:rPr lang="de-DE" sz="1200" b="0" i="0" u="none" strike="noStrike" kern="1200" baseline="0" dirty="0">
+                <a:solidFill>
+                  <a:schemeClr val="tx1"/>
+                </a:solidFill>
+                <a:latin typeface="+mn-lt"/>
+                <a:ea typeface="+mn-ea"/>
+                <a:cs typeface="+mn-cs"/>
+              </a:rPr>
+              <a:t>C oder M ist der aktive Teil bei der die Kommunikation der angeschlossenen Devices/Slaves parametriert und konfiguriert wird.</a:t>
+            </a:r>
+          </a:p>
+          <a:p>
+            <a:pPr marL="228600" indent="-228600">
+              <a:buAutoNum type="arabicParenR"/>
+            </a:pPr>
+            <a:r>
+              <a:rPr lang="de-DE" sz="1200" b="0" i="0" u="none" strike="noStrike" kern="1200" baseline="0" dirty="0">
+                <a:solidFill>
+                  <a:schemeClr val="tx1"/>
+                </a:solidFill>
+                <a:latin typeface="+mn-lt"/>
+                <a:ea typeface="+mn-ea"/>
+                <a:cs typeface="+mn-cs"/>
+              </a:rPr>
+              <a:t>D oder S ist die passive Station, die gemäß der </a:t>
+            </a:r>
+            <a:r>
+              <a:rPr lang="de-DE" sz="1200" b="0" i="0" u="none" strike="noStrike" kern="1200" baseline="0" dirty="0" err="1">
+                <a:solidFill>
+                  <a:schemeClr val="tx1"/>
+                </a:solidFill>
+                <a:latin typeface="+mn-lt"/>
+                <a:ea typeface="+mn-ea"/>
+                <a:cs typeface="+mn-cs"/>
+              </a:rPr>
+              <a:t>Proktokolle</a:t>
+            </a:r>
+            <a:r>
+              <a:rPr lang="de-DE" sz="1200" b="0" i="0" u="none" strike="noStrike" kern="1200" baseline="0" dirty="0">
+                <a:solidFill>
+                  <a:schemeClr val="tx1"/>
+                </a:solidFill>
+                <a:latin typeface="+mn-lt"/>
+                <a:ea typeface="+mn-ea"/>
+                <a:cs typeface="+mn-cs"/>
+              </a:rPr>
+              <a:t> </a:t>
+            </a:r>
+            <a:r>
+              <a:rPr lang="de-DE" sz="1200" b="0" i="0" u="none" strike="noStrike" kern="1200" baseline="0" dirty="0" err="1">
+                <a:solidFill>
+                  <a:schemeClr val="tx1"/>
+                </a:solidFill>
+                <a:latin typeface="+mn-lt"/>
+                <a:ea typeface="+mn-ea"/>
+                <a:cs typeface="+mn-cs"/>
+              </a:rPr>
+              <a:t>ie</a:t>
+            </a:r>
+            <a:r>
+              <a:rPr lang="de-DE" sz="1200" b="0" i="0" u="none" strike="noStrike" kern="1200" baseline="0" dirty="0">
+                <a:solidFill>
+                  <a:schemeClr val="tx1"/>
+                </a:solidFill>
+                <a:latin typeface="+mn-lt"/>
+                <a:ea typeface="+mn-ea"/>
+                <a:cs typeface="+mn-cs"/>
+              </a:rPr>
+              <a:t> </a:t>
+            </a:r>
+            <a:r>
+              <a:rPr lang="de-DE" sz="1200" b="0" i="0" u="none" strike="noStrike" kern="1200" baseline="0" dirty="0" err="1">
+                <a:solidFill>
+                  <a:schemeClr val="tx1"/>
+                </a:solidFill>
+                <a:latin typeface="+mn-lt"/>
+                <a:ea typeface="+mn-ea"/>
+                <a:cs typeface="+mn-cs"/>
+              </a:rPr>
+              <a:t>Prozessadaten</a:t>
+            </a:r>
+            <a:r>
+              <a:rPr lang="de-DE" sz="1200" b="0" i="0" u="none" strike="noStrike" kern="1200" baseline="0" dirty="0">
+                <a:solidFill>
+                  <a:schemeClr val="tx1"/>
+                </a:solidFill>
+                <a:latin typeface="+mn-lt"/>
+                <a:ea typeface="+mn-ea"/>
+                <a:cs typeface="+mn-cs"/>
+              </a:rPr>
+              <a:t> an Master/Control überträgt. Meldet kritische Anlagezustände wie Diagnose und Alarme</a:t>
+            </a:r>
+          </a:p>
+          <a:p>
+            <a:pPr marL="228600" indent="-228600">
+              <a:buAutoNum type="arabicParenR"/>
+            </a:pPr>
+            <a:r>
+              <a:rPr lang="de-DE" sz="1200" b="0" i="0" u="none" strike="noStrike" kern="1200" baseline="0" dirty="0">
+                <a:solidFill>
+                  <a:schemeClr val="tx1"/>
+                </a:solidFill>
+                <a:latin typeface="+mn-lt"/>
+                <a:ea typeface="+mn-ea"/>
+                <a:cs typeface="+mn-cs"/>
+              </a:rPr>
+              <a:t>Gateway ist die </a:t>
+            </a:r>
+            <a:r>
+              <a:rPr lang="de-DE" sz="1200" b="0" i="0" u="none" strike="noStrike" kern="1200" baseline="0" dirty="0" err="1">
+                <a:solidFill>
+                  <a:schemeClr val="tx1"/>
+                </a:solidFill>
+                <a:latin typeface="+mn-lt"/>
+                <a:ea typeface="+mn-ea"/>
+                <a:cs typeface="+mn-cs"/>
+              </a:rPr>
+              <a:t>Insfrakturgeräte</a:t>
+            </a:r>
+            <a:r>
+              <a:rPr lang="de-DE" sz="1200" b="0" i="0" u="none" strike="noStrike" kern="1200" baseline="0" dirty="0">
+                <a:solidFill>
+                  <a:schemeClr val="tx1"/>
+                </a:solidFill>
+                <a:latin typeface="+mn-lt"/>
+                <a:ea typeface="+mn-ea"/>
+                <a:cs typeface="+mn-cs"/>
+              </a:rPr>
+              <a:t> bei der </a:t>
+            </a:r>
+            <a:r>
+              <a:rPr lang="de-DE" sz="1200" b="0" i="0" u="none" strike="noStrike" kern="1200" baseline="0" dirty="0" err="1">
+                <a:solidFill>
+                  <a:schemeClr val="tx1"/>
+                </a:solidFill>
+                <a:latin typeface="+mn-lt"/>
+                <a:ea typeface="+mn-ea"/>
+                <a:cs typeface="+mn-cs"/>
+              </a:rPr>
+              <a:t>Kommikation</a:t>
+            </a:r>
+            <a:r>
+              <a:rPr lang="de-DE" sz="1200" b="0" i="0" u="none" strike="noStrike" kern="1200" baseline="0" dirty="0">
+                <a:solidFill>
+                  <a:schemeClr val="tx1"/>
+                </a:solidFill>
+                <a:latin typeface="+mn-lt"/>
+                <a:ea typeface="+mn-ea"/>
+                <a:cs typeface="+mn-cs"/>
+              </a:rPr>
+              <a:t>, die mindestens 2 </a:t>
+            </a:r>
+            <a:r>
+              <a:rPr lang="de-DE" sz="1200" b="0" i="0" u="none" strike="noStrike" kern="1200" baseline="0" dirty="0" err="1">
+                <a:solidFill>
+                  <a:schemeClr val="tx1"/>
+                </a:solidFill>
+                <a:latin typeface="+mn-lt"/>
+                <a:ea typeface="+mn-ea"/>
+                <a:cs typeface="+mn-cs"/>
+              </a:rPr>
+              <a:t>Prokotollen</a:t>
+            </a:r>
+            <a:r>
+              <a:rPr lang="de-DE" sz="1200" b="0" i="0" u="none" strike="noStrike" kern="1200" baseline="0" dirty="0">
+                <a:solidFill>
+                  <a:schemeClr val="tx1"/>
+                </a:solidFill>
+                <a:latin typeface="+mn-lt"/>
+                <a:ea typeface="+mn-ea"/>
+                <a:cs typeface="+mn-cs"/>
+              </a:rPr>
+              <a:t> unterstützt.</a:t>
+            </a:r>
+          </a:p>
+          <a:p>
+            <a:pPr marL="228600" indent="-228600">
+              <a:buAutoNum type="arabicParenR"/>
+            </a:pPr>
+            <a:endParaRPr lang="de-DE" sz="1200" b="0" i="0" u="none" strike="noStrike" kern="1200" baseline="0" dirty="0">
+              <a:solidFill>
+                <a:schemeClr val="tx1"/>
+              </a:solidFill>
+              <a:latin typeface="+mn-lt"/>
+              <a:ea typeface="+mn-ea"/>
+              <a:cs typeface="+mn-cs"/>
+            </a:endParaRPr>
+          </a:p>
+          <a:p>
             <a:endParaRPr lang="de-DE" dirty="0"/>
           </a:p>
         </p:txBody>
@@ -1887,7 +2740,7 @@
               <a:pPr>
                 <a:defRPr/>
               </a:pPr>
-              <a:t>7</a:t>
+              <a:t>6</a:t>
             </a:fld>
             <a:endParaRPr lang="de-DE"/>
           </a:p>
@@ -1896,7 +2749,7 @@
     </p:spTree>
     <p:extLst>
       <p:ext uri="{BB962C8B-B14F-4D97-AF65-F5344CB8AC3E}">
-        <p14:creationId xmlns:p14="http://schemas.microsoft.com/office/powerpoint/2010/main" val="2877771217"/>
+        <p14:creationId xmlns:p14="http://schemas.microsoft.com/office/powerpoint/2010/main" val="2983038261"/>
       </p:ext>
     </p:extLst>
   </p:cSld>
@@ -1977,7 +2830,7 @@
               <a:pPr>
                 <a:defRPr/>
               </a:pPr>
-              <a:t>8</a:t>
+              <a:t>7</a:t>
             </a:fld>
             <a:endParaRPr lang="de-DE"/>
           </a:p>
@@ -1986,7 +2839,7 @@
     </p:spTree>
     <p:extLst>
       <p:ext uri="{BB962C8B-B14F-4D97-AF65-F5344CB8AC3E}">
-        <p14:creationId xmlns:p14="http://schemas.microsoft.com/office/powerpoint/2010/main" val="4181652786"/>
+        <p14:creationId xmlns:p14="http://schemas.microsoft.com/office/powerpoint/2010/main" val="3826611263"/>
       </p:ext>
     </p:extLst>
   </p:cSld>
@@ -2040,14 +2893,6 @@
           <a:bodyPr/>
           <a:lstStyle/>
           <a:p>
-            <a:r>
-              <a:rPr lang="de-DE" dirty="0" smtClean="0"/>
-              <a:t>5) Wie Laden, Speichern, Importieren</a:t>
-            </a:r>
-            <a:r>
-              <a:rPr lang="de-DE" baseline="0" dirty="0" smtClean="0"/>
-              <a:t> und Exportieren</a:t>
-            </a:r>
             <a:endParaRPr lang="de-DE" dirty="0"/>
           </a:p>
         </p:txBody>
@@ -2075,7 +2920,7 @@
               <a:pPr>
                 <a:defRPr/>
               </a:pPr>
-              <a:t>9</a:t>
+              <a:t>8</a:t>
             </a:fld>
             <a:endParaRPr lang="de-DE"/>
           </a:p>
@@ -2084,7 +2929,7 @@
     </p:spTree>
     <p:extLst>
       <p:ext uri="{BB962C8B-B14F-4D97-AF65-F5344CB8AC3E}">
-        <p14:creationId xmlns:p14="http://schemas.microsoft.com/office/powerpoint/2010/main" val="1127723579"/>
+        <p14:creationId xmlns:p14="http://schemas.microsoft.com/office/powerpoint/2010/main" val="1990338574"/>
       </p:ext>
     </p:extLst>
   </p:cSld>
@@ -2138,6 +2983,18 @@
           <a:bodyPr/>
           <a:lstStyle/>
           <a:p>
+            <a:r>
+              <a:rPr lang="de-DE" dirty="0" err="1"/>
+              <a:t>Profinet</a:t>
+            </a:r>
+            <a:r>
+              <a:rPr lang="de-DE" dirty="0"/>
+              <a:t> IRT Fahrbahn mit mehre</a:t>
+            </a:r>
+            <a:r>
+              <a:rPr lang="de-DE" baseline="0" dirty="0"/>
+              <a:t> Spüren.</a:t>
+            </a:r>
             <a:endParaRPr lang="de-DE" dirty="0"/>
           </a:p>
         </p:txBody>
@@ -2165,7 +3022,7 @@
               <a:pPr>
                 <a:defRPr/>
               </a:pPr>
-              <a:t>10</a:t>
+              <a:t>9</a:t>
             </a:fld>
             <a:endParaRPr lang="de-DE"/>
           </a:p>
@@ -2174,7 +3031,7 @@
     </p:spTree>
     <p:extLst>
       <p:ext uri="{BB962C8B-B14F-4D97-AF65-F5344CB8AC3E}">
-        <p14:creationId xmlns:p14="http://schemas.microsoft.com/office/powerpoint/2010/main" val="3992928686"/>
+        <p14:creationId xmlns:p14="http://schemas.microsoft.com/office/powerpoint/2010/main" val="2877771217"/>
       </p:ext>
     </p:extLst>
   </p:cSld>
@@ -2341,7 +3198,7 @@
           <a:p>
             <a:pPr lvl="0"/>
             <a:r>
-              <a:rPr lang="de-DE" smtClean="0"/>
+              <a:rPr lang="de-DE"/>
               <a:t>Textmasterformat bearbeiten</a:t>
             </a:r>
           </a:p>
@@ -2387,13 +3244,6 @@
   <p:clrMapOvr>
     <a:masterClrMapping/>
   </p:clrMapOvr>
-  <p:timing>
-    <p:tnLst>
-      <p:par>
-        <p:cTn id="1" dur="indefinite" restart="never" nodeType="tmRoot"/>
-      </p:par>
-    </p:tnLst>
-  </p:timing>
 </p:sldLayout>
 </file>
 
@@ -2447,7 +3297,7 @@
           <a:p>
             <a:pPr lvl="0"/>
             <a:r>
-              <a:rPr lang="de-DE" noProof="0" smtClean="0"/>
+              <a:rPr lang="de-DE" noProof="0"/>
               <a:t>Bild durch Klicken auf Symbol hinzufügen</a:t>
             </a:r>
             <a:endParaRPr lang="de-DE" noProof="0" dirty="0"/>
@@ -2487,7 +3337,7 @@
           <a:p>
             <a:pPr lvl="0"/>
             <a:r>
-              <a:rPr lang="de-DE" noProof="0" smtClean="0"/>
+              <a:rPr lang="de-DE" noProof="0"/>
               <a:t>Bild durch Klicken auf Symbol hinzufügen</a:t>
             </a:r>
             <a:endParaRPr lang="de-DE" noProof="0" dirty="0"/>
@@ -2526,7 +3376,7 @@
               <a:pPr>
                 <a:defRPr/>
               </a:pPr>
-              <a:t>20.07.2018</a:t>
+              <a:t>30.07.2018</a:t>
             </a:fld>
             <a:endParaRPr lang="de-DE" dirty="0"/>
           </a:p>
@@ -2698,7 +3548,7 @@
           </a:lstStyle>
           <a:p>
             <a:r>
-              <a:rPr lang="de-DE" smtClean="0"/>
+              <a:rPr lang="de-DE"/>
               <a:t>Titelmasterformat durch Klicken bearbeiten</a:t>
             </a:r>
             <a:endParaRPr lang="de-DE" dirty="0"/>
@@ -2738,7 +3588,7 @@
           <a:p>
             <a:pPr lvl="0"/>
             <a:r>
-              <a:rPr lang="de-DE" noProof="0" smtClean="0"/>
+              <a:rPr lang="de-DE" noProof="0"/>
               <a:t>Bild durch Klicken auf Symbol hinzufügen</a:t>
             </a:r>
             <a:endParaRPr lang="de-DE" noProof="0" dirty="0"/>
@@ -2778,7 +3628,7 @@
           <a:p>
             <a:pPr lvl="0"/>
             <a:r>
-              <a:rPr lang="de-DE" noProof="0" smtClean="0"/>
+              <a:rPr lang="de-DE" noProof="0"/>
               <a:t>Bild durch Klicken auf Symbol hinzufügen</a:t>
             </a:r>
             <a:endParaRPr lang="de-DE" noProof="0" dirty="0"/>
@@ -2818,7 +3668,7 @@
           <a:p>
             <a:pPr lvl="0"/>
             <a:r>
-              <a:rPr lang="de-DE" noProof="0" smtClean="0"/>
+              <a:rPr lang="de-DE" noProof="0"/>
               <a:t>Bild durch Klicken auf Symbol hinzufügen</a:t>
             </a:r>
             <a:endParaRPr lang="de-DE" noProof="0" dirty="0"/>
@@ -2858,7 +3708,7 @@
           <a:p>
             <a:pPr lvl="0"/>
             <a:r>
-              <a:rPr lang="de-DE" noProof="0" smtClean="0"/>
+              <a:rPr lang="de-DE" noProof="0"/>
               <a:t>Bild durch Klicken auf Symbol hinzufügen</a:t>
             </a:r>
             <a:endParaRPr lang="de-DE" noProof="0" dirty="0"/>
@@ -2898,7 +3748,7 @@
           <a:p>
             <a:pPr lvl="0"/>
             <a:r>
-              <a:rPr lang="de-DE" noProof="0" smtClean="0"/>
+              <a:rPr lang="de-DE" noProof="0"/>
               <a:t>Bild durch Klicken auf Symbol hinzufügen</a:t>
             </a:r>
             <a:endParaRPr lang="de-DE" noProof="0" dirty="0"/>
@@ -2938,7 +3788,7 @@
           <a:p>
             <a:pPr lvl="0"/>
             <a:r>
-              <a:rPr lang="de-DE" noProof="0" smtClean="0"/>
+              <a:rPr lang="de-DE" noProof="0"/>
               <a:t>Bild durch Klicken auf Symbol hinzufügen</a:t>
             </a:r>
             <a:endParaRPr lang="de-DE" noProof="0" dirty="0"/>
@@ -2978,7 +3828,7 @@
           <a:p>
             <a:pPr lvl="0"/>
             <a:r>
-              <a:rPr lang="de-DE" noProof="0" smtClean="0"/>
+              <a:rPr lang="de-DE" noProof="0"/>
               <a:t>Bild durch Klicken auf Symbol hinzufügen</a:t>
             </a:r>
             <a:endParaRPr lang="de-DE" noProof="0" dirty="0"/>
@@ -2995,13 +3845,6 @@
   <p:clrMapOvr>
     <a:masterClrMapping/>
   </p:clrMapOvr>
-  <p:timing>
-    <p:tnLst>
-      <p:par>
-        <p:cTn id="1" dur="indefinite" restart="never" nodeType="tmRoot"/>
-      </p:par>
-    </p:tnLst>
-  </p:timing>
 </p:sldLayout>
 </file>
 
@@ -3159,7 +4002,7 @@
           <a:p>
             <a:pPr lvl="0"/>
             <a:r>
-              <a:rPr lang="de-DE" smtClean="0"/>
+              <a:rPr lang="de-DE"/>
               <a:t>Textmasterformat bearbeiten</a:t>
             </a:r>
           </a:p>
@@ -3205,13 +4048,6 @@
   <p:clrMapOvr>
     <a:masterClrMapping/>
   </p:clrMapOvr>
-  <p:timing>
-    <p:tnLst>
-      <p:par>
-        <p:cTn id="1" dur="indefinite" restart="never" nodeType="tmRoot"/>
-      </p:par>
-    </p:tnLst>
-  </p:timing>
 </p:sldLayout>
 </file>
 
@@ -3294,21 +4130,21 @@
           <a:p>
             <a:pPr lvl="0"/>
             <a:r>
-              <a:rPr lang="de-DE" smtClean="0"/>
+              <a:rPr lang="de-DE"/>
               <a:t>Textmasterformat bearbeiten</a:t>
             </a:r>
           </a:p>
           <a:p>
             <a:pPr lvl="1"/>
             <a:r>
-              <a:rPr lang="de-DE" smtClean="0"/>
+              <a:rPr lang="de-DE"/>
               <a:t>Zweite Ebene</a:t>
             </a:r>
           </a:p>
           <a:p>
             <a:pPr lvl="2"/>
             <a:r>
-              <a:rPr lang="de-DE" smtClean="0"/>
+              <a:rPr lang="de-DE"/>
               <a:t>Dritte Ebene</a:t>
             </a:r>
           </a:p>
@@ -3346,7 +4182,7 @@
               <a:pPr>
                 <a:defRPr/>
               </a:pPr>
-              <a:t>20.07.2018</a:t>
+              <a:t>30.07.2018</a:t>
             </a:fld>
             <a:endParaRPr lang="de-DE" dirty="0"/>
           </a:p>
@@ -3518,7 +4354,7 @@
           </a:lstStyle>
           <a:p>
             <a:r>
-              <a:rPr lang="de-DE" smtClean="0"/>
+              <a:rPr lang="de-DE"/>
               <a:t>Titelmasterformat durch Klicken bearbeiten</a:t>
             </a:r>
             <a:endParaRPr lang="de-DE" dirty="0"/>
@@ -3535,13 +4371,6 @@
   <p:clrMapOvr>
     <a:masterClrMapping/>
   </p:clrMapOvr>
-  <p:timing>
-    <p:tnLst>
-      <p:par>
-        <p:cTn id="1" dur="indefinite" restart="never" nodeType="tmRoot"/>
-      </p:par>
-    </p:tnLst>
-  </p:timing>
 </p:sldLayout>
 </file>
 
@@ -3633,38 +4462,38 @@
           <a:p>
             <a:pPr lvl="0"/>
             <a:r>
-              <a:rPr lang="de-DE" smtClean="0"/>
+              <a:rPr lang="de-DE"/>
               <a:t>Textmasterformat bearbeiten</a:t>
             </a:r>
           </a:p>
           <a:p>
             <a:pPr lvl="1"/>
             <a:r>
-              <a:rPr lang="de-DE" smtClean="0"/>
+              <a:rPr lang="de-DE"/>
               <a:t>Zweite Ebene</a:t>
             </a:r>
           </a:p>
           <a:p>
             <a:pPr lvl="2"/>
             <a:r>
-              <a:rPr lang="de-DE" smtClean="0"/>
+              <a:rPr lang="de-DE"/>
               <a:t>Dritte Ebene</a:t>
             </a:r>
           </a:p>
           <a:p>
             <a:pPr lvl="3"/>
             <a:r>
-              <a:rPr lang="de-DE" smtClean="0"/>
+              <a:rPr lang="de-DE"/>
               <a:t>Vierte Ebene</a:t>
             </a:r>
           </a:p>
           <a:p>
             <a:pPr lvl="4"/>
             <a:r>
-              <a:rPr lang="de-DE" smtClean="0"/>
+              <a:rPr lang="de-DE"/>
               <a:t>Fünfte Ebene</a:t>
             </a:r>
-            <a:endParaRPr lang="de-DE" dirty="0" smtClean="0"/>
+            <a:endParaRPr lang="de-DE" dirty="0"/>
           </a:p>
         </p:txBody>
       </p:sp>
@@ -3700,7 +4529,7 @@
               <a:pPr>
                 <a:defRPr/>
               </a:pPr>
-              <a:t>20.07.2018</a:t>
+              <a:t>30.07.2018</a:t>
             </a:fld>
             <a:endParaRPr lang="de-DE" dirty="0"/>
           </a:p>
@@ -3872,7 +4701,7 @@
           </a:lstStyle>
           <a:p>
             <a:r>
-              <a:rPr lang="de-DE" smtClean="0"/>
+              <a:rPr lang="de-DE"/>
               <a:t>Titelmasterformat durch Klicken bearbeiten</a:t>
             </a:r>
             <a:endParaRPr lang="de-DE" dirty="0"/>
@@ -3889,13 +4718,6 @@
   <p:clrMapOvr>
     <a:masterClrMapping/>
   </p:clrMapOvr>
-  <p:timing>
-    <p:tnLst>
-      <p:par>
-        <p:cTn id="1" dur="indefinite" restart="never" nodeType="tmRoot"/>
-      </p:par>
-    </p:tnLst>
-  </p:timing>
 </p:sldLayout>
 </file>
 
@@ -3965,7 +4787,7 @@
           <a:p>
             <a:pPr lvl="0"/>
             <a:r>
-              <a:rPr lang="de-DE" smtClean="0"/>
+              <a:rPr lang="de-DE"/>
               <a:t>Textmasterformat bearbeiten</a:t>
             </a:r>
           </a:p>
@@ -4004,7 +4826,7 @@
           <a:p>
             <a:pPr lvl="0"/>
             <a:r>
-              <a:rPr lang="de-DE" noProof="0" smtClean="0"/>
+              <a:rPr lang="de-DE" noProof="0"/>
               <a:t>Bild durch Klicken auf Symbol hinzufügen</a:t>
             </a:r>
             <a:endParaRPr lang="de-DE" noProof="0" dirty="0"/>
@@ -4043,7 +4865,7 @@
               <a:pPr>
                 <a:defRPr/>
               </a:pPr>
-              <a:t>20.07.2018</a:t>
+              <a:t>30.07.2018</a:t>
             </a:fld>
             <a:endParaRPr lang="de-DE" dirty="0"/>
           </a:p>
@@ -4215,7 +5037,7 @@
           </a:lstStyle>
           <a:p>
             <a:r>
-              <a:rPr lang="de-DE" smtClean="0"/>
+              <a:rPr lang="de-DE"/>
               <a:t>Titelmasterformat durch Klicken bearbeiten</a:t>
             </a:r>
             <a:endParaRPr lang="de-DE" dirty="0"/>
@@ -4232,13 +5054,6 @@
   <p:clrMapOvr>
     <a:masterClrMapping/>
   </p:clrMapOvr>
-  <p:timing>
-    <p:tnLst>
-      <p:par>
-        <p:cTn id="1" dur="indefinite" restart="never" nodeType="tmRoot"/>
-      </p:par>
-    </p:tnLst>
-  </p:timing>
 </p:sldLayout>
 </file>
 
@@ -4292,7 +5107,7 @@
           <a:p>
             <a:pPr lvl="0"/>
             <a:r>
-              <a:rPr lang="de-DE" noProof="0" smtClean="0"/>
+              <a:rPr lang="de-DE" noProof="0"/>
               <a:t>Bild durch Klicken auf Symbol hinzufügen</a:t>
             </a:r>
             <a:endParaRPr lang="de-DE" noProof="0" dirty="0"/>
@@ -4333,7 +5148,7 @@
           <a:p>
             <a:pPr lvl="0"/>
             <a:r>
-              <a:rPr lang="de-DE" smtClean="0"/>
+              <a:rPr lang="de-DE"/>
               <a:t>Textmasterformat bearbeiten</a:t>
             </a:r>
           </a:p>
@@ -4371,7 +5186,7 @@
               <a:pPr>
                 <a:defRPr/>
               </a:pPr>
-              <a:t>20.07.2018</a:t>
+              <a:t>30.07.2018</a:t>
             </a:fld>
             <a:endParaRPr lang="de-DE" dirty="0"/>
           </a:p>
@@ -4543,7 +5358,7 @@
           </a:lstStyle>
           <a:p>
             <a:r>
-              <a:rPr lang="de-DE" smtClean="0"/>
+              <a:rPr lang="de-DE"/>
               <a:t>Titelmasterformat durch Klicken bearbeiten</a:t>
             </a:r>
             <a:endParaRPr lang="de-DE" dirty="0"/>
@@ -4560,13 +5375,6 @@
   <p:clrMapOvr>
     <a:masterClrMapping/>
   </p:clrMapOvr>
-  <p:timing>
-    <p:tnLst>
-      <p:par>
-        <p:cTn id="1" dur="indefinite" restart="never" nodeType="tmRoot"/>
-      </p:par>
-    </p:tnLst>
-  </p:timing>
 </p:sldLayout>
 </file>
 
@@ -4620,7 +5428,7 @@
           <a:p>
             <a:pPr lvl="0"/>
             <a:r>
-              <a:rPr lang="de-DE" noProof="0" smtClean="0"/>
+              <a:rPr lang="de-DE" noProof="0"/>
               <a:t>Bild durch Klicken auf Symbol hinzufügen</a:t>
             </a:r>
             <a:endParaRPr lang="de-DE" noProof="0" dirty="0"/>
@@ -4660,7 +5468,7 @@
           <a:p>
             <a:pPr lvl="0"/>
             <a:r>
-              <a:rPr lang="de-DE" noProof="0" smtClean="0"/>
+              <a:rPr lang="de-DE" noProof="0"/>
               <a:t>Bild durch Klicken auf Symbol hinzufügen</a:t>
             </a:r>
             <a:endParaRPr lang="de-DE" noProof="0" dirty="0"/>
@@ -4699,7 +5507,7 @@
               <a:pPr>
                 <a:defRPr/>
               </a:pPr>
-              <a:t>20.07.2018</a:t>
+              <a:t>30.07.2018</a:t>
             </a:fld>
             <a:endParaRPr lang="de-DE" dirty="0"/>
           </a:p>
@@ -4871,7 +5679,7 @@
           </a:lstStyle>
           <a:p>
             <a:r>
-              <a:rPr lang="de-DE" smtClean="0"/>
+              <a:rPr lang="de-DE"/>
               <a:t>Titelmasterformat durch Klicken bearbeiten</a:t>
             </a:r>
             <a:endParaRPr lang="de-DE" dirty="0"/>
@@ -4888,13 +5696,6 @@
   <p:clrMapOvr>
     <a:masterClrMapping/>
   </p:clrMapOvr>
-  <p:timing>
-    <p:tnLst>
-      <p:par>
-        <p:cTn id="1" dur="indefinite" restart="never" nodeType="tmRoot"/>
-      </p:par>
-    </p:tnLst>
-  </p:timing>
 </p:sldLayout>
 </file>
 
@@ -4948,7 +5749,7 @@
           <a:p>
             <a:pPr lvl="0"/>
             <a:r>
-              <a:rPr lang="de-DE" noProof="0" smtClean="0"/>
+              <a:rPr lang="de-DE" noProof="0"/>
               <a:t>Bild durch Klicken auf Symbol hinzufügen</a:t>
             </a:r>
             <a:endParaRPr lang="de-DE" noProof="0" dirty="0"/>
@@ -4989,7 +5790,7 @@
           <a:p>
             <a:pPr lvl="0"/>
             <a:r>
-              <a:rPr lang="de-DE" smtClean="0"/>
+              <a:rPr lang="de-DE"/>
               <a:t>Textmasterformat bearbeiten</a:t>
             </a:r>
           </a:p>
@@ -5029,7 +5830,7 @@
           <a:p>
             <a:pPr lvl="0"/>
             <a:r>
-              <a:rPr lang="de-DE" smtClean="0"/>
+              <a:rPr lang="de-DE"/>
               <a:t>Textmasterformat bearbeiten</a:t>
             </a:r>
           </a:p>
@@ -5068,7 +5869,7 @@
           <a:p>
             <a:pPr lvl="0"/>
             <a:r>
-              <a:rPr lang="de-DE" noProof="0" smtClean="0"/>
+              <a:rPr lang="de-DE" noProof="0"/>
               <a:t>Bild durch Klicken auf Symbol hinzufügen</a:t>
             </a:r>
             <a:endParaRPr lang="de-DE" noProof="0" dirty="0"/>
@@ -5107,7 +5908,7 @@
               <a:pPr>
                 <a:defRPr/>
               </a:pPr>
-              <a:t>20.07.2018</a:t>
+              <a:t>30.07.2018</a:t>
             </a:fld>
             <a:endParaRPr lang="de-DE" dirty="0"/>
           </a:p>
@@ -5279,7 +6080,7 @@
           </a:lstStyle>
           <a:p>
             <a:r>
-              <a:rPr lang="de-DE" smtClean="0"/>
+              <a:rPr lang="de-DE"/>
               <a:t>Titelmasterformat durch Klicken bearbeiten</a:t>
             </a:r>
             <a:endParaRPr lang="de-DE" dirty="0"/>
@@ -5296,13 +6097,6 @@
   <p:clrMapOvr>
     <a:masterClrMapping/>
   </p:clrMapOvr>
-  <p:timing>
-    <p:tnLst>
-      <p:par>
-        <p:cTn id="1" dur="indefinite" restart="never" nodeType="tmRoot"/>
-      </p:par>
-    </p:tnLst>
-  </p:timing>
 </p:sldLayout>
 </file>
 
@@ -5356,7 +6150,7 @@
           <a:p>
             <a:pPr lvl="0"/>
             <a:r>
-              <a:rPr lang="de-DE" noProof="0" smtClean="0"/>
+              <a:rPr lang="de-DE" noProof="0"/>
               <a:t>Bild durch Klicken auf Symbol hinzufügen</a:t>
             </a:r>
             <a:endParaRPr lang="de-DE" noProof="0" dirty="0"/>
@@ -5396,7 +6190,7 @@
           <a:p>
             <a:pPr lvl="0"/>
             <a:r>
-              <a:rPr lang="de-DE" noProof="0" smtClean="0"/>
+              <a:rPr lang="de-DE" noProof="0"/>
               <a:t>Bild durch Klicken auf Symbol hinzufügen</a:t>
             </a:r>
             <a:endParaRPr lang="de-DE" noProof="0" dirty="0"/>
@@ -5436,7 +6230,7 @@
           <a:p>
             <a:pPr lvl="0"/>
             <a:r>
-              <a:rPr lang="de-DE" noProof="0" smtClean="0"/>
+              <a:rPr lang="de-DE" noProof="0"/>
               <a:t>Bild durch Klicken auf Symbol hinzufügen</a:t>
             </a:r>
             <a:endParaRPr lang="de-DE" noProof="0" dirty="0"/>
@@ -5475,7 +6269,7 @@
               <a:pPr>
                 <a:defRPr/>
               </a:pPr>
-              <a:t>20.07.2018</a:t>
+              <a:t>30.07.2018</a:t>
             </a:fld>
             <a:endParaRPr lang="de-DE" dirty="0"/>
           </a:p>
@@ -5647,7 +6441,7 @@
           </a:lstStyle>
           <a:p>
             <a:r>
-              <a:rPr lang="de-DE" smtClean="0"/>
+              <a:rPr lang="de-DE"/>
               <a:t>Titelmasterformat durch Klicken bearbeiten</a:t>
             </a:r>
             <a:endParaRPr lang="de-DE" dirty="0"/>
@@ -5664,13 +6458,6 @@
   <p:clrMapOvr>
     <a:masterClrMapping/>
   </p:clrMapOvr>
-  <p:timing>
-    <p:tnLst>
-      <p:par>
-        <p:cTn id="1" dur="indefinite" restart="never" nodeType="tmRoot"/>
-      </p:par>
-    </p:tnLst>
-  </p:timing>
 </p:sldLayout>
 </file>
 
@@ -5738,7 +6525,7 @@
               <a:pPr>
                 <a:defRPr/>
               </a:pPr>
-              <a:t>20.07.2018</a:t>
+              <a:t>30.07.2018</a:t>
             </a:fld>
             <a:endParaRPr lang="de-DE" dirty="0"/>
           </a:p>
@@ -5853,10 +6640,9 @@
           <a:lstStyle/>
           <a:p>
             <a:r>
-              <a:rPr lang="de-DE" smtClean="0"/>
+              <a:rPr lang="de-DE"/>
               <a:t>Titelmasterformat durch Klicken bearbeiten</a:t>
             </a:r>
-            <a:endParaRPr lang="de-DE"/>
           </a:p>
         </p:txBody>
       </p:sp>
@@ -5875,13 +6661,6 @@
     <p:sldLayoutId id="2147483773" r:id="rId9"/>
     <p:sldLayoutId id="2147483774" r:id="rId10"/>
   </p:sldLayoutIdLst>
-  <p:timing>
-    <p:tnLst>
-      <p:par>
-        <p:cTn id="1" dur="indefinite" restart="never" nodeType="tmRoot"/>
-      </p:par>
-    </p:tnLst>
-  </p:timing>
   <p:hf hdr="0"/>
   <p:txStyles>
     <p:titleStyle>
@@ -6391,7 +7170,7 @@
               </a:spcBef>
             </a:pPr>
             <a:r>
-              <a:rPr lang="de-DE" altLang="de-DE" dirty="0" smtClean="0"/>
+              <a:rPr lang="de-DE" altLang="de-DE" dirty="0"/>
               <a:t>Darstellung der Topologie eines industriellen Kommunikationsnetzwerks</a:t>
             </a:r>
           </a:p>
@@ -6401,7 +7180,7 @@
                 <a:spcPct val="0"/>
               </a:spcBef>
             </a:pPr>
-            <a:endParaRPr lang="de-DE" altLang="de-DE" dirty="0" smtClean="0"/>
+            <a:endParaRPr lang="de-DE" altLang="de-DE" dirty="0"/>
           </a:p>
           <a:p>
             <a:pPr algn="ctr">
@@ -6410,7 +7189,7 @@
               </a:spcBef>
             </a:pPr>
             <a:r>
-              <a:rPr lang="de-DE" altLang="de-DE" sz="1800" dirty="0" smtClean="0"/>
+              <a:rPr lang="de-DE" altLang="de-DE" sz="1800" dirty="0"/>
               <a:t>Master-Abschlussarbeit</a:t>
             </a:r>
           </a:p>
@@ -6421,7 +7200,7 @@
               </a:spcBef>
             </a:pPr>
             <a:r>
-              <a:rPr lang="de-DE" altLang="de-DE" sz="1800" dirty="0" smtClean="0"/>
+              <a:rPr lang="de-DE" altLang="de-DE" sz="1800" dirty="0"/>
               <a:t>von</a:t>
             </a:r>
           </a:p>
@@ -6432,14 +7211,14 @@
               </a:spcBef>
             </a:pPr>
             <a:r>
-              <a:rPr lang="de-DE" altLang="de-DE" sz="1800" dirty="0" smtClean="0"/>
+              <a:rPr lang="de-DE" altLang="de-DE" sz="1800" dirty="0"/>
               <a:t>Ghislain </a:t>
             </a:r>
             <a:r>
-              <a:rPr lang="de-DE" altLang="de-DE" sz="1800" dirty="0" err="1" smtClean="0"/>
+              <a:rPr lang="de-DE" altLang="de-DE" sz="1800" dirty="0" err="1"/>
               <a:t>Zeleu</a:t>
             </a:r>
-            <a:endParaRPr lang="de-DE" altLang="de-DE" sz="1800" dirty="0" smtClean="0"/>
+            <a:endParaRPr lang="de-DE" altLang="de-DE" sz="1800" dirty="0"/>
           </a:p>
           <a:p>
             <a:pPr>
@@ -6447,7 +7226,7 @@
                 <a:spcPct val="0"/>
               </a:spcBef>
             </a:pPr>
-            <a:endParaRPr lang="de-DE" altLang="de-DE" dirty="0" smtClean="0"/>
+            <a:endParaRPr lang="de-DE" altLang="de-DE" dirty="0"/>
           </a:p>
         </p:txBody>
       </p:sp>
@@ -6456,13 +7235,6 @@
   <p:clrMapOvr>
     <a:masterClrMapping/>
   </p:clrMapOvr>
-  <p:timing>
-    <p:tnLst>
-      <p:par>
-        <p:cTn id="1" dur="indefinite" restart="never" nodeType="tmRoot"/>
-      </p:par>
-    </p:tnLst>
-  </p:timing>
 </p:sld>
 </file>
 
@@ -6499,7 +7271,7 @@
           <a:lstStyle/>
           <a:p>
             <a:r>
-              <a:rPr lang="de-DE" dirty="0" smtClean="0">
+              <a:rPr lang="de-DE" dirty="0">
                 <a:solidFill>
                   <a:schemeClr val="bg1">
                     <a:lumMod val="50000"/>
@@ -6512,7 +7284,7 @@
           <a:p>
             <a:pPr lvl="1"/>
             <a:r>
-              <a:rPr lang="de-DE" sz="2000" dirty="0" smtClean="0">
+              <a:rPr lang="de-DE" sz="2000" dirty="0">
                 <a:solidFill>
                   <a:schemeClr val="bg1">
                     <a:lumMod val="50000"/>
@@ -6525,7 +7297,7 @@
           <a:p>
             <a:pPr lvl="1"/>
             <a:r>
-              <a:rPr lang="de-DE" dirty="0" smtClean="0">
+              <a:rPr lang="de-DE" dirty="0">
                 <a:solidFill>
                   <a:schemeClr val="bg1">
                     <a:lumMod val="50000"/>
@@ -6537,7 +7309,7 @@
           </a:p>
           <a:p>
             <a:r>
-              <a:rPr lang="de-DE" dirty="0" smtClean="0">
+              <a:rPr lang="de-DE" dirty="0">
                 <a:solidFill>
                   <a:schemeClr val="bg1">
                     <a:lumMod val="50000"/>
@@ -6550,20 +7322,20 @@
           <a:p>
             <a:pPr lvl="1"/>
             <a:r>
-              <a:rPr lang="de-DE" dirty="0" smtClean="0">
+              <a:rPr lang="de-DE" dirty="0">
                 <a:solidFill>
                   <a:schemeClr val="bg1">
                     <a:lumMod val="50000"/>
                   </a:schemeClr>
                 </a:solidFill>
               </a:rPr>
-              <a:t>Begriffserklärung</a:t>
+              <a:t>Begriffserklärung </a:t>
             </a:r>
           </a:p>
           <a:p>
             <a:pPr lvl="1"/>
             <a:r>
-              <a:rPr lang="de-DE" dirty="0" err="1" smtClean="0">
+              <a:rPr lang="de-DE" dirty="0" err="1">
                 <a:solidFill>
                   <a:schemeClr val="bg1">
                     <a:lumMod val="50000"/>
@@ -6572,7 +7344,7 @@
               </a:rPr>
               <a:t>Topologiemuster</a:t>
             </a:r>
-            <a:endParaRPr lang="de-DE" dirty="0" smtClean="0">
+            <a:endParaRPr lang="de-DE" dirty="0">
               <a:solidFill>
                 <a:schemeClr val="bg1">
                   <a:lumMod val="50000"/>
@@ -6583,7 +7355,7 @@
           <a:p>
             <a:pPr lvl="1"/>
             <a:r>
-              <a:rPr lang="de-DE" dirty="0" smtClean="0">
+              <a:rPr lang="de-DE" dirty="0">
                 <a:solidFill>
                   <a:schemeClr val="bg1">
                     <a:lumMod val="50000"/>
@@ -6595,80 +7367,61 @@
           </a:p>
           <a:p>
             <a:r>
-              <a:rPr lang="de-DE" dirty="0" smtClean="0">
-                <a:solidFill>
-                  <a:schemeClr val="bg1">
-                    <a:lumMod val="50000"/>
-                  </a:schemeClr>
-                </a:solidFill>
-              </a:rPr>
-              <a:t>Anforderungsanalyse   </a:t>
+              <a:rPr lang="de-DE" b="1" dirty="0"/>
+              <a:t>Anforderungsanalyse</a:t>
             </a:r>
           </a:p>
           <a:p>
             <a:pPr lvl="1"/>
             <a:r>
-              <a:rPr lang="de-DE" dirty="0" smtClean="0">
-                <a:solidFill>
-                  <a:schemeClr val="bg1">
-                    <a:lumMod val="50000"/>
-                  </a:schemeClr>
-                </a:solidFill>
-              </a:rPr>
+              <a:rPr lang="de-DE" b="1" dirty="0"/>
               <a:t>Funktionale Anforderungen</a:t>
             </a:r>
           </a:p>
           <a:p>
             <a:pPr lvl="1"/>
             <a:r>
-              <a:rPr lang="de-DE" dirty="0" smtClean="0">
-                <a:solidFill>
-                  <a:schemeClr val="bg1">
-                    <a:lumMod val="50000"/>
-                  </a:schemeClr>
-                </a:solidFill>
-              </a:rPr>
+              <a:rPr lang="de-DE" b="1" dirty="0"/>
               <a:t>Nichtfunktionale Anforderungen</a:t>
             </a:r>
           </a:p>
           <a:p>
             <a:r>
-              <a:rPr lang="de-DE" b="1" dirty="0" smtClean="0"/>
+              <a:rPr lang="de-DE" dirty="0"/>
               <a:t>Evaluation der JavaScript-Frameworks(erstes Ergebnis)</a:t>
             </a:r>
           </a:p>
           <a:p>
             <a:r>
-              <a:rPr lang="de-DE" dirty="0" smtClean="0"/>
+              <a:rPr lang="de-DE" dirty="0"/>
               <a:t>Konzepte der </a:t>
             </a:r>
             <a:r>
-              <a:rPr lang="de-DE" dirty="0" err="1" smtClean="0"/>
+              <a:rPr lang="de-DE" dirty="0" err="1"/>
               <a:t>Topology</a:t>
             </a:r>
             <a:r>
-              <a:rPr lang="de-DE" dirty="0" smtClean="0"/>
+              <a:rPr lang="de-DE" dirty="0"/>
               <a:t>-Editor (zweites Ergebnis)</a:t>
             </a:r>
           </a:p>
           <a:p>
             <a:r>
-              <a:rPr lang="de-DE" dirty="0" smtClean="0"/>
+              <a:rPr lang="de-DE" dirty="0"/>
               <a:t>Prototype Implementierung(drittes Ergebnis)</a:t>
             </a:r>
           </a:p>
           <a:p>
             <a:r>
               <a:rPr lang="de-DE" dirty="0"/>
-              <a:t>Fortsetzungsmöglichkeiten</a:t>
-            </a:r>
-            <a:endParaRPr lang="de-DE" dirty="0" smtClean="0"/>
-          </a:p>
-          <a:p>
-            <a:endParaRPr lang="de-DE" dirty="0" smtClean="0"/>
-          </a:p>
-          <a:p>
-            <a:endParaRPr lang="de-DE" dirty="0" smtClean="0"/>
+              <a:t>Fortsetzungsmöglichkeiten </a:t>
+            </a:r>
+          </a:p>
+          <a:p>
+            <a:endParaRPr lang="de-DE" dirty="0"/>
+          </a:p>
+          <a:p>
+            <a:endParaRPr lang="de-DE" dirty="0"/>
           </a:p>
           <a:p>
             <a:endParaRPr lang="de-DE" dirty="0"/>
@@ -6698,7 +7451,7 @@
               <a:pPr>
                 <a:defRPr/>
               </a:pPr>
-              <a:t>20.07.2018</a:t>
+              <a:t>30.07.2018</a:t>
             </a:fld>
             <a:endParaRPr lang="de-DE" dirty="0"/>
           </a:p>
@@ -6771,30 +7524,22 @@
           <a:lstStyle/>
           <a:p>
             <a:r>
-              <a:rPr lang="de-DE" dirty="0" smtClean="0"/>
+              <a:rPr lang="de-DE" dirty="0"/>
               <a:t>Agenda</a:t>
             </a:r>
-            <a:endParaRPr lang="de-DE" dirty="0"/>
           </a:p>
         </p:txBody>
       </p:sp>
     </p:spTree>
     <p:extLst>
       <p:ext uri="{BB962C8B-B14F-4D97-AF65-F5344CB8AC3E}">
-        <p14:creationId xmlns:p14="http://schemas.microsoft.com/office/powerpoint/2010/main" val="500668289"/>
+        <p14:creationId xmlns:p14="http://schemas.microsoft.com/office/powerpoint/2010/main" val="2115502966"/>
       </p:ext>
     </p:extLst>
   </p:cSld>
   <p:clrMapOvr>
     <a:masterClrMapping/>
   </p:clrMapOvr>
-  <p:timing>
-    <p:tnLst>
-      <p:par>
-        <p:cTn id="1" dur="indefinite" restart="never" nodeType="tmRoot"/>
-      </p:par>
-    </p:tnLst>
-  </p:timing>
 </p:sld>
 </file>
 
@@ -6831,15 +7576,82 @@
           <a:lstStyle/>
           <a:p>
             <a:r>
-              <a:rPr lang="de-DE" dirty="0" smtClean="0"/>
-              <a:t>Angular &amp; </a:t>
-            </a:r>
-            <a:r>
-              <a:rPr lang="de-DE" dirty="0" err="1" smtClean="0"/>
-              <a:t>GoJS</a:t>
-            </a:r>
+              <a:rPr lang="de-DE" dirty="0"/>
+              <a:t>Was soll das Softwareprodukt  tun?</a:t>
+            </a:r>
+          </a:p>
+          <a:p>
+            <a:pPr lvl="1"/>
+            <a:r>
+              <a:rPr lang="de-DE" dirty="0"/>
+              <a:t>Die Topologie besitzt ihre eigene Ansicht</a:t>
+            </a:r>
+          </a:p>
+          <a:p>
+            <a:pPr lvl="1"/>
+            <a:r>
+              <a:rPr lang="de-DE" dirty="0"/>
+              <a:t>Die topologischen Informationen müssen Mit Symbolen dargestellt werden</a:t>
+            </a:r>
+          </a:p>
+          <a:p>
+            <a:pPr lvl="1"/>
+            <a:r>
+              <a:rPr lang="de-DE" dirty="0"/>
+              <a:t>Jede Darstellung muss separat geschlossen werden</a:t>
+            </a:r>
+          </a:p>
+          <a:p>
+            <a:pPr lvl="1"/>
+            <a:r>
+              <a:rPr lang="de-DE" dirty="0"/>
+              <a:t>Zoom-Funktionen bieten</a:t>
+            </a:r>
+          </a:p>
+          <a:p>
+            <a:pPr lvl="1"/>
+            <a:r>
+              <a:rPr lang="de-DE" dirty="0"/>
+              <a:t>Die  Basisfunktionen müssen bereitstellt werden</a:t>
+            </a:r>
+          </a:p>
+          <a:p>
             <a:endParaRPr lang="de-DE" dirty="0"/>
           </a:p>
+          <a:p>
+            <a:endParaRPr lang="de-DE" dirty="0"/>
+          </a:p>
+          <a:p>
+            <a:r>
+              <a:rPr lang="de-DE" dirty="0"/>
+              <a:t>NFRs</a:t>
+            </a:r>
+          </a:p>
+          <a:p>
+            <a:pPr lvl="1"/>
+            <a:r>
+              <a:rPr lang="de-DE" dirty="0"/>
+              <a:t>Integrierbar sein</a:t>
+            </a:r>
+          </a:p>
+          <a:p>
+            <a:pPr lvl="1"/>
+            <a:r>
+              <a:rPr lang="de-DE" dirty="0"/>
+              <a:t>Stabilität</a:t>
+            </a:r>
+          </a:p>
+          <a:p>
+            <a:pPr lvl="1"/>
+            <a:r>
+              <a:rPr lang="de-DE" dirty="0"/>
+              <a:t>Wartbarkeit</a:t>
+            </a:r>
+          </a:p>
+          <a:p>
+            <a:pPr lvl="1"/>
+            <a:endParaRPr lang="de-DE" dirty="0"/>
+          </a:p>
         </p:txBody>
       </p:sp>
       <p:sp>
@@ -6860,12 +7672,12 @@
             <a:pPr>
               <a:defRPr/>
             </a:pPr>
-            <a:fld id="{EE9AC89C-B0F3-4179-9BF1-A11BD48F530E}" type="datetime1">
+            <a:fld id="{C098E26C-8BAA-4ACE-83C6-8F04F03DE16F}" type="datetime1">
               <a:rPr lang="de-DE" smtClean="0"/>
               <a:pPr>
                 <a:defRPr/>
               </a:pPr>
-              <a:t>20.07.2018</a:t>
+              <a:t>30.07.2018</a:t>
             </a:fld>
             <a:endParaRPr lang="de-DE" dirty="0"/>
           </a:p>
@@ -6911,7 +7723,7 @@
             <a:pPr>
               <a:defRPr/>
             </a:pPr>
-            <a:fld id="{B53A9DA1-A25A-429F-A02C-54EE5606360E}" type="slidenum">
+            <a:fld id="{7A8CEE4A-E163-47DE-8784-5B8DE9F7A78A}" type="slidenum">
               <a:rPr lang="de-DE" altLang="de-DE" smtClean="0"/>
               <a:pPr>
                 <a:defRPr/>
@@ -6934,25 +7746,15 @@
         </p:nvSpPr>
         <p:spPr/>
         <p:txBody>
-          <a:bodyPr>
-            <a:normAutofit fontScale="90000"/>
-          </a:bodyPr>
-          <a:lstStyle/>
-          <a:p>
-            <a:r>
-              <a:rPr lang="de-DE" b="1" dirty="0"/>
-              <a:t>Evaluation der </a:t>
-            </a:r>
-            <a:r>
-              <a:rPr lang="de-DE" b="1" dirty="0" smtClean="0"/>
-              <a:t>JavaScript-Frameworks</a:t>
-            </a:r>
-            <a:r>
-              <a:rPr lang="de-DE" b="1" dirty="0"/>
-              <a:t/>
+          <a:bodyPr/>
+          <a:lstStyle/>
+          <a:p>
+            <a:r>
+              <a:rPr lang="de-DE" dirty="0"/>
+              <a:t>Anforderungsanalyse:: FR &amp; NFR</a:t>
             </a:r>
             <a:br>
-              <a:rPr lang="de-DE" b="1" dirty="0"/>
+              <a:rPr lang="de-DE" dirty="0"/>
             </a:br>
             <a:endParaRPr lang="de-DE" dirty="0"/>
           </a:p>
@@ -6961,7 +7763,7 @@
     </p:spTree>
     <p:extLst>
       <p:ext uri="{BB962C8B-B14F-4D97-AF65-F5344CB8AC3E}">
-        <p14:creationId xmlns:p14="http://schemas.microsoft.com/office/powerpoint/2010/main" val="229021680"/>
+        <p14:creationId xmlns:p14="http://schemas.microsoft.com/office/powerpoint/2010/main" val="1984766495"/>
       </p:ext>
     </p:extLst>
   </p:cSld>
@@ -7004,7 +7806,7 @@
           <a:lstStyle/>
           <a:p>
             <a:r>
-              <a:rPr lang="de-DE" dirty="0" smtClean="0">
+              <a:rPr lang="de-DE" dirty="0">
                 <a:solidFill>
                   <a:schemeClr val="bg1">
                     <a:lumMod val="50000"/>
@@ -7017,7 +7819,7 @@
           <a:p>
             <a:pPr lvl="1"/>
             <a:r>
-              <a:rPr lang="de-DE" sz="2000" dirty="0" smtClean="0">
+              <a:rPr lang="de-DE" sz="2000" dirty="0">
                 <a:solidFill>
                   <a:schemeClr val="bg1">
                     <a:lumMod val="50000"/>
@@ -7030,7 +7832,7 @@
           <a:p>
             <a:pPr lvl="1"/>
             <a:r>
-              <a:rPr lang="de-DE" dirty="0" smtClean="0">
+              <a:rPr lang="de-DE" dirty="0">
                 <a:solidFill>
                   <a:schemeClr val="bg1">
                     <a:lumMod val="50000"/>
@@ -7042,7 +7844,7 @@
           </a:p>
           <a:p>
             <a:r>
-              <a:rPr lang="de-DE" dirty="0" smtClean="0">
+              <a:rPr lang="de-DE" dirty="0">
                 <a:solidFill>
                   <a:schemeClr val="bg1">
                     <a:lumMod val="50000"/>
@@ -7055,7 +7857,7 @@
           <a:p>
             <a:pPr lvl="1"/>
             <a:r>
-              <a:rPr lang="de-DE" dirty="0" smtClean="0">
+              <a:rPr lang="de-DE" dirty="0">
                 <a:solidFill>
                   <a:schemeClr val="bg1">
                     <a:lumMod val="50000"/>
@@ -7068,7 +7870,7 @@
           <a:p>
             <a:pPr lvl="1"/>
             <a:r>
-              <a:rPr lang="de-DE" dirty="0" err="1" smtClean="0">
+              <a:rPr lang="de-DE" dirty="0" err="1">
                 <a:solidFill>
                   <a:schemeClr val="bg1">
                     <a:lumMod val="50000"/>
@@ -7077,7 +7879,7 @@
               </a:rPr>
               <a:t>Topologiemuster</a:t>
             </a:r>
-            <a:endParaRPr lang="de-DE" dirty="0" smtClean="0">
+            <a:endParaRPr lang="de-DE" dirty="0">
               <a:solidFill>
                 <a:schemeClr val="bg1">
                   <a:lumMod val="50000"/>
@@ -7088,7 +7890,7 @@
           <a:p>
             <a:pPr lvl="1"/>
             <a:r>
-              <a:rPr lang="de-DE" dirty="0" smtClean="0">
+              <a:rPr lang="de-DE" dirty="0">
                 <a:solidFill>
                   <a:schemeClr val="bg1">
                     <a:lumMod val="50000"/>
@@ -7100,7 +7902,7 @@
           </a:p>
           <a:p>
             <a:r>
-              <a:rPr lang="de-DE" dirty="0" smtClean="0">
+              <a:rPr lang="de-DE" dirty="0">
                 <a:solidFill>
                   <a:schemeClr val="bg1">
                     <a:lumMod val="50000"/>
@@ -7113,7 +7915,7 @@
           <a:p>
             <a:pPr lvl="1"/>
             <a:r>
-              <a:rPr lang="de-DE" dirty="0" smtClean="0">
+              <a:rPr lang="de-DE" dirty="0">
                 <a:solidFill>
                   <a:schemeClr val="bg1">
                     <a:lumMod val="50000"/>
@@ -7126,7 +7928,7 @@
           <a:p>
             <a:pPr lvl="1"/>
             <a:r>
-              <a:rPr lang="de-DE" dirty="0" smtClean="0">
+              <a:rPr lang="de-DE" dirty="0">
                 <a:solidFill>
                   <a:schemeClr val="bg1">
                     <a:lumMod val="50000"/>
@@ -7138,68 +7940,41 @@
           </a:p>
           <a:p>
             <a:r>
-              <a:rPr lang="de-DE" dirty="0" smtClean="0">
-                <a:solidFill>
-                  <a:schemeClr val="bg1">
-                    <a:lumMod val="50000"/>
-                  </a:schemeClr>
-                </a:solidFill>
-              </a:rPr>
+              <a:rPr lang="de-DE" b="1" dirty="0"/>
               <a:t>Evaluation der JavaScript-Frameworks(erstes Ergebnis)</a:t>
             </a:r>
           </a:p>
           <a:p>
             <a:r>
-              <a:rPr lang="de-DE" b="1" dirty="0" smtClean="0"/>
+              <a:rPr lang="de-DE" dirty="0"/>
               <a:t>Konzepte der </a:t>
             </a:r>
             <a:r>
-              <a:rPr lang="de-DE" b="1" dirty="0" err="1" smtClean="0"/>
+              <a:rPr lang="de-DE" dirty="0" err="1"/>
               <a:t>Topology</a:t>
             </a:r>
             <a:r>
-              <a:rPr lang="de-DE" b="1" dirty="0" smtClean="0"/>
+              <a:rPr lang="de-DE" dirty="0"/>
               <a:t>-Editor (zweites Ergebnis)</a:t>
             </a:r>
           </a:p>
           <a:p>
             <a:r>
-              <a:rPr lang="de-DE" dirty="0" smtClean="0">
-                <a:solidFill>
-                  <a:schemeClr val="bg1">
-                    <a:lumMod val="50000"/>
-                  </a:schemeClr>
-                </a:solidFill>
-              </a:rPr>
+              <a:rPr lang="de-DE" dirty="0"/>
               <a:t>Prototype Implementierung(drittes Ergebnis)</a:t>
             </a:r>
           </a:p>
           <a:p>
             <a:r>
-              <a:rPr lang="de-DE" dirty="0">
-                <a:solidFill>
-                  <a:schemeClr val="tx2">
-                    <a:lumMod val="50000"/>
-                    <a:lumOff val="50000"/>
-                  </a:schemeClr>
-                </a:solidFill>
-              </a:rPr>
+              <a:rPr lang="de-DE" dirty="0"/>
               <a:t>Fortsetzungsmöglichkeiten</a:t>
             </a:r>
-            <a:endParaRPr lang="de-DE" dirty="0" smtClean="0">
-              <a:solidFill>
-                <a:schemeClr val="tx2">
-                  <a:lumMod val="50000"/>
-                  <a:lumOff val="50000"/>
-                </a:schemeClr>
-              </a:solidFill>
-            </a:endParaRPr>
-          </a:p>
-          <a:p>
-            <a:endParaRPr lang="de-DE" dirty="0" smtClean="0"/>
-          </a:p>
-          <a:p>
-            <a:endParaRPr lang="de-DE" dirty="0" smtClean="0"/>
+          </a:p>
+          <a:p>
+            <a:endParaRPr lang="de-DE" dirty="0"/>
+          </a:p>
+          <a:p>
+            <a:endParaRPr lang="de-DE" dirty="0"/>
           </a:p>
           <a:p>
             <a:endParaRPr lang="de-DE" dirty="0"/>
@@ -7229,7 +8004,7 @@
               <a:pPr>
                 <a:defRPr/>
               </a:pPr>
-              <a:t>20.07.2018</a:t>
+              <a:t>30.07.2018</a:t>
             </a:fld>
             <a:endParaRPr lang="de-DE" dirty="0"/>
           </a:p>
@@ -7302,30 +8077,22 @@
           <a:lstStyle/>
           <a:p>
             <a:r>
-              <a:rPr lang="de-DE" dirty="0" smtClean="0"/>
+              <a:rPr lang="de-DE" dirty="0"/>
               <a:t>Agenda</a:t>
             </a:r>
-            <a:endParaRPr lang="de-DE" dirty="0"/>
           </a:p>
         </p:txBody>
       </p:sp>
     </p:spTree>
     <p:extLst>
       <p:ext uri="{BB962C8B-B14F-4D97-AF65-F5344CB8AC3E}">
-        <p14:creationId xmlns:p14="http://schemas.microsoft.com/office/powerpoint/2010/main" val="1482305708"/>
+        <p14:creationId xmlns:p14="http://schemas.microsoft.com/office/powerpoint/2010/main" val="500668289"/>
       </p:ext>
     </p:extLst>
   </p:cSld>
   <p:clrMapOvr>
     <a:masterClrMapping/>
   </p:clrMapOvr>
-  <p:timing>
-    <p:tnLst>
-      <p:par>
-        <p:cTn id="1" dur="indefinite" restart="never" nodeType="tmRoot"/>
-      </p:par>
-    </p:tnLst>
-  </p:timing>
 </p:sld>
 </file>
 
@@ -7362,218 +8129,152 @@
           <a:lstStyle/>
           <a:p>
             <a:r>
-              <a:rPr lang="de-DE" dirty="0" smtClean="0">
-                <a:solidFill>
-                  <a:schemeClr val="bg1">
-                    <a:lumMod val="50000"/>
-                  </a:schemeClr>
-                </a:solidFill>
-              </a:rPr>
-              <a:t>Einleitung</a:t>
-            </a:r>
-          </a:p>
-          <a:p>
-            <a:pPr lvl="1"/>
-            <a:r>
-              <a:rPr lang="de-DE" sz="2000" dirty="0" smtClean="0">
-                <a:solidFill>
-                  <a:schemeClr val="bg1">
-                    <a:lumMod val="50000"/>
-                  </a:schemeClr>
-                </a:solidFill>
-              </a:rPr>
-              <a:t>Motivation</a:t>
-            </a:r>
-          </a:p>
-          <a:p>
-            <a:pPr lvl="1"/>
-            <a:r>
-              <a:rPr lang="de-DE" dirty="0" smtClean="0">
-                <a:solidFill>
-                  <a:schemeClr val="bg1">
-                    <a:lumMod val="50000"/>
-                  </a:schemeClr>
-                </a:solidFill>
-              </a:rPr>
-              <a:t>Zielsetzung</a:t>
-            </a:r>
-          </a:p>
-          <a:p>
-            <a:r>
-              <a:rPr lang="de-DE" dirty="0" smtClean="0">
-                <a:solidFill>
-                  <a:schemeClr val="bg1">
-                    <a:lumMod val="50000"/>
-                  </a:schemeClr>
-                </a:solidFill>
-              </a:rPr>
-              <a:t>Grundlage der Topologie</a:t>
-            </a:r>
-          </a:p>
-          <a:p>
-            <a:pPr lvl="1"/>
-            <a:r>
-              <a:rPr lang="de-DE" dirty="0" smtClean="0">
-                <a:solidFill>
-                  <a:schemeClr val="bg1">
-                    <a:lumMod val="50000"/>
-                  </a:schemeClr>
-                </a:solidFill>
-              </a:rPr>
-              <a:t>Begriffserklärung</a:t>
-            </a:r>
-          </a:p>
-          <a:p>
-            <a:pPr lvl="1"/>
-            <a:r>
-              <a:rPr lang="de-DE" dirty="0" err="1" smtClean="0">
-                <a:solidFill>
-                  <a:schemeClr val="bg1">
-                    <a:lumMod val="50000"/>
-                  </a:schemeClr>
-                </a:solidFill>
-              </a:rPr>
-              <a:t>Topologiemuster</a:t>
-            </a:r>
-            <a:endParaRPr lang="de-DE" dirty="0" smtClean="0">
-              <a:solidFill>
-                <a:schemeClr val="bg1">
-                  <a:lumMod val="50000"/>
-                </a:schemeClr>
-              </a:solidFill>
-            </a:endParaRPr>
-          </a:p>
-          <a:p>
-            <a:pPr lvl="1"/>
-            <a:r>
-              <a:rPr lang="de-DE" dirty="0" smtClean="0">
-                <a:solidFill>
-                  <a:schemeClr val="bg1">
-                    <a:lumMod val="50000"/>
-                  </a:schemeClr>
-                </a:solidFill>
-              </a:rPr>
-              <a:t>Netzwerke-Protokolle</a:t>
-            </a:r>
-          </a:p>
-          <a:p>
-            <a:r>
-              <a:rPr lang="de-DE" dirty="0" smtClean="0">
-                <a:solidFill>
-                  <a:schemeClr val="bg1">
-                    <a:lumMod val="50000"/>
-                  </a:schemeClr>
-                </a:solidFill>
-              </a:rPr>
-              <a:t>Anforderungsanalyse   </a:t>
-            </a:r>
-          </a:p>
-          <a:p>
-            <a:pPr lvl="1"/>
-            <a:r>
-              <a:rPr lang="de-DE" dirty="0" smtClean="0">
-                <a:solidFill>
-                  <a:schemeClr val="bg1">
-                    <a:lumMod val="50000"/>
-                  </a:schemeClr>
-                </a:solidFill>
-              </a:rPr>
-              <a:t>Funktionale Anforderungen</a:t>
-            </a:r>
-          </a:p>
-          <a:p>
-            <a:pPr lvl="1"/>
-            <a:r>
-              <a:rPr lang="de-DE" dirty="0" smtClean="0">
-                <a:solidFill>
-                  <a:schemeClr val="bg1">
-                    <a:lumMod val="50000"/>
-                  </a:schemeClr>
-                </a:solidFill>
-              </a:rPr>
-              <a:t>Nichtfunktionale Anforderungen</a:t>
-            </a:r>
-          </a:p>
-          <a:p>
-            <a:r>
-              <a:rPr lang="de-DE" dirty="0" smtClean="0">
-                <a:solidFill>
-                  <a:schemeClr val="bg1">
-                    <a:lumMod val="50000"/>
-                  </a:schemeClr>
-                </a:solidFill>
-              </a:rPr>
-              <a:t>Evaluation der JavaScript-Frameworks(erstes Ergebnis)</a:t>
-            </a:r>
-          </a:p>
-          <a:p>
-            <a:r>
-              <a:rPr lang="de-DE" dirty="0" smtClean="0">
-                <a:solidFill>
-                  <a:schemeClr val="bg1">
-                    <a:lumMod val="50000"/>
-                  </a:schemeClr>
-                </a:solidFill>
-              </a:rPr>
-              <a:t>Konzepte der </a:t>
-            </a:r>
-            <a:r>
-              <a:rPr lang="de-DE" dirty="0" err="1" smtClean="0">
-                <a:solidFill>
-                  <a:schemeClr val="bg1">
-                    <a:lumMod val="50000"/>
-                  </a:schemeClr>
-                </a:solidFill>
-              </a:rPr>
-              <a:t>Topology</a:t>
-            </a:r>
-            <a:r>
-              <a:rPr lang="de-DE" dirty="0" smtClean="0">
-                <a:solidFill>
-                  <a:schemeClr val="bg1">
-                    <a:lumMod val="50000"/>
-                  </a:schemeClr>
-                </a:solidFill>
-              </a:rPr>
-              <a:t>-Editor (zweites Ergebnis)</a:t>
-            </a:r>
-          </a:p>
-          <a:p>
-            <a:r>
-              <a:rPr lang="de-DE" b="1" dirty="0" smtClean="0"/>
-              <a:t>Prototype Implementierung(drittes Ergebnis)</a:t>
-            </a:r>
-          </a:p>
-          <a:p>
-            <a:r>
-              <a:rPr lang="de-DE" dirty="0">
-                <a:solidFill>
-                  <a:schemeClr val="tx2">
-                    <a:lumMod val="50000"/>
-                    <a:lumOff val="50000"/>
-                  </a:schemeClr>
-                </a:solidFill>
-              </a:rPr>
-              <a:t>Fortsetzungsmöglichkeiten</a:t>
-            </a:r>
-            <a:endParaRPr lang="de-DE" dirty="0" smtClean="0">
-              <a:solidFill>
-                <a:schemeClr val="tx2">
-                  <a:lumMod val="50000"/>
-                  <a:lumOff val="50000"/>
-                </a:schemeClr>
-              </a:solidFill>
-            </a:endParaRPr>
-          </a:p>
-          <a:p>
-            <a:endParaRPr lang="de-DE" dirty="0" smtClean="0"/>
-          </a:p>
-          <a:p>
-            <a:endParaRPr lang="de-DE" dirty="0" smtClean="0"/>
-          </a:p>
-          <a:p>
+              <a:rPr lang="de-DE" dirty="0"/>
+              <a:t>Kriterien</a:t>
+            </a:r>
+          </a:p>
+          <a:p>
+            <a:pPr marL="342900" indent="-342900">
+              <a:buFont typeface="Arial" panose="020B0604020202020204" pitchFamily="34" charset="0"/>
+              <a:buChar char="•"/>
+            </a:pPr>
+            <a:r>
+              <a:rPr lang="de-DE" dirty="0"/>
+              <a:t>Kommunikationsmechanismen </a:t>
+            </a:r>
+          </a:p>
+          <a:p>
+            <a:pPr marL="342900" indent="-342900">
+              <a:buFont typeface="Arial" panose="020B0604020202020204" pitchFamily="34" charset="0"/>
+              <a:buChar char="•"/>
+            </a:pPr>
+            <a:r>
+              <a:rPr lang="de-DE" dirty="0"/>
+              <a:t>Programmierkonzept </a:t>
+            </a:r>
+          </a:p>
+          <a:p>
+            <a:pPr marL="342900" indent="-342900">
+              <a:buFont typeface="Arial" panose="020B0604020202020204" pitchFamily="34" charset="0"/>
+              <a:buChar char="•"/>
+            </a:pPr>
+            <a:r>
+              <a:rPr lang="de-DE" dirty="0"/>
+              <a:t>Lernkurve und Kosten </a:t>
+            </a:r>
+          </a:p>
+          <a:p>
+            <a:pPr marL="342900" indent="-342900">
+              <a:buFont typeface="Arial" panose="020B0604020202020204" pitchFamily="34" charset="0"/>
+              <a:buChar char="•"/>
+            </a:pPr>
             <a:endParaRPr lang="de-DE" dirty="0"/>
           </a:p>
+          <a:p>
+            <a:r>
+              <a:rPr lang="de-DE" dirty="0"/>
+              <a:t>Für die visuelle Darstellung</a:t>
+            </a:r>
+          </a:p>
+          <a:p>
+            <a:pPr marL="342900" indent="-342900">
+              <a:buFont typeface="Arial" panose="020B0604020202020204" pitchFamily="34" charset="0"/>
+              <a:buChar char="•"/>
+            </a:pPr>
+            <a:r>
+              <a:rPr lang="de-DE" dirty="0" err="1"/>
+              <a:t>KendoUI</a:t>
+            </a:r>
+            <a:r>
+              <a:rPr lang="de-DE" dirty="0"/>
+              <a:t>(Progress Software Corporation , 2018) </a:t>
+            </a:r>
+          </a:p>
+          <a:p>
+            <a:pPr marL="342900" indent="-342900">
+              <a:buFont typeface="Arial" panose="020B0604020202020204" pitchFamily="34" charset="0"/>
+              <a:buChar char="•"/>
+            </a:pPr>
+            <a:r>
+              <a:rPr lang="de-DE" dirty="0"/>
+              <a:t>SAPUI5(SAP, 2018) </a:t>
+            </a:r>
+          </a:p>
+          <a:p>
+            <a:pPr marL="342900" indent="-342900">
+              <a:buFont typeface="Arial" panose="020B0604020202020204" pitchFamily="34" charset="0"/>
+              <a:buChar char="•"/>
+            </a:pPr>
+            <a:r>
+              <a:rPr lang="de-DE" b="1" dirty="0" err="1"/>
+              <a:t>GoJS</a:t>
+            </a:r>
+            <a:r>
+              <a:rPr lang="de-DE" dirty="0"/>
+              <a:t>(</a:t>
+            </a:r>
+            <a:r>
+              <a:rPr lang="de-DE" dirty="0" err="1"/>
+              <a:t>Northwoods</a:t>
+            </a:r>
+            <a:r>
+              <a:rPr lang="de-DE" dirty="0"/>
+              <a:t> Software, 1998) </a:t>
+            </a:r>
+            <a:endParaRPr lang="de-DE" b="1" dirty="0"/>
+          </a:p>
+          <a:p>
+            <a:endParaRPr lang="de-DE" dirty="0"/>
+          </a:p>
+          <a:p>
+            <a:r>
+              <a:rPr lang="de-DE" dirty="0"/>
+              <a:t>Für die Struktur der Client-Applikation</a:t>
+            </a:r>
+          </a:p>
+          <a:p>
+            <a:pPr marL="342900" indent="-342900">
+              <a:buFont typeface="Arial" panose="020B0604020202020204" pitchFamily="34" charset="0"/>
+              <a:buChar char="•"/>
+            </a:pPr>
+            <a:r>
+              <a:rPr lang="de-DE" dirty="0" err="1"/>
+              <a:t>Vue</a:t>
+            </a:r>
+            <a:r>
+              <a:rPr lang="de-DE" dirty="0"/>
+              <a:t>(LinkedIn, 2018) </a:t>
+            </a:r>
+          </a:p>
+          <a:p>
+            <a:pPr marL="342900" indent="-342900">
+              <a:buFont typeface="Arial" panose="020B0604020202020204" pitchFamily="34" charset="0"/>
+              <a:buChar char="•"/>
+            </a:pPr>
+            <a:r>
+              <a:rPr lang="de-DE" dirty="0" err="1"/>
+              <a:t>React</a:t>
+            </a:r>
+            <a:r>
+              <a:rPr lang="de-DE" dirty="0"/>
+              <a:t>(Facebook Inc., 2018)</a:t>
+            </a:r>
+          </a:p>
+          <a:p>
+            <a:pPr marL="342900" indent="-342900">
+              <a:buFont typeface="Arial" panose="020B0604020202020204" pitchFamily="34" charset="0"/>
+              <a:buChar char="•"/>
+            </a:pPr>
+            <a:r>
+              <a:rPr lang="de-DE" b="1" dirty="0"/>
+              <a:t>Angular</a:t>
+            </a:r>
+            <a:r>
+              <a:rPr lang="de-DE" dirty="0"/>
+              <a:t>(Angular.io, 2018)</a:t>
+            </a:r>
+            <a:endParaRPr lang="de-DE" b="1" dirty="0"/>
+          </a:p>
         </p:txBody>
       </p:sp>
       <p:sp>
@@ -7594,12 +8295,12 @@
             <a:pPr>
               <a:defRPr/>
             </a:pPr>
-            <a:fld id="{C098E26C-8BAA-4ACE-83C6-8F04F03DE16F}" type="datetime1">
+            <a:fld id="{EE9AC89C-B0F3-4179-9BF1-A11BD48F530E}" type="datetime1">
               <a:rPr lang="de-DE" smtClean="0"/>
               <a:pPr>
                 <a:defRPr/>
               </a:pPr>
-              <a:t>20.07.2018</a:t>
+              <a:t>30.07.2018</a:t>
             </a:fld>
             <a:endParaRPr lang="de-DE" dirty="0"/>
           </a:p>
@@ -7645,7 +8346,7 @@
             <a:pPr>
               <a:defRPr/>
             </a:pPr>
-            <a:fld id="{7A8CEE4A-E163-47DE-8784-5B8DE9F7A78A}" type="slidenum">
+            <a:fld id="{B53A9DA1-A25A-429F-A02C-54EE5606360E}" type="slidenum">
               <a:rPr lang="de-DE" altLang="de-DE" smtClean="0"/>
               <a:pPr>
                 <a:defRPr/>
@@ -7668,13 +8369,18 @@
         </p:nvSpPr>
         <p:spPr/>
         <p:txBody>
-          <a:bodyPr/>
-          <a:lstStyle/>
-          <a:p>
-            <a:r>
-              <a:rPr lang="de-DE" dirty="0" smtClean="0"/>
-              <a:t>Agenda</a:t>
-            </a:r>
+          <a:bodyPr>
+            <a:normAutofit fontScale="90000"/>
+          </a:bodyPr>
+          <a:lstStyle/>
+          <a:p>
+            <a:r>
+              <a:rPr lang="de-DE" b="1" dirty="0"/>
+              <a:t>Evaluation der JavaScript-Frameworks</a:t>
+            </a:r>
+            <a:br>
+              <a:rPr lang="de-DE" b="1" dirty="0"/>
+            </a:br>
             <a:endParaRPr lang="de-DE" dirty="0"/>
           </a:p>
         </p:txBody>
@@ -7682,20 +8388,13 @@
     </p:spTree>
     <p:extLst>
       <p:ext uri="{BB962C8B-B14F-4D97-AF65-F5344CB8AC3E}">
-        <p14:creationId xmlns:p14="http://schemas.microsoft.com/office/powerpoint/2010/main" val="2934942994"/>
+        <p14:creationId xmlns:p14="http://schemas.microsoft.com/office/powerpoint/2010/main" val="229021680"/>
       </p:ext>
     </p:extLst>
   </p:cSld>
   <p:clrMapOvr>
     <a:masterClrMapping/>
   </p:clrMapOvr>
-  <p:timing>
-    <p:tnLst>
-      <p:par>
-        <p:cTn id="1" dur="indefinite" restart="never" nodeType="tmRoot"/>
-      </p:par>
-    </p:tnLst>
-  </p:timing>
 </p:sld>
 </file>
 
@@ -7732,7 +8431,7 @@
           <a:lstStyle/>
           <a:p>
             <a:r>
-              <a:rPr lang="de-DE" dirty="0" smtClean="0">
+              <a:rPr lang="de-DE" dirty="0">
                 <a:solidFill>
                   <a:schemeClr val="bg1">
                     <a:lumMod val="50000"/>
@@ -7745,7 +8444,7 @@
           <a:p>
             <a:pPr lvl="1"/>
             <a:r>
-              <a:rPr lang="de-DE" sz="2000" dirty="0" smtClean="0">
+              <a:rPr lang="de-DE" sz="2000" dirty="0">
                 <a:solidFill>
                   <a:schemeClr val="bg1">
                     <a:lumMod val="50000"/>
@@ -7758,7 +8457,7 @@
           <a:p>
             <a:pPr lvl="1"/>
             <a:r>
-              <a:rPr lang="de-DE" dirty="0" smtClean="0">
+              <a:rPr lang="de-DE" dirty="0">
                 <a:solidFill>
                   <a:schemeClr val="bg1">
                     <a:lumMod val="50000"/>
@@ -7770,7 +8469,7 @@
           </a:p>
           <a:p>
             <a:r>
-              <a:rPr lang="de-DE" dirty="0" smtClean="0">
+              <a:rPr lang="de-DE" dirty="0">
                 <a:solidFill>
                   <a:schemeClr val="bg1">
                     <a:lumMod val="50000"/>
@@ -7783,7 +8482,7 @@
           <a:p>
             <a:pPr lvl="1"/>
             <a:r>
-              <a:rPr lang="de-DE" dirty="0" smtClean="0">
+              <a:rPr lang="de-DE" dirty="0">
                 <a:solidFill>
                   <a:schemeClr val="bg1">
                     <a:lumMod val="50000"/>
@@ -7796,7 +8495,7 @@
           <a:p>
             <a:pPr lvl="1"/>
             <a:r>
-              <a:rPr lang="de-DE" dirty="0" err="1" smtClean="0">
+              <a:rPr lang="de-DE" dirty="0" err="1">
                 <a:solidFill>
                   <a:schemeClr val="bg1">
                     <a:lumMod val="50000"/>
@@ -7805,7 +8504,7 @@
               </a:rPr>
               <a:t>Topologiemuster</a:t>
             </a:r>
-            <a:endParaRPr lang="de-DE" dirty="0" smtClean="0">
+            <a:endParaRPr lang="de-DE" dirty="0">
               <a:solidFill>
                 <a:schemeClr val="bg1">
                   <a:lumMod val="50000"/>
@@ -7816,7 +8515,7 @@
           <a:p>
             <a:pPr lvl="1"/>
             <a:r>
-              <a:rPr lang="de-DE" dirty="0" smtClean="0">
+              <a:rPr lang="de-DE" dirty="0">
                 <a:solidFill>
                   <a:schemeClr val="bg1">
                     <a:lumMod val="50000"/>
@@ -7828,7 +8527,7 @@
           </a:p>
           <a:p>
             <a:r>
-              <a:rPr lang="de-DE" dirty="0" smtClean="0">
+              <a:rPr lang="de-DE" dirty="0">
                 <a:solidFill>
                   <a:schemeClr val="bg1">
                     <a:lumMod val="50000"/>
@@ -7841,7 +8540,7 @@
           <a:p>
             <a:pPr lvl="1"/>
             <a:r>
-              <a:rPr lang="de-DE" dirty="0" smtClean="0">
+              <a:rPr lang="de-DE" dirty="0">
                 <a:solidFill>
                   <a:schemeClr val="bg1">
                     <a:lumMod val="50000"/>
@@ -7854,7 +8553,7 @@
           <a:p>
             <a:pPr lvl="1"/>
             <a:r>
-              <a:rPr lang="de-DE" dirty="0" smtClean="0">
+              <a:rPr lang="de-DE" dirty="0">
                 <a:solidFill>
                   <a:schemeClr val="bg1">
                     <a:lumMod val="50000"/>
@@ -7866,7 +8565,7 @@
           </a:p>
           <a:p>
             <a:r>
-              <a:rPr lang="de-DE" dirty="0" smtClean="0">
+              <a:rPr lang="de-DE" dirty="0">
                 <a:solidFill>
                   <a:schemeClr val="bg1">
                     <a:lumMod val="50000"/>
@@ -7878,39 +8577,21 @@
           </a:p>
           <a:p>
             <a:r>
-              <a:rPr lang="de-DE" dirty="0" smtClean="0">
-                <a:solidFill>
-                  <a:schemeClr val="bg1">
-                    <a:lumMod val="50000"/>
-                  </a:schemeClr>
-                </a:solidFill>
-              </a:rPr>
+              <a:rPr lang="de-DE" b="1" dirty="0"/>
               <a:t>Konzepte der </a:t>
             </a:r>
             <a:r>
-              <a:rPr lang="de-DE" dirty="0" err="1" smtClean="0">
-                <a:solidFill>
-                  <a:schemeClr val="bg1">
-                    <a:lumMod val="50000"/>
-                  </a:schemeClr>
-                </a:solidFill>
-              </a:rPr>
+              <a:rPr lang="de-DE" b="1" dirty="0" err="1"/>
               <a:t>Topology</a:t>
             </a:r>
             <a:r>
-              <a:rPr lang="de-DE" dirty="0" smtClean="0">
-                <a:solidFill>
-                  <a:schemeClr val="bg1">
-                    <a:lumMod val="50000"/>
-                  </a:schemeClr>
-                </a:solidFill>
-              </a:rPr>
+              <a:rPr lang="de-DE" b="1" dirty="0"/>
               <a:t>-Editor (zweites Ergebnis)</a:t>
             </a:r>
           </a:p>
           <a:p>
             <a:r>
-              <a:rPr lang="de-DE" dirty="0" smtClean="0">
+              <a:rPr lang="de-DE" dirty="0">
                 <a:solidFill>
                   <a:schemeClr val="bg1">
                     <a:lumMod val="50000"/>
@@ -7922,16 +8603,22 @@
           </a:p>
           <a:p>
             <a:r>
-              <a:rPr lang="de-DE" b="1" dirty="0"/>
+              <a:rPr lang="de-DE" dirty="0">
+                <a:solidFill>
+                  <a:schemeClr val="tx2">
+                    <a:lumMod val="50000"/>
+                    <a:lumOff val="50000"/>
+                  </a:schemeClr>
+                </a:solidFill>
+              </a:rPr>
               <a:t>Fortsetzungsmöglichkeiten</a:t>
             </a:r>
-            <a:endParaRPr lang="de-DE" b="1" dirty="0" smtClean="0"/>
-          </a:p>
-          <a:p>
-            <a:endParaRPr lang="de-DE" dirty="0" smtClean="0"/>
-          </a:p>
-          <a:p>
-            <a:endParaRPr lang="de-DE" dirty="0" smtClean="0"/>
+          </a:p>
+          <a:p>
+            <a:endParaRPr lang="de-DE" dirty="0"/>
+          </a:p>
+          <a:p>
+            <a:endParaRPr lang="de-DE" dirty="0"/>
           </a:p>
           <a:p>
             <a:endParaRPr lang="de-DE" dirty="0"/>
@@ -7961,7 +8648,7 @@
               <a:pPr>
                 <a:defRPr/>
               </a:pPr>
-              <a:t>20.07.2018</a:t>
+              <a:t>30.07.2018</a:t>
             </a:fld>
             <a:endParaRPr lang="de-DE" dirty="0"/>
           </a:p>
@@ -8034,30 +8721,22 @@
           <a:lstStyle/>
           <a:p>
             <a:r>
-              <a:rPr lang="de-DE" dirty="0" smtClean="0"/>
+              <a:rPr lang="de-DE" dirty="0"/>
               <a:t>Agenda</a:t>
             </a:r>
-            <a:endParaRPr lang="de-DE" dirty="0"/>
           </a:p>
         </p:txBody>
       </p:sp>
     </p:spTree>
     <p:extLst>
       <p:ext uri="{BB962C8B-B14F-4D97-AF65-F5344CB8AC3E}">
-        <p14:creationId xmlns:p14="http://schemas.microsoft.com/office/powerpoint/2010/main" val="3394915412"/>
+        <p14:creationId xmlns:p14="http://schemas.microsoft.com/office/powerpoint/2010/main" val="1482305708"/>
       </p:ext>
     </p:extLst>
   </p:cSld>
   <p:clrMapOvr>
     <a:masterClrMapping/>
   </p:clrMapOvr>
-  <p:timing>
-    <p:tnLst>
-      <p:par>
-        <p:cTn id="1" dur="indefinite" restart="never" nodeType="tmRoot"/>
-      </p:par>
-    </p:tnLst>
-  </p:timing>
 </p:sld>
 </file>
 
@@ -8078,96 +8757,47 @@
           <a:chExt cx="0" cy="0"/>
         </a:xfrm>
       </p:grpSpPr>
-      <p:sp>
-        <p:nvSpPr>
-          <p:cNvPr id="2" name="Inhaltsplatzhalter 1"/>
-          <p:cNvSpPr>
-            <a:spLocks noGrp="1"/>
-          </p:cNvSpPr>
+      <p:pic>
+        <p:nvPicPr>
+          <p:cNvPr id="7" name="Inhaltsplatzhalter 6">
+            <a:extLst>
+              <a:ext uri="{FF2B5EF4-FFF2-40B4-BE49-F238E27FC236}">
+                <a16:creationId xmlns:a16="http://schemas.microsoft.com/office/drawing/2014/main" id="{6853E3AF-C3D4-4592-BBD5-C21F7F3052F2}"/>
+              </a:ext>
+            </a:extLst>
+          </p:cNvPr>
+          <p:cNvPicPr>
+            <a:picLocks noGrp="1" noChangeAspect="1"/>
+          </p:cNvPicPr>
           <p:nvPr>
             <p:ph sz="quarter" idx="13"/>
           </p:nvPr>
-        </p:nvSpPr>
-        <p:spPr/>
-        <p:txBody>
-          <a:bodyPr/>
-          <a:lstStyle/>
-          <a:p>
-            <a:pPr>
-              <a:lnSpc>
-                <a:spcPct val="200000"/>
-              </a:lnSpc>
-            </a:pPr>
-            <a:r>
-              <a:rPr lang="de-DE" dirty="0" smtClean="0"/>
-              <a:t>Tatsächliche Implementierung des </a:t>
-            </a:r>
-            <a:r>
-              <a:rPr lang="de-DE" dirty="0" err="1" smtClean="0"/>
-              <a:t>Topology</a:t>
-            </a:r>
-            <a:r>
-              <a:rPr lang="de-DE" dirty="0" smtClean="0"/>
-              <a:t>-Editors </a:t>
-            </a:r>
-          </a:p>
-          <a:p>
-            <a:pPr>
-              <a:lnSpc>
-                <a:spcPct val="200000"/>
-              </a:lnSpc>
-            </a:pPr>
-            <a:r>
-              <a:rPr lang="de-DE" dirty="0" smtClean="0"/>
-              <a:t>Unterstützung der Echtzeitverhalten</a:t>
-            </a:r>
-          </a:p>
-          <a:p>
-            <a:pPr>
-              <a:lnSpc>
-                <a:spcPct val="200000"/>
-              </a:lnSpc>
-            </a:pPr>
-            <a:r>
-              <a:rPr lang="de-DE" dirty="0" smtClean="0"/>
-              <a:t>Hohe Übertragungssicherheit gewährleisten </a:t>
-            </a:r>
-          </a:p>
-          <a:p>
-            <a:pPr>
-              <a:lnSpc>
-                <a:spcPct val="200000"/>
-              </a:lnSpc>
-            </a:pPr>
-            <a:r>
-              <a:rPr lang="de-DE" dirty="0" smtClean="0"/>
-              <a:t>Implementierung der Funktion für die logische Topologie</a:t>
-            </a:r>
-          </a:p>
-          <a:p>
-            <a:pPr>
-              <a:lnSpc>
-                <a:spcPct val="200000"/>
-              </a:lnSpc>
-            </a:pPr>
-            <a:r>
-              <a:rPr lang="de-DE" dirty="0"/>
-              <a:t>Implementierung der Funktion für </a:t>
-            </a:r>
-            <a:r>
-              <a:rPr lang="de-DE" dirty="0" smtClean="0"/>
-              <a:t>die Darstellung der Submodule</a:t>
-            </a:r>
-            <a:endParaRPr lang="de-DE" dirty="0"/>
-          </a:p>
-          <a:p>
-            <a:endParaRPr lang="de-DE" dirty="0"/>
-          </a:p>
-        </p:txBody>
-      </p:sp>
-      <p:sp>
-        <p:nvSpPr>
-          <p:cNvPr id="3" name="Datumsplatzhalter 2"/>
+        </p:nvPicPr>
+        <p:blipFill>
+          <a:blip r:embed="rId3"/>
+          <a:stretch>
+            <a:fillRect/>
+          </a:stretch>
+        </p:blipFill>
+        <p:spPr>
+          <a:xfrm>
+            <a:off x="611560" y="1340768"/>
+            <a:ext cx="8064896" cy="4464496"/>
+          </a:xfrm>
+          <a:prstGeom prst="rect">
+            <a:avLst/>
+          </a:prstGeom>
+        </p:spPr>
+      </p:pic>
+      <p:sp>
+        <p:nvSpPr>
+          <p:cNvPr id="3" name="Datumsplatzhalter 2">
+            <a:extLst>
+              <a:ext uri="{FF2B5EF4-FFF2-40B4-BE49-F238E27FC236}">
+                <a16:creationId xmlns:a16="http://schemas.microsoft.com/office/drawing/2014/main" id="{FBF76DBE-ADB9-4500-A2AE-C3241781807F}"/>
+              </a:ext>
+            </a:extLst>
+          </p:cNvPr>
           <p:cNvSpPr>
             <a:spLocks noGrp="1"/>
           </p:cNvSpPr>
@@ -8188,7 +8818,7 @@
               <a:pPr>
                 <a:defRPr/>
               </a:pPr>
-              <a:t>20.07.2018</a:t>
+              <a:t>30.07.2018</a:t>
             </a:fld>
             <a:endParaRPr lang="de-DE" dirty="0"/>
           </a:p>
@@ -8196,7 +8826,13 @@
       </p:sp>
       <p:sp>
         <p:nvSpPr>
-          <p:cNvPr id="4" name="Fußzeilenplatzhalter 3"/>
+          <p:cNvPr id="4" name="Fußzeilenplatzhalter 3">
+            <a:extLst>
+              <a:ext uri="{FF2B5EF4-FFF2-40B4-BE49-F238E27FC236}">
+                <a16:creationId xmlns:a16="http://schemas.microsoft.com/office/drawing/2014/main" id="{DADCDB18-9C43-4D01-851D-2691C43B00CB}"/>
+              </a:ext>
+            </a:extLst>
+          </p:cNvPr>
           <p:cNvSpPr>
             <a:spLocks noGrp="1"/>
           </p:cNvSpPr>
@@ -8218,7 +8854,13 @@
       </p:sp>
       <p:sp>
         <p:nvSpPr>
-          <p:cNvPr id="5" name="Foliennummernplatzhalter 4"/>
+          <p:cNvPr id="5" name="Foliennummernplatzhalter 4">
+            <a:extLst>
+              <a:ext uri="{FF2B5EF4-FFF2-40B4-BE49-F238E27FC236}">
+                <a16:creationId xmlns:a16="http://schemas.microsoft.com/office/drawing/2014/main" id="{1F57EB03-44BD-42A3-8F67-6862284A3A36}"/>
+              </a:ext>
+            </a:extLst>
+          </p:cNvPr>
           <p:cNvSpPr>
             <a:spLocks noGrp="1"/>
           </p:cNvSpPr>
@@ -8247,7 +8889,13 @@
       </p:sp>
       <p:sp>
         <p:nvSpPr>
-          <p:cNvPr id="6" name="Titel 5"/>
+          <p:cNvPr id="6" name="Titel 5">
+            <a:extLst>
+              <a:ext uri="{FF2B5EF4-FFF2-40B4-BE49-F238E27FC236}">
+                <a16:creationId xmlns:a16="http://schemas.microsoft.com/office/drawing/2014/main" id="{78BDF2CB-7B1C-4AD1-AAA1-423956CB2B02}"/>
+              </a:ext>
+            </a:extLst>
+          </p:cNvPr>
           <p:cNvSpPr>
             <a:spLocks noGrp="1"/>
           </p:cNvSpPr>
@@ -8262,7 +8910,15 @@
           <a:p>
             <a:r>
               <a:rPr lang="de-DE" dirty="0"/>
-              <a:t>Fortsetzungsmöglichkeiten</a:t>
+              <a:t>Konzepte der </a:t>
+            </a:r>
+            <a:r>
+              <a:rPr lang="de-DE" dirty="0" err="1"/>
+              <a:t>Topology</a:t>
+            </a:r>
+            <a:r>
+              <a:rPr lang="de-DE" dirty="0"/>
+              <a:t>-Editor:: grundlegende Konzept </a:t>
             </a:r>
           </a:p>
         </p:txBody>
@@ -8270,7 +8926,7 @@
     </p:spTree>
     <p:extLst>
       <p:ext uri="{BB962C8B-B14F-4D97-AF65-F5344CB8AC3E}">
-        <p14:creationId xmlns:p14="http://schemas.microsoft.com/office/powerpoint/2010/main" val="3073158476"/>
+        <p14:creationId xmlns:p14="http://schemas.microsoft.com/office/powerpoint/2010/main" val="3817495753"/>
       </p:ext>
     </p:extLst>
   </p:cSld>
@@ -8297,73 +8953,47 @@
           <a:chExt cx="0" cy="0"/>
         </a:xfrm>
       </p:grpSpPr>
-      <p:sp>
-        <p:nvSpPr>
-          <p:cNvPr id="2" name="Inhaltsplatzhalter 1"/>
-          <p:cNvSpPr>
-            <a:spLocks noGrp="1"/>
-          </p:cNvSpPr>
+      <p:pic>
+        <p:nvPicPr>
+          <p:cNvPr id="7" name="Inhaltsplatzhalter 6">
+            <a:extLst>
+              <a:ext uri="{FF2B5EF4-FFF2-40B4-BE49-F238E27FC236}">
+                <a16:creationId xmlns:a16="http://schemas.microsoft.com/office/drawing/2014/main" id="{19C29CCF-9210-44B1-B66C-C81C0D35F8FF}"/>
+              </a:ext>
+            </a:extLst>
+          </p:cNvPr>
+          <p:cNvPicPr>
+            <a:picLocks noGrp="1" noChangeAspect="1"/>
+          </p:cNvPicPr>
           <p:nvPr>
             <p:ph sz="quarter" idx="13"/>
           </p:nvPr>
-        </p:nvSpPr>
-        <p:spPr/>
-        <p:txBody>
-          <a:bodyPr/>
-          <a:lstStyle/>
-          <a:p>
-            <a:pPr marL="0" indent="0" algn="ctr">
-              <a:buNone/>
-            </a:pPr>
-            <a:endParaRPr lang="de-DE" dirty="0" smtClean="0"/>
-          </a:p>
-          <a:p>
-            <a:pPr marL="0" indent="0" algn="ctr">
-              <a:buNone/>
-            </a:pPr>
-            <a:endParaRPr lang="de-DE" sz="3600" dirty="0"/>
-          </a:p>
-          <a:p>
-            <a:pPr marL="0" indent="0" algn="ctr">
-              <a:buNone/>
-            </a:pPr>
-            <a:r>
-              <a:rPr lang="de-DE" sz="3600" dirty="0" smtClean="0"/>
-              <a:t>Vielen Dank für Ihre Aufmerksamkeit!</a:t>
-            </a:r>
-          </a:p>
-          <a:p>
-            <a:pPr marL="0" indent="0" algn="ctr">
-              <a:buNone/>
-            </a:pPr>
-            <a:endParaRPr lang="de-DE" dirty="0"/>
-          </a:p>
-          <a:p>
-            <a:pPr marL="0" indent="0" algn="ctr">
-              <a:buNone/>
-            </a:pPr>
-            <a:endParaRPr lang="de-DE" dirty="0"/>
-          </a:p>
-          <a:p>
-            <a:pPr marL="0" indent="0" algn="ctr">
-              <a:buNone/>
-            </a:pPr>
-            <a:r>
-              <a:rPr lang="de-DE" dirty="0" smtClean="0"/>
-              <a:t>Quellen, Abbildungen, usw. können in der Masterarbeit nachgeschlagen oder per E-Mail angefordert werden.</a:t>
-            </a:r>
-          </a:p>
-          <a:p>
-            <a:pPr marL="0" indent="0" algn="ctr">
-              <a:buNone/>
-            </a:pPr>
-            <a:endParaRPr lang="de-DE" dirty="0" smtClean="0"/>
-          </a:p>
-        </p:txBody>
-      </p:sp>
-      <p:sp>
-        <p:nvSpPr>
-          <p:cNvPr id="3" name="Datumsplatzhalter 2"/>
+        </p:nvPicPr>
+        <p:blipFill>
+          <a:blip r:embed="rId2"/>
+          <a:stretch>
+            <a:fillRect/>
+          </a:stretch>
+        </p:blipFill>
+        <p:spPr>
+          <a:xfrm>
+            <a:off x="610816" y="1484784"/>
+            <a:ext cx="7560840" cy="3384376"/>
+          </a:xfrm>
+          <a:prstGeom prst="rect">
+            <a:avLst/>
+          </a:prstGeom>
+        </p:spPr>
+      </p:pic>
+      <p:sp>
+        <p:nvSpPr>
+          <p:cNvPr id="3" name="Datumsplatzhalter 2">
+            <a:extLst>
+              <a:ext uri="{FF2B5EF4-FFF2-40B4-BE49-F238E27FC236}">
+                <a16:creationId xmlns:a16="http://schemas.microsoft.com/office/drawing/2014/main" id="{EA698F7D-AD31-42D7-89D9-EE2913A57FDB}"/>
+              </a:ext>
+            </a:extLst>
+          </p:cNvPr>
           <p:cNvSpPr>
             <a:spLocks noGrp="1"/>
           </p:cNvSpPr>
@@ -8384,7 +9014,7 @@
               <a:pPr>
                 <a:defRPr/>
               </a:pPr>
-              <a:t>20.07.2018</a:t>
+              <a:t>30.07.2018</a:t>
             </a:fld>
             <a:endParaRPr lang="de-DE" dirty="0"/>
           </a:p>
@@ -8392,7 +9022,13 @@
       </p:sp>
       <p:sp>
         <p:nvSpPr>
-          <p:cNvPr id="4" name="Fußzeilenplatzhalter 3"/>
+          <p:cNvPr id="4" name="Fußzeilenplatzhalter 3">
+            <a:extLst>
+              <a:ext uri="{FF2B5EF4-FFF2-40B4-BE49-F238E27FC236}">
+                <a16:creationId xmlns:a16="http://schemas.microsoft.com/office/drawing/2014/main" id="{3C67034B-B5E8-4BC3-BBEC-8A86C0DF2F1C}"/>
+              </a:ext>
+            </a:extLst>
+          </p:cNvPr>
           <p:cNvSpPr>
             <a:spLocks noGrp="1"/>
           </p:cNvSpPr>
@@ -8414,7 +9050,13 @@
       </p:sp>
       <p:sp>
         <p:nvSpPr>
-          <p:cNvPr id="5" name="Foliennummernplatzhalter 4"/>
+          <p:cNvPr id="5" name="Foliennummernplatzhalter 4">
+            <a:extLst>
+              <a:ext uri="{FF2B5EF4-FFF2-40B4-BE49-F238E27FC236}">
+                <a16:creationId xmlns:a16="http://schemas.microsoft.com/office/drawing/2014/main" id="{F4C300CD-BCCF-4684-A6FA-E6BD70660A8E}"/>
+              </a:ext>
+            </a:extLst>
+          </p:cNvPr>
           <p:cNvSpPr>
             <a:spLocks noGrp="1"/>
           </p:cNvSpPr>
@@ -8443,7 +9085,13 @@
       </p:sp>
       <p:sp>
         <p:nvSpPr>
-          <p:cNvPr id="6" name="Titel 5"/>
+          <p:cNvPr id="6" name="Titel 5">
+            <a:extLst>
+              <a:ext uri="{FF2B5EF4-FFF2-40B4-BE49-F238E27FC236}">
+                <a16:creationId xmlns:a16="http://schemas.microsoft.com/office/drawing/2014/main" id="{709B1105-C896-4936-89BD-45EBC7858502}"/>
+              </a:ext>
+            </a:extLst>
+          </p:cNvPr>
           <p:cNvSpPr>
             <a:spLocks noGrp="1"/>
           </p:cNvSpPr>
@@ -8456,27 +9104,781 @@
           <a:bodyPr/>
           <a:lstStyle/>
           <a:p>
-            <a:endParaRPr lang="de-DE"/>
+            <a:r>
+              <a:rPr lang="de-DE" dirty="0"/>
+              <a:t>Konzepte der </a:t>
+            </a:r>
+            <a:r>
+              <a:rPr lang="de-DE" dirty="0" err="1"/>
+              <a:t>Topology</a:t>
+            </a:r>
+            <a:r>
+              <a:rPr lang="de-DE" dirty="0"/>
+              <a:t>-Editor:: Schnittstellen zwischen Komponenten</a:t>
+            </a:r>
           </a:p>
         </p:txBody>
       </p:sp>
     </p:spTree>
     <p:extLst>
       <p:ext uri="{BB962C8B-B14F-4D97-AF65-F5344CB8AC3E}">
-        <p14:creationId xmlns:p14="http://schemas.microsoft.com/office/powerpoint/2010/main" val="2185345473"/>
+        <p14:creationId xmlns:p14="http://schemas.microsoft.com/office/powerpoint/2010/main" val="3722492175"/>
       </p:ext>
     </p:extLst>
   </p:cSld>
   <p:clrMapOvr>
     <a:masterClrMapping/>
   </p:clrMapOvr>
-  <p:timing>
-    <p:tnLst>
-      <p:par>
-        <p:cTn id="1" dur="indefinite" restart="never" nodeType="tmRoot"/>
-      </p:par>
-    </p:tnLst>
-  </p:timing>
+</p:sld>
+</file>
+
+<file path=ppt/slides/slide17.xml><?xml version="1.0" encoding="utf-8"?>
+<p:sld xmlns:a="http://schemas.openxmlformats.org/drawingml/2006/main" xmlns:r="http://schemas.openxmlformats.org/officeDocument/2006/relationships" xmlns:p="http://schemas.openxmlformats.org/presentationml/2006/main">
+  <p:cSld>
+    <p:spTree>
+      <p:nvGrpSpPr>
+        <p:cNvPr id="1" name=""/>
+        <p:cNvGrpSpPr/>
+        <p:nvPr/>
+      </p:nvGrpSpPr>
+      <p:grpSpPr>
+        <a:xfrm>
+          <a:off x="0" y="0"/>
+          <a:ext cx="0" cy="0"/>
+          <a:chOff x="0" y="0"/>
+          <a:chExt cx="0" cy="0"/>
+        </a:xfrm>
+      </p:grpSpPr>
+      <p:sp>
+        <p:nvSpPr>
+          <p:cNvPr id="2" name="Inhaltsplatzhalter 1">
+            <a:extLst>
+              <a:ext uri="{FF2B5EF4-FFF2-40B4-BE49-F238E27FC236}">
+                <a16:creationId xmlns:a16="http://schemas.microsoft.com/office/drawing/2014/main" id="{EC024A10-BC73-4360-B7CF-3431EBF6D0AE}"/>
+              </a:ext>
+            </a:extLst>
+          </p:cNvPr>
+          <p:cNvSpPr>
+            <a:spLocks noGrp="1"/>
+          </p:cNvSpPr>
+          <p:nvPr>
+            <p:ph sz="quarter" idx="13"/>
+          </p:nvPr>
+        </p:nvSpPr>
+        <p:spPr/>
+        <p:txBody>
+          <a:bodyPr/>
+          <a:lstStyle/>
+          <a:p>
+            <a:r>
+              <a:rPr lang="de-DE" dirty="0"/>
+              <a:t>Beispiel eines Gerät</a:t>
+            </a:r>
+          </a:p>
+          <a:p>
+            <a:pPr marL="0" indent="0">
+              <a:buNone/>
+            </a:pPr>
+            <a:endParaRPr lang="de-DE" dirty="0"/>
+          </a:p>
+        </p:txBody>
+      </p:sp>
+      <p:sp>
+        <p:nvSpPr>
+          <p:cNvPr id="3" name="Datumsplatzhalter 2">
+            <a:extLst>
+              <a:ext uri="{FF2B5EF4-FFF2-40B4-BE49-F238E27FC236}">
+                <a16:creationId xmlns:a16="http://schemas.microsoft.com/office/drawing/2014/main" id="{80522080-5FD3-4403-81AB-5E6F123A836A}"/>
+              </a:ext>
+            </a:extLst>
+          </p:cNvPr>
+          <p:cNvSpPr>
+            <a:spLocks noGrp="1"/>
+          </p:cNvSpPr>
+          <p:nvPr>
+            <p:ph type="dt" sz="half" idx="14"/>
+          </p:nvPr>
+        </p:nvSpPr>
+        <p:spPr/>
+        <p:txBody>
+          <a:bodyPr/>
+          <a:lstStyle/>
+          <a:p>
+            <a:pPr>
+              <a:defRPr/>
+            </a:pPr>
+            <a:fld id="{C098E26C-8BAA-4ACE-83C6-8F04F03DE16F}" type="datetime1">
+              <a:rPr lang="de-DE" smtClean="0"/>
+              <a:pPr>
+                <a:defRPr/>
+              </a:pPr>
+              <a:t>30.07.2018</a:t>
+            </a:fld>
+            <a:endParaRPr lang="de-DE" dirty="0"/>
+          </a:p>
+        </p:txBody>
+      </p:sp>
+      <p:sp>
+        <p:nvSpPr>
+          <p:cNvPr id="4" name="Fußzeilenplatzhalter 3">
+            <a:extLst>
+              <a:ext uri="{FF2B5EF4-FFF2-40B4-BE49-F238E27FC236}">
+                <a16:creationId xmlns:a16="http://schemas.microsoft.com/office/drawing/2014/main" id="{3674C139-282F-47DD-8432-E3473DFF54FA}"/>
+              </a:ext>
+            </a:extLst>
+          </p:cNvPr>
+          <p:cNvSpPr>
+            <a:spLocks noGrp="1"/>
+          </p:cNvSpPr>
+          <p:nvPr>
+            <p:ph type="ftr" sz="quarter" idx="15"/>
+          </p:nvPr>
+        </p:nvSpPr>
+        <p:spPr/>
+        <p:txBody>
+          <a:bodyPr/>
+          <a:lstStyle/>
+          <a:p>
+            <a:pPr>
+              <a:defRPr/>
+            </a:pPr>
+            <a:endParaRPr lang="de-DE"/>
+          </a:p>
+        </p:txBody>
+      </p:sp>
+      <p:sp>
+        <p:nvSpPr>
+          <p:cNvPr id="5" name="Foliennummernplatzhalter 4">
+            <a:extLst>
+              <a:ext uri="{FF2B5EF4-FFF2-40B4-BE49-F238E27FC236}">
+                <a16:creationId xmlns:a16="http://schemas.microsoft.com/office/drawing/2014/main" id="{EE098AEB-8149-44CF-A2EC-A84ABB1DBC3A}"/>
+              </a:ext>
+            </a:extLst>
+          </p:cNvPr>
+          <p:cNvSpPr>
+            <a:spLocks noGrp="1"/>
+          </p:cNvSpPr>
+          <p:nvPr>
+            <p:ph type="sldNum" sz="quarter" idx="16"/>
+          </p:nvPr>
+        </p:nvSpPr>
+        <p:spPr/>
+        <p:txBody>
+          <a:bodyPr/>
+          <a:lstStyle/>
+          <a:p>
+            <a:pPr>
+              <a:defRPr/>
+            </a:pPr>
+            <a:fld id="{7A8CEE4A-E163-47DE-8784-5B8DE9F7A78A}" type="slidenum">
+              <a:rPr lang="de-DE" altLang="de-DE" smtClean="0"/>
+              <a:pPr>
+                <a:defRPr/>
+              </a:pPr>
+              <a:t>17</a:t>
+            </a:fld>
+            <a:endParaRPr lang="de-DE" altLang="de-DE" dirty="0"/>
+          </a:p>
+        </p:txBody>
+      </p:sp>
+      <p:sp>
+        <p:nvSpPr>
+          <p:cNvPr id="6" name="Titel 5">
+            <a:extLst>
+              <a:ext uri="{FF2B5EF4-FFF2-40B4-BE49-F238E27FC236}">
+                <a16:creationId xmlns:a16="http://schemas.microsoft.com/office/drawing/2014/main" id="{48A6ACC9-08A3-4739-8C48-5BCF43721A06}"/>
+              </a:ext>
+            </a:extLst>
+          </p:cNvPr>
+          <p:cNvSpPr>
+            <a:spLocks noGrp="1"/>
+          </p:cNvSpPr>
+          <p:nvPr>
+            <p:ph type="title"/>
+          </p:nvPr>
+        </p:nvSpPr>
+        <p:spPr/>
+        <p:txBody>
+          <a:bodyPr/>
+          <a:lstStyle/>
+          <a:p>
+            <a:r>
+              <a:rPr lang="de-DE" dirty="0"/>
+              <a:t>Konzepte der </a:t>
+            </a:r>
+            <a:r>
+              <a:rPr lang="de-DE" dirty="0" err="1"/>
+              <a:t>Topology</a:t>
+            </a:r>
+            <a:r>
+              <a:rPr lang="de-DE" dirty="0"/>
+              <a:t>-Editor:: Datenaustauschformat</a:t>
+            </a:r>
+          </a:p>
+        </p:txBody>
+      </p:sp>
+    </p:spTree>
+    <p:extLst>
+      <p:ext uri="{BB962C8B-B14F-4D97-AF65-F5344CB8AC3E}">
+        <p14:creationId xmlns:p14="http://schemas.microsoft.com/office/powerpoint/2010/main" val="2853474340"/>
+      </p:ext>
+    </p:extLst>
+  </p:cSld>
+  <p:clrMapOvr>
+    <a:masterClrMapping/>
+  </p:clrMapOvr>
+</p:sld>
+</file>
+
+<file path=ppt/slides/slide18.xml><?xml version="1.0" encoding="utf-8"?>
+<p:sld xmlns:a="http://schemas.openxmlformats.org/drawingml/2006/main" xmlns:r="http://schemas.openxmlformats.org/officeDocument/2006/relationships" xmlns:p="http://schemas.openxmlformats.org/presentationml/2006/main">
+  <p:cSld>
+    <p:spTree>
+      <p:nvGrpSpPr>
+        <p:cNvPr id="1" name=""/>
+        <p:cNvGrpSpPr/>
+        <p:nvPr/>
+      </p:nvGrpSpPr>
+      <p:grpSpPr>
+        <a:xfrm>
+          <a:off x="0" y="0"/>
+          <a:ext cx="0" cy="0"/>
+          <a:chOff x="0" y="0"/>
+          <a:chExt cx="0" cy="0"/>
+        </a:xfrm>
+      </p:grpSpPr>
+      <p:sp>
+        <p:nvSpPr>
+          <p:cNvPr id="2" name="Inhaltsplatzhalter 1">
+            <a:extLst>
+              <a:ext uri="{FF2B5EF4-FFF2-40B4-BE49-F238E27FC236}">
+                <a16:creationId xmlns:a16="http://schemas.microsoft.com/office/drawing/2014/main" id="{EC024A10-BC73-4360-B7CF-3431EBF6D0AE}"/>
+              </a:ext>
+            </a:extLst>
+          </p:cNvPr>
+          <p:cNvSpPr>
+            <a:spLocks noGrp="1"/>
+          </p:cNvSpPr>
+          <p:nvPr>
+            <p:ph sz="quarter" idx="13"/>
+          </p:nvPr>
+        </p:nvSpPr>
+        <p:spPr/>
+        <p:txBody>
+          <a:bodyPr/>
+          <a:lstStyle/>
+          <a:p>
+            <a:r>
+              <a:rPr lang="de-DE" dirty="0"/>
+              <a:t>Beispiel einer Verbindung</a:t>
+            </a:r>
+          </a:p>
+          <a:p>
+            <a:pPr marL="0" indent="0">
+              <a:buNone/>
+            </a:pPr>
+            <a:endParaRPr lang="de-DE" dirty="0"/>
+          </a:p>
+        </p:txBody>
+      </p:sp>
+      <p:sp>
+        <p:nvSpPr>
+          <p:cNvPr id="3" name="Datumsplatzhalter 2">
+            <a:extLst>
+              <a:ext uri="{FF2B5EF4-FFF2-40B4-BE49-F238E27FC236}">
+                <a16:creationId xmlns:a16="http://schemas.microsoft.com/office/drawing/2014/main" id="{80522080-5FD3-4403-81AB-5E6F123A836A}"/>
+              </a:ext>
+            </a:extLst>
+          </p:cNvPr>
+          <p:cNvSpPr>
+            <a:spLocks noGrp="1"/>
+          </p:cNvSpPr>
+          <p:nvPr>
+            <p:ph type="dt" sz="half" idx="14"/>
+          </p:nvPr>
+        </p:nvSpPr>
+        <p:spPr/>
+        <p:txBody>
+          <a:bodyPr/>
+          <a:lstStyle/>
+          <a:p>
+            <a:pPr>
+              <a:defRPr/>
+            </a:pPr>
+            <a:fld id="{C098E26C-8BAA-4ACE-83C6-8F04F03DE16F}" type="datetime1">
+              <a:rPr lang="de-DE" smtClean="0"/>
+              <a:pPr>
+                <a:defRPr/>
+              </a:pPr>
+              <a:t>30.07.2018</a:t>
+            </a:fld>
+            <a:endParaRPr lang="de-DE" dirty="0"/>
+          </a:p>
+        </p:txBody>
+      </p:sp>
+      <p:sp>
+        <p:nvSpPr>
+          <p:cNvPr id="4" name="Fußzeilenplatzhalter 3">
+            <a:extLst>
+              <a:ext uri="{FF2B5EF4-FFF2-40B4-BE49-F238E27FC236}">
+                <a16:creationId xmlns:a16="http://schemas.microsoft.com/office/drawing/2014/main" id="{3674C139-282F-47DD-8432-E3473DFF54FA}"/>
+              </a:ext>
+            </a:extLst>
+          </p:cNvPr>
+          <p:cNvSpPr>
+            <a:spLocks noGrp="1"/>
+          </p:cNvSpPr>
+          <p:nvPr>
+            <p:ph type="ftr" sz="quarter" idx="15"/>
+          </p:nvPr>
+        </p:nvSpPr>
+        <p:spPr/>
+        <p:txBody>
+          <a:bodyPr/>
+          <a:lstStyle/>
+          <a:p>
+            <a:pPr>
+              <a:defRPr/>
+            </a:pPr>
+            <a:endParaRPr lang="de-DE"/>
+          </a:p>
+        </p:txBody>
+      </p:sp>
+      <p:sp>
+        <p:nvSpPr>
+          <p:cNvPr id="5" name="Foliennummernplatzhalter 4">
+            <a:extLst>
+              <a:ext uri="{FF2B5EF4-FFF2-40B4-BE49-F238E27FC236}">
+                <a16:creationId xmlns:a16="http://schemas.microsoft.com/office/drawing/2014/main" id="{EE098AEB-8149-44CF-A2EC-A84ABB1DBC3A}"/>
+              </a:ext>
+            </a:extLst>
+          </p:cNvPr>
+          <p:cNvSpPr>
+            <a:spLocks noGrp="1"/>
+          </p:cNvSpPr>
+          <p:nvPr>
+            <p:ph type="sldNum" sz="quarter" idx="16"/>
+          </p:nvPr>
+        </p:nvSpPr>
+        <p:spPr/>
+        <p:txBody>
+          <a:bodyPr/>
+          <a:lstStyle/>
+          <a:p>
+            <a:pPr>
+              <a:defRPr/>
+            </a:pPr>
+            <a:fld id="{7A8CEE4A-E163-47DE-8784-5B8DE9F7A78A}" type="slidenum">
+              <a:rPr lang="de-DE" altLang="de-DE" smtClean="0"/>
+              <a:pPr>
+                <a:defRPr/>
+              </a:pPr>
+              <a:t>18</a:t>
+            </a:fld>
+            <a:endParaRPr lang="de-DE" altLang="de-DE" dirty="0"/>
+          </a:p>
+        </p:txBody>
+      </p:sp>
+      <p:sp>
+        <p:nvSpPr>
+          <p:cNvPr id="6" name="Titel 5">
+            <a:extLst>
+              <a:ext uri="{FF2B5EF4-FFF2-40B4-BE49-F238E27FC236}">
+                <a16:creationId xmlns:a16="http://schemas.microsoft.com/office/drawing/2014/main" id="{48A6ACC9-08A3-4739-8C48-5BCF43721A06}"/>
+              </a:ext>
+            </a:extLst>
+          </p:cNvPr>
+          <p:cNvSpPr>
+            <a:spLocks noGrp="1"/>
+          </p:cNvSpPr>
+          <p:nvPr>
+            <p:ph type="title"/>
+          </p:nvPr>
+        </p:nvSpPr>
+        <p:spPr/>
+        <p:txBody>
+          <a:bodyPr/>
+          <a:lstStyle/>
+          <a:p>
+            <a:r>
+              <a:rPr lang="de-DE" dirty="0"/>
+              <a:t>Konzepte der </a:t>
+            </a:r>
+            <a:r>
+              <a:rPr lang="de-DE" dirty="0" err="1"/>
+              <a:t>Topology</a:t>
+            </a:r>
+            <a:r>
+              <a:rPr lang="de-DE" dirty="0"/>
+              <a:t>-Editor:: Datenaustauschformat</a:t>
+            </a:r>
+          </a:p>
+        </p:txBody>
+      </p:sp>
+    </p:spTree>
+    <p:extLst>
+      <p:ext uri="{BB962C8B-B14F-4D97-AF65-F5344CB8AC3E}">
+        <p14:creationId xmlns:p14="http://schemas.microsoft.com/office/powerpoint/2010/main" val="2030940193"/>
+      </p:ext>
+    </p:extLst>
+  </p:cSld>
+  <p:clrMapOvr>
+    <a:masterClrMapping/>
+  </p:clrMapOvr>
+</p:sld>
+</file>
+
+<file path=ppt/slides/slide19.xml><?xml version="1.0" encoding="utf-8"?>
+<p:sld xmlns:a="http://schemas.openxmlformats.org/drawingml/2006/main" xmlns:r="http://schemas.openxmlformats.org/officeDocument/2006/relationships" xmlns:p="http://schemas.openxmlformats.org/presentationml/2006/main">
+  <p:cSld>
+    <p:spTree>
+      <p:nvGrpSpPr>
+        <p:cNvPr id="1" name=""/>
+        <p:cNvGrpSpPr/>
+        <p:nvPr/>
+      </p:nvGrpSpPr>
+      <p:grpSpPr>
+        <a:xfrm>
+          <a:off x="0" y="0"/>
+          <a:ext cx="0" cy="0"/>
+          <a:chOff x="0" y="0"/>
+          <a:chExt cx="0" cy="0"/>
+        </a:xfrm>
+      </p:grpSpPr>
+      <p:sp>
+        <p:nvSpPr>
+          <p:cNvPr id="2" name="Inhaltsplatzhalter 1"/>
+          <p:cNvSpPr>
+            <a:spLocks noGrp="1"/>
+          </p:cNvSpPr>
+          <p:nvPr>
+            <p:ph sz="quarter" idx="13"/>
+          </p:nvPr>
+        </p:nvSpPr>
+        <p:spPr/>
+        <p:txBody>
+          <a:bodyPr/>
+          <a:lstStyle/>
+          <a:p>
+            <a:r>
+              <a:rPr lang="de-DE" dirty="0">
+                <a:solidFill>
+                  <a:schemeClr val="bg1">
+                    <a:lumMod val="50000"/>
+                  </a:schemeClr>
+                </a:solidFill>
+              </a:rPr>
+              <a:t>Einleitung</a:t>
+            </a:r>
+          </a:p>
+          <a:p>
+            <a:pPr lvl="1"/>
+            <a:r>
+              <a:rPr lang="de-DE" sz="2000" dirty="0">
+                <a:solidFill>
+                  <a:schemeClr val="bg1">
+                    <a:lumMod val="50000"/>
+                  </a:schemeClr>
+                </a:solidFill>
+              </a:rPr>
+              <a:t>Motivation</a:t>
+            </a:r>
+          </a:p>
+          <a:p>
+            <a:pPr lvl="1"/>
+            <a:r>
+              <a:rPr lang="de-DE" dirty="0">
+                <a:solidFill>
+                  <a:schemeClr val="bg1">
+                    <a:lumMod val="50000"/>
+                  </a:schemeClr>
+                </a:solidFill>
+              </a:rPr>
+              <a:t>Zielsetzung</a:t>
+            </a:r>
+          </a:p>
+          <a:p>
+            <a:r>
+              <a:rPr lang="de-DE" dirty="0">
+                <a:solidFill>
+                  <a:schemeClr val="bg1">
+                    <a:lumMod val="50000"/>
+                  </a:schemeClr>
+                </a:solidFill>
+              </a:rPr>
+              <a:t>Grundlage der Topologie</a:t>
+            </a:r>
+          </a:p>
+          <a:p>
+            <a:pPr lvl="1"/>
+            <a:r>
+              <a:rPr lang="de-DE" dirty="0">
+                <a:solidFill>
+                  <a:schemeClr val="bg1">
+                    <a:lumMod val="50000"/>
+                  </a:schemeClr>
+                </a:solidFill>
+              </a:rPr>
+              <a:t>Begriffserklärung</a:t>
+            </a:r>
+          </a:p>
+          <a:p>
+            <a:pPr lvl="1"/>
+            <a:r>
+              <a:rPr lang="de-DE" dirty="0" err="1">
+                <a:solidFill>
+                  <a:schemeClr val="bg1">
+                    <a:lumMod val="50000"/>
+                  </a:schemeClr>
+                </a:solidFill>
+              </a:rPr>
+              <a:t>Topologiemuster</a:t>
+            </a:r>
+            <a:endParaRPr lang="de-DE" dirty="0">
+              <a:solidFill>
+                <a:schemeClr val="bg1">
+                  <a:lumMod val="50000"/>
+                </a:schemeClr>
+              </a:solidFill>
+            </a:endParaRPr>
+          </a:p>
+          <a:p>
+            <a:pPr lvl="1"/>
+            <a:r>
+              <a:rPr lang="de-DE" dirty="0">
+                <a:solidFill>
+                  <a:schemeClr val="bg1">
+                    <a:lumMod val="50000"/>
+                  </a:schemeClr>
+                </a:solidFill>
+              </a:rPr>
+              <a:t>Netzwerke-Protokolle</a:t>
+            </a:r>
+          </a:p>
+          <a:p>
+            <a:r>
+              <a:rPr lang="de-DE" dirty="0">
+                <a:solidFill>
+                  <a:schemeClr val="bg1">
+                    <a:lumMod val="50000"/>
+                  </a:schemeClr>
+                </a:solidFill>
+              </a:rPr>
+              <a:t>Anforderungsanalyse   </a:t>
+            </a:r>
+          </a:p>
+          <a:p>
+            <a:pPr lvl="1"/>
+            <a:r>
+              <a:rPr lang="de-DE" dirty="0">
+                <a:solidFill>
+                  <a:schemeClr val="bg1">
+                    <a:lumMod val="50000"/>
+                  </a:schemeClr>
+                </a:solidFill>
+              </a:rPr>
+              <a:t>Funktionale Anforderungen</a:t>
+            </a:r>
+          </a:p>
+          <a:p>
+            <a:pPr lvl="1"/>
+            <a:r>
+              <a:rPr lang="de-DE" dirty="0">
+                <a:solidFill>
+                  <a:schemeClr val="bg1">
+                    <a:lumMod val="50000"/>
+                  </a:schemeClr>
+                </a:solidFill>
+              </a:rPr>
+              <a:t>Nichtfunktionale Anforderungen</a:t>
+            </a:r>
+          </a:p>
+          <a:p>
+            <a:r>
+              <a:rPr lang="de-DE" dirty="0">
+                <a:solidFill>
+                  <a:schemeClr val="bg1">
+                    <a:lumMod val="50000"/>
+                  </a:schemeClr>
+                </a:solidFill>
+              </a:rPr>
+              <a:t>Evaluation der JavaScript-Frameworks(erstes Ergebnis)</a:t>
+            </a:r>
+          </a:p>
+          <a:p>
+            <a:r>
+              <a:rPr lang="de-DE" dirty="0">
+                <a:solidFill>
+                  <a:schemeClr val="bg1">
+                    <a:lumMod val="50000"/>
+                  </a:schemeClr>
+                </a:solidFill>
+              </a:rPr>
+              <a:t>Konzepte der </a:t>
+            </a:r>
+            <a:r>
+              <a:rPr lang="de-DE" dirty="0" err="1">
+                <a:solidFill>
+                  <a:schemeClr val="bg1">
+                    <a:lumMod val="50000"/>
+                  </a:schemeClr>
+                </a:solidFill>
+              </a:rPr>
+              <a:t>Topology</a:t>
+            </a:r>
+            <a:r>
+              <a:rPr lang="de-DE" dirty="0">
+                <a:solidFill>
+                  <a:schemeClr val="bg1">
+                    <a:lumMod val="50000"/>
+                  </a:schemeClr>
+                </a:solidFill>
+              </a:rPr>
+              <a:t>-Editor (zweites Ergebnis)</a:t>
+            </a:r>
+          </a:p>
+          <a:p>
+            <a:r>
+              <a:rPr lang="de-DE" b="1" dirty="0"/>
+              <a:t>Prototype Implementierung(drittes Ergebnis)</a:t>
+            </a:r>
+          </a:p>
+          <a:p>
+            <a:r>
+              <a:rPr lang="de-DE" dirty="0">
+                <a:solidFill>
+                  <a:schemeClr val="tx2">
+                    <a:lumMod val="50000"/>
+                    <a:lumOff val="50000"/>
+                  </a:schemeClr>
+                </a:solidFill>
+              </a:rPr>
+              <a:t>Fortsetzungsmöglichkeiten</a:t>
+            </a:r>
+          </a:p>
+          <a:p>
+            <a:endParaRPr lang="de-DE" dirty="0"/>
+          </a:p>
+          <a:p>
+            <a:endParaRPr lang="de-DE" dirty="0"/>
+          </a:p>
+          <a:p>
+            <a:endParaRPr lang="de-DE" dirty="0"/>
+          </a:p>
+        </p:txBody>
+      </p:sp>
+      <p:sp>
+        <p:nvSpPr>
+          <p:cNvPr id="3" name="Datumsplatzhalter 2"/>
+          <p:cNvSpPr>
+            <a:spLocks noGrp="1"/>
+          </p:cNvSpPr>
+          <p:nvPr>
+            <p:ph type="dt" sz="half" idx="14"/>
+          </p:nvPr>
+        </p:nvSpPr>
+        <p:spPr/>
+        <p:txBody>
+          <a:bodyPr/>
+          <a:lstStyle/>
+          <a:p>
+            <a:pPr>
+              <a:defRPr/>
+            </a:pPr>
+            <a:fld id="{C098E26C-8BAA-4ACE-83C6-8F04F03DE16F}" type="datetime1">
+              <a:rPr lang="de-DE" smtClean="0"/>
+              <a:pPr>
+                <a:defRPr/>
+              </a:pPr>
+              <a:t>30.07.2018</a:t>
+            </a:fld>
+            <a:endParaRPr lang="de-DE" dirty="0"/>
+          </a:p>
+        </p:txBody>
+      </p:sp>
+      <p:sp>
+        <p:nvSpPr>
+          <p:cNvPr id="4" name="Fußzeilenplatzhalter 3"/>
+          <p:cNvSpPr>
+            <a:spLocks noGrp="1"/>
+          </p:cNvSpPr>
+          <p:nvPr>
+            <p:ph type="ftr" sz="quarter" idx="15"/>
+          </p:nvPr>
+        </p:nvSpPr>
+        <p:spPr/>
+        <p:txBody>
+          <a:bodyPr/>
+          <a:lstStyle/>
+          <a:p>
+            <a:pPr>
+              <a:defRPr/>
+            </a:pPr>
+            <a:endParaRPr lang="de-DE"/>
+          </a:p>
+        </p:txBody>
+      </p:sp>
+      <p:sp>
+        <p:nvSpPr>
+          <p:cNvPr id="5" name="Foliennummernplatzhalter 4"/>
+          <p:cNvSpPr>
+            <a:spLocks noGrp="1"/>
+          </p:cNvSpPr>
+          <p:nvPr>
+            <p:ph type="sldNum" sz="quarter" idx="16"/>
+          </p:nvPr>
+        </p:nvSpPr>
+        <p:spPr/>
+        <p:txBody>
+          <a:bodyPr/>
+          <a:lstStyle/>
+          <a:p>
+            <a:pPr>
+              <a:defRPr/>
+            </a:pPr>
+            <a:fld id="{7A8CEE4A-E163-47DE-8784-5B8DE9F7A78A}" type="slidenum">
+              <a:rPr lang="de-DE" altLang="de-DE" smtClean="0"/>
+              <a:pPr>
+                <a:defRPr/>
+              </a:pPr>
+              <a:t>19</a:t>
+            </a:fld>
+            <a:endParaRPr lang="de-DE" altLang="de-DE" dirty="0"/>
+          </a:p>
+        </p:txBody>
+      </p:sp>
+      <p:sp>
+        <p:nvSpPr>
+          <p:cNvPr id="6" name="Titel 5"/>
+          <p:cNvSpPr>
+            <a:spLocks noGrp="1"/>
+          </p:cNvSpPr>
+          <p:nvPr>
+            <p:ph type="title"/>
+          </p:nvPr>
+        </p:nvSpPr>
+        <p:spPr/>
+        <p:txBody>
+          <a:bodyPr/>
+          <a:lstStyle/>
+          <a:p>
+            <a:r>
+              <a:rPr lang="de-DE" dirty="0"/>
+              <a:t>Agenda</a:t>
+            </a:r>
+          </a:p>
+        </p:txBody>
+      </p:sp>
+    </p:spTree>
+    <p:extLst>
+      <p:ext uri="{BB962C8B-B14F-4D97-AF65-F5344CB8AC3E}">
+        <p14:creationId xmlns:p14="http://schemas.microsoft.com/office/powerpoint/2010/main" val="2934942994"/>
+      </p:ext>
+    </p:extLst>
+  </p:cSld>
+  <p:clrMapOvr>
+    <a:masterClrMapping/>
+  </p:clrMapOvr>
 </p:sld>
 </file>
 
@@ -8513,95 +9915,95 @@
           <a:lstStyle/>
           <a:p>
             <a:r>
-              <a:rPr lang="de-DE" dirty="0" smtClean="0"/>
+              <a:rPr lang="de-DE" dirty="0"/>
               <a:t>Einleitung</a:t>
             </a:r>
           </a:p>
           <a:p>
             <a:pPr lvl="1"/>
             <a:r>
-              <a:rPr lang="de-DE" sz="2000" dirty="0" smtClean="0"/>
+              <a:rPr lang="de-DE" sz="2000" dirty="0"/>
               <a:t>Motivation</a:t>
             </a:r>
           </a:p>
           <a:p>
             <a:pPr lvl="1"/>
             <a:r>
-              <a:rPr lang="de-DE" dirty="0" smtClean="0"/>
+              <a:rPr lang="de-DE" dirty="0"/>
               <a:t>Zielsetzung</a:t>
             </a:r>
           </a:p>
           <a:p>
             <a:r>
-              <a:rPr lang="de-DE" dirty="0" smtClean="0"/>
+              <a:rPr lang="de-DE" dirty="0"/>
               <a:t>Grundlage der Topologie</a:t>
             </a:r>
           </a:p>
           <a:p>
             <a:pPr lvl="1"/>
             <a:r>
-              <a:rPr lang="de-DE" dirty="0" smtClean="0"/>
+              <a:rPr lang="de-DE" dirty="0"/>
               <a:t>Begriffserklärung</a:t>
             </a:r>
           </a:p>
           <a:p>
             <a:pPr lvl="1"/>
             <a:r>
-              <a:rPr lang="de-DE" dirty="0" err="1" smtClean="0"/>
+              <a:rPr lang="de-DE" dirty="0" err="1"/>
               <a:t>Topologiemuster</a:t>
             </a:r>
-            <a:endParaRPr lang="de-DE" dirty="0" smtClean="0"/>
+            <a:endParaRPr lang="de-DE" dirty="0"/>
           </a:p>
           <a:p>
             <a:pPr lvl="1"/>
             <a:r>
-              <a:rPr lang="de-DE" dirty="0" smtClean="0"/>
+              <a:rPr lang="de-DE" dirty="0"/>
               <a:t>Netzwerke-Protokolle</a:t>
             </a:r>
           </a:p>
           <a:p>
             <a:r>
-              <a:rPr lang="de-DE" dirty="0" smtClean="0"/>
+              <a:rPr lang="de-DE" dirty="0"/>
               <a:t>Anforderungsanalyse</a:t>
             </a:r>
           </a:p>
           <a:p>
             <a:pPr lvl="1"/>
             <a:r>
-              <a:rPr lang="de-DE" dirty="0" smtClean="0"/>
+              <a:rPr lang="de-DE" dirty="0"/>
               <a:t>Funktionale Anforderungen</a:t>
             </a:r>
           </a:p>
           <a:p>
             <a:pPr lvl="1"/>
             <a:r>
-              <a:rPr lang="de-DE" dirty="0" smtClean="0"/>
+              <a:rPr lang="de-DE" dirty="0"/>
               <a:t>Nichtfunktionale Anforderungen</a:t>
             </a:r>
           </a:p>
           <a:p>
             <a:r>
-              <a:rPr lang="de-DE" dirty="0" smtClean="0"/>
+              <a:rPr lang="de-DE" dirty="0"/>
               <a:t>Evaluation der JavaScript-Frameworks(erstes Ergebnis)</a:t>
             </a:r>
           </a:p>
           <a:p>
             <a:r>
-              <a:rPr lang="de-DE" dirty="0" smtClean="0"/>
+              <a:rPr lang="de-DE" dirty="0"/>
               <a:t>Konzepte der </a:t>
             </a:r>
             <a:r>
-              <a:rPr lang="de-DE" dirty="0" err="1" smtClean="0"/>
+              <a:rPr lang="de-DE" dirty="0" err="1"/>
               <a:t>Topology</a:t>
             </a:r>
             <a:r>
-              <a:rPr lang="de-DE" dirty="0" smtClean="0"/>
+              <a:rPr lang="de-DE" dirty="0"/>
               <a:t>-Editor (zweites Ergebnis)</a:t>
             </a:r>
           </a:p>
           <a:p>
             <a:r>
-              <a:rPr lang="de-DE" dirty="0" smtClean="0"/>
+              <a:rPr lang="de-DE" dirty="0"/>
               <a:t>Prototype Implementierung(drittes Ergebnis)</a:t>
             </a:r>
           </a:p>
@@ -8610,13 +10012,12 @@
               <a:rPr lang="de-DE" dirty="0"/>
               <a:t>Fortsetzungsmöglichkeiten</a:t>
             </a:r>
-            <a:endParaRPr lang="de-DE" dirty="0" smtClean="0"/>
-          </a:p>
-          <a:p>
-            <a:endParaRPr lang="de-DE" dirty="0" smtClean="0"/>
-          </a:p>
-          <a:p>
-            <a:endParaRPr lang="de-DE" dirty="0" smtClean="0"/>
+          </a:p>
+          <a:p>
+            <a:endParaRPr lang="de-DE" dirty="0"/>
+          </a:p>
+          <a:p>
+            <a:endParaRPr lang="de-DE" dirty="0"/>
           </a:p>
           <a:p>
             <a:endParaRPr lang="de-DE" dirty="0"/>
@@ -8646,7 +10047,7 @@
               <a:pPr>
                 <a:defRPr/>
               </a:pPr>
-              <a:t>20.07.2018</a:t>
+              <a:t>30.07.2018</a:t>
             </a:fld>
             <a:endParaRPr lang="de-DE" dirty="0"/>
           </a:p>
@@ -8719,10 +10120,9 @@
           <a:lstStyle/>
           <a:p>
             <a:r>
-              <a:rPr lang="de-DE" dirty="0" smtClean="0"/>
+              <a:rPr lang="de-DE" dirty="0"/>
               <a:t>Agenda</a:t>
             </a:r>
-            <a:endParaRPr lang="de-DE" dirty="0"/>
           </a:p>
         </p:txBody>
       </p:sp>
@@ -8736,13 +10136,766 @@
   <p:clrMapOvr>
     <a:masterClrMapping/>
   </p:clrMapOvr>
-  <p:timing>
-    <p:tnLst>
-      <p:par>
-        <p:cTn id="1" dur="indefinite" restart="never" nodeType="tmRoot"/>
-      </p:par>
-    </p:tnLst>
-  </p:timing>
+</p:sld>
+</file>
+
+<file path=ppt/slides/slide20.xml><?xml version="1.0" encoding="utf-8"?>
+<p:sld xmlns:a="http://schemas.openxmlformats.org/drawingml/2006/main" xmlns:r="http://schemas.openxmlformats.org/officeDocument/2006/relationships" xmlns:p="http://schemas.openxmlformats.org/presentationml/2006/main">
+  <p:cSld>
+    <p:spTree>
+      <p:nvGrpSpPr>
+        <p:cNvPr id="1" name=""/>
+        <p:cNvGrpSpPr/>
+        <p:nvPr/>
+      </p:nvGrpSpPr>
+      <p:grpSpPr>
+        <a:xfrm>
+          <a:off x="0" y="0"/>
+          <a:ext cx="0" cy="0"/>
+          <a:chOff x="0" y="0"/>
+          <a:chExt cx="0" cy="0"/>
+        </a:xfrm>
+      </p:grpSpPr>
+      <p:sp>
+        <p:nvSpPr>
+          <p:cNvPr id="2" name="Inhaltsplatzhalter 1"/>
+          <p:cNvSpPr>
+            <a:spLocks noGrp="1"/>
+          </p:cNvSpPr>
+          <p:nvPr>
+            <p:ph sz="quarter" idx="13"/>
+          </p:nvPr>
+        </p:nvSpPr>
+        <p:spPr/>
+        <p:txBody>
+          <a:bodyPr/>
+          <a:lstStyle/>
+          <a:p>
+            <a:r>
+              <a:rPr lang="de-DE" dirty="0">
+                <a:solidFill>
+                  <a:schemeClr val="bg1">
+                    <a:lumMod val="50000"/>
+                  </a:schemeClr>
+                </a:solidFill>
+              </a:rPr>
+              <a:t>Einleitung</a:t>
+            </a:r>
+          </a:p>
+          <a:p>
+            <a:pPr lvl="1"/>
+            <a:r>
+              <a:rPr lang="de-DE" sz="2000" dirty="0">
+                <a:solidFill>
+                  <a:schemeClr val="bg1">
+                    <a:lumMod val="50000"/>
+                  </a:schemeClr>
+                </a:solidFill>
+              </a:rPr>
+              <a:t>Motivation</a:t>
+            </a:r>
+          </a:p>
+          <a:p>
+            <a:pPr lvl="1"/>
+            <a:r>
+              <a:rPr lang="de-DE" dirty="0">
+                <a:solidFill>
+                  <a:schemeClr val="bg1">
+                    <a:lumMod val="50000"/>
+                  </a:schemeClr>
+                </a:solidFill>
+              </a:rPr>
+              <a:t>Zielsetzung</a:t>
+            </a:r>
+          </a:p>
+          <a:p>
+            <a:r>
+              <a:rPr lang="de-DE" dirty="0">
+                <a:solidFill>
+                  <a:schemeClr val="bg1">
+                    <a:lumMod val="50000"/>
+                  </a:schemeClr>
+                </a:solidFill>
+              </a:rPr>
+              <a:t>Grundlage der Topologie</a:t>
+            </a:r>
+          </a:p>
+          <a:p>
+            <a:pPr lvl="1"/>
+            <a:r>
+              <a:rPr lang="de-DE" dirty="0">
+                <a:solidFill>
+                  <a:schemeClr val="bg1">
+                    <a:lumMod val="50000"/>
+                  </a:schemeClr>
+                </a:solidFill>
+              </a:rPr>
+              <a:t>Begriffserklärung</a:t>
+            </a:r>
+          </a:p>
+          <a:p>
+            <a:pPr lvl="1"/>
+            <a:r>
+              <a:rPr lang="de-DE" dirty="0" err="1">
+                <a:solidFill>
+                  <a:schemeClr val="bg1">
+                    <a:lumMod val="50000"/>
+                  </a:schemeClr>
+                </a:solidFill>
+              </a:rPr>
+              <a:t>Topologiemuster</a:t>
+            </a:r>
+            <a:endParaRPr lang="de-DE" dirty="0">
+              <a:solidFill>
+                <a:schemeClr val="bg1">
+                  <a:lumMod val="50000"/>
+                </a:schemeClr>
+              </a:solidFill>
+            </a:endParaRPr>
+          </a:p>
+          <a:p>
+            <a:pPr lvl="1"/>
+            <a:r>
+              <a:rPr lang="de-DE" dirty="0">
+                <a:solidFill>
+                  <a:schemeClr val="bg1">
+                    <a:lumMod val="50000"/>
+                  </a:schemeClr>
+                </a:solidFill>
+              </a:rPr>
+              <a:t>Netzwerke-Protokolle</a:t>
+            </a:r>
+          </a:p>
+          <a:p>
+            <a:r>
+              <a:rPr lang="de-DE" dirty="0">
+                <a:solidFill>
+                  <a:schemeClr val="bg1">
+                    <a:lumMod val="50000"/>
+                  </a:schemeClr>
+                </a:solidFill>
+              </a:rPr>
+              <a:t>Anforderungsanalyse   </a:t>
+            </a:r>
+          </a:p>
+          <a:p>
+            <a:pPr lvl="1"/>
+            <a:r>
+              <a:rPr lang="de-DE" dirty="0">
+                <a:solidFill>
+                  <a:schemeClr val="bg1">
+                    <a:lumMod val="50000"/>
+                  </a:schemeClr>
+                </a:solidFill>
+              </a:rPr>
+              <a:t>Funktionale Anforderungen</a:t>
+            </a:r>
+          </a:p>
+          <a:p>
+            <a:pPr lvl="1"/>
+            <a:r>
+              <a:rPr lang="de-DE" dirty="0">
+                <a:solidFill>
+                  <a:schemeClr val="bg1">
+                    <a:lumMod val="50000"/>
+                  </a:schemeClr>
+                </a:solidFill>
+              </a:rPr>
+              <a:t>Nichtfunktionale Anforderungen</a:t>
+            </a:r>
+          </a:p>
+          <a:p>
+            <a:r>
+              <a:rPr lang="de-DE" dirty="0">
+                <a:solidFill>
+                  <a:schemeClr val="bg1">
+                    <a:lumMod val="50000"/>
+                  </a:schemeClr>
+                </a:solidFill>
+              </a:rPr>
+              <a:t>Evaluation der JavaScript-Frameworks(erstes Ergebnis)</a:t>
+            </a:r>
+          </a:p>
+          <a:p>
+            <a:r>
+              <a:rPr lang="de-DE" dirty="0">
+                <a:solidFill>
+                  <a:schemeClr val="bg1">
+                    <a:lumMod val="50000"/>
+                  </a:schemeClr>
+                </a:solidFill>
+              </a:rPr>
+              <a:t>Konzepte der </a:t>
+            </a:r>
+            <a:r>
+              <a:rPr lang="de-DE" dirty="0" err="1">
+                <a:solidFill>
+                  <a:schemeClr val="bg1">
+                    <a:lumMod val="50000"/>
+                  </a:schemeClr>
+                </a:solidFill>
+              </a:rPr>
+              <a:t>Topology</a:t>
+            </a:r>
+            <a:r>
+              <a:rPr lang="de-DE" dirty="0">
+                <a:solidFill>
+                  <a:schemeClr val="bg1">
+                    <a:lumMod val="50000"/>
+                  </a:schemeClr>
+                </a:solidFill>
+              </a:rPr>
+              <a:t>-Editor (zweites Ergebnis)</a:t>
+            </a:r>
+          </a:p>
+          <a:p>
+            <a:r>
+              <a:rPr lang="de-DE" dirty="0">
+                <a:solidFill>
+                  <a:schemeClr val="bg1">
+                    <a:lumMod val="50000"/>
+                  </a:schemeClr>
+                </a:solidFill>
+              </a:rPr>
+              <a:t>Prototype Implementierung(drittes Ergebnis)</a:t>
+            </a:r>
+          </a:p>
+          <a:p>
+            <a:r>
+              <a:rPr lang="de-DE" b="1" dirty="0"/>
+              <a:t>Fortsetzungsmöglichkeiten</a:t>
+            </a:r>
+          </a:p>
+          <a:p>
+            <a:endParaRPr lang="de-DE" dirty="0"/>
+          </a:p>
+          <a:p>
+            <a:endParaRPr lang="de-DE" dirty="0"/>
+          </a:p>
+          <a:p>
+            <a:endParaRPr lang="de-DE" dirty="0"/>
+          </a:p>
+        </p:txBody>
+      </p:sp>
+      <p:sp>
+        <p:nvSpPr>
+          <p:cNvPr id="3" name="Datumsplatzhalter 2"/>
+          <p:cNvSpPr>
+            <a:spLocks noGrp="1"/>
+          </p:cNvSpPr>
+          <p:nvPr>
+            <p:ph type="dt" sz="half" idx="14"/>
+          </p:nvPr>
+        </p:nvSpPr>
+        <p:spPr/>
+        <p:txBody>
+          <a:bodyPr/>
+          <a:lstStyle/>
+          <a:p>
+            <a:pPr>
+              <a:defRPr/>
+            </a:pPr>
+            <a:fld id="{C098E26C-8BAA-4ACE-83C6-8F04F03DE16F}" type="datetime1">
+              <a:rPr lang="de-DE" smtClean="0"/>
+              <a:pPr>
+                <a:defRPr/>
+              </a:pPr>
+              <a:t>30.07.2018</a:t>
+            </a:fld>
+            <a:endParaRPr lang="de-DE" dirty="0"/>
+          </a:p>
+        </p:txBody>
+      </p:sp>
+      <p:sp>
+        <p:nvSpPr>
+          <p:cNvPr id="4" name="Fußzeilenplatzhalter 3"/>
+          <p:cNvSpPr>
+            <a:spLocks noGrp="1"/>
+          </p:cNvSpPr>
+          <p:nvPr>
+            <p:ph type="ftr" sz="quarter" idx="15"/>
+          </p:nvPr>
+        </p:nvSpPr>
+        <p:spPr/>
+        <p:txBody>
+          <a:bodyPr/>
+          <a:lstStyle/>
+          <a:p>
+            <a:pPr>
+              <a:defRPr/>
+            </a:pPr>
+            <a:endParaRPr lang="de-DE"/>
+          </a:p>
+        </p:txBody>
+      </p:sp>
+      <p:sp>
+        <p:nvSpPr>
+          <p:cNvPr id="5" name="Foliennummernplatzhalter 4"/>
+          <p:cNvSpPr>
+            <a:spLocks noGrp="1"/>
+          </p:cNvSpPr>
+          <p:nvPr>
+            <p:ph type="sldNum" sz="quarter" idx="16"/>
+          </p:nvPr>
+        </p:nvSpPr>
+        <p:spPr/>
+        <p:txBody>
+          <a:bodyPr/>
+          <a:lstStyle/>
+          <a:p>
+            <a:pPr>
+              <a:defRPr/>
+            </a:pPr>
+            <a:fld id="{7A8CEE4A-E163-47DE-8784-5B8DE9F7A78A}" type="slidenum">
+              <a:rPr lang="de-DE" altLang="de-DE" smtClean="0"/>
+              <a:pPr>
+                <a:defRPr/>
+              </a:pPr>
+              <a:t>20</a:t>
+            </a:fld>
+            <a:endParaRPr lang="de-DE" altLang="de-DE" dirty="0"/>
+          </a:p>
+        </p:txBody>
+      </p:sp>
+      <p:sp>
+        <p:nvSpPr>
+          <p:cNvPr id="6" name="Titel 5"/>
+          <p:cNvSpPr>
+            <a:spLocks noGrp="1"/>
+          </p:cNvSpPr>
+          <p:nvPr>
+            <p:ph type="title"/>
+          </p:nvPr>
+        </p:nvSpPr>
+        <p:spPr/>
+        <p:txBody>
+          <a:bodyPr/>
+          <a:lstStyle/>
+          <a:p>
+            <a:r>
+              <a:rPr lang="de-DE" dirty="0"/>
+              <a:t>Agenda</a:t>
+            </a:r>
+          </a:p>
+        </p:txBody>
+      </p:sp>
+    </p:spTree>
+    <p:extLst>
+      <p:ext uri="{BB962C8B-B14F-4D97-AF65-F5344CB8AC3E}">
+        <p14:creationId xmlns:p14="http://schemas.microsoft.com/office/powerpoint/2010/main" val="3394915412"/>
+      </p:ext>
+    </p:extLst>
+  </p:cSld>
+  <p:clrMapOvr>
+    <a:masterClrMapping/>
+  </p:clrMapOvr>
+</p:sld>
+</file>
+
+<file path=ppt/slides/slide21.xml><?xml version="1.0" encoding="utf-8"?>
+<p:sld xmlns:a="http://schemas.openxmlformats.org/drawingml/2006/main" xmlns:r="http://schemas.openxmlformats.org/officeDocument/2006/relationships" xmlns:p="http://schemas.openxmlformats.org/presentationml/2006/main">
+  <p:cSld>
+    <p:spTree>
+      <p:nvGrpSpPr>
+        <p:cNvPr id="1" name=""/>
+        <p:cNvGrpSpPr/>
+        <p:nvPr/>
+      </p:nvGrpSpPr>
+      <p:grpSpPr>
+        <a:xfrm>
+          <a:off x="0" y="0"/>
+          <a:ext cx="0" cy="0"/>
+          <a:chOff x="0" y="0"/>
+          <a:chExt cx="0" cy="0"/>
+        </a:xfrm>
+      </p:grpSpPr>
+      <p:sp>
+        <p:nvSpPr>
+          <p:cNvPr id="2" name="Inhaltsplatzhalter 1"/>
+          <p:cNvSpPr>
+            <a:spLocks noGrp="1"/>
+          </p:cNvSpPr>
+          <p:nvPr>
+            <p:ph sz="quarter" idx="13"/>
+          </p:nvPr>
+        </p:nvSpPr>
+        <p:spPr/>
+        <p:txBody>
+          <a:bodyPr/>
+          <a:lstStyle/>
+          <a:p>
+            <a:pPr>
+              <a:lnSpc>
+                <a:spcPct val="200000"/>
+              </a:lnSpc>
+            </a:pPr>
+            <a:r>
+              <a:rPr lang="de-DE" dirty="0"/>
+              <a:t>Tatsächliche Implementierung des </a:t>
+            </a:r>
+            <a:r>
+              <a:rPr lang="de-DE" dirty="0" err="1"/>
+              <a:t>Topology</a:t>
+            </a:r>
+            <a:r>
+              <a:rPr lang="de-DE" dirty="0"/>
+              <a:t>-Editors </a:t>
+            </a:r>
+          </a:p>
+          <a:p>
+            <a:pPr>
+              <a:lnSpc>
+                <a:spcPct val="200000"/>
+              </a:lnSpc>
+            </a:pPr>
+            <a:r>
+              <a:rPr lang="de-DE" dirty="0"/>
+              <a:t>Unterstützung der Echtzeitverhalten</a:t>
+            </a:r>
+          </a:p>
+          <a:p>
+            <a:pPr>
+              <a:lnSpc>
+                <a:spcPct val="200000"/>
+              </a:lnSpc>
+            </a:pPr>
+            <a:r>
+              <a:rPr lang="de-DE" dirty="0"/>
+              <a:t>Hohe Übertragungssicherheit gewährleisten </a:t>
+            </a:r>
+          </a:p>
+          <a:p>
+            <a:pPr>
+              <a:lnSpc>
+                <a:spcPct val="200000"/>
+              </a:lnSpc>
+            </a:pPr>
+            <a:r>
+              <a:rPr lang="de-DE" dirty="0"/>
+              <a:t>Implementierung der Funktion für die logische Topologie</a:t>
+            </a:r>
+          </a:p>
+          <a:p>
+            <a:pPr>
+              <a:lnSpc>
+                <a:spcPct val="200000"/>
+              </a:lnSpc>
+            </a:pPr>
+            <a:r>
+              <a:rPr lang="de-DE" dirty="0"/>
+              <a:t>Implementierung der Funktion für die Darstellung der Submodule</a:t>
+            </a:r>
+          </a:p>
+          <a:p>
+            <a:endParaRPr lang="de-DE" dirty="0"/>
+          </a:p>
+        </p:txBody>
+      </p:sp>
+      <p:sp>
+        <p:nvSpPr>
+          <p:cNvPr id="3" name="Datumsplatzhalter 2"/>
+          <p:cNvSpPr>
+            <a:spLocks noGrp="1"/>
+          </p:cNvSpPr>
+          <p:nvPr>
+            <p:ph type="dt" sz="half" idx="14"/>
+          </p:nvPr>
+        </p:nvSpPr>
+        <p:spPr/>
+        <p:txBody>
+          <a:bodyPr/>
+          <a:lstStyle/>
+          <a:p>
+            <a:pPr>
+              <a:defRPr/>
+            </a:pPr>
+            <a:fld id="{C098E26C-8BAA-4ACE-83C6-8F04F03DE16F}" type="datetime1">
+              <a:rPr lang="de-DE" smtClean="0"/>
+              <a:pPr>
+                <a:defRPr/>
+              </a:pPr>
+              <a:t>30.07.2018</a:t>
+            </a:fld>
+            <a:endParaRPr lang="de-DE" dirty="0"/>
+          </a:p>
+        </p:txBody>
+      </p:sp>
+      <p:sp>
+        <p:nvSpPr>
+          <p:cNvPr id="4" name="Fußzeilenplatzhalter 3"/>
+          <p:cNvSpPr>
+            <a:spLocks noGrp="1"/>
+          </p:cNvSpPr>
+          <p:nvPr>
+            <p:ph type="ftr" sz="quarter" idx="15"/>
+          </p:nvPr>
+        </p:nvSpPr>
+        <p:spPr/>
+        <p:txBody>
+          <a:bodyPr/>
+          <a:lstStyle/>
+          <a:p>
+            <a:pPr>
+              <a:defRPr/>
+            </a:pPr>
+            <a:endParaRPr lang="de-DE"/>
+          </a:p>
+        </p:txBody>
+      </p:sp>
+      <p:sp>
+        <p:nvSpPr>
+          <p:cNvPr id="5" name="Foliennummernplatzhalter 4"/>
+          <p:cNvSpPr>
+            <a:spLocks noGrp="1"/>
+          </p:cNvSpPr>
+          <p:nvPr>
+            <p:ph type="sldNum" sz="quarter" idx="16"/>
+          </p:nvPr>
+        </p:nvSpPr>
+        <p:spPr/>
+        <p:txBody>
+          <a:bodyPr/>
+          <a:lstStyle/>
+          <a:p>
+            <a:pPr>
+              <a:defRPr/>
+            </a:pPr>
+            <a:fld id="{7A8CEE4A-E163-47DE-8784-5B8DE9F7A78A}" type="slidenum">
+              <a:rPr lang="de-DE" altLang="de-DE" smtClean="0"/>
+              <a:pPr>
+                <a:defRPr/>
+              </a:pPr>
+              <a:t>21</a:t>
+            </a:fld>
+            <a:endParaRPr lang="de-DE" altLang="de-DE" dirty="0"/>
+          </a:p>
+        </p:txBody>
+      </p:sp>
+      <p:sp>
+        <p:nvSpPr>
+          <p:cNvPr id="6" name="Titel 5"/>
+          <p:cNvSpPr>
+            <a:spLocks noGrp="1"/>
+          </p:cNvSpPr>
+          <p:nvPr>
+            <p:ph type="title"/>
+          </p:nvPr>
+        </p:nvSpPr>
+        <p:spPr/>
+        <p:txBody>
+          <a:bodyPr/>
+          <a:lstStyle/>
+          <a:p>
+            <a:r>
+              <a:rPr lang="de-DE" dirty="0"/>
+              <a:t>Fortsetzungsmöglichkeiten</a:t>
+            </a:r>
+          </a:p>
+        </p:txBody>
+      </p:sp>
+    </p:spTree>
+    <p:extLst>
+      <p:ext uri="{BB962C8B-B14F-4D97-AF65-F5344CB8AC3E}">
+        <p14:creationId xmlns:p14="http://schemas.microsoft.com/office/powerpoint/2010/main" val="3073158476"/>
+      </p:ext>
+    </p:extLst>
+  </p:cSld>
+  <p:clrMapOvr>
+    <a:masterClrMapping/>
+  </p:clrMapOvr>
+</p:sld>
+</file>
+
+<file path=ppt/slides/slide22.xml><?xml version="1.0" encoding="utf-8"?>
+<p:sld xmlns:a="http://schemas.openxmlformats.org/drawingml/2006/main" xmlns:r="http://schemas.openxmlformats.org/officeDocument/2006/relationships" xmlns:p="http://schemas.openxmlformats.org/presentationml/2006/main">
+  <p:cSld>
+    <p:spTree>
+      <p:nvGrpSpPr>
+        <p:cNvPr id="1" name=""/>
+        <p:cNvGrpSpPr/>
+        <p:nvPr/>
+      </p:nvGrpSpPr>
+      <p:grpSpPr>
+        <a:xfrm>
+          <a:off x="0" y="0"/>
+          <a:ext cx="0" cy="0"/>
+          <a:chOff x="0" y="0"/>
+          <a:chExt cx="0" cy="0"/>
+        </a:xfrm>
+      </p:grpSpPr>
+      <p:sp>
+        <p:nvSpPr>
+          <p:cNvPr id="2" name="Inhaltsplatzhalter 1"/>
+          <p:cNvSpPr>
+            <a:spLocks noGrp="1"/>
+          </p:cNvSpPr>
+          <p:nvPr>
+            <p:ph sz="quarter" idx="13"/>
+          </p:nvPr>
+        </p:nvSpPr>
+        <p:spPr/>
+        <p:txBody>
+          <a:bodyPr/>
+          <a:lstStyle/>
+          <a:p>
+            <a:pPr marL="0" indent="0" algn="ctr">
+              <a:buNone/>
+            </a:pPr>
+            <a:endParaRPr lang="de-DE" dirty="0"/>
+          </a:p>
+          <a:p>
+            <a:pPr marL="0" indent="0" algn="ctr">
+              <a:buNone/>
+            </a:pPr>
+            <a:endParaRPr lang="de-DE" sz="3600" dirty="0"/>
+          </a:p>
+          <a:p>
+            <a:pPr marL="0" indent="0" algn="ctr">
+              <a:buNone/>
+            </a:pPr>
+            <a:r>
+              <a:rPr lang="de-DE" sz="3600" dirty="0"/>
+              <a:t>Vielen Dank für Ihre Aufmerksamkeit!</a:t>
+            </a:r>
+          </a:p>
+          <a:p>
+            <a:pPr marL="0" indent="0" algn="ctr">
+              <a:buNone/>
+            </a:pPr>
+            <a:endParaRPr lang="de-DE" dirty="0"/>
+          </a:p>
+          <a:p>
+            <a:pPr marL="0" indent="0" algn="ctr">
+              <a:buNone/>
+            </a:pPr>
+            <a:endParaRPr lang="de-DE" dirty="0"/>
+          </a:p>
+          <a:p>
+            <a:pPr marL="0" indent="0" algn="ctr">
+              <a:buNone/>
+            </a:pPr>
+            <a:r>
+              <a:rPr lang="de-DE" dirty="0"/>
+              <a:t>Quellen, Abbildungen, usw. können in der Masterarbeit nachgeschlagen oder per E-Mail angefordert werden.</a:t>
+            </a:r>
+          </a:p>
+          <a:p>
+            <a:pPr marL="0" indent="0" algn="ctr">
+              <a:buNone/>
+            </a:pPr>
+            <a:endParaRPr lang="de-DE" dirty="0"/>
+          </a:p>
+        </p:txBody>
+      </p:sp>
+      <p:sp>
+        <p:nvSpPr>
+          <p:cNvPr id="3" name="Datumsplatzhalter 2"/>
+          <p:cNvSpPr>
+            <a:spLocks noGrp="1"/>
+          </p:cNvSpPr>
+          <p:nvPr>
+            <p:ph type="dt" sz="half" idx="14"/>
+          </p:nvPr>
+        </p:nvSpPr>
+        <p:spPr/>
+        <p:txBody>
+          <a:bodyPr/>
+          <a:lstStyle/>
+          <a:p>
+            <a:pPr>
+              <a:defRPr/>
+            </a:pPr>
+            <a:fld id="{C098E26C-8BAA-4ACE-83C6-8F04F03DE16F}" type="datetime1">
+              <a:rPr lang="de-DE" smtClean="0"/>
+              <a:pPr>
+                <a:defRPr/>
+              </a:pPr>
+              <a:t>30.07.2018</a:t>
+            </a:fld>
+            <a:endParaRPr lang="de-DE" dirty="0"/>
+          </a:p>
+        </p:txBody>
+      </p:sp>
+      <p:sp>
+        <p:nvSpPr>
+          <p:cNvPr id="4" name="Fußzeilenplatzhalter 3"/>
+          <p:cNvSpPr>
+            <a:spLocks noGrp="1"/>
+          </p:cNvSpPr>
+          <p:nvPr>
+            <p:ph type="ftr" sz="quarter" idx="15"/>
+          </p:nvPr>
+        </p:nvSpPr>
+        <p:spPr/>
+        <p:txBody>
+          <a:bodyPr/>
+          <a:lstStyle/>
+          <a:p>
+            <a:pPr>
+              <a:defRPr/>
+            </a:pPr>
+            <a:endParaRPr lang="de-DE"/>
+          </a:p>
+        </p:txBody>
+      </p:sp>
+      <p:sp>
+        <p:nvSpPr>
+          <p:cNvPr id="5" name="Foliennummernplatzhalter 4"/>
+          <p:cNvSpPr>
+            <a:spLocks noGrp="1"/>
+          </p:cNvSpPr>
+          <p:nvPr>
+            <p:ph type="sldNum" sz="quarter" idx="16"/>
+          </p:nvPr>
+        </p:nvSpPr>
+        <p:spPr/>
+        <p:txBody>
+          <a:bodyPr/>
+          <a:lstStyle/>
+          <a:p>
+            <a:pPr>
+              <a:defRPr/>
+            </a:pPr>
+            <a:fld id="{7A8CEE4A-E163-47DE-8784-5B8DE9F7A78A}" type="slidenum">
+              <a:rPr lang="de-DE" altLang="de-DE" smtClean="0"/>
+              <a:pPr>
+                <a:defRPr/>
+              </a:pPr>
+              <a:t>22</a:t>
+            </a:fld>
+            <a:endParaRPr lang="de-DE" altLang="de-DE" dirty="0"/>
+          </a:p>
+        </p:txBody>
+      </p:sp>
+      <p:sp>
+        <p:nvSpPr>
+          <p:cNvPr id="6" name="Titel 5"/>
+          <p:cNvSpPr>
+            <a:spLocks noGrp="1"/>
+          </p:cNvSpPr>
+          <p:nvPr>
+            <p:ph type="title"/>
+          </p:nvPr>
+        </p:nvSpPr>
+        <p:spPr/>
+        <p:txBody>
+          <a:bodyPr/>
+          <a:lstStyle/>
+          <a:p>
+            <a:endParaRPr lang="de-DE"/>
+          </a:p>
+        </p:txBody>
+      </p:sp>
+    </p:spTree>
+    <p:extLst>
+      <p:ext uri="{BB962C8B-B14F-4D97-AF65-F5344CB8AC3E}">
+        <p14:creationId xmlns:p14="http://schemas.microsoft.com/office/powerpoint/2010/main" val="2185345473"/>
+      </p:ext>
+    </p:extLst>
+  </p:cSld>
+  <p:clrMapOvr>
+    <a:masterClrMapping/>
+  </p:clrMapOvr>
 </p:sld>
 </file>
 
@@ -8779,72 +10932,193 @@
           <a:lstStyle/>
           <a:p>
             <a:r>
-              <a:rPr lang="de-DE" dirty="0" smtClean="0"/>
+              <a:rPr lang="de-DE" b="1" dirty="0"/>
+              <a:t>Einleitung</a:t>
+            </a:r>
+          </a:p>
+          <a:p>
+            <a:pPr lvl="1"/>
+            <a:r>
+              <a:rPr lang="de-DE" sz="2000" b="1" dirty="0"/>
               <a:t>Motivation</a:t>
             </a:r>
           </a:p>
           <a:p>
             <a:pPr lvl="1"/>
             <a:r>
-              <a:rPr lang="de-DE" dirty="0" smtClean="0"/>
-              <a:t>Erweiterung des Engineering Tool </a:t>
-            </a:r>
-            <a:r>
-              <a:rPr lang="de-DE" dirty="0" err="1" smtClean="0"/>
-              <a:t>ComStudio</a:t>
-            </a:r>
-            <a:endParaRPr lang="de-DE" dirty="0" smtClean="0"/>
+              <a:rPr lang="de-DE" b="1" dirty="0"/>
+              <a:t>Zielsetzung</a:t>
+            </a:r>
+          </a:p>
+          <a:p>
+            <a:r>
+              <a:rPr lang="de-DE" dirty="0">
+                <a:solidFill>
+                  <a:schemeClr val="bg1">
+                    <a:lumMod val="50000"/>
+                  </a:schemeClr>
+                </a:solidFill>
+              </a:rPr>
+              <a:t>Grundlage der Topologie</a:t>
+            </a:r>
           </a:p>
           <a:p>
             <a:pPr lvl="1"/>
             <a:r>
-              <a:rPr lang="de-DE" dirty="0" smtClean="0"/>
-              <a:t>Reduktion der </a:t>
-            </a:r>
-            <a:r>
-              <a:rPr lang="de-DE" dirty="0" err="1" smtClean="0"/>
-              <a:t>Engineeringzeit</a:t>
-            </a:r>
-            <a:r>
-              <a:rPr lang="de-DE" dirty="0" smtClean="0"/>
-              <a:t> für Netzwerkinbetriebnahme</a:t>
+              <a:rPr lang="de-DE" dirty="0">
+                <a:solidFill>
+                  <a:schemeClr val="bg1">
+                    <a:lumMod val="50000"/>
+                  </a:schemeClr>
+                </a:solidFill>
+              </a:rPr>
+              <a:t>Begriffserklärung</a:t>
             </a:r>
           </a:p>
           <a:p>
             <a:pPr lvl="1"/>
-            <a:endParaRPr lang="de-DE" dirty="0" smtClean="0"/>
-          </a:p>
-          <a:p>
-            <a:r>
-              <a:rPr lang="de-DE" dirty="0" smtClean="0"/>
-              <a:t>Zielsetzung</a:t>
-            </a:r>
+            <a:r>
+              <a:rPr lang="de-DE" dirty="0" err="1">
+                <a:solidFill>
+                  <a:schemeClr val="bg1">
+                    <a:lumMod val="50000"/>
+                  </a:schemeClr>
+                </a:solidFill>
+              </a:rPr>
+              <a:t>Topologiemuster</a:t>
+            </a:r>
+            <a:endParaRPr lang="de-DE" dirty="0">
+              <a:solidFill>
+                <a:schemeClr val="bg1">
+                  <a:lumMod val="50000"/>
+                </a:schemeClr>
+              </a:solidFill>
+            </a:endParaRPr>
           </a:p>
           <a:p>
             <a:pPr lvl="1"/>
             <a:r>
-              <a:rPr lang="de-DE" dirty="0" smtClean="0"/>
-              <a:t>Konzept und Design einer </a:t>
-            </a:r>
-            <a:r>
-              <a:rPr lang="de-DE" dirty="0" err="1" smtClean="0"/>
+              <a:rPr lang="de-DE" dirty="0">
+                <a:solidFill>
+                  <a:schemeClr val="bg1">
+                    <a:lumMod val="50000"/>
+                  </a:schemeClr>
+                </a:solidFill>
+              </a:rPr>
+              <a:t>Netzwerke-Protokolle</a:t>
+            </a:r>
+          </a:p>
+          <a:p>
+            <a:r>
+              <a:rPr lang="de-DE" dirty="0">
+                <a:solidFill>
+                  <a:schemeClr val="bg1">
+                    <a:lumMod val="50000"/>
+                  </a:schemeClr>
+                </a:solidFill>
+              </a:rPr>
+              <a:t>Anforderungsanalyse</a:t>
+            </a:r>
+          </a:p>
+          <a:p>
+            <a:pPr lvl="1"/>
+            <a:r>
+              <a:rPr lang="de-DE" dirty="0">
+                <a:solidFill>
+                  <a:schemeClr val="bg1">
+                    <a:lumMod val="50000"/>
+                  </a:schemeClr>
+                </a:solidFill>
+              </a:rPr>
+              <a:t>Funktionale Anforderungen</a:t>
+            </a:r>
+          </a:p>
+          <a:p>
+            <a:pPr lvl="1"/>
+            <a:r>
+              <a:rPr lang="de-DE" dirty="0">
+                <a:solidFill>
+                  <a:schemeClr val="bg1">
+                    <a:lumMod val="50000"/>
+                  </a:schemeClr>
+                </a:solidFill>
+              </a:rPr>
+              <a:t>Nichtfunktionale Anforderungen</a:t>
+            </a:r>
+          </a:p>
+          <a:p>
+            <a:r>
+              <a:rPr lang="de-DE" dirty="0">
+                <a:solidFill>
+                  <a:schemeClr val="bg1">
+                    <a:lumMod val="50000"/>
+                  </a:schemeClr>
+                </a:solidFill>
+              </a:rPr>
+              <a:t>Evaluation der JavaScript-Frameworks(erstes Ergebnis)</a:t>
+            </a:r>
+          </a:p>
+          <a:p>
+            <a:r>
+              <a:rPr lang="de-DE" dirty="0">
+                <a:solidFill>
+                  <a:schemeClr val="bg1">
+                    <a:lumMod val="50000"/>
+                  </a:schemeClr>
+                </a:solidFill>
+              </a:rPr>
+              <a:t>Konzepte der </a:t>
+            </a:r>
+            <a:r>
+              <a:rPr lang="de-DE" dirty="0" err="1">
+                <a:solidFill>
+                  <a:schemeClr val="bg1">
+                    <a:lumMod val="50000"/>
+                  </a:schemeClr>
+                </a:solidFill>
+              </a:rPr>
               <a:t>Topology</a:t>
             </a:r>
             <a:r>
-              <a:rPr lang="de-DE" dirty="0" smtClean="0"/>
-              <a:t>-Engineering-Komponente </a:t>
-            </a:r>
-          </a:p>
-          <a:p>
-            <a:pPr lvl="1"/>
-            <a:r>
-              <a:rPr lang="de-DE" dirty="0" smtClean="0"/>
-              <a:t>Prototypenentwicklung des Komponenten </a:t>
-            </a:r>
-          </a:p>
-          <a:p>
-            <a:pPr lvl="1"/>
-            <a:endParaRPr lang="de-DE" dirty="0" smtClean="0"/>
+              <a:rPr lang="de-DE" dirty="0">
+                <a:solidFill>
+                  <a:schemeClr val="bg1">
+                    <a:lumMod val="50000"/>
+                  </a:schemeClr>
+                </a:solidFill>
+              </a:rPr>
+              <a:t>-Editor (zweites Ergebnis)</a:t>
+            </a:r>
+          </a:p>
+          <a:p>
+            <a:r>
+              <a:rPr lang="de-DE" dirty="0">
+                <a:solidFill>
+                  <a:schemeClr val="bg1">
+                    <a:lumMod val="50000"/>
+                  </a:schemeClr>
+                </a:solidFill>
+              </a:rPr>
+              <a:t>Prototype Implementierung(drittes Ergebnis)</a:t>
+            </a:r>
+          </a:p>
+          <a:p>
+            <a:r>
+              <a:rPr lang="de-DE" dirty="0">
+                <a:solidFill>
+                  <a:schemeClr val="bg1">
+                    <a:lumMod val="50000"/>
+                  </a:schemeClr>
+                </a:solidFill>
+              </a:rPr>
+              <a:t>Fortsetzungsmöglichkeiten</a:t>
+            </a:r>
+          </a:p>
+          <a:p>
+            <a:endParaRPr lang="de-DE" dirty="0"/>
+          </a:p>
+          <a:p>
+            <a:endParaRPr lang="de-DE" dirty="0"/>
           </a:p>
           <a:p>
             <a:endParaRPr lang="de-DE" dirty="0"/>
@@ -8874,7 +11148,7 @@
               <a:pPr>
                 <a:defRPr/>
               </a:pPr>
-              <a:t>20.07.2018</a:t>
+              <a:t>30.07.2018</a:t>
             </a:fld>
             <a:endParaRPr lang="de-DE" dirty="0"/>
           </a:p>
@@ -8947,30 +11221,22 @@
           <a:lstStyle/>
           <a:p>
             <a:r>
-              <a:rPr lang="de-DE" dirty="0" smtClean="0"/>
-              <a:t>Einleitung:: Motivation &amp; Zielsetzung</a:t>
-            </a:r>
-            <a:endParaRPr lang="de-DE" dirty="0"/>
+              <a:rPr lang="de-DE" dirty="0"/>
+              <a:t>Agenda</a:t>
+            </a:r>
           </a:p>
         </p:txBody>
       </p:sp>
     </p:spTree>
     <p:extLst>
       <p:ext uri="{BB962C8B-B14F-4D97-AF65-F5344CB8AC3E}">
-        <p14:creationId xmlns:p14="http://schemas.microsoft.com/office/powerpoint/2010/main" val="3911753277"/>
+        <p14:creationId xmlns:p14="http://schemas.microsoft.com/office/powerpoint/2010/main" val="4069245142"/>
       </p:ext>
     </p:extLst>
   </p:cSld>
   <p:clrMapOvr>
     <a:masterClrMapping/>
   </p:clrMapOvr>
-  <p:timing>
-    <p:tnLst>
-      <p:par>
-        <p:cTn id="1" dur="indefinite" restart="never" nodeType="tmRoot"/>
-      </p:par>
-    </p:tnLst>
-  </p:timing>
 </p:sld>
 </file>
 
@@ -9006,129 +11272,78 @@
           <a:bodyPr/>
           <a:lstStyle/>
           <a:p>
-            <a:r>
-              <a:rPr lang="de-DE" dirty="0" smtClean="0">
-                <a:solidFill>
-                  <a:schemeClr val="bg1">
-                    <a:lumMod val="50000"/>
-                  </a:schemeClr>
-                </a:solidFill>
-              </a:rPr>
-              <a:t>Einleitung</a:t>
+            <a:endParaRPr lang="de-DE" dirty="0"/>
+          </a:p>
+          <a:p>
+            <a:r>
+              <a:rPr lang="de-DE" dirty="0"/>
+              <a:t>Motivation</a:t>
             </a:r>
           </a:p>
           <a:p>
             <a:pPr lvl="1"/>
             <a:r>
-              <a:rPr lang="de-DE" sz="2000" dirty="0" smtClean="0">
-                <a:solidFill>
-                  <a:schemeClr val="bg1">
-                    <a:lumMod val="50000"/>
-                  </a:schemeClr>
-                </a:solidFill>
-              </a:rPr>
-              <a:t>Motivation</a:t>
+              <a:rPr lang="de-DE" dirty="0"/>
+              <a:t>Grafische Komponente</a:t>
             </a:r>
           </a:p>
           <a:p>
             <a:pPr lvl="1"/>
             <a:r>
-              <a:rPr lang="de-DE" dirty="0" smtClean="0">
-                <a:solidFill>
-                  <a:schemeClr val="bg1">
-                    <a:lumMod val="50000"/>
-                  </a:schemeClr>
-                </a:solidFill>
-              </a:rPr>
+              <a:rPr lang="de-DE" dirty="0"/>
+              <a:t>Visuelle Informationen</a:t>
+            </a:r>
+          </a:p>
+          <a:p>
+            <a:pPr lvl="1"/>
+            <a:r>
+              <a:rPr lang="de-DE" dirty="0"/>
+              <a:t>protokollneutraler, einheitlicher Ansatz </a:t>
+            </a:r>
+          </a:p>
+          <a:p>
+            <a:pPr marL="457200" lvl="1" indent="0">
+              <a:buNone/>
+            </a:pPr>
+            <a:endParaRPr lang="de-DE" dirty="0"/>
+          </a:p>
+          <a:p>
+            <a:pPr marL="457200" lvl="1" indent="0">
+              <a:buNone/>
+            </a:pPr>
+            <a:endParaRPr lang="de-DE" dirty="0"/>
+          </a:p>
+          <a:p>
+            <a:r>
+              <a:rPr lang="de-DE" dirty="0"/>
               <a:t>Zielsetzung</a:t>
             </a:r>
           </a:p>
           <a:p>
-            <a:r>
-              <a:rPr lang="de-DE" b="1" dirty="0" smtClean="0"/>
-              <a:t>Grundlage der Topologie</a:t>
-            </a:r>
-          </a:p>
-          <a:p>
             <a:pPr lvl="1"/>
             <a:r>
-              <a:rPr lang="de-DE" b="1" dirty="0" smtClean="0"/>
-              <a:t>Begriffserklärung</a:t>
+              <a:rPr lang="de-DE" dirty="0"/>
+              <a:t>Konzept und Design einer </a:t>
+            </a:r>
+            <a:r>
+              <a:rPr lang="de-DE" dirty="0" err="1"/>
+              <a:t>Topology</a:t>
+            </a:r>
+            <a:r>
+              <a:rPr lang="de-DE" dirty="0"/>
+              <a:t>-Engineering-Komponente </a:t>
             </a:r>
           </a:p>
           <a:p>
             <a:pPr lvl="1"/>
             <a:r>
-              <a:rPr lang="de-DE" b="1" dirty="0" err="1" smtClean="0"/>
-              <a:t>Topologiemuster</a:t>
-            </a:r>
-            <a:endParaRPr lang="de-DE" b="1" dirty="0" smtClean="0"/>
+              <a:rPr lang="de-DE" dirty="0"/>
+              <a:t>Prototypenentwicklung des Komponenten </a:t>
+            </a:r>
           </a:p>
           <a:p>
             <a:pPr lvl="1"/>
-            <a:r>
-              <a:rPr lang="de-DE" b="1" dirty="0" smtClean="0"/>
-              <a:t>Netzwerke-Protokolle</a:t>
-            </a:r>
-          </a:p>
-          <a:p>
-            <a:r>
-              <a:rPr lang="de-DE" dirty="0" smtClean="0"/>
-              <a:t>Anforderungsanalyse</a:t>
-            </a:r>
-          </a:p>
-          <a:p>
-            <a:pPr lvl="1"/>
-            <a:r>
-              <a:rPr lang="de-DE" dirty="0" smtClean="0"/>
-              <a:t>Funktionale Anforderungen</a:t>
-            </a:r>
-          </a:p>
-          <a:p>
-            <a:pPr lvl="1"/>
-            <a:r>
-              <a:rPr lang="de-DE" dirty="0" smtClean="0"/>
-              <a:t>Nichtfunktionale Anforderungen</a:t>
-            </a:r>
-          </a:p>
-          <a:p>
-            <a:r>
-              <a:rPr lang="de-DE" dirty="0" smtClean="0"/>
-              <a:t>Evaluation der JavaScript-Frameworks(erstes Ergebnis)</a:t>
-            </a:r>
-          </a:p>
-          <a:p>
-            <a:r>
-              <a:rPr lang="de-DE" dirty="0" smtClean="0"/>
-              <a:t>Konzepte der </a:t>
-            </a:r>
-            <a:r>
-              <a:rPr lang="de-DE" dirty="0" err="1" smtClean="0"/>
-              <a:t>Topology</a:t>
-            </a:r>
-            <a:r>
-              <a:rPr lang="de-DE" dirty="0" smtClean="0"/>
-              <a:t>-Editor (zweites Ergebnis)</a:t>
-            </a:r>
-          </a:p>
-          <a:p>
-            <a:r>
-              <a:rPr lang="de-DE" dirty="0" smtClean="0"/>
-              <a:t>Prototype Implementierung(drittes Ergebnis)</a:t>
-            </a:r>
-          </a:p>
-          <a:p>
-            <a:r>
-              <a:rPr lang="de-DE" dirty="0"/>
-              <a:t>Fortsetzungsmöglichkeiten</a:t>
-            </a:r>
-            <a:endParaRPr lang="de-DE" dirty="0" smtClean="0"/>
-          </a:p>
-          <a:p>
-            <a:endParaRPr lang="de-DE" dirty="0" smtClean="0"/>
-          </a:p>
-          <a:p>
-            <a:endParaRPr lang="de-DE" dirty="0" smtClean="0"/>
+            <a:endParaRPr lang="de-DE" dirty="0"/>
           </a:p>
           <a:p>
             <a:endParaRPr lang="de-DE" dirty="0"/>
@@ -9158,7 +11373,7 @@
               <a:pPr>
                 <a:defRPr/>
               </a:pPr>
-              <a:t>20.07.2018</a:t>
+              <a:t>30.07.2018</a:t>
             </a:fld>
             <a:endParaRPr lang="de-DE" dirty="0"/>
           </a:p>
@@ -9231,30 +11446,22 @@
           <a:lstStyle/>
           <a:p>
             <a:r>
-              <a:rPr lang="de-DE" dirty="0" smtClean="0"/>
-              <a:t>Agenda</a:t>
-            </a:r>
-            <a:endParaRPr lang="de-DE" dirty="0"/>
+              <a:rPr lang="de-DE" dirty="0"/>
+              <a:t>Einleitung:: Motivation &amp; Zielsetzung</a:t>
+            </a:r>
           </a:p>
         </p:txBody>
       </p:sp>
     </p:spTree>
     <p:extLst>
       <p:ext uri="{BB962C8B-B14F-4D97-AF65-F5344CB8AC3E}">
-        <p14:creationId xmlns:p14="http://schemas.microsoft.com/office/powerpoint/2010/main" val="3074515761"/>
+        <p14:creationId xmlns:p14="http://schemas.microsoft.com/office/powerpoint/2010/main" val="3911753277"/>
       </p:ext>
     </p:extLst>
   </p:cSld>
   <p:clrMapOvr>
     <a:masterClrMapping/>
   </p:clrMapOvr>
-  <p:timing>
-    <p:tnLst>
-      <p:par>
-        <p:cTn id="1" dur="indefinite" restart="never" nodeType="tmRoot"/>
-      </p:par>
-    </p:tnLst>
-  </p:timing>
 </p:sld>
 </file>
 
@@ -9291,42 +11498,127 @@
           <a:lstStyle/>
           <a:p>
             <a:r>
-              <a:rPr lang="de-DE" dirty="0" err="1" smtClean="0"/>
-              <a:t>Feldbus</a:t>
-            </a:r>
-            <a:endParaRPr lang="de-DE" dirty="0" smtClean="0"/>
-          </a:p>
-          <a:p>
-            <a:r>
-              <a:rPr lang="de-DE" dirty="0" smtClean="0"/>
-              <a:t>Topologie</a:t>
-            </a:r>
-          </a:p>
-          <a:p>
-            <a:r>
-              <a:rPr lang="de-DE" dirty="0" smtClean="0"/>
-              <a:t>Controller / Master</a:t>
-            </a:r>
-          </a:p>
-          <a:p>
-            <a:r>
-              <a:rPr lang="de-DE" dirty="0" smtClean="0"/>
-              <a:t>Device / Slave</a:t>
-            </a:r>
-          </a:p>
-          <a:p>
-            <a:r>
-              <a:rPr lang="de-DE" dirty="0" smtClean="0"/>
-              <a:t>Communication Studio (</a:t>
-            </a:r>
-            <a:r>
-              <a:rPr lang="de-DE" dirty="0" err="1" smtClean="0"/>
-              <a:t>ComStudio</a:t>
-            </a:r>
-            <a:r>
-              <a:rPr lang="de-DE" dirty="0" smtClean="0"/>
-              <a:t>)</a:t>
-            </a:r>
+              <a:rPr lang="de-DE" dirty="0">
+                <a:solidFill>
+                  <a:schemeClr val="bg1">
+                    <a:lumMod val="50000"/>
+                  </a:schemeClr>
+                </a:solidFill>
+              </a:rPr>
+              <a:t>Einleitung</a:t>
+            </a:r>
+          </a:p>
+          <a:p>
+            <a:pPr lvl="1"/>
+            <a:r>
+              <a:rPr lang="de-DE" sz="2000" dirty="0">
+                <a:solidFill>
+                  <a:schemeClr val="bg1">
+                    <a:lumMod val="50000"/>
+                  </a:schemeClr>
+                </a:solidFill>
+              </a:rPr>
+              <a:t>Motivation</a:t>
+            </a:r>
+          </a:p>
+          <a:p>
+            <a:pPr lvl="1"/>
+            <a:r>
+              <a:rPr lang="de-DE" dirty="0">
+                <a:solidFill>
+                  <a:schemeClr val="bg1">
+                    <a:lumMod val="50000"/>
+                  </a:schemeClr>
+                </a:solidFill>
+              </a:rPr>
+              <a:t>Zielsetzung</a:t>
+            </a:r>
+          </a:p>
+          <a:p>
+            <a:r>
+              <a:rPr lang="de-DE" b="1" dirty="0"/>
+              <a:t>Grundlage der Topologie</a:t>
+            </a:r>
+          </a:p>
+          <a:p>
+            <a:pPr lvl="1"/>
+            <a:r>
+              <a:rPr lang="de-DE" b="1" dirty="0"/>
+              <a:t>Begriffserklärung</a:t>
+            </a:r>
+          </a:p>
+          <a:p>
+            <a:pPr lvl="1"/>
+            <a:r>
+              <a:rPr lang="de-DE" b="1" dirty="0" err="1"/>
+              <a:t>Topologiemuster</a:t>
+            </a:r>
+            <a:endParaRPr lang="de-DE" b="1" dirty="0"/>
+          </a:p>
+          <a:p>
+            <a:pPr lvl="1"/>
+            <a:r>
+              <a:rPr lang="de-DE" b="1" dirty="0"/>
+              <a:t>Netzwerke-Protokolle</a:t>
+            </a:r>
+          </a:p>
+          <a:p>
+            <a:r>
+              <a:rPr lang="de-DE" dirty="0"/>
+              <a:t>Anforderungsanalyse</a:t>
+            </a:r>
+          </a:p>
+          <a:p>
+            <a:pPr lvl="1"/>
+            <a:r>
+              <a:rPr lang="de-DE" dirty="0"/>
+              <a:t>Funktionale Anforderungen</a:t>
+            </a:r>
+          </a:p>
+          <a:p>
+            <a:pPr lvl="1"/>
+            <a:r>
+              <a:rPr lang="de-DE" dirty="0"/>
+              <a:t>Nichtfunktionale Anforderungen</a:t>
+            </a:r>
+          </a:p>
+          <a:p>
+            <a:r>
+              <a:rPr lang="de-DE" dirty="0"/>
+              <a:t>Evaluation der JavaScript-Frameworks(erstes Ergebnis)</a:t>
+            </a:r>
+          </a:p>
+          <a:p>
+            <a:r>
+              <a:rPr lang="de-DE" dirty="0"/>
+              <a:t>Konzepte der </a:t>
+            </a:r>
+            <a:r>
+              <a:rPr lang="de-DE" dirty="0" err="1"/>
+              <a:t>Topology</a:t>
+            </a:r>
+            <a:r>
+              <a:rPr lang="de-DE" dirty="0"/>
+              <a:t>-Editor (zweites Ergebnis)</a:t>
+            </a:r>
+          </a:p>
+          <a:p>
+            <a:r>
+              <a:rPr lang="de-DE" dirty="0"/>
+              <a:t>Prototype Implementierung(drittes Ergebnis)</a:t>
+            </a:r>
+          </a:p>
+          <a:p>
+            <a:r>
+              <a:rPr lang="de-DE" dirty="0"/>
+              <a:t>Fortsetzungsmöglichkeiten</a:t>
+            </a:r>
+          </a:p>
+          <a:p>
+            <a:endParaRPr lang="de-DE" dirty="0"/>
+          </a:p>
+          <a:p>
+            <a:endParaRPr lang="de-DE" dirty="0"/>
           </a:p>
           <a:p>
             <a:endParaRPr lang="de-DE" dirty="0"/>
@@ -9356,7 +11648,7 @@
               <a:pPr>
                 <a:defRPr/>
               </a:pPr>
-              <a:t>20.07.2018</a:t>
+              <a:t>30.07.2018</a:t>
             </a:fld>
             <a:endParaRPr lang="de-DE" dirty="0"/>
           </a:p>
@@ -9430,33 +11722,21 @@
           <a:p>
             <a:r>
               <a:rPr lang="de-DE" dirty="0"/>
-              <a:t>Grundlage der </a:t>
-            </a:r>
-            <a:r>
-              <a:rPr lang="de-DE" dirty="0" smtClean="0"/>
-              <a:t>Topologie:: Begriffserklärung</a:t>
-            </a:r>
-            <a:endParaRPr lang="de-DE" dirty="0"/>
+              <a:t>Agenda</a:t>
+            </a:r>
           </a:p>
         </p:txBody>
       </p:sp>
     </p:spTree>
     <p:extLst>
       <p:ext uri="{BB962C8B-B14F-4D97-AF65-F5344CB8AC3E}">
-        <p14:creationId xmlns:p14="http://schemas.microsoft.com/office/powerpoint/2010/main" val="1307163286"/>
+        <p14:creationId xmlns:p14="http://schemas.microsoft.com/office/powerpoint/2010/main" val="3074515761"/>
       </p:ext>
     </p:extLst>
   </p:cSld>
   <p:clrMapOvr>
     <a:masterClrMapping/>
   </p:clrMapOvr>
-  <p:timing>
-    <p:tnLst>
-      <p:par>
-        <p:cTn id="1" dur="indefinite" restart="never" nodeType="tmRoot"/>
-      </p:par>
-    </p:tnLst>
-  </p:timing>
 </p:sld>
 </file>
 
@@ -9492,22 +11772,61 @@
           <a:bodyPr/>
           <a:lstStyle/>
           <a:p>
-            <a:r>
-              <a:rPr lang="de-DE" dirty="0" smtClean="0"/>
-              <a:t>Linien-Topologie</a:t>
-            </a:r>
-          </a:p>
-          <a:p>
-            <a:r>
-              <a:rPr lang="de-DE" dirty="0" smtClean="0"/>
-              <a:t>Baum-Topologie</a:t>
-            </a:r>
-          </a:p>
-          <a:p>
-            <a:r>
-              <a:rPr lang="de-DE" dirty="0" smtClean="0"/>
-              <a:t>Maschen-Topologie</a:t>
-            </a:r>
+            <a:pPr>
+              <a:lnSpc>
+                <a:spcPct val="200000"/>
+              </a:lnSpc>
+            </a:pPr>
+            <a:r>
+              <a:rPr lang="de-DE" dirty="0"/>
+              <a:t>Feldbus(KUNBUS GmbH, 2016)</a:t>
+            </a:r>
+          </a:p>
+          <a:p>
+            <a:pPr>
+              <a:lnSpc>
+                <a:spcPct val="200000"/>
+              </a:lnSpc>
+            </a:pPr>
+            <a:r>
+              <a:rPr lang="de-DE" dirty="0"/>
+              <a:t>Topologie(Schnabel, 2018)</a:t>
+            </a:r>
+          </a:p>
+          <a:p>
+            <a:pPr>
+              <a:lnSpc>
+                <a:spcPct val="200000"/>
+              </a:lnSpc>
+            </a:pPr>
+            <a:r>
+              <a:rPr lang="de-DE" dirty="0"/>
+              <a:t>Controller / Master(Popp, 2016)</a:t>
+            </a:r>
+          </a:p>
+          <a:p>
+            <a:pPr>
+              <a:lnSpc>
+                <a:spcPct val="200000"/>
+              </a:lnSpc>
+            </a:pPr>
+            <a:r>
+              <a:rPr lang="de-DE" dirty="0"/>
+              <a:t>Device / Slave(Popp, 2016)</a:t>
+            </a:r>
+          </a:p>
+          <a:p>
+            <a:pPr>
+              <a:lnSpc>
+                <a:spcPct val="200000"/>
+              </a:lnSpc>
+            </a:pPr>
+            <a:r>
+              <a:rPr lang="de-DE" dirty="0"/>
+              <a:t>Gateway(Popp, 2016)</a:t>
+            </a:r>
+          </a:p>
+          <a:p>
             <a:endParaRPr lang="de-DE" dirty="0"/>
           </a:p>
         </p:txBody>
@@ -9535,7 +11854,7 @@
               <a:pPr>
                 <a:defRPr/>
               </a:pPr>
-              <a:t>20.07.2018</a:t>
+              <a:t>30.07.2018</a:t>
             </a:fld>
             <a:endParaRPr lang="de-DE" dirty="0"/>
           </a:p>
@@ -9604,47 +11923,26 @@
         </p:nvSpPr>
         <p:spPr/>
         <p:txBody>
-          <a:bodyPr>
-            <a:normAutofit fontScale="90000"/>
-          </a:bodyPr>
-          <a:lstStyle/>
-          <a:p>
-            <a:r>
-              <a:rPr lang="de-DE" dirty="0" smtClean="0"/>
-              <a:t>Grundlage der Topologie:: </a:t>
-            </a:r>
-            <a:r>
-              <a:rPr lang="de-DE" dirty="0" err="1" smtClean="0"/>
-              <a:t>Topologiemuster</a:t>
-            </a:r>
+          <a:bodyPr/>
+          <a:lstStyle/>
+          <a:p>
             <a:r>
               <a:rPr lang="de-DE" dirty="0"/>
-              <a:t/>
-            </a:r>
-            <a:br>
-              <a:rPr lang="de-DE" dirty="0"/>
-            </a:br>
-            <a:endParaRPr lang="de-DE" dirty="0"/>
+              <a:t>Grundlage der Topologie:: Begriffserklärung</a:t>
+            </a:r>
           </a:p>
         </p:txBody>
       </p:sp>
     </p:spTree>
     <p:extLst>
       <p:ext uri="{BB962C8B-B14F-4D97-AF65-F5344CB8AC3E}">
-        <p14:creationId xmlns:p14="http://schemas.microsoft.com/office/powerpoint/2010/main" val="3773690140"/>
+        <p14:creationId xmlns:p14="http://schemas.microsoft.com/office/powerpoint/2010/main" val="1307163286"/>
       </p:ext>
     </p:extLst>
   </p:cSld>
   <p:clrMapOvr>
     <a:masterClrMapping/>
   </p:clrMapOvr>
-  <p:timing>
-    <p:tnLst>
-      <p:par>
-        <p:cTn id="1" dur="indefinite" restart="never" nodeType="tmRoot"/>
-      </p:par>
-    </p:tnLst>
-  </p:timing>
 </p:sld>
 </file>
 
@@ -9681,16 +11979,73 @@
           <a:lstStyle/>
           <a:p>
             <a:r>
-              <a:rPr lang="de-DE" dirty="0" smtClean="0"/>
-              <a:t>POFIBUS</a:t>
-            </a:r>
-          </a:p>
-          <a:p>
-            <a:r>
-              <a:rPr lang="de-DE" dirty="0" smtClean="0"/>
-              <a:t>PROFINET IRT</a:t>
-            </a:r>
+              <a:rPr lang="de-DE" dirty="0"/>
+              <a:t>Linien-Topologie</a:t>
+            </a:r>
+          </a:p>
+          <a:p>
             <a:endParaRPr lang="de-DE" dirty="0"/>
+          </a:p>
+          <a:p>
+            <a:endParaRPr lang="de-DE" dirty="0"/>
+          </a:p>
+          <a:p>
+            <a:endParaRPr lang="de-DE" dirty="0"/>
+          </a:p>
+          <a:p>
+            <a:endParaRPr lang="de-DE" dirty="0"/>
+          </a:p>
+          <a:p>
+            <a:endParaRPr lang="de-DE" dirty="0"/>
+          </a:p>
+          <a:p>
+            <a:endParaRPr lang="de-DE" dirty="0"/>
+          </a:p>
+          <a:p>
+            <a:pPr lvl="1"/>
+            <a:r>
+              <a:rPr lang="de-DE" dirty="0"/>
+              <a:t>Vorteile</a:t>
+            </a:r>
+          </a:p>
+          <a:p>
+            <a:pPr lvl="2"/>
+            <a:r>
+              <a:rPr lang="de-DE" dirty="0"/>
+              <a:t>A</a:t>
+            </a:r>
+          </a:p>
+          <a:p>
+            <a:pPr lvl="2"/>
+            <a:r>
+              <a:rPr lang="de-DE" dirty="0"/>
+              <a:t>A1</a:t>
+            </a:r>
+          </a:p>
+          <a:p>
+            <a:pPr lvl="2"/>
+            <a:endParaRPr lang="de-DE" dirty="0"/>
+          </a:p>
+          <a:p>
+            <a:pPr lvl="1"/>
+            <a:r>
+              <a:rPr lang="de-DE" dirty="0"/>
+              <a:t>Nachteile</a:t>
+            </a:r>
+          </a:p>
+          <a:p>
+            <a:pPr lvl="2"/>
+            <a:r>
+              <a:rPr lang="de-DE" dirty="0"/>
+              <a:t>A</a:t>
+            </a:r>
+          </a:p>
+          <a:p>
+            <a:pPr lvl="2"/>
+            <a:r>
+              <a:rPr lang="de-DE" dirty="0"/>
+              <a:t>a2</a:t>
+            </a:r>
           </a:p>
         </p:txBody>
       </p:sp>
@@ -9717,7 +12072,7 @@
               <a:pPr>
                 <a:defRPr/>
               </a:pPr>
-              <a:t>20.07.2018</a:t>
+              <a:t>30.07.2018</a:t>
             </a:fld>
             <a:endParaRPr lang="de-DE" dirty="0"/>
           </a:p>
@@ -9786,7 +12141,9 @@
         </p:nvSpPr>
         <p:spPr/>
         <p:txBody>
-          <a:bodyPr/>
+          <a:bodyPr>
+            <a:normAutofit fontScale="90000"/>
+          </a:bodyPr>
           <a:lstStyle/>
           <a:p>
             <a:r>
@@ -9794,30 +12151,56 @@
               <a:t>Grundlage der Topologie:: </a:t>
             </a:r>
             <a:r>
-              <a:rPr lang="de-DE" dirty="0" smtClean="0"/>
-              <a:t>Netzwerke-Protokolle</a:t>
-            </a:r>
+              <a:rPr lang="de-DE" dirty="0" err="1"/>
+              <a:t>Topologiemuster</a:t>
+            </a:r>
+            <a:br>
+              <a:rPr lang="de-DE" dirty="0"/>
+            </a:br>
             <a:endParaRPr lang="de-DE" dirty="0"/>
           </a:p>
         </p:txBody>
       </p:sp>
+      <p:pic>
+        <p:nvPicPr>
+          <p:cNvPr id="8" name="Grafik 7">
+            <a:extLst>
+              <a:ext uri="{FF2B5EF4-FFF2-40B4-BE49-F238E27FC236}">
+                <a16:creationId xmlns:a16="http://schemas.microsoft.com/office/drawing/2014/main" id="{B1D714E8-5086-42FE-9E25-705AB579E54E}"/>
+              </a:ext>
+            </a:extLst>
+          </p:cNvPr>
+          <p:cNvPicPr>
+            <a:picLocks noChangeAspect="1"/>
+          </p:cNvPicPr>
+          <p:nvPr/>
+        </p:nvPicPr>
+        <p:blipFill>
+          <a:blip r:embed="rId3"/>
+          <a:stretch>
+            <a:fillRect/>
+          </a:stretch>
+        </p:blipFill>
+        <p:spPr>
+          <a:xfrm>
+            <a:off x="899592" y="1844824"/>
+            <a:ext cx="6840759" cy="1800200"/>
+          </a:xfrm>
+          <a:prstGeom prst="rect">
+            <a:avLst/>
+          </a:prstGeom>
+        </p:spPr>
+      </p:pic>
     </p:spTree>
     <p:extLst>
       <p:ext uri="{BB962C8B-B14F-4D97-AF65-F5344CB8AC3E}">
-        <p14:creationId xmlns:p14="http://schemas.microsoft.com/office/powerpoint/2010/main" val="485674179"/>
+        <p14:creationId xmlns:p14="http://schemas.microsoft.com/office/powerpoint/2010/main" val="3773690140"/>
       </p:ext>
     </p:extLst>
   </p:cSld>
   <p:clrMapOvr>
     <a:masterClrMapping/>
   </p:clrMapOvr>
-  <p:timing>
-    <p:tnLst>
-      <p:par>
-        <p:cTn id="1" dur="indefinite" restart="never" nodeType="tmRoot"/>
-      </p:par>
-    </p:tnLst>
-  </p:timing>
 </p:sld>
 </file>
 
@@ -9854,160 +12237,73 @@
           <a:lstStyle/>
           <a:p>
             <a:r>
-              <a:rPr lang="de-DE" dirty="0" smtClean="0">
-                <a:solidFill>
-                  <a:schemeClr val="bg1">
-                    <a:lumMod val="50000"/>
-                  </a:schemeClr>
-                </a:solidFill>
-              </a:rPr>
-              <a:t>Einleitung</a:t>
-            </a:r>
+              <a:rPr lang="de-DE" dirty="0"/>
+              <a:t>Baum-Topologie</a:t>
+            </a:r>
+          </a:p>
+          <a:p>
+            <a:endParaRPr lang="de-DE" dirty="0"/>
+          </a:p>
+          <a:p>
+            <a:endParaRPr lang="de-DE" dirty="0"/>
+          </a:p>
+          <a:p>
+            <a:endParaRPr lang="de-DE" dirty="0"/>
+          </a:p>
+          <a:p>
+            <a:endParaRPr lang="de-DE" dirty="0"/>
+          </a:p>
+          <a:p>
+            <a:endParaRPr lang="de-DE" dirty="0"/>
+          </a:p>
+          <a:p>
+            <a:endParaRPr lang="de-DE" dirty="0"/>
           </a:p>
           <a:p>
             <a:pPr lvl="1"/>
             <a:r>
-              <a:rPr lang="de-DE" sz="2000" dirty="0" smtClean="0">
-                <a:solidFill>
-                  <a:schemeClr val="bg1">
-                    <a:lumMod val="50000"/>
-                  </a:schemeClr>
-                </a:solidFill>
-              </a:rPr>
-              <a:t>Motivation</a:t>
-            </a:r>
+              <a:rPr lang="de-DE" dirty="0"/>
+              <a:t>Vorteile</a:t>
+            </a:r>
+          </a:p>
+          <a:p>
+            <a:pPr lvl="2"/>
+            <a:r>
+              <a:rPr lang="de-DE" dirty="0"/>
+              <a:t>A</a:t>
+            </a:r>
+          </a:p>
+          <a:p>
+            <a:pPr lvl="2"/>
+            <a:r>
+              <a:rPr lang="de-DE" dirty="0"/>
+              <a:t>A1</a:t>
+            </a:r>
+          </a:p>
+          <a:p>
+            <a:pPr lvl="2"/>
+            <a:endParaRPr lang="de-DE" dirty="0"/>
           </a:p>
           <a:p>
             <a:pPr lvl="1"/>
             <a:r>
-              <a:rPr lang="de-DE" dirty="0" smtClean="0">
-                <a:solidFill>
-                  <a:schemeClr val="bg1">
-                    <a:lumMod val="50000"/>
-                  </a:schemeClr>
-                </a:solidFill>
-              </a:rPr>
-              <a:t>Zielsetzung</a:t>
-            </a:r>
-          </a:p>
-          <a:p>
-            <a:r>
-              <a:rPr lang="de-DE" dirty="0" smtClean="0">
-                <a:solidFill>
-                  <a:schemeClr val="bg1">
-                    <a:lumMod val="50000"/>
-                  </a:schemeClr>
-                </a:solidFill>
-              </a:rPr>
-              <a:t>Grundlage der Topologie</a:t>
-            </a:r>
-          </a:p>
-          <a:p>
-            <a:pPr lvl="1"/>
-            <a:r>
-              <a:rPr lang="de-DE" dirty="0" smtClean="0">
-                <a:solidFill>
-                  <a:schemeClr val="bg1">
-                    <a:lumMod val="50000"/>
-                  </a:schemeClr>
-                </a:solidFill>
-              </a:rPr>
-              <a:t>Begriffserklärung </a:t>
-            </a:r>
-          </a:p>
-          <a:p>
-            <a:pPr lvl="1"/>
-            <a:r>
-              <a:rPr lang="de-DE" dirty="0" err="1" smtClean="0">
-                <a:solidFill>
-                  <a:schemeClr val="bg1">
-                    <a:lumMod val="50000"/>
-                  </a:schemeClr>
-                </a:solidFill>
-              </a:rPr>
-              <a:t>Topologiemuster</a:t>
-            </a:r>
-            <a:endParaRPr lang="de-DE" dirty="0" smtClean="0">
-              <a:solidFill>
-                <a:schemeClr val="bg1">
-                  <a:lumMod val="50000"/>
-                </a:schemeClr>
-              </a:solidFill>
-            </a:endParaRPr>
-          </a:p>
-          <a:p>
-            <a:pPr lvl="1"/>
-            <a:r>
-              <a:rPr lang="de-DE" dirty="0" smtClean="0">
-                <a:solidFill>
-                  <a:schemeClr val="bg1">
-                    <a:lumMod val="50000"/>
-                  </a:schemeClr>
-                </a:solidFill>
-              </a:rPr>
-              <a:t>Netzwerke-Protokolle</a:t>
-            </a:r>
-          </a:p>
-          <a:p>
-            <a:r>
-              <a:rPr lang="de-DE" b="1" dirty="0" smtClean="0"/>
-              <a:t>Anforderungsanalyse</a:t>
-            </a:r>
-          </a:p>
-          <a:p>
-            <a:pPr lvl="1"/>
-            <a:r>
-              <a:rPr lang="de-DE" b="1" dirty="0" smtClean="0"/>
-              <a:t>Funktionale Anforderungen</a:t>
-            </a:r>
-          </a:p>
-          <a:p>
-            <a:pPr lvl="1"/>
-            <a:r>
-              <a:rPr lang="de-DE" b="1" dirty="0" smtClean="0"/>
-              <a:t>Nichtfunktionale Anforderungen</a:t>
-            </a:r>
-          </a:p>
-          <a:p>
-            <a:r>
-              <a:rPr lang="de-DE" dirty="0" smtClean="0"/>
-              <a:t>Evaluation der JavaScript-Frameworks(erstes Ergebnis)</a:t>
-            </a:r>
-          </a:p>
-          <a:p>
-            <a:r>
-              <a:rPr lang="de-DE" dirty="0" smtClean="0"/>
-              <a:t>Konzepte der </a:t>
-            </a:r>
-            <a:r>
-              <a:rPr lang="de-DE" dirty="0" err="1" smtClean="0"/>
-              <a:t>Topology</a:t>
-            </a:r>
-            <a:r>
-              <a:rPr lang="de-DE" dirty="0" smtClean="0"/>
-              <a:t>-Editor (zweites Ergebnis)</a:t>
-            </a:r>
-          </a:p>
-          <a:p>
-            <a:r>
-              <a:rPr lang="de-DE" dirty="0" smtClean="0"/>
-              <a:t>Prototype Implementierung(drittes Ergebnis)</a:t>
-            </a:r>
-          </a:p>
-          <a:p>
-            <a:r>
-              <a:rPr lang="de-DE" dirty="0" smtClean="0"/>
-              <a:t>Fortsetzungsmöglichkeiten </a:t>
-            </a:r>
-          </a:p>
-          <a:p>
-            <a:endParaRPr lang="de-DE" dirty="0" smtClean="0"/>
-          </a:p>
-          <a:p>
-            <a:endParaRPr lang="de-DE" dirty="0" smtClean="0"/>
-          </a:p>
-          <a:p>
-            <a:endParaRPr lang="de-DE" dirty="0"/>
+              <a:rPr lang="de-DE" dirty="0"/>
+              <a:t>Nachteile</a:t>
+            </a:r>
+          </a:p>
+          <a:p>
+            <a:pPr lvl="2"/>
+            <a:r>
+              <a:rPr lang="de-DE" dirty="0"/>
+              <a:t>A</a:t>
+            </a:r>
+          </a:p>
+          <a:p>
+            <a:pPr lvl="2"/>
+            <a:r>
+              <a:rPr lang="de-DE" dirty="0"/>
+              <a:t>a2</a:t>
+            </a:r>
           </a:p>
         </p:txBody>
       </p:sp>
@@ -10034,7 +12330,7 @@
               <a:pPr>
                 <a:defRPr/>
               </a:pPr>
-              <a:t>20.07.2018</a:t>
+              <a:t>30.07.2018</a:t>
             </a:fld>
             <a:endParaRPr lang="de-DE" dirty="0"/>
           </a:p>
@@ -10103,34 +12399,66 @@
         </p:nvSpPr>
         <p:spPr/>
         <p:txBody>
-          <a:bodyPr/>
-          <a:lstStyle/>
-          <a:p>
-            <a:r>
-              <a:rPr lang="de-DE" dirty="0" smtClean="0"/>
-              <a:t>Agenda</a:t>
-            </a:r>
+          <a:bodyPr>
+            <a:normAutofit fontScale="90000"/>
+          </a:bodyPr>
+          <a:lstStyle/>
+          <a:p>
+            <a:r>
+              <a:rPr lang="de-DE" dirty="0"/>
+              <a:t>Grundlage der Topologie:: </a:t>
+            </a:r>
+            <a:r>
+              <a:rPr lang="de-DE" dirty="0" err="1"/>
+              <a:t>Topologiemuster</a:t>
+            </a:r>
+            <a:br>
+              <a:rPr lang="de-DE" dirty="0"/>
+            </a:br>
             <a:endParaRPr lang="de-DE" dirty="0"/>
           </a:p>
         </p:txBody>
       </p:sp>
+      <p:pic>
+        <p:nvPicPr>
+          <p:cNvPr id="7" name="Grafik 6">
+            <a:extLst>
+              <a:ext uri="{FF2B5EF4-FFF2-40B4-BE49-F238E27FC236}">
+                <a16:creationId xmlns:a16="http://schemas.microsoft.com/office/drawing/2014/main" id="{BAB49673-1871-45A3-B3EC-F0C46FD631A5}"/>
+              </a:ext>
+            </a:extLst>
+          </p:cNvPr>
+          <p:cNvPicPr>
+            <a:picLocks noChangeAspect="1"/>
+          </p:cNvPicPr>
+          <p:nvPr/>
+        </p:nvPicPr>
+        <p:blipFill>
+          <a:blip r:embed="rId3"/>
+          <a:stretch>
+            <a:fillRect/>
+          </a:stretch>
+        </p:blipFill>
+        <p:spPr>
+          <a:xfrm>
+            <a:off x="827584" y="1772816"/>
+            <a:ext cx="7128791" cy="1944216"/>
+          </a:xfrm>
+          <a:prstGeom prst="rect">
+            <a:avLst/>
+          </a:prstGeom>
+        </p:spPr>
+      </p:pic>
     </p:spTree>
     <p:extLst>
       <p:ext uri="{BB962C8B-B14F-4D97-AF65-F5344CB8AC3E}">
-        <p14:creationId xmlns:p14="http://schemas.microsoft.com/office/powerpoint/2010/main" val="2115502966"/>
+        <p14:creationId xmlns:p14="http://schemas.microsoft.com/office/powerpoint/2010/main" val="1587995790"/>
       </p:ext>
     </p:extLst>
   </p:cSld>
   <p:clrMapOvr>
     <a:masterClrMapping/>
   </p:clrMapOvr>
-  <p:timing>
-    <p:tnLst>
-      <p:par>
-        <p:cTn id="1" dur="indefinite" restart="never" nodeType="tmRoot"/>
-      </p:par>
-    </p:tnLst>
-  </p:timing>
 </p:sld>
 </file>
 
@@ -10167,81 +12495,15 @@
           <a:lstStyle/>
           <a:p>
             <a:r>
-              <a:rPr lang="de-DE" dirty="0" smtClean="0"/>
-              <a:t>Was soll das Softwareprodukt  tun?</a:t>
-            </a:r>
-          </a:p>
-          <a:p>
-            <a:pPr lvl="1"/>
-            <a:r>
-              <a:rPr lang="de-DE" dirty="0" smtClean="0"/>
-              <a:t>Die Topologie besitzt ihre eigene Ansicht</a:t>
-            </a:r>
-          </a:p>
-          <a:p>
-            <a:pPr lvl="1"/>
-            <a:r>
-              <a:rPr lang="de-DE" dirty="0" smtClean="0"/>
-              <a:t>Die topologischen Informationen müssen Mit Symbolen dargestellt werden</a:t>
-            </a:r>
-          </a:p>
-          <a:p>
-            <a:pPr lvl="1"/>
-            <a:r>
-              <a:rPr lang="de-DE" dirty="0" smtClean="0"/>
-              <a:t>Jede Darstellung muss separat geschlossen werden</a:t>
-            </a:r>
-          </a:p>
-          <a:p>
-            <a:pPr lvl="1"/>
-            <a:r>
-              <a:rPr lang="de-DE" dirty="0" smtClean="0"/>
-              <a:t>Zoom-Funktionen bieten</a:t>
-            </a:r>
-          </a:p>
-          <a:p>
-            <a:pPr lvl="1"/>
-            <a:r>
-              <a:rPr lang="de-DE" dirty="0" smtClean="0"/>
-              <a:t>Die  Basisfunktionen müssen bereitstellt werden</a:t>
-            </a:r>
-          </a:p>
-          <a:p>
-            <a:endParaRPr lang="de-DE" dirty="0" smtClean="0"/>
-          </a:p>
-          <a:p>
-            <a:endParaRPr lang="de-DE" dirty="0"/>
-          </a:p>
-          <a:p>
-            <a:r>
-              <a:rPr lang="de-DE" dirty="0" smtClean="0"/>
-              <a:t>NFRs</a:t>
-            </a:r>
-          </a:p>
-          <a:p>
-            <a:pPr lvl="1"/>
-            <a:r>
-              <a:rPr lang="de-DE" dirty="0" smtClean="0"/>
-              <a:t>Integrierbar sein</a:t>
-            </a:r>
-          </a:p>
-          <a:p>
-            <a:pPr lvl="1"/>
-            <a:r>
-              <a:rPr lang="de-DE" dirty="0" smtClean="0"/>
-              <a:t>Stabilität</a:t>
-            </a:r>
-          </a:p>
-          <a:p>
-            <a:pPr lvl="1"/>
-            <a:r>
-              <a:rPr lang="de-DE" dirty="0" smtClean="0"/>
-              <a:t>Wartbarkeit</a:t>
-            </a:r>
-          </a:p>
-          <a:p>
-            <a:pPr lvl="1"/>
-            <a:endParaRPr lang="de-DE" dirty="0"/>
+              <a:rPr lang="de-DE" dirty="0"/>
+              <a:t>POFIBUS</a:t>
+            </a:r>
+          </a:p>
+          <a:p>
+            <a:r>
+              <a:rPr lang="de-DE" dirty="0"/>
+              <a:t>PROFINET IRT</a:t>
+            </a:r>
           </a:p>
         </p:txBody>
       </p:sp>
@@ -10268,7 +12530,7 @@
               <a:pPr>
                 <a:defRPr/>
               </a:pPr>
-              <a:t>20.07.2018</a:t>
+              <a:t>30.07.2018</a:t>
             </a:fld>
             <a:endParaRPr lang="de-DE" dirty="0"/>
           </a:p>
@@ -10341,24 +12603,16 @@
           <a:lstStyle/>
           <a:p>
             <a:r>
-              <a:rPr lang="de-DE" dirty="0" smtClean="0"/>
-              <a:t>Anforderungsanalyse:: FR &amp; NFR</a:t>
-            </a:r>
-            <a:r>
               <a:rPr lang="de-DE" dirty="0"/>
-              <a:t/>
-            </a:r>
-            <a:br>
-              <a:rPr lang="de-DE" dirty="0"/>
-            </a:br>
-            <a:endParaRPr lang="de-DE" dirty="0"/>
+              <a:t>Grundlage der Topologie:: Netzwerke-Protokolle</a:t>
+            </a:r>
           </a:p>
         </p:txBody>
       </p:sp>
     </p:spTree>
     <p:extLst>
       <p:ext uri="{BB962C8B-B14F-4D97-AF65-F5344CB8AC3E}">
-        <p14:creationId xmlns:p14="http://schemas.microsoft.com/office/powerpoint/2010/main" val="1984766495"/>
+        <p14:creationId xmlns:p14="http://schemas.microsoft.com/office/powerpoint/2010/main" val="485674179"/>
       </p:ext>
     </p:extLst>
   </p:cSld>

--- a/__Master-Abschlussarbeit.pptx
+++ b/__Master-Abschlussarbeit.pptx
@@ -19,9 +19,9 @@
     <p:sldId id="261" r:id="rId7"/>
     <p:sldId id="262" r:id="rId8"/>
     <p:sldId id="275" r:id="rId9"/>
-    <p:sldId id="264" r:id="rId10"/>
-    <p:sldId id="265" r:id="rId11"/>
-    <p:sldId id="266" r:id="rId12"/>
+    <p:sldId id="265" r:id="rId10"/>
+    <p:sldId id="266" r:id="rId11"/>
+    <p:sldId id="280" r:id="rId12"/>
     <p:sldId id="267" r:id="rId13"/>
     <p:sldId id="273" r:id="rId14"/>
     <p:sldId id="269" r:id="rId15"/>
@@ -1091,6 +1091,45 @@
           <a:bodyPr/>
           <a:lstStyle/>
           <a:p>
+            <a:r>
+              <a:rPr lang="de-DE" dirty="0"/>
+              <a:t>5) Bevor wir über die AA  sprechen, sollen wir zuerst die bestehende Host-Applikation beschreiben. Da die Auswertung des Ist-Zustands dient als Grundlage  für den Soll-Zustand.</a:t>
+            </a:r>
+          </a:p>
+          <a:p>
+            <a:r>
+              <a:rPr lang="de-DE" sz="1200" b="0" i="0" u="none" strike="noStrike" kern="1200" baseline="0" dirty="0">
+                <a:solidFill>
+                  <a:schemeClr val="tx1"/>
+                </a:solidFill>
+                <a:latin typeface="+mn-lt"/>
+                <a:ea typeface="+mn-ea"/>
+                <a:cs typeface="+mn-cs"/>
+              </a:rPr>
+              <a:t>Abbildung zeigt die Standard-Ansichten der </a:t>
+            </a:r>
+            <a:r>
+              <a:rPr lang="de-DE" sz="1200" b="0" i="0" u="none" strike="noStrike" kern="1200" baseline="0" dirty="0" err="1">
+                <a:solidFill>
+                  <a:schemeClr val="tx1"/>
+                </a:solidFill>
+                <a:latin typeface="+mn-lt"/>
+                <a:ea typeface="+mn-ea"/>
+                <a:cs typeface="+mn-cs"/>
+              </a:rPr>
+              <a:t>ComStudio</a:t>
+            </a:r>
+            <a:r>
+              <a:rPr lang="de-DE" sz="1200" b="0" i="0" u="none" strike="noStrike" kern="1200" baseline="0" dirty="0">
+                <a:solidFill>
+                  <a:schemeClr val="tx1"/>
+                </a:solidFill>
+                <a:latin typeface="+mn-lt"/>
+                <a:ea typeface="+mn-ea"/>
+                <a:cs typeface="+mn-cs"/>
+              </a:rPr>
+              <a:t>.</a:t>
+            </a:r>
             <a:endParaRPr lang="de-DE" dirty="0"/>
           </a:p>
         </p:txBody>
@@ -1127,7 +1166,7 @@
     </p:spTree>
     <p:extLst>
       <p:ext uri="{BB962C8B-B14F-4D97-AF65-F5344CB8AC3E}">
-        <p14:creationId xmlns:p14="http://schemas.microsoft.com/office/powerpoint/2010/main" val="4181652786"/>
+        <p14:creationId xmlns:p14="http://schemas.microsoft.com/office/powerpoint/2010/main" val="1127723579"/>
       </p:ext>
     </p:extLst>
   </p:cSld>
@@ -1225,7 +1264,7 @@
     </p:spTree>
     <p:extLst>
       <p:ext uri="{BB962C8B-B14F-4D97-AF65-F5344CB8AC3E}">
-        <p14:creationId xmlns:p14="http://schemas.microsoft.com/office/powerpoint/2010/main" val="1127723579"/>
+        <p14:creationId xmlns:p14="http://schemas.microsoft.com/office/powerpoint/2010/main" val="4023161319"/>
       </p:ext>
     </p:extLst>
   </p:cSld>
@@ -1648,6 +1687,32 @@
           <a:bodyPr/>
           <a:lstStyle/>
           <a:p>
+            <a:r>
+              <a:rPr lang="de-DE" dirty="0"/>
+              <a:t>Die Abbildung zeigt die Datenhandhabungskonzept für die TE. Die beide gerundeten Rechtecke repräsentieren die feldbusspezifische Geräten. TE besteht aus 2 Hauptkomponenten: TES und TEC</a:t>
+            </a:r>
+          </a:p>
+          <a:p>
+            <a:r>
+              <a:rPr lang="de-DE" dirty="0"/>
+              <a:t>-Server umfasst die </a:t>
+            </a:r>
+            <a:r>
+              <a:rPr lang="de-DE" dirty="0" err="1"/>
+              <a:t>Kernfunkionen</a:t>
+            </a:r>
+            <a:r>
+              <a:rPr lang="de-DE" dirty="0"/>
+              <a:t> wie das Parsen der protokollneutralen Gerät-Informationen, erstellt, aktualisiert und löscht eine Topologie-Modell für die gesparten Informationen. Darüber hinaus  bietet einen Mechanismus für Laden&amp; Speicher von Daten und einen Mechanismus für Fehlerbehandlungen </a:t>
+            </a:r>
+          </a:p>
+          <a:p>
+            <a:r>
+              <a:rPr lang="de-DE" dirty="0"/>
+              <a:t>- Client verwendet das HTTP-P um die Topologie-Information abzufragen und bietet eine Benutzerfreundlichkeit für die Visualisierung.</a:t>
+            </a:r>
+          </a:p>
+          <a:p>
             <a:endParaRPr lang="de-DE" dirty="0"/>
           </a:p>
         </p:txBody>
@@ -1765,7 +1830,7 @@
               <a:pPr>
                 <a:defRPr/>
               </a:pPr>
-              <a:t>19</a:t>
+              <a:t>16</a:t>
             </a:fld>
             <a:endParaRPr lang="de-DE"/>
           </a:p>
@@ -1774,7 +1839,7 @@
     </p:spTree>
     <p:extLst>
       <p:ext uri="{BB962C8B-B14F-4D97-AF65-F5344CB8AC3E}">
-        <p14:creationId xmlns:p14="http://schemas.microsoft.com/office/powerpoint/2010/main" val="1615335567"/>
+        <p14:creationId xmlns:p14="http://schemas.microsoft.com/office/powerpoint/2010/main" val="1301564155"/>
       </p:ext>
     </p:extLst>
   </p:cSld>
@@ -1855,6 +1920,96 @@
               <a:pPr>
                 <a:defRPr/>
               </a:pPr>
+              <a:t>19</a:t>
+            </a:fld>
+            <a:endParaRPr lang="de-DE"/>
+          </a:p>
+        </p:txBody>
+      </p:sp>
+    </p:spTree>
+    <p:extLst>
+      <p:ext uri="{BB962C8B-B14F-4D97-AF65-F5344CB8AC3E}">
+        <p14:creationId xmlns:p14="http://schemas.microsoft.com/office/powerpoint/2010/main" val="1615335567"/>
+      </p:ext>
+    </p:extLst>
+  </p:cSld>
+  <p:clrMapOvr>
+    <a:masterClrMapping/>
+  </p:clrMapOvr>
+</p:notes>
+</file>
+
+<file path=ppt/notesSlides/notesSlide18.xml><?xml version="1.0" encoding="utf-8"?>
+<p:notes xmlns:a="http://schemas.openxmlformats.org/drawingml/2006/main" xmlns:r="http://schemas.openxmlformats.org/officeDocument/2006/relationships" xmlns:p="http://schemas.openxmlformats.org/presentationml/2006/main">
+  <p:cSld>
+    <p:spTree>
+      <p:nvGrpSpPr>
+        <p:cNvPr id="1" name=""/>
+        <p:cNvGrpSpPr/>
+        <p:nvPr/>
+      </p:nvGrpSpPr>
+      <p:grpSpPr>
+        <a:xfrm>
+          <a:off x="0" y="0"/>
+          <a:ext cx="0" cy="0"/>
+          <a:chOff x="0" y="0"/>
+          <a:chExt cx="0" cy="0"/>
+        </a:xfrm>
+      </p:grpSpPr>
+      <p:sp>
+        <p:nvSpPr>
+          <p:cNvPr id="2" name="Folienbildplatzhalter 1"/>
+          <p:cNvSpPr>
+            <a:spLocks noGrp="1" noRot="1" noChangeAspect="1"/>
+          </p:cNvSpPr>
+          <p:nvPr>
+            <p:ph type="sldImg"/>
+          </p:nvPr>
+        </p:nvSpPr>
+        <p:spPr/>
+      </p:sp>
+      <p:sp>
+        <p:nvSpPr>
+          <p:cNvPr id="3" name="Notizenplatzhalter 2"/>
+          <p:cNvSpPr>
+            <a:spLocks noGrp="1"/>
+          </p:cNvSpPr>
+          <p:nvPr>
+            <p:ph type="body" idx="1"/>
+          </p:nvPr>
+        </p:nvSpPr>
+        <p:spPr/>
+        <p:txBody>
+          <a:bodyPr/>
+          <a:lstStyle/>
+          <a:p>
+            <a:endParaRPr lang="de-DE" dirty="0"/>
+          </a:p>
+        </p:txBody>
+      </p:sp>
+      <p:sp>
+        <p:nvSpPr>
+          <p:cNvPr id="4" name="Foliennummernplatzhalter 3"/>
+          <p:cNvSpPr>
+            <a:spLocks noGrp="1"/>
+          </p:cNvSpPr>
+          <p:nvPr>
+            <p:ph type="sldNum" sz="quarter" idx="10"/>
+          </p:nvPr>
+        </p:nvSpPr>
+        <p:spPr/>
+        <p:txBody>
+          <a:bodyPr/>
+          <a:lstStyle/>
+          <a:p>
+            <a:pPr>
+              <a:defRPr/>
+            </a:pPr>
+            <a:fld id="{862C4B85-5E71-423A-A9E4-96958528BF14}" type="slidenum">
+              <a:rPr lang="de-DE" smtClean="0"/>
+              <a:pPr>
+                <a:defRPr/>
+              </a:pPr>
               <a:t>20</a:t>
             </a:fld>
             <a:endParaRPr lang="de-DE"/>
@@ -1874,7 +2029,7 @@
 </p:notes>
 </file>
 
-<file path=ppt/notesSlides/notesSlide18.xml><?xml version="1.0" encoding="utf-8"?>
+<file path=ppt/notesSlides/notesSlide19.xml><?xml version="1.0" encoding="utf-8"?>
 <p:notes xmlns:a="http://schemas.openxmlformats.org/drawingml/2006/main" xmlns:r="http://schemas.openxmlformats.org/officeDocument/2006/relationships" xmlns:p="http://schemas.openxmlformats.org/presentationml/2006/main">
   <p:cSld>
     <p:spTree>
@@ -2022,7 +2177,7 @@
           <a:p>
             <a:r>
               <a:rPr lang="de-DE" dirty="0"/>
-              <a:t>Mein Vortrag besteht aus folgenden Teilen: Erstens [spreche ich über die Einleitung warum eine grafische Komponente entstehen soll, welche Zeile erreicht werden], zweitens [wird über die Grundlage der Topologie eingegangen und dann analysiere ich einige Anforderungen], drittens [spreche ich ausführlich über die 3 Ergebnisse, die in Laufe der MA herausgegeben wurden]. Zum Schluss  gibt es noch einige Fakten zu grafische Komponente.</a:t>
+              <a:t>Mein Vortrag besteht aus folgenden Teilen: Erstens [spreche ich über die Einleitung warum eine grafische Komponente entstehen soll, welche Zeile im erreicht werden soll], zweitens [wird über die Grundlage der Topologie eingegangen und dann analysiere ich einige Anforderungen], drittens [spreche ich ausführlich über die 3 Ergebnisse, die in Laufe der MA herausgegeben wurden]. Zum Schluss  gibt es noch einige Fakten zu grafischen Komponenten.</a:t>
             </a:r>
           </a:p>
         </p:txBody>
@@ -2260,29 +2415,7 @@
                 <a:ea typeface="+mn-ea"/>
                 <a:cs typeface="+mn-cs"/>
               </a:rPr>
-              <a:t> im Kontext der industriellen Netzwerke unterstützt, leicht erweiterbar ist, um künftige Netzwerke zu unterstützen. Dabei stellt man die FP mit welchen Technologie lässt  ein Verteilte Anwendung mit einer möglichst einheitlichen Codebasis umsetzen, mit dem Ziel </a:t>
-            </a:r>
-            <a:r>
-              <a:rPr lang="de-DE" sz="1200" b="0" i="0" u="none" strike="noStrike" kern="1200" baseline="0" dirty="0" err="1">
-                <a:solidFill>
-                  <a:schemeClr val="tx1"/>
-                </a:solidFill>
-                <a:latin typeface="+mn-lt"/>
-                <a:ea typeface="+mn-ea"/>
-                <a:cs typeface="+mn-cs"/>
-              </a:rPr>
-              <a:t>vernächlässigbare</a:t>
-            </a:r>
-            <a:r>
-              <a:rPr lang="de-DE" sz="1200" b="0" i="0" u="none" strike="noStrike" kern="1200" baseline="0" dirty="0">
-                <a:solidFill>
-                  <a:schemeClr val="tx1"/>
-                </a:solidFill>
-                <a:latin typeface="+mn-lt"/>
-                <a:ea typeface="+mn-ea"/>
-                <a:cs typeface="+mn-cs"/>
-              </a:rPr>
-              <a:t> Veränderung der Host-</a:t>
+              <a:t> im Kontext der industriellen Netzwerke unterstützt, leicht erweiterbar ist, um künftige Netzwerke zu unterstützen. Dabei stellt man die FP mit welchen Technologie lässt  ein Verteilte Anwendung mit einer möglichst einheitlichen Codebasis umsetzen, mit dem Ziel vernachlässigbare Veränderung der Host-</a:t>
             </a:r>
             <a:r>
               <a:rPr lang="de-DE" sz="1200" b="0" i="0" u="none" strike="noStrike" kern="1200" baseline="0" dirty="0" err="1">
@@ -2803,7 +2936,47 @@
           <a:bodyPr/>
           <a:lstStyle/>
           <a:p>
-            <a:endParaRPr lang="de-DE" dirty="0"/>
+            <a:r>
+              <a:rPr lang="de-DE" sz="1200" b="0" i="0" u="none" strike="noStrike" kern="1200" baseline="0" dirty="0">
+                <a:solidFill>
+                  <a:schemeClr val="tx1"/>
+                </a:solidFill>
+                <a:latin typeface="+mn-lt"/>
+                <a:ea typeface="+mn-ea"/>
+                <a:cs typeface="+mn-cs"/>
+              </a:rPr>
+              <a:t>Die Linien-Topologie war einer der ersten Netzstrukturen, die in Firmen und privaten Hauhalten zu finden war und wird auch als Bus-Topologie bezeichnet. </a:t>
+            </a:r>
+          </a:p>
+          <a:p>
+            <a:r>
+              <a:rPr lang="de-DE" sz="1200" b="0" i="0" u="none" strike="noStrike" kern="1200" baseline="0" dirty="0">
+                <a:solidFill>
+                  <a:schemeClr val="tx1"/>
+                </a:solidFill>
+                <a:latin typeface="+mn-lt"/>
+                <a:ea typeface="+mn-ea"/>
+                <a:cs typeface="+mn-cs"/>
+              </a:rPr>
+              <a:t>V: Das System gewährleistet…., da nur geringe Kabelmengen erforderlich sind.---  da mit T-Stücke kann man ein gerät problemlos anschließen</a:t>
+            </a:r>
+          </a:p>
+          <a:p>
+            <a:r>
+              <a:rPr lang="de-DE" sz="1200" b="0" i="0" u="none" strike="noStrike" kern="1200" baseline="0" dirty="0">
+                <a:solidFill>
+                  <a:schemeClr val="tx1"/>
+                </a:solidFill>
+                <a:latin typeface="+mn-lt"/>
+                <a:ea typeface="+mn-ea"/>
+                <a:cs typeface="+mn-cs"/>
+              </a:rPr>
+              <a:t>N: Da die Übertragung von Daten erfolgt über ein einziges Kabel. ---</a:t>
+            </a:r>
+            <a:r>
+              <a:rPr lang="de-DE" dirty="0"/>
+              <a:t>ein Angreifer kann sich zwischen 2 Geräten anschließen und somit kann das gesamte System abgehört werden. </a:t>
+            </a:r>
           </a:p>
         </p:txBody>
       </p:sp>
@@ -2983,18 +3156,6 @@
           <a:bodyPr/>
           <a:lstStyle/>
           <a:p>
-            <a:r>
-              <a:rPr lang="de-DE" dirty="0" err="1"/>
-              <a:t>Profinet</a:t>
-            </a:r>
-            <a:r>
-              <a:rPr lang="de-DE" dirty="0"/>
-              <a:t> IRT Fahrbahn mit mehre</a:t>
-            </a:r>
-            <a:r>
-              <a:rPr lang="de-DE" baseline="0" dirty="0"/>
-              <a:t> Spüren.</a:t>
-            </a:r>
             <a:endParaRPr lang="de-DE" dirty="0"/>
           </a:p>
         </p:txBody>
@@ -3031,7 +3192,7 @@
     </p:spTree>
     <p:extLst>
       <p:ext uri="{BB962C8B-B14F-4D97-AF65-F5344CB8AC3E}">
-        <p14:creationId xmlns:p14="http://schemas.microsoft.com/office/powerpoint/2010/main" val="2877771217"/>
+        <p14:creationId xmlns:p14="http://schemas.microsoft.com/office/powerpoint/2010/main" val="4181652786"/>
       </p:ext>
     </p:extLst>
   </p:cSld>
@@ -7271,159 +7432,14 @@
           <a:lstStyle/>
           <a:p>
             <a:r>
-              <a:rPr lang="de-DE" dirty="0">
-                <a:solidFill>
-                  <a:schemeClr val="bg1">
-                    <a:lumMod val="50000"/>
-                  </a:schemeClr>
-                </a:solidFill>
-              </a:rPr>
-              <a:t>Einleitung</a:t>
-            </a:r>
-          </a:p>
-          <a:p>
-            <a:pPr lvl="1"/>
-            <a:r>
-              <a:rPr lang="de-DE" sz="2000" dirty="0">
-                <a:solidFill>
-                  <a:schemeClr val="bg1">
-                    <a:lumMod val="50000"/>
-                  </a:schemeClr>
-                </a:solidFill>
-              </a:rPr>
-              <a:t>Motivation</a:t>
-            </a:r>
-          </a:p>
-          <a:p>
-            <a:pPr lvl="1"/>
-            <a:r>
-              <a:rPr lang="de-DE" dirty="0">
-                <a:solidFill>
-                  <a:schemeClr val="bg1">
-                    <a:lumMod val="50000"/>
-                  </a:schemeClr>
-                </a:solidFill>
-              </a:rPr>
-              <a:t>Zielsetzung</a:t>
-            </a:r>
-          </a:p>
-          <a:p>
-            <a:r>
-              <a:rPr lang="de-DE" dirty="0">
-                <a:solidFill>
-                  <a:schemeClr val="bg1">
-                    <a:lumMod val="50000"/>
-                  </a:schemeClr>
-                </a:solidFill>
-              </a:rPr>
-              <a:t>Grundlage der Topologie</a:t>
-            </a:r>
-          </a:p>
-          <a:p>
-            <a:pPr lvl="1"/>
-            <a:r>
-              <a:rPr lang="de-DE" dirty="0">
-                <a:solidFill>
-                  <a:schemeClr val="bg1">
-                    <a:lumMod val="50000"/>
-                  </a:schemeClr>
-                </a:solidFill>
-              </a:rPr>
-              <a:t>Begriffserklärung </a:t>
-            </a:r>
-          </a:p>
-          <a:p>
-            <a:pPr lvl="1"/>
-            <a:r>
-              <a:rPr lang="de-DE" dirty="0" err="1">
-                <a:solidFill>
-                  <a:schemeClr val="bg1">
-                    <a:lumMod val="50000"/>
-                  </a:schemeClr>
-                </a:solidFill>
-              </a:rPr>
-              <a:t>Topologiemuster</a:t>
-            </a:r>
-            <a:endParaRPr lang="de-DE" dirty="0">
-              <a:solidFill>
-                <a:schemeClr val="bg1">
-                  <a:lumMod val="50000"/>
-                </a:schemeClr>
-              </a:solidFill>
-            </a:endParaRPr>
-          </a:p>
-          <a:p>
-            <a:pPr lvl="1"/>
-            <a:r>
-              <a:rPr lang="de-DE" dirty="0">
-                <a:solidFill>
-                  <a:schemeClr val="bg1">
-                    <a:lumMod val="50000"/>
-                  </a:schemeClr>
-                </a:solidFill>
-              </a:rPr>
-              <a:t>Netzwerke-Protokolle</a:t>
-            </a:r>
-          </a:p>
-          <a:p>
-            <a:r>
-              <a:rPr lang="de-DE" b="1" dirty="0"/>
-              <a:t>Anforderungsanalyse</a:t>
-            </a:r>
-          </a:p>
-          <a:p>
-            <a:pPr lvl="1"/>
-            <a:r>
-              <a:rPr lang="de-DE" b="1" dirty="0"/>
-              <a:t>Funktionale Anforderungen</a:t>
-            </a:r>
-          </a:p>
-          <a:p>
-            <a:pPr lvl="1"/>
-            <a:r>
-              <a:rPr lang="de-DE" b="1" dirty="0"/>
-              <a:t>Nichtfunktionale Anforderungen</a:t>
-            </a:r>
-          </a:p>
-          <a:p>
-            <a:r>
-              <a:rPr lang="de-DE" dirty="0"/>
-              <a:t>Evaluation der JavaScript-Frameworks(erstes Ergebnis)</a:t>
-            </a:r>
-          </a:p>
-          <a:p>
-            <a:r>
-              <a:rPr lang="de-DE" dirty="0"/>
-              <a:t>Konzepte der </a:t>
-            </a:r>
-            <a:r>
-              <a:rPr lang="de-DE" dirty="0" err="1"/>
-              <a:t>Topology</a:t>
-            </a:r>
-            <a:r>
-              <a:rPr lang="de-DE" dirty="0"/>
-              <a:t>-Editor (zweites Ergebnis)</a:t>
-            </a:r>
-          </a:p>
-          <a:p>
-            <a:r>
-              <a:rPr lang="de-DE" dirty="0"/>
-              <a:t>Prototype Implementierung(drittes Ergebnis)</a:t>
-            </a:r>
-          </a:p>
-          <a:p>
-            <a:r>
-              <a:rPr lang="de-DE" dirty="0"/>
-              <a:t>Fortsetzungsmöglichkeiten </a:t>
-            </a:r>
-          </a:p>
-          <a:p>
-            <a:endParaRPr lang="de-DE" dirty="0"/>
-          </a:p>
-          <a:p>
-            <a:endParaRPr lang="de-DE" dirty="0"/>
-          </a:p>
-          <a:p>
+              <a:rPr lang="de-DE" dirty="0"/>
+              <a:t>Was ist Communication Studio?</a:t>
+            </a:r>
+          </a:p>
+          <a:p>
+            <a:pPr marL="0" indent="0">
+              <a:buNone/>
+            </a:pPr>
             <a:endParaRPr lang="de-DE" dirty="0"/>
           </a:p>
         </p:txBody>
@@ -7525,15 +7541,49 @@
           <a:p>
             <a:r>
               <a:rPr lang="de-DE" dirty="0"/>
-              <a:t>Agenda</a:t>
-            </a:r>
-          </a:p>
-        </p:txBody>
-      </p:sp>
+              <a:t>Anforderungsanalyse:: FR &amp; NFR</a:t>
+            </a:r>
+            <a:br>
+              <a:rPr lang="de-DE" dirty="0"/>
+            </a:br>
+            <a:endParaRPr lang="de-DE" dirty="0"/>
+          </a:p>
+        </p:txBody>
+      </p:sp>
+      <p:pic>
+        <p:nvPicPr>
+          <p:cNvPr id="7" name="Grafik 6">
+            <a:extLst>
+              <a:ext uri="{FF2B5EF4-FFF2-40B4-BE49-F238E27FC236}">
+                <a16:creationId xmlns:a16="http://schemas.microsoft.com/office/drawing/2014/main" id="{F5DF823F-D510-4591-A7B4-BC9AD4600718}"/>
+              </a:ext>
+            </a:extLst>
+          </p:cNvPr>
+          <p:cNvPicPr>
+            <a:picLocks noChangeAspect="1"/>
+          </p:cNvPicPr>
+          <p:nvPr/>
+        </p:nvPicPr>
+        <p:blipFill>
+          <a:blip r:embed="rId3"/>
+          <a:stretch>
+            <a:fillRect/>
+          </a:stretch>
+        </p:blipFill>
+        <p:spPr>
+          <a:xfrm>
+            <a:off x="755576" y="1754132"/>
+            <a:ext cx="7776863" cy="4123139"/>
+          </a:xfrm>
+          <a:prstGeom prst="rect">
+            <a:avLst/>
+          </a:prstGeom>
+        </p:spPr>
+      </p:pic>
     </p:spTree>
     <p:extLst>
       <p:ext uri="{BB962C8B-B14F-4D97-AF65-F5344CB8AC3E}">
-        <p14:creationId xmlns:p14="http://schemas.microsoft.com/office/powerpoint/2010/main" val="2115502966"/>
+        <p14:creationId xmlns:p14="http://schemas.microsoft.com/office/powerpoint/2010/main" val="1984766495"/>
       </p:ext>
     </p:extLst>
   </p:cSld>
@@ -7763,7 +7813,7 @@
     </p:spTree>
     <p:extLst>
       <p:ext uri="{BB962C8B-B14F-4D97-AF65-F5344CB8AC3E}">
-        <p14:creationId xmlns:p14="http://schemas.microsoft.com/office/powerpoint/2010/main" val="1984766495"/>
+        <p14:creationId xmlns:p14="http://schemas.microsoft.com/office/powerpoint/2010/main" val="4139171896"/>
       </p:ext>
     </p:extLst>
   </p:cSld>
@@ -7886,19 +7936,6 @@
                 </a:schemeClr>
               </a:solidFill>
             </a:endParaRPr>
-          </a:p>
-          <a:p>
-            <a:pPr lvl="1"/>
-            <a:r>
-              <a:rPr lang="de-DE" dirty="0">
-                <a:solidFill>
-                  <a:schemeClr val="bg1">
-                    <a:lumMod val="50000"/>
-                  </a:schemeClr>
-                </a:solidFill>
-              </a:rPr>
-              <a:t>Netzwerke-Protokolle</a:t>
-            </a:r>
           </a:p>
           <a:p>
             <a:r>
@@ -8511,19 +8548,6 @@
                 </a:schemeClr>
               </a:solidFill>
             </a:endParaRPr>
-          </a:p>
-          <a:p>
-            <a:pPr lvl="1"/>
-            <a:r>
-              <a:rPr lang="de-DE" dirty="0">
-                <a:solidFill>
-                  <a:schemeClr val="bg1">
-                    <a:lumMod val="50000"/>
-                  </a:schemeClr>
-                </a:solidFill>
-              </a:rPr>
-              <a:t>Netzwerke-Protokolle</a:t>
-            </a:r>
           </a:p>
           <a:p>
             <a:r>
@@ -8970,7 +8994,7 @@
           </p:nvPr>
         </p:nvPicPr>
         <p:blipFill>
-          <a:blip r:embed="rId2"/>
+          <a:blip r:embed="rId3"/>
           <a:stretch>
             <a:fillRect/>
           </a:stretch>
@@ -9955,13 +9979,6 @@
             <a:endParaRPr lang="de-DE" dirty="0"/>
           </a:p>
           <a:p>
-            <a:pPr lvl="1"/>
-            <a:r>
-              <a:rPr lang="de-DE" dirty="0"/>
-              <a:t>Netzwerke-Protokolle</a:t>
-            </a:r>
-          </a:p>
-          <a:p>
             <a:r>
               <a:rPr lang="de-DE" dirty="0"/>
               <a:t>Anforderungsanalyse</a:t>
@@ -10254,19 +10271,6 @@
             </a:endParaRPr>
           </a:p>
           <a:p>
-            <a:pPr lvl="1"/>
-            <a:r>
-              <a:rPr lang="de-DE" dirty="0">
-                <a:solidFill>
-                  <a:schemeClr val="bg1">
-                    <a:lumMod val="50000"/>
-                  </a:schemeClr>
-                </a:solidFill>
-              </a:rPr>
-              <a:t>Netzwerke-Protokolle</a:t>
-            </a:r>
-          </a:p>
-          <a:p>
             <a:r>
               <a:rPr lang="de-DE" dirty="0">
                 <a:solidFill>
@@ -10996,19 +11000,6 @@
             </a:endParaRPr>
           </a:p>
           <a:p>
-            <a:pPr lvl="1"/>
-            <a:r>
-              <a:rPr lang="de-DE" dirty="0">
-                <a:solidFill>
-                  <a:schemeClr val="bg1">
-                    <a:lumMod val="50000"/>
-                  </a:schemeClr>
-                </a:solidFill>
-              </a:rPr>
-              <a:t>Netzwerke-Protokolle</a:t>
-            </a:r>
-          </a:p>
-          <a:p>
             <a:r>
               <a:rPr lang="de-DE" dirty="0">
                 <a:solidFill>
@@ -12012,14 +12003,14 @@
             <a:pPr lvl="2"/>
             <a:r>
               <a:rPr lang="de-DE" dirty="0"/>
-              <a:t>A</a:t>
+              <a:t>Geringe Kosten </a:t>
             </a:r>
           </a:p>
           <a:p>
             <a:pPr lvl="2"/>
             <a:r>
               <a:rPr lang="de-DE" dirty="0"/>
-              <a:t>A1</a:t>
+              <a:t>Schnell und einfach zu erweitern</a:t>
             </a:r>
           </a:p>
           <a:p>
@@ -12037,14 +12028,14 @@
             <a:pPr lvl="2"/>
             <a:r>
               <a:rPr lang="de-DE" dirty="0"/>
-              <a:t>A</a:t>
+              <a:t>Deutlich langsam</a:t>
             </a:r>
           </a:p>
           <a:p>
             <a:pPr lvl="2"/>
             <a:r>
               <a:rPr lang="de-DE" dirty="0"/>
-              <a:t>a2</a:t>
+              <a:t>Unsicheres System</a:t>
             </a:r>
           </a:p>
         </p:txBody>
@@ -12495,15 +12486,147 @@
           <a:lstStyle/>
           <a:p>
             <a:r>
-              <a:rPr lang="de-DE" dirty="0"/>
-              <a:t>POFIBUS</a:t>
-            </a:r>
-          </a:p>
-          <a:p>
-            <a:r>
-              <a:rPr lang="de-DE" dirty="0"/>
-              <a:t>PROFINET IRT</a:t>
-            </a:r>
+              <a:rPr lang="de-DE" dirty="0">
+                <a:solidFill>
+                  <a:schemeClr val="bg1">
+                    <a:lumMod val="50000"/>
+                  </a:schemeClr>
+                </a:solidFill>
+              </a:rPr>
+              <a:t>Einleitung</a:t>
+            </a:r>
+          </a:p>
+          <a:p>
+            <a:pPr lvl="1"/>
+            <a:r>
+              <a:rPr lang="de-DE" sz="2000" dirty="0">
+                <a:solidFill>
+                  <a:schemeClr val="bg1">
+                    <a:lumMod val="50000"/>
+                  </a:schemeClr>
+                </a:solidFill>
+              </a:rPr>
+              <a:t>Motivation</a:t>
+            </a:r>
+          </a:p>
+          <a:p>
+            <a:pPr lvl="1"/>
+            <a:r>
+              <a:rPr lang="de-DE" dirty="0">
+                <a:solidFill>
+                  <a:schemeClr val="bg1">
+                    <a:lumMod val="50000"/>
+                  </a:schemeClr>
+                </a:solidFill>
+              </a:rPr>
+              <a:t>Zielsetzung</a:t>
+            </a:r>
+          </a:p>
+          <a:p>
+            <a:r>
+              <a:rPr lang="de-DE" dirty="0">
+                <a:solidFill>
+                  <a:schemeClr val="bg1">
+                    <a:lumMod val="50000"/>
+                  </a:schemeClr>
+                </a:solidFill>
+              </a:rPr>
+              <a:t>Grundlage der Topologie</a:t>
+            </a:r>
+          </a:p>
+          <a:p>
+            <a:pPr lvl="1"/>
+            <a:r>
+              <a:rPr lang="de-DE" dirty="0">
+                <a:solidFill>
+                  <a:schemeClr val="bg1">
+                    <a:lumMod val="50000"/>
+                  </a:schemeClr>
+                </a:solidFill>
+              </a:rPr>
+              <a:t>Begriffserklärung </a:t>
+            </a:r>
+          </a:p>
+          <a:p>
+            <a:pPr lvl="1"/>
+            <a:r>
+              <a:rPr lang="de-DE" dirty="0" err="1">
+                <a:solidFill>
+                  <a:schemeClr val="bg1">
+                    <a:lumMod val="50000"/>
+                  </a:schemeClr>
+                </a:solidFill>
+              </a:rPr>
+              <a:t>Topologiemuster</a:t>
+            </a:r>
+            <a:endParaRPr lang="de-DE" dirty="0">
+              <a:solidFill>
+                <a:schemeClr val="bg1">
+                  <a:lumMod val="50000"/>
+                </a:schemeClr>
+              </a:solidFill>
+            </a:endParaRPr>
+          </a:p>
+          <a:p>
+            <a:r>
+              <a:rPr lang="de-DE" b="1" dirty="0"/>
+              <a:t>Anforderungsanalyse</a:t>
+            </a:r>
+          </a:p>
+          <a:p>
+            <a:pPr lvl="1"/>
+            <a:r>
+              <a:rPr lang="de-DE" b="1" dirty="0"/>
+              <a:t>Funktionale Anforderungen</a:t>
+            </a:r>
+          </a:p>
+          <a:p>
+            <a:pPr lvl="1"/>
+            <a:r>
+              <a:rPr lang="de-DE" b="1" dirty="0"/>
+              <a:t>Nichtfunktionale Anforderungen</a:t>
+            </a:r>
+          </a:p>
+          <a:p>
+            <a:r>
+              <a:rPr lang="de-DE" dirty="0"/>
+              <a:t>Evaluation der JavaScript-Frameworks(erstes Ergebnis)</a:t>
+            </a:r>
+          </a:p>
+          <a:p>
+            <a:r>
+              <a:rPr lang="de-DE" dirty="0"/>
+              <a:t>Konzepte der </a:t>
+            </a:r>
+            <a:r>
+              <a:rPr lang="de-DE" dirty="0" err="1"/>
+              <a:t>Topology</a:t>
+            </a:r>
+            <a:r>
+              <a:rPr lang="de-DE" dirty="0"/>
+              <a:t>-Editor (zweites Ergebnis)</a:t>
+            </a:r>
+          </a:p>
+          <a:p>
+            <a:r>
+              <a:rPr lang="de-DE" dirty="0"/>
+              <a:t>Prototype Implementierung(drittes Ergebnis)</a:t>
+            </a:r>
+          </a:p>
+          <a:p>
+            <a:r>
+              <a:rPr lang="de-DE" dirty="0"/>
+              <a:t>Fortsetzungsmöglichkeiten </a:t>
+            </a:r>
+          </a:p>
+          <a:p>
+            <a:endParaRPr lang="de-DE" dirty="0"/>
+          </a:p>
+          <a:p>
+            <a:endParaRPr lang="de-DE" dirty="0"/>
+          </a:p>
+          <a:p>
+            <a:endParaRPr lang="de-DE" dirty="0"/>
           </a:p>
         </p:txBody>
       </p:sp>
@@ -12604,7 +12727,7 @@
           <a:p>
             <a:r>
               <a:rPr lang="de-DE" dirty="0"/>
-              <a:t>Grundlage der Topologie:: Netzwerke-Protokolle</a:t>
+              <a:t>Agenda</a:t>
             </a:r>
           </a:p>
         </p:txBody>
@@ -12612,7 +12735,7 @@
     </p:spTree>
     <p:extLst>
       <p:ext uri="{BB962C8B-B14F-4D97-AF65-F5344CB8AC3E}">
-        <p14:creationId xmlns:p14="http://schemas.microsoft.com/office/powerpoint/2010/main" val="485674179"/>
+        <p14:creationId xmlns:p14="http://schemas.microsoft.com/office/powerpoint/2010/main" val="2115502966"/>
       </p:ext>
     </p:extLst>
   </p:cSld>

--- a/__Master-Abschlussarbeit.pptx
+++ b/__Master-Abschlussarbeit.pptx
@@ -11545,13 +11545,6 @@
               <a:t>Topologiemuster</a:t>
             </a:r>
             <a:endParaRPr lang="de-DE" b="1" dirty="0"/>
-          </a:p>
-          <a:p>
-            <a:pPr lvl="1"/>
-            <a:r>
-              <a:rPr lang="de-DE" b="1" dirty="0"/>
-              <a:t>Netzwerke-Protokolle</a:t>
-            </a:r>
           </a:p>
           <a:p>
             <a:r>

--- a/__Master-Abschlussarbeit.pptx
+++ b/__Master-Abschlussarbeit.pptx
@@ -278,7 +278,7 @@
               <a:pPr>
                 <a:defRPr/>
               </a:pPr>
-              <a:t>30.07.2018</a:t>
+              <a:t>31.07.2018</a:t>
             </a:fld>
             <a:endParaRPr lang="de-DE"/>
           </a:p>
@@ -464,7 +464,7 @@
               <a:pPr>
                 <a:defRPr/>
               </a:pPr>
-              <a:t>30.07.2018</a:t>
+              <a:t>31.07.2018</a:t>
             </a:fld>
             <a:endParaRPr lang="de-DE"/>
           </a:p>
@@ -1093,8 +1093,21 @@
           <a:p>
             <a:r>
               <a:rPr lang="de-DE" dirty="0"/>
-              <a:t>5) Bevor wir über die AA  sprechen, sollen wir zuerst die bestehende Host-Applikation beschreiben. Da die Auswertung des Ist-Zustands dient als Grundlage  für den Soll-Zustand.</a:t>
-            </a:r>
+              <a:t>5) Bevor wir über die AA  sprechen, sollen wir zuerst die bestehende Host-Applikation beschreiben. Da die Auswertung des Ist-Zustands dient als Grundlage  für den Soll-Zustand</a:t>
+            </a:r>
+            <a:r>
+              <a:rPr lang="de-DE" dirty="0" smtClean="0"/>
+              <a:t>. </a:t>
+            </a:r>
+            <a:r>
+              <a:rPr lang="de-DE" dirty="0" err="1" smtClean="0"/>
+              <a:t>ComStudio</a:t>
+            </a:r>
+            <a:r>
+              <a:rPr lang="de-DE" dirty="0" smtClean="0"/>
+              <a:t> ist..</a:t>
+            </a:r>
+            <a:endParaRPr lang="de-DE" dirty="0"/>
           </a:p>
           <a:p>
             <a:r>
@@ -3537,7 +3550,7 @@
               <a:pPr>
                 <a:defRPr/>
               </a:pPr>
-              <a:t>30.07.2018</a:t>
+              <a:t>31.07.2018</a:t>
             </a:fld>
             <a:endParaRPr lang="de-DE" dirty="0"/>
           </a:p>
@@ -4343,7 +4356,7 @@
               <a:pPr>
                 <a:defRPr/>
               </a:pPr>
-              <a:t>30.07.2018</a:t>
+              <a:t>31.07.2018</a:t>
             </a:fld>
             <a:endParaRPr lang="de-DE" dirty="0"/>
           </a:p>
@@ -4690,7 +4703,7 @@
               <a:pPr>
                 <a:defRPr/>
               </a:pPr>
-              <a:t>30.07.2018</a:t>
+              <a:t>31.07.2018</a:t>
             </a:fld>
             <a:endParaRPr lang="de-DE" dirty="0"/>
           </a:p>
@@ -5026,7 +5039,7 @@
               <a:pPr>
                 <a:defRPr/>
               </a:pPr>
-              <a:t>30.07.2018</a:t>
+              <a:t>31.07.2018</a:t>
             </a:fld>
             <a:endParaRPr lang="de-DE" dirty="0"/>
           </a:p>
@@ -5347,7 +5360,7 @@
               <a:pPr>
                 <a:defRPr/>
               </a:pPr>
-              <a:t>30.07.2018</a:t>
+              <a:t>31.07.2018</a:t>
             </a:fld>
             <a:endParaRPr lang="de-DE" dirty="0"/>
           </a:p>
@@ -5668,7 +5681,7 @@
               <a:pPr>
                 <a:defRPr/>
               </a:pPr>
-              <a:t>30.07.2018</a:t>
+              <a:t>31.07.2018</a:t>
             </a:fld>
             <a:endParaRPr lang="de-DE" dirty="0"/>
           </a:p>
@@ -6069,7 +6082,7 @@
               <a:pPr>
                 <a:defRPr/>
               </a:pPr>
-              <a:t>30.07.2018</a:t>
+              <a:t>31.07.2018</a:t>
             </a:fld>
             <a:endParaRPr lang="de-DE" dirty="0"/>
           </a:p>
@@ -6430,7 +6443,7 @@
               <a:pPr>
                 <a:defRPr/>
               </a:pPr>
-              <a:t>30.07.2018</a:t>
+              <a:t>31.07.2018</a:t>
             </a:fld>
             <a:endParaRPr lang="de-DE" dirty="0"/>
           </a:p>
@@ -6686,7 +6699,7 @@
               <a:pPr>
                 <a:defRPr/>
               </a:pPr>
-              <a:t>30.07.2018</a:t>
+              <a:t>31.07.2018</a:t>
             </a:fld>
             <a:endParaRPr lang="de-DE" dirty="0"/>
           </a:p>
@@ -7467,7 +7480,7 @@
               <a:pPr>
                 <a:defRPr/>
               </a:pPr>
-              <a:t>30.07.2018</a:t>
+              <a:t>31.07.2018</a:t>
             </a:fld>
             <a:endParaRPr lang="de-DE" dirty="0"/>
           </a:p>
@@ -7727,7 +7740,7 @@
               <a:pPr>
                 <a:defRPr/>
               </a:pPr>
-              <a:t>30.07.2018</a:t>
+              <a:t>31.07.2018</a:t>
             </a:fld>
             <a:endParaRPr lang="de-DE" dirty="0"/>
           </a:p>
@@ -8041,7 +8054,7 @@
               <a:pPr>
                 <a:defRPr/>
               </a:pPr>
-              <a:t>30.07.2018</a:t>
+              <a:t>31.07.2018</a:t>
             </a:fld>
             <a:endParaRPr lang="de-DE" dirty="0"/>
           </a:p>
@@ -8337,7 +8350,7 @@
               <a:pPr>
                 <a:defRPr/>
               </a:pPr>
-              <a:t>30.07.2018</a:t>
+              <a:t>31.07.2018</a:t>
             </a:fld>
             <a:endParaRPr lang="de-DE" dirty="0"/>
           </a:p>
@@ -8672,7 +8685,7 @@
               <a:pPr>
                 <a:defRPr/>
               </a:pPr>
-              <a:t>30.07.2018</a:t>
+              <a:t>31.07.2018</a:t>
             </a:fld>
             <a:endParaRPr lang="de-DE" dirty="0"/>
           </a:p>
@@ -8842,7 +8855,7 @@
               <a:pPr>
                 <a:defRPr/>
               </a:pPr>
-              <a:t>30.07.2018</a:t>
+              <a:t>31.07.2018</a:t>
             </a:fld>
             <a:endParaRPr lang="de-DE" dirty="0"/>
           </a:p>
@@ -9038,7 +9051,7 @@
               <a:pPr>
                 <a:defRPr/>
               </a:pPr>
-              <a:t>30.07.2018</a:t>
+              <a:t>31.07.2018</a:t>
             </a:fld>
             <a:endParaRPr lang="de-DE" dirty="0"/>
           </a:p>
@@ -9236,7 +9249,7 @@
               <a:pPr>
                 <a:defRPr/>
               </a:pPr>
-              <a:t>30.07.2018</a:t>
+              <a:t>31.07.2018</a:t>
             </a:fld>
             <a:endParaRPr lang="de-DE" dirty="0"/>
           </a:p>
@@ -9434,7 +9447,7 @@
               <a:pPr>
                 <a:defRPr/>
               </a:pPr>
-              <a:t>30.07.2018</a:t>
+              <a:t>31.07.2018</a:t>
             </a:fld>
             <a:endParaRPr lang="de-DE" dirty="0"/>
           </a:p>
@@ -9814,7 +9827,7 @@
               <a:pPr>
                 <a:defRPr/>
               </a:pPr>
-              <a:t>30.07.2018</a:t>
+              <a:t>31.07.2018</a:t>
             </a:fld>
             <a:endParaRPr lang="de-DE" dirty="0"/>
           </a:p>
@@ -10064,7 +10077,7 @@
               <a:pPr>
                 <a:defRPr/>
               </a:pPr>
-              <a:t>30.07.2018</a:t>
+              <a:t>31.07.2018</a:t>
             </a:fld>
             <a:endParaRPr lang="de-DE" dirty="0"/>
           </a:p>
@@ -10404,7 +10417,7 @@
               <a:pPr>
                 <a:defRPr/>
               </a:pPr>
-              <a:t>30.07.2018</a:t>
+              <a:t>31.07.2018</a:t>
             </a:fld>
             <a:endParaRPr lang="de-DE" dirty="0"/>
           </a:p>
@@ -10618,7 +10631,7 @@
               <a:pPr>
                 <a:defRPr/>
               </a:pPr>
-              <a:t>30.07.2018</a:t>
+              <a:t>31.07.2018</a:t>
             </a:fld>
             <a:endParaRPr lang="de-DE" dirty="0"/>
           </a:p>
@@ -10814,7 +10827,7 @@
               <a:pPr>
                 <a:defRPr/>
               </a:pPr>
-              <a:t>30.07.2018</a:t>
+              <a:t>31.07.2018</a:t>
             </a:fld>
             <a:endParaRPr lang="de-DE" dirty="0"/>
           </a:p>
@@ -11139,7 +11152,7 @@
               <a:pPr>
                 <a:defRPr/>
               </a:pPr>
-              <a:t>30.07.2018</a:t>
+              <a:t>31.07.2018</a:t>
             </a:fld>
             <a:endParaRPr lang="de-DE" dirty="0"/>
           </a:p>
@@ -11282,14 +11295,35 @@
             <a:pPr lvl="1"/>
             <a:r>
               <a:rPr lang="de-DE" dirty="0"/>
-              <a:t>Visuelle Informationen</a:t>
-            </a:r>
+              <a:t>Visuelle </a:t>
+            </a:r>
+            <a:r>
+              <a:rPr lang="de-DE" dirty="0" smtClean="0"/>
+              <a:t>Darstellung</a:t>
+            </a:r>
+            <a:endParaRPr lang="de-DE" dirty="0"/>
           </a:p>
           <a:p>
             <a:pPr lvl="1"/>
             <a:r>
-              <a:rPr lang="de-DE" dirty="0"/>
-              <a:t>protokollneutraler, einheitlicher Ansatz </a:t>
+              <a:rPr lang="de-DE" dirty="0" smtClean="0"/>
+              <a:t>P</a:t>
+            </a:r>
+            <a:r>
+              <a:rPr lang="de-DE" dirty="0" smtClean="0"/>
+              <a:t>rotokollneutraler</a:t>
+            </a:r>
+            <a:r>
+              <a:rPr lang="de-DE" dirty="0"/>
+              <a:t> </a:t>
+            </a:r>
+            <a:r>
+              <a:rPr lang="de-DE" dirty="0" smtClean="0"/>
+              <a:t>und  </a:t>
+            </a:r>
+            <a:r>
+              <a:rPr lang="de-DE" dirty="0"/>
+              <a:t>einheitlicher Ansatz </a:t>
             </a:r>
           </a:p>
           <a:p>
@@ -11364,7 +11398,7 @@
               <a:pPr>
                 <a:defRPr/>
               </a:pPr>
-              <a:t>30.07.2018</a:t>
+              <a:t>31.07.2018</a:t>
             </a:fld>
             <a:endParaRPr lang="de-DE" dirty="0"/>
           </a:p>
@@ -11632,7 +11666,7 @@
               <a:pPr>
                 <a:defRPr/>
               </a:pPr>
-              <a:t>30.07.2018</a:t>
+              <a:t>31.07.2018</a:t>
             </a:fld>
             <a:endParaRPr lang="de-DE" dirty="0"/>
           </a:p>
@@ -11838,7 +11872,7 @@
               <a:pPr>
                 <a:defRPr/>
               </a:pPr>
-              <a:t>30.07.2018</a:t>
+              <a:t>31.07.2018</a:t>
             </a:fld>
             <a:endParaRPr lang="de-DE" dirty="0"/>
           </a:p>
@@ -12056,7 +12090,7 @@
               <a:pPr>
                 <a:defRPr/>
               </a:pPr>
-              <a:t>30.07.2018</a:t>
+              <a:t>31.07.2018</a:t>
             </a:fld>
             <a:endParaRPr lang="de-DE" dirty="0"/>
           </a:p>
@@ -12137,6 +12171,10 @@
             <a:r>
               <a:rPr lang="de-DE" dirty="0" err="1"/>
               <a:t>Topologiemuster</a:t>
+            </a:r>
+            <a:r>
+              <a:rPr lang="de-DE" dirty="0"/>
+              <a:t/>
             </a:r>
             <a:br>
               <a:rPr lang="de-DE" dirty="0"/>
@@ -12314,7 +12352,7 @@
               <a:pPr>
                 <a:defRPr/>
               </a:pPr>
-              <a:t>30.07.2018</a:t>
+              <a:t>31.07.2018</a:t>
             </a:fld>
             <a:endParaRPr lang="de-DE" dirty="0"/>
           </a:p>
@@ -12395,6 +12433,10 @@
             <a:r>
               <a:rPr lang="de-DE" dirty="0" err="1"/>
               <a:t>Topologiemuster</a:t>
+            </a:r>
+            <a:r>
+              <a:rPr lang="de-DE" dirty="0"/>
+              <a:t/>
             </a:r>
             <a:br>
               <a:rPr lang="de-DE" dirty="0"/>
@@ -12646,7 +12688,7 @@
               <a:pPr>
                 <a:defRPr/>
               </a:pPr>
-              <a:t>30.07.2018</a:t>
+              <a:t>31.07.2018</a:t>
             </a:fld>
             <a:endParaRPr lang="de-DE" dirty="0"/>
           </a:p>

--- a/__Master-Abschlussarbeit.pptx
+++ b/__Master-Abschlussarbeit.pptx
@@ -1093,21 +1093,16 @@
           <a:p>
             <a:r>
               <a:rPr lang="de-DE" dirty="0"/>
-              <a:t>5) Bevor wir über die AA  sprechen, sollen wir zuerst die bestehende Host-Applikation beschreiben. Da die Auswertung des Ist-Zustands dient als Grundlage  für den Soll-Zustand</a:t>
-            </a:r>
-            <a:r>
-              <a:rPr lang="de-DE" dirty="0" smtClean="0"/>
-              <a:t>. </a:t>
-            </a:r>
-            <a:r>
-              <a:rPr lang="de-DE" dirty="0" err="1" smtClean="0"/>
+              <a:t>5) Bevor wir über die AA  sprechen, sollen wir zuerst die bestehende Host-Applikation beschreiben. Da die Auswertung des Ist-Zustands dient als Grundlage  für den Soll-Zustand. </a:t>
+            </a:r>
+            <a:r>
+              <a:rPr lang="de-DE" dirty="0" err="1"/>
               <a:t>ComStudio</a:t>
             </a:r>
             <a:r>
-              <a:rPr lang="de-DE" dirty="0" smtClean="0"/>
+              <a:rPr lang="de-DE" dirty="0"/>
               <a:t> ist..</a:t>
             </a:r>
-            <a:endParaRPr lang="de-DE" dirty="0"/>
           </a:p>
           <a:p>
             <a:r>
@@ -1933,7 +1928,7 @@
               <a:pPr>
                 <a:defRPr/>
               </a:pPr>
-              <a:t>19</a:t>
+              <a:t>17</a:t>
             </a:fld>
             <a:endParaRPr lang="de-DE"/>
           </a:p>
@@ -1942,7 +1937,7 @@
     </p:spTree>
     <p:extLst>
       <p:ext uri="{BB962C8B-B14F-4D97-AF65-F5344CB8AC3E}">
-        <p14:creationId xmlns:p14="http://schemas.microsoft.com/office/powerpoint/2010/main" val="1615335567"/>
+        <p14:creationId xmlns:p14="http://schemas.microsoft.com/office/powerpoint/2010/main" val="1671557534"/>
       </p:ext>
     </p:extLst>
   </p:cSld>
@@ -2023,7 +2018,7 @@
               <a:pPr>
                 <a:defRPr/>
               </a:pPr>
-              <a:t>20</a:t>
+              <a:t>19</a:t>
             </a:fld>
             <a:endParaRPr lang="de-DE"/>
           </a:p>
@@ -2032,7 +2027,7 @@
     </p:spTree>
     <p:extLst>
       <p:ext uri="{BB962C8B-B14F-4D97-AF65-F5344CB8AC3E}">
-        <p14:creationId xmlns:p14="http://schemas.microsoft.com/office/powerpoint/2010/main" val="2033798850"/>
+        <p14:creationId xmlns:p14="http://schemas.microsoft.com/office/powerpoint/2010/main" val="1615335567"/>
       </p:ext>
     </p:extLst>
   </p:cSld>
@@ -2086,18 +2081,6 @@
           <a:bodyPr/>
           <a:lstStyle/>
           <a:p>
-            <a:r>
-              <a:rPr lang="de-DE" dirty="0"/>
-              <a:t>4) </a:t>
-            </a:r>
-            <a:r>
-              <a:rPr lang="de-DE" dirty="0" err="1"/>
-              <a:t>d.h</a:t>
-            </a:r>
-            <a:r>
-              <a:rPr lang="de-DE" baseline="0" dirty="0"/>
-              <a:t> mit Berücksichtigung des Datenflusses</a:t>
-            </a:r>
             <a:endParaRPr lang="de-DE" dirty="0"/>
           </a:p>
         </p:txBody>
@@ -2125,7 +2108,7 @@
               <a:pPr>
                 <a:defRPr/>
               </a:pPr>
-              <a:t>21</a:t>
+              <a:t>20</a:t>
             </a:fld>
             <a:endParaRPr lang="de-DE"/>
           </a:p>
@@ -2134,7 +2117,7 @@
     </p:spTree>
     <p:extLst>
       <p:ext uri="{BB962C8B-B14F-4D97-AF65-F5344CB8AC3E}">
-        <p14:creationId xmlns:p14="http://schemas.microsoft.com/office/powerpoint/2010/main" val="1164488468"/>
+        <p14:creationId xmlns:p14="http://schemas.microsoft.com/office/powerpoint/2010/main" val="2033798850"/>
       </p:ext>
     </p:extLst>
   </p:cSld>
@@ -2228,6 +2211,108 @@
     <p:extLst>
       <p:ext uri="{BB962C8B-B14F-4D97-AF65-F5344CB8AC3E}">
         <p14:creationId xmlns:p14="http://schemas.microsoft.com/office/powerpoint/2010/main" val="3611082622"/>
+      </p:ext>
+    </p:extLst>
+  </p:cSld>
+  <p:clrMapOvr>
+    <a:masterClrMapping/>
+  </p:clrMapOvr>
+</p:notes>
+</file>
+
+<file path=ppt/notesSlides/notesSlide20.xml><?xml version="1.0" encoding="utf-8"?>
+<p:notes xmlns:a="http://schemas.openxmlformats.org/drawingml/2006/main" xmlns:r="http://schemas.openxmlformats.org/officeDocument/2006/relationships" xmlns:p="http://schemas.openxmlformats.org/presentationml/2006/main">
+  <p:cSld>
+    <p:spTree>
+      <p:nvGrpSpPr>
+        <p:cNvPr id="1" name=""/>
+        <p:cNvGrpSpPr/>
+        <p:nvPr/>
+      </p:nvGrpSpPr>
+      <p:grpSpPr>
+        <a:xfrm>
+          <a:off x="0" y="0"/>
+          <a:ext cx="0" cy="0"/>
+          <a:chOff x="0" y="0"/>
+          <a:chExt cx="0" cy="0"/>
+        </a:xfrm>
+      </p:grpSpPr>
+      <p:sp>
+        <p:nvSpPr>
+          <p:cNvPr id="2" name="Folienbildplatzhalter 1"/>
+          <p:cNvSpPr>
+            <a:spLocks noGrp="1" noRot="1" noChangeAspect="1"/>
+          </p:cNvSpPr>
+          <p:nvPr>
+            <p:ph type="sldImg"/>
+          </p:nvPr>
+        </p:nvSpPr>
+        <p:spPr/>
+      </p:sp>
+      <p:sp>
+        <p:nvSpPr>
+          <p:cNvPr id="3" name="Notizenplatzhalter 2"/>
+          <p:cNvSpPr>
+            <a:spLocks noGrp="1"/>
+          </p:cNvSpPr>
+          <p:nvPr>
+            <p:ph type="body" idx="1"/>
+          </p:nvPr>
+        </p:nvSpPr>
+        <p:spPr/>
+        <p:txBody>
+          <a:bodyPr/>
+          <a:lstStyle/>
+          <a:p>
+            <a:r>
+              <a:rPr lang="de-DE" dirty="0"/>
+              <a:t>4) </a:t>
+            </a:r>
+            <a:r>
+              <a:rPr lang="de-DE" dirty="0" err="1"/>
+              <a:t>d.h</a:t>
+            </a:r>
+            <a:r>
+              <a:rPr lang="de-DE" baseline="0" dirty="0"/>
+              <a:t> mit Berücksichtigung des Datenflusses</a:t>
+            </a:r>
+            <a:endParaRPr lang="de-DE" dirty="0"/>
+          </a:p>
+        </p:txBody>
+      </p:sp>
+      <p:sp>
+        <p:nvSpPr>
+          <p:cNvPr id="4" name="Foliennummernplatzhalter 3"/>
+          <p:cNvSpPr>
+            <a:spLocks noGrp="1"/>
+          </p:cNvSpPr>
+          <p:nvPr>
+            <p:ph type="sldNum" sz="quarter" idx="10"/>
+          </p:nvPr>
+        </p:nvSpPr>
+        <p:spPr/>
+        <p:txBody>
+          <a:bodyPr/>
+          <a:lstStyle/>
+          <a:p>
+            <a:pPr>
+              <a:defRPr/>
+            </a:pPr>
+            <a:fld id="{862C4B85-5E71-423A-A9E4-96958528BF14}" type="slidenum">
+              <a:rPr lang="de-DE" smtClean="0"/>
+              <a:pPr>
+                <a:defRPr/>
+              </a:pPr>
+              <a:t>21</a:t>
+            </a:fld>
+            <a:endParaRPr lang="de-DE"/>
+          </a:p>
+        </p:txBody>
+      </p:sp>
+    </p:spTree>
+    <p:extLst>
+      <p:ext uri="{BB962C8B-B14F-4D97-AF65-F5344CB8AC3E}">
+        <p14:creationId xmlns:p14="http://schemas.microsoft.com/office/powerpoint/2010/main" val="1164488468"/>
       </p:ext>
     </p:extLst>
   </p:cSld>
@@ -9209,14 +9294,541 @@
           <a:p>
             <a:r>
               <a:rPr lang="de-DE" dirty="0"/>
-              <a:t>Beispiel eines Gerät</a:t>
+              <a:t>Beispiel einer Topologie</a:t>
             </a:r>
           </a:p>
           <a:p>
             <a:pPr marL="0" indent="0">
               <a:buNone/>
             </a:pPr>
-            <a:endParaRPr lang="de-DE" dirty="0"/>
+            <a:r>
+              <a:rPr lang="de-DE" sz="1200" dirty="0"/>
+              <a:t>{  </a:t>
+            </a:r>
+            <a:br>
+              <a:rPr lang="de-DE" sz="1200" dirty="0"/>
+            </a:br>
+            <a:r>
+              <a:rPr lang="de-DE" sz="1200" dirty="0"/>
+              <a:t>   </a:t>
+            </a:r>
+            <a:r>
+              <a:rPr lang="de-DE" sz="1200" b="1" dirty="0"/>
+              <a:t>"systemTag"</a:t>
+            </a:r>
+            <a:r>
+              <a:rPr lang="de-DE" sz="1200" dirty="0"/>
+              <a:t>:"3737bb94-30b3-44c6-aa09-7bfc6725838c",</a:t>
+            </a:r>
+            <a:br>
+              <a:rPr lang="de-DE" sz="1200" dirty="0"/>
+            </a:br>
+            <a:r>
+              <a:rPr lang="de-DE" sz="1200" dirty="0"/>
+              <a:t>   </a:t>
+            </a:r>
+            <a:r>
+              <a:rPr lang="de-DE" sz="1200" b="1" dirty="0"/>
+              <a:t>"</a:t>
+            </a:r>
+            <a:r>
+              <a:rPr lang="de-DE" sz="1200" b="1" dirty="0" err="1"/>
+              <a:t>stationAddress</a:t>
+            </a:r>
+            <a:r>
+              <a:rPr lang="de-DE" sz="1200" b="1" dirty="0"/>
+              <a:t>"</a:t>
+            </a:r>
+            <a:r>
+              <a:rPr lang="de-DE" sz="1200" dirty="0"/>
+              <a:t>:"</a:t>
+            </a:r>
+            <a:r>
+              <a:rPr lang="de-DE" sz="1200" dirty="0" err="1"/>
+              <a:t>Addr</a:t>
+            </a:r>
+            <a:r>
+              <a:rPr lang="de-DE" sz="1200" dirty="0"/>
+              <a:t> </a:t>
+            </a:r>
+            <a:r>
+              <a:rPr lang="de-DE" sz="1200" dirty="0" err="1"/>
+              <a:t>controller</a:t>
+            </a:r>
+            <a:r>
+              <a:rPr lang="de-DE" sz="1200" dirty="0"/>
+              <a:t>",</a:t>
+            </a:r>
+            <a:br>
+              <a:rPr lang="de-DE" sz="1200" dirty="0"/>
+            </a:br>
+            <a:r>
+              <a:rPr lang="de-DE" sz="1200" dirty="0"/>
+              <a:t>   </a:t>
+            </a:r>
+            <a:r>
+              <a:rPr lang="de-DE" sz="1200" b="1" dirty="0"/>
+              <a:t>"</a:t>
+            </a:r>
+            <a:r>
+              <a:rPr lang="de-DE" sz="1200" b="1" dirty="0" err="1"/>
+              <a:t>displayName</a:t>
+            </a:r>
+            <a:r>
+              <a:rPr lang="de-DE" sz="1200" b="1" dirty="0"/>
+              <a:t>"</a:t>
+            </a:r>
+            <a:r>
+              <a:rPr lang="de-DE" sz="1200" dirty="0"/>
+              <a:t>:"CIFX_RE_PNM_IRT V3 IRT CONTROLLER",</a:t>
+            </a:r>
+            <a:br>
+              <a:rPr lang="de-DE" sz="1200" dirty="0"/>
+            </a:br>
+            <a:r>
+              <a:rPr lang="de-DE" sz="1200" dirty="0"/>
+              <a:t>   </a:t>
+            </a:r>
+            <a:r>
+              <a:rPr lang="de-DE" sz="1200" b="1" dirty="0"/>
+              <a:t>"</a:t>
+            </a:r>
+            <a:r>
+              <a:rPr lang="de-DE" sz="1200" b="1" dirty="0" err="1"/>
+              <a:t>imgUrl</a:t>
+            </a:r>
+            <a:r>
+              <a:rPr lang="de-DE" sz="1200" b="1" dirty="0"/>
+              <a:t>"</a:t>
+            </a:r>
+            <a:r>
+              <a:rPr lang="de-DE" sz="1200" dirty="0"/>
+              <a:t>:"/Data/</a:t>
+            </a:r>
+            <a:r>
+              <a:rPr lang="de-DE" sz="1200" dirty="0" err="1"/>
+              <a:t>Imgs</a:t>
+            </a:r>
+            <a:r>
+              <a:rPr lang="de-DE" sz="1200" dirty="0"/>
+              <a:t>/CIFX_RE_PNM_IRT.PNG",</a:t>
+            </a:r>
+            <a:br>
+              <a:rPr lang="de-DE" sz="1200" dirty="0"/>
+            </a:br>
+            <a:r>
+              <a:rPr lang="de-DE" sz="1200" dirty="0"/>
+              <a:t>   </a:t>
+            </a:r>
+            <a:r>
+              <a:rPr lang="de-DE" sz="1200" b="1" dirty="0"/>
+              <a:t>"</a:t>
+            </a:r>
+            <a:r>
+              <a:rPr lang="de-DE" sz="1200" b="1" dirty="0" err="1"/>
+              <a:t>isRoot</a:t>
+            </a:r>
+            <a:r>
+              <a:rPr lang="de-DE" sz="1200" b="1" dirty="0"/>
+              <a:t>"</a:t>
+            </a:r>
+            <a:r>
+              <a:rPr lang="de-DE" sz="1200" dirty="0"/>
+              <a:t>:</a:t>
+            </a:r>
+            <a:r>
+              <a:rPr lang="de-DE" sz="1200" dirty="0" err="1"/>
+              <a:t>true</a:t>
+            </a:r>
+            <a:r>
+              <a:rPr lang="de-DE" sz="1200" dirty="0"/>
+              <a:t>,</a:t>
+            </a:r>
+            <a:br>
+              <a:rPr lang="de-DE" sz="1200" dirty="0"/>
+            </a:br>
+            <a:r>
+              <a:rPr lang="de-DE" sz="1200" dirty="0"/>
+              <a:t>   </a:t>
+            </a:r>
+            <a:r>
+              <a:rPr lang="de-DE" sz="1200" b="1" dirty="0"/>
+              <a:t>"</a:t>
+            </a:r>
+            <a:r>
+              <a:rPr lang="de-DE" sz="1200" b="1" dirty="0" err="1"/>
+              <a:t>ports</a:t>
+            </a:r>
+            <a:r>
+              <a:rPr lang="de-DE" sz="1200" b="1" dirty="0"/>
+              <a:t>"</a:t>
+            </a:r>
+            <a:r>
+              <a:rPr lang="de-DE" sz="1200" dirty="0"/>
+              <a:t>:[  {  </a:t>
+            </a:r>
+            <a:r>
+              <a:rPr lang="de-DE" sz="1200" b="1" dirty="0"/>
+              <a:t>"</a:t>
+            </a:r>
+            <a:r>
+              <a:rPr lang="de-DE" sz="1200" b="1" dirty="0" err="1"/>
+              <a:t>portColor</a:t>
+            </a:r>
+            <a:r>
+              <a:rPr lang="de-DE" sz="1200" b="1" dirty="0"/>
+              <a:t>"</a:t>
+            </a:r>
+            <a:r>
+              <a:rPr lang="de-DE" sz="1200" dirty="0"/>
+              <a:t>:"#45813", </a:t>
+            </a:r>
+            <a:r>
+              <a:rPr lang="de-DE" sz="1200" b="1" dirty="0"/>
+              <a:t>"portId"</a:t>
+            </a:r>
+            <a:r>
+              <a:rPr lang="de-DE" sz="1200" dirty="0"/>
+              <a:t>:"port0"  }, { </a:t>
+            </a:r>
+            <a:r>
+              <a:rPr lang="de-DE" sz="1200" b="1" dirty="0"/>
+              <a:t>"</a:t>
+            </a:r>
+            <a:r>
+              <a:rPr lang="de-DE" sz="1200" b="1" dirty="0" err="1"/>
+              <a:t>portColor</a:t>
+            </a:r>
+            <a:r>
+              <a:rPr lang="de-DE" sz="1200" b="1" dirty="0"/>
+              <a:t>"</a:t>
+            </a:r>
+            <a:r>
+              <a:rPr lang="de-DE" sz="1200" dirty="0"/>
+              <a:t>:"#4FF13",</a:t>
+            </a:r>
+            <a:r>
+              <a:rPr lang="de-DE" sz="1200" b="1" dirty="0"/>
+              <a:t>"portId"</a:t>
+            </a:r>
+            <a:r>
+              <a:rPr lang="de-DE" sz="1200" dirty="0"/>
+              <a:t>:"port1"} ],</a:t>
+            </a:r>
+            <a:br>
+              <a:rPr lang="de-DE" sz="1200" dirty="0"/>
+            </a:br>
+            <a:r>
+              <a:rPr lang="de-DE" sz="1200" dirty="0"/>
+              <a:t>   </a:t>
+            </a:r>
+            <a:r>
+              <a:rPr lang="de-DE" sz="1200" b="1" dirty="0"/>
+              <a:t>"</a:t>
+            </a:r>
+            <a:r>
+              <a:rPr lang="de-DE" sz="1200" b="1" dirty="0" err="1"/>
+              <a:t>deviceList</a:t>
+            </a:r>
+            <a:r>
+              <a:rPr lang="de-DE" sz="1200" b="1" dirty="0"/>
+              <a:t>"</a:t>
+            </a:r>
+            <a:r>
+              <a:rPr lang="de-DE" sz="1200" dirty="0"/>
+              <a:t>:[ {   </a:t>
+            </a:r>
+            <a:r>
+              <a:rPr lang="de-DE" sz="1200" b="1" dirty="0"/>
+              <a:t>"</a:t>
+            </a:r>
+            <a:r>
+              <a:rPr lang="de-DE" sz="1200" b="1" dirty="0" err="1"/>
+              <a:t>deviceList</a:t>
+            </a:r>
+            <a:r>
+              <a:rPr lang="de-DE" sz="1200" b="1" dirty="0"/>
+              <a:t>"</a:t>
+            </a:r>
+            <a:r>
+              <a:rPr lang="de-DE" sz="1200" dirty="0"/>
+              <a:t>:null, </a:t>
+            </a:r>
+            <a:r>
+              <a:rPr lang="de-DE" sz="1200" b="1" dirty="0"/>
+              <a:t>"displayName"</a:t>
+            </a:r>
+            <a:r>
+              <a:rPr lang="de-DE" sz="1200" dirty="0"/>
+              <a:t>:"CIFX_RE_PNS_V3.1.x", </a:t>
+            </a:r>
+            <a:r>
+              <a:rPr lang="de-DE" sz="1200" b="1" dirty="0"/>
+              <a:t>"</a:t>
+            </a:r>
+            <a:r>
+              <a:rPr lang="de-DE" sz="1200" b="1" dirty="0" err="1"/>
+              <a:t>imgUrl</a:t>
+            </a:r>
+            <a:r>
+              <a:rPr lang="de-DE" sz="1200" b="1" dirty="0"/>
+              <a:t>"</a:t>
+            </a:r>
+            <a:r>
+              <a:rPr lang="de-DE" sz="1200" dirty="0"/>
+              <a:t>:null, </a:t>
+            </a:r>
+            <a:endParaRPr lang="de-DE" sz="1200" b="1" dirty="0"/>
+          </a:p>
+          <a:p>
+            <a:pPr marL="0" indent="0">
+              <a:buNone/>
+            </a:pPr>
+            <a:r>
+              <a:rPr lang="de-DE" sz="1200" dirty="0"/>
+              <a:t>        </a:t>
+            </a:r>
+            <a:r>
+              <a:rPr lang="de-DE" sz="1200" b="1" dirty="0"/>
+              <a:t>"</a:t>
+            </a:r>
+            <a:r>
+              <a:rPr lang="de-DE" sz="1200" b="1" dirty="0" err="1"/>
+              <a:t>ports</a:t>
+            </a:r>
+            <a:r>
+              <a:rPr lang="de-DE" sz="1200" b="1" dirty="0"/>
+              <a:t>"</a:t>
+            </a:r>
+            <a:r>
+              <a:rPr lang="de-DE" sz="1200" dirty="0"/>
+              <a:t>:[ {  </a:t>
+            </a:r>
+            <a:br>
+              <a:rPr lang="de-DE" sz="1200" dirty="0"/>
+            </a:br>
+            <a:r>
+              <a:rPr lang="de-DE" sz="1200" dirty="0"/>
+              <a:t>               </a:t>
+            </a:r>
+            <a:r>
+              <a:rPr lang="de-DE" sz="1200" b="1" dirty="0"/>
+              <a:t>"</a:t>
+            </a:r>
+            <a:r>
+              <a:rPr lang="de-DE" sz="1200" b="1" dirty="0" err="1"/>
+              <a:t>portColor</a:t>
+            </a:r>
+            <a:r>
+              <a:rPr lang="de-DE" sz="1200" b="1" dirty="0"/>
+              <a:t>"</a:t>
+            </a:r>
+            <a:r>
+              <a:rPr lang="de-DE" sz="1200" dirty="0"/>
+              <a:t>:"#9933ff",</a:t>
+            </a:r>
+            <a:br>
+              <a:rPr lang="de-DE" sz="1200" dirty="0"/>
+            </a:br>
+            <a:r>
+              <a:rPr lang="de-DE" sz="1200" dirty="0"/>
+              <a:t>               </a:t>
+            </a:r>
+            <a:r>
+              <a:rPr lang="de-DE" sz="1200" b="1" dirty="0"/>
+              <a:t>"portId"</a:t>
+            </a:r>
+            <a:r>
+              <a:rPr lang="de-DE" sz="1200" dirty="0"/>
+              <a:t>:"port0"</a:t>
+            </a:r>
+            <a:br>
+              <a:rPr lang="de-DE" sz="1200" dirty="0"/>
+            </a:br>
+            <a:r>
+              <a:rPr lang="de-DE" sz="1200" dirty="0"/>
+              <a:t>            },</a:t>
+            </a:r>
+            <a:br>
+              <a:rPr lang="de-DE" sz="1200" dirty="0"/>
+            </a:br>
+            <a:r>
+              <a:rPr lang="de-DE" sz="1200" dirty="0"/>
+              <a:t>            {  </a:t>
+            </a:r>
+            <a:br>
+              <a:rPr lang="de-DE" sz="1200" dirty="0"/>
+            </a:br>
+            <a:r>
+              <a:rPr lang="de-DE" sz="1200" dirty="0"/>
+              <a:t>               </a:t>
+            </a:r>
+            <a:r>
+              <a:rPr lang="de-DE" sz="1200" b="1" dirty="0"/>
+              <a:t>"</a:t>
+            </a:r>
+            <a:r>
+              <a:rPr lang="de-DE" sz="1200" b="1" dirty="0" err="1"/>
+              <a:t>portColor</a:t>
+            </a:r>
+            <a:r>
+              <a:rPr lang="de-DE" sz="1200" b="1" dirty="0"/>
+              <a:t>"</a:t>
+            </a:r>
+            <a:r>
+              <a:rPr lang="de-DE" sz="1200" dirty="0"/>
+              <a:t>:"#666633",</a:t>
+            </a:r>
+            <a:br>
+              <a:rPr lang="de-DE" sz="1200" dirty="0"/>
+            </a:br>
+            <a:r>
+              <a:rPr lang="de-DE" sz="1200" dirty="0"/>
+              <a:t>               </a:t>
+            </a:r>
+            <a:r>
+              <a:rPr lang="de-DE" sz="1200" b="1" dirty="0"/>
+              <a:t>"portId"</a:t>
+            </a:r>
+            <a:r>
+              <a:rPr lang="de-DE" sz="1200" dirty="0"/>
+              <a:t>:"port1"</a:t>
+            </a:r>
+            <a:br>
+              <a:rPr lang="de-DE" sz="1200" dirty="0"/>
+            </a:br>
+            <a:r>
+              <a:rPr lang="de-DE" sz="1200" dirty="0"/>
+              <a:t>            },</a:t>
+            </a:r>
+            <a:br>
+              <a:rPr lang="de-DE" sz="1200" dirty="0"/>
+            </a:br>
+            <a:r>
+              <a:rPr lang="de-DE" sz="1200" dirty="0"/>
+              <a:t>            {  </a:t>
+            </a:r>
+            <a:br>
+              <a:rPr lang="de-DE" sz="1200" dirty="0"/>
+            </a:br>
+            <a:r>
+              <a:rPr lang="de-DE" sz="1200" dirty="0"/>
+              <a:t>               </a:t>
+            </a:r>
+            <a:r>
+              <a:rPr lang="de-DE" sz="1200" b="1" dirty="0"/>
+              <a:t>"</a:t>
+            </a:r>
+            <a:r>
+              <a:rPr lang="de-DE" sz="1200" b="1" dirty="0" err="1"/>
+              <a:t>portColor</a:t>
+            </a:r>
+            <a:r>
+              <a:rPr lang="de-DE" sz="1200" b="1" dirty="0"/>
+              <a:t>"</a:t>
+            </a:r>
+            <a:r>
+              <a:rPr lang="de-DE" sz="1200" dirty="0"/>
+              <a:t>:"#0133ff",</a:t>
+            </a:r>
+            <a:br>
+              <a:rPr lang="de-DE" sz="1200" dirty="0"/>
+            </a:br>
+            <a:r>
+              <a:rPr lang="de-DE" sz="1200" dirty="0"/>
+              <a:t>               </a:t>
+            </a:r>
+            <a:r>
+              <a:rPr lang="de-DE" sz="1200" b="1" dirty="0"/>
+              <a:t>"portId"</a:t>
+            </a:r>
+            <a:r>
+              <a:rPr lang="de-DE" sz="1200" dirty="0"/>
+              <a:t>:"port0"</a:t>
+            </a:r>
+            <a:br>
+              <a:rPr lang="de-DE" sz="1200" dirty="0"/>
+            </a:br>
+            <a:r>
+              <a:rPr lang="de-DE" sz="1200" dirty="0"/>
+              <a:t>            }</a:t>
+            </a:r>
+            <a:br>
+              <a:rPr lang="de-DE" sz="1200" dirty="0"/>
+            </a:br>
+            <a:r>
+              <a:rPr lang="de-DE" sz="1200" dirty="0"/>
+              <a:t>         ],</a:t>
+            </a:r>
+            <a:br>
+              <a:rPr lang="de-DE" sz="1200" dirty="0"/>
+            </a:br>
+            <a:r>
+              <a:rPr lang="de-DE" sz="1200" dirty="0"/>
+              <a:t>         </a:t>
+            </a:r>
+            <a:r>
+              <a:rPr lang="de-DE" sz="1200" b="1" dirty="0"/>
+              <a:t>"</a:t>
+            </a:r>
+            <a:r>
+              <a:rPr lang="de-DE" sz="1200" b="1" dirty="0" err="1"/>
+              <a:t>properties</a:t>
+            </a:r>
+            <a:r>
+              <a:rPr lang="de-DE" sz="1200" b="1" dirty="0"/>
+              <a:t>"</a:t>
+            </a:r>
+            <a:r>
+              <a:rPr lang="de-DE" sz="1200" dirty="0"/>
+              <a:t>:null,</a:t>
+            </a:r>
+            <a:br>
+              <a:rPr lang="de-DE" sz="1200" dirty="0"/>
+            </a:br>
+            <a:r>
+              <a:rPr lang="de-DE" sz="1200" dirty="0"/>
+              <a:t>         </a:t>
+            </a:r>
+            <a:r>
+              <a:rPr lang="de-DE" sz="1200" b="1" dirty="0"/>
+              <a:t>"</a:t>
+            </a:r>
+            <a:r>
+              <a:rPr lang="de-DE" sz="1200" b="1" dirty="0" err="1"/>
+              <a:t>stationAddress</a:t>
+            </a:r>
+            <a:r>
+              <a:rPr lang="de-DE" sz="1200" b="1" dirty="0"/>
+              <a:t>"</a:t>
+            </a:r>
+            <a:r>
+              <a:rPr lang="de-DE" sz="1200" dirty="0"/>
+              <a:t>:"</a:t>
+            </a:r>
+            <a:r>
+              <a:rPr lang="de-DE" sz="1200" dirty="0" err="1"/>
+              <a:t>Addr</a:t>
+            </a:r>
+            <a:r>
+              <a:rPr lang="de-DE" sz="1200" dirty="0"/>
+              <a:t> cifxrepns-001",</a:t>
+            </a:r>
+            <a:br>
+              <a:rPr lang="de-DE" sz="1200" dirty="0"/>
+            </a:br>
+            <a:r>
+              <a:rPr lang="de-DE" sz="1200" dirty="0"/>
+              <a:t>         </a:t>
+            </a:r>
+            <a:r>
+              <a:rPr lang="de-DE" sz="1200" b="1" dirty="0"/>
+              <a:t>"systemTag"</a:t>
+            </a:r>
+            <a:r>
+              <a:rPr lang="de-DE" sz="1200" dirty="0"/>
+              <a:t>:"f72159fa-5dc8-4907-b2a2-8512cd1940a2"  }  ]}</a:t>
+            </a:r>
           </a:p>
         </p:txBody>
       </p:sp>
@@ -9400,21 +10012,303 @@
             <p:ph sz="quarter" idx="13"/>
           </p:nvPr>
         </p:nvSpPr>
-        <p:spPr/>
+        <p:spPr>
+          <a:xfrm>
+            <a:off x="251520" y="1268760"/>
+            <a:ext cx="8640000" cy="5040560"/>
+          </a:xfrm>
+        </p:spPr>
         <p:txBody>
           <a:bodyPr/>
           <a:lstStyle/>
           <a:p>
             <a:r>
               <a:rPr lang="de-DE" dirty="0"/>
-              <a:t>Beispiel einer Verbindung</a:t>
-            </a:r>
-          </a:p>
-          <a:p>
-            <a:pPr marL="0" indent="0">
-              <a:buNone/>
-            </a:pPr>
-            <a:endParaRPr lang="de-DE" dirty="0"/>
+              <a:t>Beispiel einer Topologie, Fortsetzung </a:t>
+            </a:r>
+          </a:p>
+          <a:p>
+            <a:r>
+              <a:rPr lang="de-DE" sz="1400" dirty="0"/>
+              <a:t>[  </a:t>
+            </a:r>
+            <a:br>
+              <a:rPr lang="de-DE" sz="1400" dirty="0"/>
+            </a:br>
+            <a:r>
+              <a:rPr lang="de-DE" sz="1400" dirty="0"/>
+              <a:t>   {  </a:t>
+            </a:r>
+            <a:br>
+              <a:rPr lang="de-DE" sz="1400" dirty="0"/>
+            </a:br>
+            <a:r>
+              <a:rPr lang="de-DE" sz="1400" dirty="0"/>
+              <a:t>      </a:t>
+            </a:r>
+            <a:r>
+              <a:rPr lang="de-DE" sz="1400" b="1" dirty="0"/>
+              <a:t>"id"</a:t>
+            </a:r>
+            <a:r>
+              <a:rPr lang="de-DE" sz="1400" dirty="0"/>
+              <a:t>:"3737bb94-30b3-44c6-aa09-7bfc6725838c",</a:t>
+            </a:r>
+            <a:br>
+              <a:rPr lang="de-DE" sz="1400" dirty="0"/>
+            </a:br>
+            <a:r>
+              <a:rPr lang="de-DE" sz="1400" dirty="0"/>
+              <a:t>      </a:t>
+            </a:r>
+            <a:r>
+              <a:rPr lang="de-DE" sz="1400" b="1" dirty="0"/>
+              <a:t>"</a:t>
+            </a:r>
+            <a:r>
+              <a:rPr lang="de-DE" sz="1400" b="1" dirty="0" err="1"/>
+              <a:t>type"</a:t>
+            </a:r>
+            <a:r>
+              <a:rPr lang="de-DE" sz="1400" dirty="0" err="1"/>
+              <a:t>:"PROFIBUS</a:t>
+            </a:r>
+            <a:r>
+              <a:rPr lang="de-DE" sz="1400" dirty="0"/>
+              <a:t>",</a:t>
+            </a:r>
+            <a:br>
+              <a:rPr lang="de-DE" sz="1400" dirty="0"/>
+            </a:br>
+            <a:r>
+              <a:rPr lang="de-DE" sz="1400" dirty="0"/>
+              <a:t>      </a:t>
+            </a:r>
+            <a:r>
+              <a:rPr lang="de-DE" sz="1400" b="1" dirty="0"/>
+              <a:t>"from"</a:t>
+            </a:r>
+            <a:r>
+              <a:rPr lang="de-DE" sz="1400" dirty="0"/>
+              <a:t>:"f72159fa-5dc8-4907-b2a2-8512cd1940a1",</a:t>
+            </a:r>
+            <a:br>
+              <a:rPr lang="de-DE" sz="1400" dirty="0"/>
+            </a:br>
+            <a:r>
+              <a:rPr lang="de-DE" sz="1400" dirty="0"/>
+              <a:t>      </a:t>
+            </a:r>
+            <a:r>
+              <a:rPr lang="de-DE" sz="1400" b="1" dirty="0"/>
+              <a:t>"to"</a:t>
+            </a:r>
+            <a:r>
+              <a:rPr lang="de-DE" sz="1400" dirty="0"/>
+              <a:t>:"f72159fa-5dc8-4907-b2a2-8512cd1940a2",</a:t>
+            </a:r>
+            <a:br>
+              <a:rPr lang="de-DE" sz="1400" dirty="0"/>
+            </a:br>
+            <a:r>
+              <a:rPr lang="de-DE" sz="1400" dirty="0"/>
+              <a:t>      </a:t>
+            </a:r>
+            <a:r>
+              <a:rPr lang="de-DE" sz="1400" b="1" dirty="0"/>
+              <a:t>"fromPort"</a:t>
+            </a:r>
+            <a:r>
+              <a:rPr lang="de-DE" sz="1400" dirty="0"/>
+              <a:t>:"port0",</a:t>
+            </a:r>
+            <a:br>
+              <a:rPr lang="de-DE" sz="1400" dirty="0"/>
+            </a:br>
+            <a:r>
+              <a:rPr lang="de-DE" sz="1400" dirty="0"/>
+              <a:t>      </a:t>
+            </a:r>
+            <a:r>
+              <a:rPr lang="de-DE" sz="1400" b="1" dirty="0"/>
+              <a:t>"toPort"</a:t>
+            </a:r>
+            <a:r>
+              <a:rPr lang="de-DE" sz="1400" dirty="0"/>
+              <a:t>:"port1",</a:t>
+            </a:r>
+            <a:br>
+              <a:rPr lang="de-DE" sz="1400" dirty="0"/>
+            </a:br>
+            <a:r>
+              <a:rPr lang="de-DE" sz="1400" dirty="0"/>
+              <a:t>      </a:t>
+            </a:r>
+            <a:r>
+              <a:rPr lang="de-DE" sz="1400" b="1" dirty="0"/>
+              <a:t>"</a:t>
+            </a:r>
+            <a:r>
+              <a:rPr lang="de-DE" sz="1400" b="1" dirty="0" err="1"/>
+              <a:t>linkColor</a:t>
+            </a:r>
+            <a:r>
+              <a:rPr lang="de-DE" sz="1400" b="1" dirty="0"/>
+              <a:t>"</a:t>
+            </a:r>
+            <a:r>
+              <a:rPr lang="de-DE" sz="1400" dirty="0"/>
+              <a:t>:"#C389D6"</a:t>
+            </a:r>
+            <a:br>
+              <a:rPr lang="de-DE" sz="1400" dirty="0"/>
+            </a:br>
+            <a:r>
+              <a:rPr lang="de-DE" sz="1400" dirty="0"/>
+              <a:t>   },</a:t>
+            </a:r>
+            <a:br>
+              <a:rPr lang="de-DE" sz="1400" dirty="0"/>
+            </a:br>
+            <a:r>
+              <a:rPr lang="de-DE" sz="1400" dirty="0"/>
+              <a:t>   {  </a:t>
+            </a:r>
+            <a:br>
+              <a:rPr lang="de-DE" sz="1400" dirty="0"/>
+            </a:br>
+            <a:r>
+              <a:rPr lang="de-DE" sz="1400" dirty="0"/>
+              <a:t>      </a:t>
+            </a:r>
+            <a:r>
+              <a:rPr lang="de-DE" sz="1400" b="1" dirty="0"/>
+              <a:t>"id"</a:t>
+            </a:r>
+            <a:r>
+              <a:rPr lang="de-DE" sz="1400" dirty="0"/>
+              <a:t>:"3737bb94-30b3-44c6-aa09-7bfc6725838a",</a:t>
+            </a:r>
+            <a:br>
+              <a:rPr lang="de-DE" sz="1400" dirty="0"/>
+            </a:br>
+            <a:r>
+              <a:rPr lang="de-DE" sz="1400" dirty="0"/>
+              <a:t>      </a:t>
+            </a:r>
+            <a:r>
+              <a:rPr lang="de-DE" sz="1400" b="1" dirty="0"/>
+              <a:t>"</a:t>
+            </a:r>
+            <a:r>
+              <a:rPr lang="de-DE" sz="1400" b="1" dirty="0" err="1"/>
+              <a:t>type"</a:t>
+            </a:r>
+            <a:r>
+              <a:rPr lang="de-DE" sz="1400" dirty="0" err="1"/>
+              <a:t>:"PROFINET</a:t>
+            </a:r>
+            <a:r>
+              <a:rPr lang="de-DE" sz="1400" dirty="0"/>
+              <a:t> IRT",</a:t>
+            </a:r>
+            <a:br>
+              <a:rPr lang="de-DE" sz="1400" dirty="0"/>
+            </a:br>
+            <a:r>
+              <a:rPr lang="de-DE" sz="1400" dirty="0"/>
+              <a:t>      </a:t>
+            </a:r>
+            <a:r>
+              <a:rPr lang="de-DE" sz="1400" b="1" dirty="0"/>
+              <a:t>"from"</a:t>
+            </a:r>
+            <a:r>
+              <a:rPr lang="de-DE" sz="1400" dirty="0"/>
+              <a:t>:"f72159fa-5dc8-4907-b2a2-8512cd1940a3",</a:t>
+            </a:r>
+            <a:br>
+              <a:rPr lang="de-DE" sz="1400" dirty="0"/>
+            </a:br>
+            <a:r>
+              <a:rPr lang="de-DE" sz="1400" dirty="0"/>
+              <a:t>      </a:t>
+            </a:r>
+            <a:r>
+              <a:rPr lang="de-DE" sz="1400" b="1" dirty="0"/>
+              <a:t>"to"</a:t>
+            </a:r>
+            <a:r>
+              <a:rPr lang="de-DE" sz="1400" dirty="0"/>
+              <a:t>:"f72159fa-5dc8-4907-b2a2-8512cd1940a4",</a:t>
+            </a:r>
+            <a:br>
+              <a:rPr lang="de-DE" sz="1400" dirty="0"/>
+            </a:br>
+            <a:r>
+              <a:rPr lang="de-DE" sz="1400" dirty="0"/>
+              <a:t>      </a:t>
+            </a:r>
+            <a:r>
+              <a:rPr lang="de-DE" sz="1400" b="1" dirty="0"/>
+              <a:t>"fromPort"</a:t>
+            </a:r>
+            <a:r>
+              <a:rPr lang="de-DE" sz="1400" dirty="0"/>
+              <a:t>:"port0",</a:t>
+            </a:r>
+            <a:br>
+              <a:rPr lang="de-DE" sz="1400" dirty="0"/>
+            </a:br>
+            <a:r>
+              <a:rPr lang="de-DE" sz="1400" dirty="0"/>
+              <a:t>      </a:t>
+            </a:r>
+            <a:r>
+              <a:rPr lang="de-DE" sz="1400" b="1" dirty="0"/>
+              <a:t>"toPort"</a:t>
+            </a:r>
+            <a:r>
+              <a:rPr lang="de-DE" sz="1400" dirty="0"/>
+              <a:t>:"port2",</a:t>
+            </a:r>
+            <a:br>
+              <a:rPr lang="de-DE" sz="1400" dirty="0"/>
+            </a:br>
+            <a:r>
+              <a:rPr lang="de-DE" sz="1400" dirty="0"/>
+              <a:t>      </a:t>
+            </a:r>
+            <a:r>
+              <a:rPr lang="de-DE" sz="1400" b="1" dirty="0"/>
+              <a:t>"</a:t>
+            </a:r>
+            <a:r>
+              <a:rPr lang="de-DE" sz="1400" b="1" dirty="0" err="1"/>
+              <a:t>linkColor</a:t>
+            </a:r>
+            <a:r>
+              <a:rPr lang="de-DE" sz="1400" b="1" dirty="0"/>
+              <a:t>"</a:t>
+            </a:r>
+            <a:r>
+              <a:rPr lang="de-DE" sz="1400" dirty="0"/>
+              <a:t>:"#9BD689"</a:t>
+            </a:r>
+            <a:br>
+              <a:rPr lang="de-DE" sz="1400" dirty="0"/>
+            </a:br>
+            <a:r>
+              <a:rPr lang="de-DE" sz="1400" dirty="0"/>
+              <a:t>   }</a:t>
+            </a:r>
+            <a:br>
+              <a:rPr lang="de-DE" sz="1400" dirty="0"/>
+            </a:br>
+            <a:r>
+              <a:rPr lang="de-DE" sz="1400" dirty="0"/>
+              <a:t>]</a:t>
+            </a:r>
           </a:p>
         </p:txBody>
       </p:sp>
@@ -11295,35 +12189,14 @@
             <a:pPr lvl="1"/>
             <a:r>
               <a:rPr lang="de-DE" dirty="0"/>
-              <a:t>Visuelle </a:t>
-            </a:r>
-            <a:r>
-              <a:rPr lang="de-DE" dirty="0" smtClean="0"/>
-              <a:t>Darstellung</a:t>
-            </a:r>
-            <a:endParaRPr lang="de-DE" dirty="0"/>
+              <a:t>Visuelle Darstellung</a:t>
+            </a:r>
           </a:p>
           <a:p>
             <a:pPr lvl="1"/>
             <a:r>
-              <a:rPr lang="de-DE" dirty="0" smtClean="0"/>
-              <a:t>P</a:t>
-            </a:r>
-            <a:r>
-              <a:rPr lang="de-DE" dirty="0" smtClean="0"/>
-              <a:t>rotokollneutraler</a:t>
-            </a:r>
-            <a:r>
               <a:rPr lang="de-DE" dirty="0"/>
-              <a:t> </a:t>
-            </a:r>
-            <a:r>
-              <a:rPr lang="de-DE" dirty="0" smtClean="0"/>
-              <a:t>und  </a:t>
-            </a:r>
-            <a:r>
-              <a:rPr lang="de-DE" dirty="0"/>
-              <a:t>einheitlicher Ansatz </a:t>
+              <a:t>Protokollneutraler und  einheitlicher Ansatz </a:t>
             </a:r>
           </a:p>
           <a:p>
@@ -12171,10 +13044,6 @@
             <a:r>
               <a:rPr lang="de-DE" dirty="0" err="1"/>
               <a:t>Topologiemuster</a:t>
-            </a:r>
-            <a:r>
-              <a:rPr lang="de-DE" dirty="0"/>
-              <a:t/>
             </a:r>
             <a:br>
               <a:rPr lang="de-DE" dirty="0"/>
@@ -12433,10 +13302,6 @@
             <a:r>
               <a:rPr lang="de-DE" dirty="0" err="1"/>
               <a:t>Topologiemuster</a:t>
-            </a:r>
-            <a:r>
-              <a:rPr lang="de-DE" dirty="0"/>
-              <a:t/>
             </a:r>
             <a:br>
               <a:rPr lang="de-DE" dirty="0"/>

--- a/__Master-Abschlussarbeit.pptx
+++ b/__Master-Abschlussarbeit.pptx
@@ -5,10 +5,10 @@
     <p:sldMasterId id="2147483648" r:id="rId1"/>
   </p:sldMasterIdLst>
   <p:notesMasterIdLst>
-    <p:notesMasterId r:id="rId24"/>
+    <p:notesMasterId r:id="rId27"/>
   </p:notesMasterIdLst>
   <p:handoutMasterIdLst>
-    <p:handoutMasterId r:id="rId25"/>
+    <p:handoutMasterId r:id="rId28"/>
   </p:handoutMasterIdLst>
   <p:sldIdLst>
     <p:sldId id="258" r:id="rId2"/>
@@ -30,9 +30,12 @@
     <p:sldId id="278" r:id="rId18"/>
     <p:sldId id="279" r:id="rId19"/>
     <p:sldId id="272" r:id="rId20"/>
-    <p:sldId id="271" r:id="rId21"/>
-    <p:sldId id="270" r:id="rId22"/>
-    <p:sldId id="268" r:id="rId23"/>
+    <p:sldId id="281" r:id="rId21"/>
+    <p:sldId id="282" r:id="rId22"/>
+    <p:sldId id="283" r:id="rId23"/>
+    <p:sldId id="271" r:id="rId24"/>
+    <p:sldId id="270" r:id="rId25"/>
+    <p:sldId id="268" r:id="rId26"/>
   </p:sldIdLst>
   <p:sldSz cx="9144000" cy="6858000" type="screen4x3"/>
   <p:notesSz cx="6858000" cy="9144000"/>
@@ -2108,7 +2111,7 @@
               <a:pPr>
                 <a:defRPr/>
               </a:pPr>
-              <a:t>20</a:t>
+              <a:t>23</a:t>
             </a:fld>
             <a:endParaRPr lang="de-DE"/>
           </a:p>
@@ -2303,7 +2306,7 @@
               <a:pPr>
                 <a:defRPr/>
               </a:pPr>
-              <a:t>21</a:t>
+              <a:t>24</a:t>
             </a:fld>
             <a:endParaRPr lang="de-DE"/>
           </a:p>
@@ -11080,217 +11083,45 @@
           <a:chExt cx="0" cy="0"/>
         </a:xfrm>
       </p:grpSpPr>
-      <p:sp>
-        <p:nvSpPr>
-          <p:cNvPr id="2" name="Inhaltsplatzhalter 1"/>
-          <p:cNvSpPr>
-            <a:spLocks noGrp="1"/>
-          </p:cNvSpPr>
-          <p:nvPr>
-            <p:ph sz="quarter" idx="13"/>
-          </p:nvPr>
-        </p:nvSpPr>
-        <p:spPr/>
-        <p:txBody>
-          <a:bodyPr/>
-          <a:lstStyle/>
-          <a:p>
-            <a:r>
-              <a:rPr lang="de-DE" dirty="0">
-                <a:solidFill>
-                  <a:schemeClr val="bg1">
-                    <a:lumMod val="50000"/>
-                  </a:schemeClr>
-                </a:solidFill>
-              </a:rPr>
-              <a:t>Einleitung</a:t>
-            </a:r>
-          </a:p>
-          <a:p>
-            <a:pPr lvl="1"/>
-            <a:r>
-              <a:rPr lang="de-DE" sz="2000" dirty="0">
-                <a:solidFill>
-                  <a:schemeClr val="bg1">
-                    <a:lumMod val="50000"/>
-                  </a:schemeClr>
-                </a:solidFill>
-              </a:rPr>
-              <a:t>Motivation</a:t>
-            </a:r>
-          </a:p>
-          <a:p>
-            <a:pPr lvl="1"/>
-            <a:r>
-              <a:rPr lang="de-DE" dirty="0">
-                <a:solidFill>
-                  <a:schemeClr val="bg1">
-                    <a:lumMod val="50000"/>
-                  </a:schemeClr>
-                </a:solidFill>
-              </a:rPr>
-              <a:t>Zielsetzung</a:t>
-            </a:r>
-          </a:p>
-          <a:p>
-            <a:r>
-              <a:rPr lang="de-DE" dirty="0">
-                <a:solidFill>
-                  <a:schemeClr val="bg1">
-                    <a:lumMod val="50000"/>
-                  </a:schemeClr>
-                </a:solidFill>
-              </a:rPr>
-              <a:t>Grundlage der Topologie</a:t>
-            </a:r>
-          </a:p>
-          <a:p>
-            <a:pPr lvl="1"/>
-            <a:r>
-              <a:rPr lang="de-DE" dirty="0">
-                <a:solidFill>
-                  <a:schemeClr val="bg1">
-                    <a:lumMod val="50000"/>
-                  </a:schemeClr>
-                </a:solidFill>
-              </a:rPr>
-              <a:t>Begriffserklärung</a:t>
-            </a:r>
-          </a:p>
-          <a:p>
-            <a:pPr lvl="1"/>
-            <a:r>
-              <a:rPr lang="de-DE" dirty="0" err="1">
-                <a:solidFill>
-                  <a:schemeClr val="bg1">
-                    <a:lumMod val="50000"/>
-                  </a:schemeClr>
-                </a:solidFill>
-              </a:rPr>
-              <a:t>Topologiemuster</a:t>
-            </a:r>
-            <a:endParaRPr lang="de-DE" dirty="0">
-              <a:solidFill>
-                <a:schemeClr val="bg1">
-                  <a:lumMod val="50000"/>
-                </a:schemeClr>
-              </a:solidFill>
-            </a:endParaRPr>
-          </a:p>
-          <a:p>
-            <a:r>
-              <a:rPr lang="de-DE" dirty="0">
-                <a:solidFill>
-                  <a:schemeClr val="bg1">
-                    <a:lumMod val="50000"/>
-                  </a:schemeClr>
-                </a:solidFill>
-              </a:rPr>
-              <a:t>Anforderungsanalyse   </a:t>
-            </a:r>
-          </a:p>
-          <a:p>
-            <a:pPr lvl="1"/>
-            <a:r>
-              <a:rPr lang="de-DE" dirty="0">
-                <a:solidFill>
-                  <a:schemeClr val="bg1">
-                    <a:lumMod val="50000"/>
-                  </a:schemeClr>
-                </a:solidFill>
-              </a:rPr>
-              <a:t>Funktionale Anforderungen</a:t>
-            </a:r>
-          </a:p>
-          <a:p>
-            <a:pPr lvl="1"/>
-            <a:r>
-              <a:rPr lang="de-DE" dirty="0">
-                <a:solidFill>
-                  <a:schemeClr val="bg1">
-                    <a:lumMod val="50000"/>
-                  </a:schemeClr>
-                </a:solidFill>
-              </a:rPr>
-              <a:t>Nichtfunktionale Anforderungen</a:t>
-            </a:r>
-          </a:p>
-          <a:p>
-            <a:r>
-              <a:rPr lang="de-DE" dirty="0">
-                <a:solidFill>
-                  <a:schemeClr val="bg1">
-                    <a:lumMod val="50000"/>
-                  </a:schemeClr>
-                </a:solidFill>
-              </a:rPr>
-              <a:t>Evaluation der JavaScript-Frameworks(erstes Ergebnis)</a:t>
-            </a:r>
-          </a:p>
-          <a:p>
-            <a:r>
-              <a:rPr lang="de-DE" dirty="0">
-                <a:solidFill>
-                  <a:schemeClr val="bg1">
-                    <a:lumMod val="50000"/>
-                  </a:schemeClr>
-                </a:solidFill>
-              </a:rPr>
-              <a:t>Konzepte der </a:t>
-            </a:r>
-            <a:r>
-              <a:rPr lang="de-DE" dirty="0" err="1">
-                <a:solidFill>
-                  <a:schemeClr val="bg1">
-                    <a:lumMod val="50000"/>
-                  </a:schemeClr>
-                </a:solidFill>
-              </a:rPr>
-              <a:t>Topology</a:t>
-            </a:r>
-            <a:r>
-              <a:rPr lang="de-DE" dirty="0">
-                <a:solidFill>
-                  <a:schemeClr val="bg1">
-                    <a:lumMod val="50000"/>
-                  </a:schemeClr>
-                </a:solidFill>
-              </a:rPr>
-              <a:t>-Editor (zweites Ergebnis)</a:t>
-            </a:r>
-          </a:p>
-          <a:p>
-            <a:r>
-              <a:rPr lang="de-DE" dirty="0">
-                <a:solidFill>
-                  <a:schemeClr val="bg1">
-                    <a:lumMod val="50000"/>
-                  </a:schemeClr>
-                </a:solidFill>
-              </a:rPr>
-              <a:t>Prototype Implementierung(drittes Ergebnis)</a:t>
-            </a:r>
-          </a:p>
-          <a:p>
-            <a:r>
-              <a:rPr lang="de-DE" b="1" dirty="0"/>
-              <a:t>Fortsetzungsmöglichkeiten</a:t>
-            </a:r>
-          </a:p>
-          <a:p>
-            <a:endParaRPr lang="de-DE" dirty="0"/>
-          </a:p>
-          <a:p>
-            <a:endParaRPr lang="de-DE" dirty="0"/>
-          </a:p>
-          <a:p>
-            <a:endParaRPr lang="de-DE" dirty="0"/>
-          </a:p>
-        </p:txBody>
-      </p:sp>
-      <p:sp>
-        <p:nvSpPr>
-          <p:cNvPr id="3" name="Datumsplatzhalter 2"/>
+      <p:pic>
+        <p:nvPicPr>
+          <p:cNvPr id="9" name="Inhaltsplatzhalter 6">
+            <a:extLst>
+              <a:ext uri="{FF2B5EF4-FFF2-40B4-BE49-F238E27FC236}">
+                <a16:creationId xmlns:a16="http://schemas.microsoft.com/office/drawing/2014/main" id="{C5FC855C-F201-47DF-BF8C-030E71739ACA}"/>
+              </a:ext>
+            </a:extLst>
+          </p:cNvPr>
+          <p:cNvPicPr>
+            <a:picLocks noChangeAspect="1"/>
+          </p:cNvPicPr>
+          <p:nvPr/>
+        </p:nvPicPr>
+        <p:blipFill>
+          <a:blip r:embed="rId2"/>
+          <a:stretch>
+            <a:fillRect/>
+          </a:stretch>
+        </p:blipFill>
+        <p:spPr>
+          <a:xfrm>
+            <a:off x="771529" y="1268760"/>
+            <a:ext cx="7599982" cy="4379651"/>
+          </a:xfrm>
+          <a:prstGeom prst="rect">
+            <a:avLst/>
+          </a:prstGeom>
+        </p:spPr>
+      </p:pic>
+      <p:sp>
+        <p:nvSpPr>
+          <p:cNvPr id="3" name="Datumsplatzhalter 2">
+            <a:extLst>
+              <a:ext uri="{FF2B5EF4-FFF2-40B4-BE49-F238E27FC236}">
+                <a16:creationId xmlns:a16="http://schemas.microsoft.com/office/drawing/2014/main" id="{DE7AB382-AAC5-4370-BDA1-390985DC79CD}"/>
+              </a:ext>
+            </a:extLst>
+          </p:cNvPr>
           <p:cNvSpPr>
             <a:spLocks noGrp="1"/>
           </p:cNvSpPr>
@@ -11319,7 +11150,13 @@
       </p:sp>
       <p:sp>
         <p:nvSpPr>
-          <p:cNvPr id="4" name="Fußzeilenplatzhalter 3"/>
+          <p:cNvPr id="4" name="Fußzeilenplatzhalter 3">
+            <a:extLst>
+              <a:ext uri="{FF2B5EF4-FFF2-40B4-BE49-F238E27FC236}">
+                <a16:creationId xmlns:a16="http://schemas.microsoft.com/office/drawing/2014/main" id="{DC9DA79E-42C9-4116-B0FB-CBA31362B8B7}"/>
+              </a:ext>
+            </a:extLst>
+          </p:cNvPr>
           <p:cNvSpPr>
             <a:spLocks noGrp="1"/>
           </p:cNvSpPr>
@@ -11341,7 +11178,13 @@
       </p:sp>
       <p:sp>
         <p:nvSpPr>
-          <p:cNvPr id="5" name="Foliennummernplatzhalter 4"/>
+          <p:cNvPr id="5" name="Foliennummernplatzhalter 4">
+            <a:extLst>
+              <a:ext uri="{FF2B5EF4-FFF2-40B4-BE49-F238E27FC236}">
+                <a16:creationId xmlns:a16="http://schemas.microsoft.com/office/drawing/2014/main" id="{C09E5856-93AF-486F-8D9B-879AF77DB8AF}"/>
+              </a:ext>
+            </a:extLst>
+          </p:cNvPr>
           <p:cNvSpPr>
             <a:spLocks noGrp="1"/>
           </p:cNvSpPr>
@@ -11370,7 +11213,13 @@
       </p:sp>
       <p:sp>
         <p:nvSpPr>
-          <p:cNvPr id="6" name="Titel 5"/>
+          <p:cNvPr id="6" name="Titel 5">
+            <a:extLst>
+              <a:ext uri="{FF2B5EF4-FFF2-40B4-BE49-F238E27FC236}">
+                <a16:creationId xmlns:a16="http://schemas.microsoft.com/office/drawing/2014/main" id="{DF3DBDE5-0637-4E31-A529-AE4F42436A80}"/>
+              </a:ext>
+            </a:extLst>
+          </p:cNvPr>
           <p:cNvSpPr>
             <a:spLocks noGrp="1"/>
           </p:cNvSpPr>
@@ -11380,20 +11229,57 @@
         </p:nvSpPr>
         <p:spPr/>
         <p:txBody>
+          <a:bodyPr>
+            <a:normAutofit fontScale="90000"/>
+          </a:bodyPr>
+          <a:lstStyle/>
+          <a:p>
+            <a:r>
+              <a:rPr lang="de-DE" b="1" dirty="0"/>
+              <a:t>Prototype Implementierung(drittes Ergebnis)</a:t>
+            </a:r>
+            <a:br>
+              <a:rPr lang="de-DE" b="1" dirty="0"/>
+            </a:br>
+            <a:endParaRPr lang="de-DE" dirty="0"/>
+          </a:p>
+        </p:txBody>
+      </p:sp>
+      <p:sp>
+        <p:nvSpPr>
+          <p:cNvPr id="8" name="Inhaltsplatzhalter 7">
+            <a:extLst>
+              <a:ext uri="{FF2B5EF4-FFF2-40B4-BE49-F238E27FC236}">
+                <a16:creationId xmlns:a16="http://schemas.microsoft.com/office/drawing/2014/main" id="{7CD95B75-CE1A-46BE-B35D-7D0B0D9BB961}"/>
+              </a:ext>
+            </a:extLst>
+          </p:cNvPr>
+          <p:cNvSpPr>
+            <a:spLocks noGrp="1"/>
+          </p:cNvSpPr>
+          <p:nvPr>
+            <p:ph sz="quarter" idx="13"/>
+          </p:nvPr>
+        </p:nvSpPr>
+        <p:spPr/>
+        <p:txBody>
           <a:bodyPr/>
           <a:lstStyle/>
           <a:p>
             <a:r>
               <a:rPr lang="de-DE" dirty="0"/>
-              <a:t>Agenda</a:t>
-            </a:r>
+              <a:t>Module-Diagramm</a:t>
+            </a:r>
+          </a:p>
+          <a:p>
+            <a:endParaRPr lang="de-DE" dirty="0"/>
           </a:p>
         </p:txBody>
       </p:sp>
     </p:spTree>
     <p:extLst>
       <p:ext uri="{BB962C8B-B14F-4D97-AF65-F5344CB8AC3E}">
-        <p14:creationId xmlns:p14="http://schemas.microsoft.com/office/powerpoint/2010/main" val="3394915412"/>
+        <p14:creationId xmlns:p14="http://schemas.microsoft.com/office/powerpoint/2010/main" val="2575754088"/>
       </p:ext>
     </p:extLst>
   </p:cSld>
@@ -11422,89 +11308,13 @@
       </p:grpSpPr>
       <p:sp>
         <p:nvSpPr>
-          <p:cNvPr id="2" name="Inhaltsplatzhalter 1"/>
-          <p:cNvSpPr>
-            <a:spLocks noGrp="1"/>
-          </p:cNvSpPr>
-          <p:nvPr>
-            <p:ph sz="quarter" idx="13"/>
-          </p:nvPr>
-        </p:nvSpPr>
-        <p:spPr/>
-        <p:txBody>
-          <a:bodyPr/>
-          <a:lstStyle/>
-          <a:p>
-            <a:pPr>
-              <a:lnSpc>
-                <a:spcPct val="200000"/>
-              </a:lnSpc>
-            </a:pPr>
-            <a:r>
-              <a:rPr lang="de-DE" dirty="0"/>
-              <a:t>Tatsächliche Implementierung des </a:t>
-            </a:r>
-            <a:r>
-              <a:rPr lang="de-DE" dirty="0" err="1"/>
-              <a:t>Topology</a:t>
-            </a:r>
-            <a:r>
-              <a:rPr lang="de-DE" dirty="0"/>
-              <a:t>-Editors </a:t>
-            </a:r>
-          </a:p>
-          <a:p>
-            <a:pPr>
-              <a:lnSpc>
-                <a:spcPct val="200000"/>
-              </a:lnSpc>
-            </a:pPr>
-            <a:r>
-              <a:rPr lang="de-DE" dirty="0"/>
-              <a:t>Unterstützung der Echtzeitverhalten</a:t>
-            </a:r>
-          </a:p>
-          <a:p>
-            <a:pPr>
-              <a:lnSpc>
-                <a:spcPct val="200000"/>
-              </a:lnSpc>
-            </a:pPr>
-            <a:r>
-              <a:rPr lang="de-DE" dirty="0"/>
-              <a:t>Hohe Übertragungssicherheit gewährleisten </a:t>
-            </a:r>
-          </a:p>
-          <a:p>
-            <a:pPr>
-              <a:lnSpc>
-                <a:spcPct val="200000"/>
-              </a:lnSpc>
-            </a:pPr>
-            <a:r>
-              <a:rPr lang="de-DE" dirty="0"/>
-              <a:t>Implementierung der Funktion für die logische Topologie</a:t>
-            </a:r>
-          </a:p>
-          <a:p>
-            <a:pPr>
-              <a:lnSpc>
-                <a:spcPct val="200000"/>
-              </a:lnSpc>
-            </a:pPr>
-            <a:r>
-              <a:rPr lang="de-DE" dirty="0"/>
-              <a:t>Implementierung der Funktion für die Darstellung der Submodule</a:t>
-            </a:r>
-          </a:p>
-          <a:p>
-            <a:endParaRPr lang="de-DE" dirty="0"/>
-          </a:p>
-        </p:txBody>
-      </p:sp>
-      <p:sp>
-        <p:nvSpPr>
-          <p:cNvPr id="3" name="Datumsplatzhalter 2"/>
+          <p:cNvPr id="3" name="Datumsplatzhalter 2">
+            <a:extLst>
+              <a:ext uri="{FF2B5EF4-FFF2-40B4-BE49-F238E27FC236}">
+                <a16:creationId xmlns:a16="http://schemas.microsoft.com/office/drawing/2014/main" id="{DE7AB382-AAC5-4370-BDA1-390985DC79CD}"/>
+              </a:ext>
+            </a:extLst>
+          </p:cNvPr>
           <p:cNvSpPr>
             <a:spLocks noGrp="1"/>
           </p:cNvSpPr>
@@ -11533,7 +11343,13 @@
       </p:sp>
       <p:sp>
         <p:nvSpPr>
-          <p:cNvPr id="4" name="Fußzeilenplatzhalter 3"/>
+          <p:cNvPr id="4" name="Fußzeilenplatzhalter 3">
+            <a:extLst>
+              <a:ext uri="{FF2B5EF4-FFF2-40B4-BE49-F238E27FC236}">
+                <a16:creationId xmlns:a16="http://schemas.microsoft.com/office/drawing/2014/main" id="{DC9DA79E-42C9-4116-B0FB-CBA31362B8B7}"/>
+              </a:ext>
+            </a:extLst>
+          </p:cNvPr>
           <p:cNvSpPr>
             <a:spLocks noGrp="1"/>
           </p:cNvSpPr>
@@ -11555,7 +11371,13 @@
       </p:sp>
       <p:sp>
         <p:nvSpPr>
-          <p:cNvPr id="5" name="Foliennummernplatzhalter 4"/>
+          <p:cNvPr id="5" name="Foliennummernplatzhalter 4">
+            <a:extLst>
+              <a:ext uri="{FF2B5EF4-FFF2-40B4-BE49-F238E27FC236}">
+                <a16:creationId xmlns:a16="http://schemas.microsoft.com/office/drawing/2014/main" id="{C09E5856-93AF-486F-8D9B-879AF77DB8AF}"/>
+              </a:ext>
+            </a:extLst>
+          </p:cNvPr>
           <p:cNvSpPr>
             <a:spLocks noGrp="1"/>
           </p:cNvSpPr>
@@ -11584,7 +11406,13 @@
       </p:sp>
       <p:sp>
         <p:nvSpPr>
-          <p:cNvPr id="6" name="Titel 5"/>
+          <p:cNvPr id="6" name="Titel 5">
+            <a:extLst>
+              <a:ext uri="{FF2B5EF4-FFF2-40B4-BE49-F238E27FC236}">
+                <a16:creationId xmlns:a16="http://schemas.microsoft.com/office/drawing/2014/main" id="{DF3DBDE5-0637-4E31-A529-AE4F42436A80}"/>
+              </a:ext>
+            </a:extLst>
+          </p:cNvPr>
           <p:cNvSpPr>
             <a:spLocks noGrp="1"/>
           </p:cNvSpPr>
@@ -11594,20 +11422,95 @@
         </p:nvSpPr>
         <p:spPr/>
         <p:txBody>
+          <a:bodyPr>
+            <a:normAutofit fontScale="90000"/>
+          </a:bodyPr>
+          <a:lstStyle/>
+          <a:p>
+            <a:r>
+              <a:rPr lang="de-DE" b="1" dirty="0"/>
+              <a:t>Prototype Implementierung(drittes Ergebnis)</a:t>
+            </a:r>
+            <a:br>
+              <a:rPr lang="de-DE" b="1" dirty="0"/>
+            </a:br>
+            <a:endParaRPr lang="de-DE" dirty="0"/>
+          </a:p>
+        </p:txBody>
+      </p:sp>
+      <p:sp>
+        <p:nvSpPr>
+          <p:cNvPr id="8" name="Inhaltsplatzhalter 7">
+            <a:extLst>
+              <a:ext uri="{FF2B5EF4-FFF2-40B4-BE49-F238E27FC236}">
+                <a16:creationId xmlns:a16="http://schemas.microsoft.com/office/drawing/2014/main" id="{7CD95B75-CE1A-46BE-B35D-7D0B0D9BB961}"/>
+              </a:ext>
+            </a:extLst>
+          </p:cNvPr>
+          <p:cNvSpPr>
+            <a:spLocks noGrp="1"/>
+          </p:cNvSpPr>
+          <p:nvPr>
+            <p:ph sz="quarter" idx="13"/>
+          </p:nvPr>
+        </p:nvSpPr>
+        <p:spPr/>
+        <p:txBody>
           <a:bodyPr/>
           <a:lstStyle/>
           <a:p>
             <a:r>
               <a:rPr lang="de-DE" dirty="0"/>
-              <a:t>Fortsetzungsmöglichkeiten</a:t>
-            </a:r>
-          </a:p>
-        </p:txBody>
-      </p:sp>
+              <a:t>Ansicht Web-</a:t>
+            </a:r>
+            <a:r>
+              <a:rPr lang="de-DE" dirty="0" err="1"/>
+              <a:t>Topology</a:t>
+            </a:r>
+            <a:r>
+              <a:rPr lang="de-DE" dirty="0"/>
+              <a:t>-Editor</a:t>
+            </a:r>
+          </a:p>
+          <a:p>
+            <a:endParaRPr lang="de-DE" dirty="0"/>
+          </a:p>
+        </p:txBody>
+      </p:sp>
+      <p:pic>
+        <p:nvPicPr>
+          <p:cNvPr id="2" name="Grafik 1">
+            <a:extLst>
+              <a:ext uri="{FF2B5EF4-FFF2-40B4-BE49-F238E27FC236}">
+                <a16:creationId xmlns:a16="http://schemas.microsoft.com/office/drawing/2014/main" id="{D8819A2A-59C1-49E6-983C-1FD19D4A7246}"/>
+              </a:ext>
+            </a:extLst>
+          </p:cNvPr>
+          <p:cNvPicPr>
+            <a:picLocks noChangeAspect="1"/>
+          </p:cNvPicPr>
+          <p:nvPr/>
+        </p:nvPicPr>
+        <p:blipFill>
+          <a:blip r:embed="rId2"/>
+          <a:stretch>
+            <a:fillRect/>
+          </a:stretch>
+        </p:blipFill>
+        <p:spPr>
+          <a:xfrm>
+            <a:off x="683558" y="1772816"/>
+            <a:ext cx="7776873" cy="4536504"/>
+          </a:xfrm>
+          <a:prstGeom prst="rect">
+            <a:avLst/>
+          </a:prstGeom>
+        </p:spPr>
+      </p:pic>
     </p:spTree>
     <p:extLst>
       <p:ext uri="{BB962C8B-B14F-4D97-AF65-F5344CB8AC3E}">
-        <p14:creationId xmlns:p14="http://schemas.microsoft.com/office/powerpoint/2010/main" val="3073158476"/>
+        <p14:creationId xmlns:p14="http://schemas.microsoft.com/office/powerpoint/2010/main" val="4181622900"/>
       </p:ext>
     </p:extLst>
   </p:cSld>
@@ -11636,71 +11539,13 @@
       </p:grpSpPr>
       <p:sp>
         <p:nvSpPr>
-          <p:cNvPr id="2" name="Inhaltsplatzhalter 1"/>
-          <p:cNvSpPr>
-            <a:spLocks noGrp="1"/>
-          </p:cNvSpPr>
-          <p:nvPr>
-            <p:ph sz="quarter" idx="13"/>
-          </p:nvPr>
-        </p:nvSpPr>
-        <p:spPr/>
-        <p:txBody>
-          <a:bodyPr/>
-          <a:lstStyle/>
-          <a:p>
-            <a:pPr marL="0" indent="0" algn="ctr">
-              <a:buNone/>
-            </a:pPr>
-            <a:endParaRPr lang="de-DE" dirty="0"/>
-          </a:p>
-          <a:p>
-            <a:pPr marL="0" indent="0" algn="ctr">
-              <a:buNone/>
-            </a:pPr>
-            <a:endParaRPr lang="de-DE" sz="3600" dirty="0"/>
-          </a:p>
-          <a:p>
-            <a:pPr marL="0" indent="0" algn="ctr">
-              <a:buNone/>
-            </a:pPr>
-            <a:r>
-              <a:rPr lang="de-DE" sz="3600" dirty="0"/>
-              <a:t>Vielen Dank für Ihre Aufmerksamkeit!</a:t>
-            </a:r>
-          </a:p>
-          <a:p>
-            <a:pPr marL="0" indent="0" algn="ctr">
-              <a:buNone/>
-            </a:pPr>
-            <a:endParaRPr lang="de-DE" dirty="0"/>
-          </a:p>
-          <a:p>
-            <a:pPr marL="0" indent="0" algn="ctr">
-              <a:buNone/>
-            </a:pPr>
-            <a:endParaRPr lang="de-DE" dirty="0"/>
-          </a:p>
-          <a:p>
-            <a:pPr marL="0" indent="0" algn="ctr">
-              <a:buNone/>
-            </a:pPr>
-            <a:r>
-              <a:rPr lang="de-DE" dirty="0"/>
-              <a:t>Quellen, Abbildungen, usw. können in der Masterarbeit nachgeschlagen oder per E-Mail angefordert werden.</a:t>
-            </a:r>
-          </a:p>
-          <a:p>
-            <a:pPr marL="0" indent="0" algn="ctr">
-              <a:buNone/>
-            </a:pPr>
-            <a:endParaRPr lang="de-DE" dirty="0"/>
-          </a:p>
-        </p:txBody>
-      </p:sp>
-      <p:sp>
-        <p:nvSpPr>
-          <p:cNvPr id="3" name="Datumsplatzhalter 2"/>
+          <p:cNvPr id="3" name="Datumsplatzhalter 2">
+            <a:extLst>
+              <a:ext uri="{FF2B5EF4-FFF2-40B4-BE49-F238E27FC236}">
+                <a16:creationId xmlns:a16="http://schemas.microsoft.com/office/drawing/2014/main" id="{DE7AB382-AAC5-4370-BDA1-390985DC79CD}"/>
+              </a:ext>
+            </a:extLst>
+          </p:cNvPr>
           <p:cNvSpPr>
             <a:spLocks noGrp="1"/>
           </p:cNvSpPr>
@@ -11729,7 +11574,13 @@
       </p:sp>
       <p:sp>
         <p:nvSpPr>
-          <p:cNvPr id="4" name="Fußzeilenplatzhalter 3"/>
+          <p:cNvPr id="4" name="Fußzeilenplatzhalter 3">
+            <a:extLst>
+              <a:ext uri="{FF2B5EF4-FFF2-40B4-BE49-F238E27FC236}">
+                <a16:creationId xmlns:a16="http://schemas.microsoft.com/office/drawing/2014/main" id="{DC9DA79E-42C9-4116-B0FB-CBA31362B8B7}"/>
+              </a:ext>
+            </a:extLst>
+          </p:cNvPr>
           <p:cNvSpPr>
             <a:spLocks noGrp="1"/>
           </p:cNvSpPr>
@@ -11751,7 +11602,13 @@
       </p:sp>
       <p:sp>
         <p:nvSpPr>
-          <p:cNvPr id="5" name="Foliennummernplatzhalter 4"/>
+          <p:cNvPr id="5" name="Foliennummernplatzhalter 4">
+            <a:extLst>
+              <a:ext uri="{FF2B5EF4-FFF2-40B4-BE49-F238E27FC236}">
+                <a16:creationId xmlns:a16="http://schemas.microsoft.com/office/drawing/2014/main" id="{C09E5856-93AF-486F-8D9B-879AF77DB8AF}"/>
+              </a:ext>
+            </a:extLst>
+          </p:cNvPr>
           <p:cNvSpPr>
             <a:spLocks noGrp="1"/>
           </p:cNvSpPr>
@@ -11773,6 +11630,842 @@
                 <a:defRPr/>
               </a:pPr>
               <a:t>22</a:t>
+            </a:fld>
+            <a:endParaRPr lang="de-DE" altLang="de-DE" dirty="0"/>
+          </a:p>
+        </p:txBody>
+      </p:sp>
+      <p:sp>
+        <p:nvSpPr>
+          <p:cNvPr id="6" name="Titel 5">
+            <a:extLst>
+              <a:ext uri="{FF2B5EF4-FFF2-40B4-BE49-F238E27FC236}">
+                <a16:creationId xmlns:a16="http://schemas.microsoft.com/office/drawing/2014/main" id="{DF3DBDE5-0637-4E31-A529-AE4F42436A80}"/>
+              </a:ext>
+            </a:extLst>
+          </p:cNvPr>
+          <p:cNvSpPr>
+            <a:spLocks noGrp="1"/>
+          </p:cNvSpPr>
+          <p:nvPr>
+            <p:ph type="title"/>
+          </p:nvPr>
+        </p:nvSpPr>
+        <p:spPr/>
+        <p:txBody>
+          <a:bodyPr>
+            <a:normAutofit fontScale="90000"/>
+          </a:bodyPr>
+          <a:lstStyle/>
+          <a:p>
+            <a:r>
+              <a:rPr lang="de-DE" b="1" dirty="0"/>
+              <a:t>Prototype Implementierung(drittes Ergebnis)</a:t>
+            </a:r>
+            <a:br>
+              <a:rPr lang="de-DE" b="1" dirty="0"/>
+            </a:br>
+            <a:endParaRPr lang="de-DE" dirty="0"/>
+          </a:p>
+        </p:txBody>
+      </p:sp>
+      <p:sp>
+        <p:nvSpPr>
+          <p:cNvPr id="8" name="Inhaltsplatzhalter 7">
+            <a:extLst>
+              <a:ext uri="{FF2B5EF4-FFF2-40B4-BE49-F238E27FC236}">
+                <a16:creationId xmlns:a16="http://schemas.microsoft.com/office/drawing/2014/main" id="{7CD95B75-CE1A-46BE-B35D-7D0B0D9BB961}"/>
+              </a:ext>
+            </a:extLst>
+          </p:cNvPr>
+          <p:cNvSpPr>
+            <a:spLocks noGrp="1"/>
+          </p:cNvSpPr>
+          <p:nvPr>
+            <p:ph sz="quarter" idx="13"/>
+          </p:nvPr>
+        </p:nvSpPr>
+        <p:spPr/>
+        <p:txBody>
+          <a:bodyPr/>
+          <a:lstStyle/>
+          <a:p>
+            <a:r>
+              <a:rPr lang="de-DE" dirty="0"/>
+              <a:t>Ansicht </a:t>
+            </a:r>
+            <a:r>
+              <a:rPr lang="de-DE" dirty="0" err="1"/>
+              <a:t>Topology</a:t>
+            </a:r>
+            <a:r>
+              <a:rPr lang="de-DE" dirty="0"/>
+              <a:t>-Editor im </a:t>
+            </a:r>
+            <a:r>
+              <a:rPr lang="de-DE" dirty="0" err="1"/>
+              <a:t>ComStudio</a:t>
+            </a:r>
+            <a:endParaRPr lang="de-DE" dirty="0"/>
+          </a:p>
+          <a:p>
+            <a:endParaRPr lang="de-DE" dirty="0"/>
+          </a:p>
+        </p:txBody>
+      </p:sp>
+      <p:pic>
+        <p:nvPicPr>
+          <p:cNvPr id="2" name="Grafik 1">
+            <a:extLst>
+              <a:ext uri="{FF2B5EF4-FFF2-40B4-BE49-F238E27FC236}">
+                <a16:creationId xmlns:a16="http://schemas.microsoft.com/office/drawing/2014/main" id="{954789E8-397D-4AC8-B651-B646F141B56A}"/>
+              </a:ext>
+            </a:extLst>
+          </p:cNvPr>
+          <p:cNvPicPr>
+            <a:picLocks noChangeAspect="1"/>
+          </p:cNvPicPr>
+          <p:nvPr/>
+        </p:nvPicPr>
+        <p:blipFill>
+          <a:blip r:embed="rId2"/>
+          <a:stretch>
+            <a:fillRect/>
+          </a:stretch>
+        </p:blipFill>
+        <p:spPr>
+          <a:xfrm>
+            <a:off x="755576" y="1783232"/>
+            <a:ext cx="7776863" cy="4238055"/>
+          </a:xfrm>
+          <a:prstGeom prst="rect">
+            <a:avLst/>
+          </a:prstGeom>
+        </p:spPr>
+      </p:pic>
+    </p:spTree>
+    <p:extLst>
+      <p:ext uri="{BB962C8B-B14F-4D97-AF65-F5344CB8AC3E}">
+        <p14:creationId xmlns:p14="http://schemas.microsoft.com/office/powerpoint/2010/main" val="381040398"/>
+      </p:ext>
+    </p:extLst>
+  </p:cSld>
+  <p:clrMapOvr>
+    <a:masterClrMapping/>
+  </p:clrMapOvr>
+</p:sld>
+</file>
+
+<file path=ppt/slides/slide23.xml><?xml version="1.0" encoding="utf-8"?>
+<p:sld xmlns:a="http://schemas.openxmlformats.org/drawingml/2006/main" xmlns:r="http://schemas.openxmlformats.org/officeDocument/2006/relationships" xmlns:p="http://schemas.openxmlformats.org/presentationml/2006/main">
+  <p:cSld>
+    <p:spTree>
+      <p:nvGrpSpPr>
+        <p:cNvPr id="1" name=""/>
+        <p:cNvGrpSpPr/>
+        <p:nvPr/>
+      </p:nvGrpSpPr>
+      <p:grpSpPr>
+        <a:xfrm>
+          <a:off x="0" y="0"/>
+          <a:ext cx="0" cy="0"/>
+          <a:chOff x="0" y="0"/>
+          <a:chExt cx="0" cy="0"/>
+        </a:xfrm>
+      </p:grpSpPr>
+      <p:sp>
+        <p:nvSpPr>
+          <p:cNvPr id="2" name="Inhaltsplatzhalter 1"/>
+          <p:cNvSpPr>
+            <a:spLocks noGrp="1"/>
+          </p:cNvSpPr>
+          <p:nvPr>
+            <p:ph sz="quarter" idx="13"/>
+          </p:nvPr>
+        </p:nvSpPr>
+        <p:spPr/>
+        <p:txBody>
+          <a:bodyPr/>
+          <a:lstStyle/>
+          <a:p>
+            <a:r>
+              <a:rPr lang="de-DE" dirty="0">
+                <a:solidFill>
+                  <a:schemeClr val="bg1">
+                    <a:lumMod val="50000"/>
+                  </a:schemeClr>
+                </a:solidFill>
+              </a:rPr>
+              <a:t>Einleitung</a:t>
+            </a:r>
+          </a:p>
+          <a:p>
+            <a:pPr lvl="1"/>
+            <a:r>
+              <a:rPr lang="de-DE" sz="2000" dirty="0">
+                <a:solidFill>
+                  <a:schemeClr val="bg1">
+                    <a:lumMod val="50000"/>
+                  </a:schemeClr>
+                </a:solidFill>
+              </a:rPr>
+              <a:t>Motivation</a:t>
+            </a:r>
+          </a:p>
+          <a:p>
+            <a:pPr lvl="1"/>
+            <a:r>
+              <a:rPr lang="de-DE" dirty="0">
+                <a:solidFill>
+                  <a:schemeClr val="bg1">
+                    <a:lumMod val="50000"/>
+                  </a:schemeClr>
+                </a:solidFill>
+              </a:rPr>
+              <a:t>Zielsetzung</a:t>
+            </a:r>
+          </a:p>
+          <a:p>
+            <a:r>
+              <a:rPr lang="de-DE" dirty="0">
+                <a:solidFill>
+                  <a:schemeClr val="bg1">
+                    <a:lumMod val="50000"/>
+                  </a:schemeClr>
+                </a:solidFill>
+              </a:rPr>
+              <a:t>Grundlage der Topologie</a:t>
+            </a:r>
+          </a:p>
+          <a:p>
+            <a:pPr lvl="1"/>
+            <a:r>
+              <a:rPr lang="de-DE" dirty="0">
+                <a:solidFill>
+                  <a:schemeClr val="bg1">
+                    <a:lumMod val="50000"/>
+                  </a:schemeClr>
+                </a:solidFill>
+              </a:rPr>
+              <a:t>Begriffserklärung</a:t>
+            </a:r>
+          </a:p>
+          <a:p>
+            <a:pPr lvl="1"/>
+            <a:r>
+              <a:rPr lang="de-DE" dirty="0" err="1">
+                <a:solidFill>
+                  <a:schemeClr val="bg1">
+                    <a:lumMod val="50000"/>
+                  </a:schemeClr>
+                </a:solidFill>
+              </a:rPr>
+              <a:t>Topologiemuster</a:t>
+            </a:r>
+            <a:endParaRPr lang="de-DE" dirty="0">
+              <a:solidFill>
+                <a:schemeClr val="bg1">
+                  <a:lumMod val="50000"/>
+                </a:schemeClr>
+              </a:solidFill>
+            </a:endParaRPr>
+          </a:p>
+          <a:p>
+            <a:r>
+              <a:rPr lang="de-DE" dirty="0">
+                <a:solidFill>
+                  <a:schemeClr val="bg1">
+                    <a:lumMod val="50000"/>
+                  </a:schemeClr>
+                </a:solidFill>
+              </a:rPr>
+              <a:t>Anforderungsanalyse   </a:t>
+            </a:r>
+          </a:p>
+          <a:p>
+            <a:pPr lvl="1"/>
+            <a:r>
+              <a:rPr lang="de-DE" dirty="0">
+                <a:solidFill>
+                  <a:schemeClr val="bg1">
+                    <a:lumMod val="50000"/>
+                  </a:schemeClr>
+                </a:solidFill>
+              </a:rPr>
+              <a:t>Funktionale Anforderungen</a:t>
+            </a:r>
+          </a:p>
+          <a:p>
+            <a:pPr lvl="1"/>
+            <a:r>
+              <a:rPr lang="de-DE" dirty="0">
+                <a:solidFill>
+                  <a:schemeClr val="bg1">
+                    <a:lumMod val="50000"/>
+                  </a:schemeClr>
+                </a:solidFill>
+              </a:rPr>
+              <a:t>Nichtfunktionale Anforderungen</a:t>
+            </a:r>
+          </a:p>
+          <a:p>
+            <a:r>
+              <a:rPr lang="de-DE" dirty="0">
+                <a:solidFill>
+                  <a:schemeClr val="bg1">
+                    <a:lumMod val="50000"/>
+                  </a:schemeClr>
+                </a:solidFill>
+              </a:rPr>
+              <a:t>Evaluation der JavaScript-Frameworks(erstes Ergebnis)</a:t>
+            </a:r>
+          </a:p>
+          <a:p>
+            <a:r>
+              <a:rPr lang="de-DE" dirty="0">
+                <a:solidFill>
+                  <a:schemeClr val="bg1">
+                    <a:lumMod val="50000"/>
+                  </a:schemeClr>
+                </a:solidFill>
+              </a:rPr>
+              <a:t>Konzepte der </a:t>
+            </a:r>
+            <a:r>
+              <a:rPr lang="de-DE" dirty="0" err="1">
+                <a:solidFill>
+                  <a:schemeClr val="bg1">
+                    <a:lumMod val="50000"/>
+                  </a:schemeClr>
+                </a:solidFill>
+              </a:rPr>
+              <a:t>Topology</a:t>
+            </a:r>
+            <a:r>
+              <a:rPr lang="de-DE" dirty="0">
+                <a:solidFill>
+                  <a:schemeClr val="bg1">
+                    <a:lumMod val="50000"/>
+                  </a:schemeClr>
+                </a:solidFill>
+              </a:rPr>
+              <a:t>-Editor (zweites Ergebnis)</a:t>
+            </a:r>
+          </a:p>
+          <a:p>
+            <a:r>
+              <a:rPr lang="de-DE" dirty="0">
+                <a:solidFill>
+                  <a:schemeClr val="bg1">
+                    <a:lumMod val="50000"/>
+                  </a:schemeClr>
+                </a:solidFill>
+              </a:rPr>
+              <a:t>Prototype Implementierung(drittes Ergebnis)</a:t>
+            </a:r>
+          </a:p>
+          <a:p>
+            <a:r>
+              <a:rPr lang="de-DE" b="1" dirty="0"/>
+              <a:t>Fortsetzungsmöglichkeiten</a:t>
+            </a:r>
+          </a:p>
+          <a:p>
+            <a:endParaRPr lang="de-DE" dirty="0"/>
+          </a:p>
+          <a:p>
+            <a:endParaRPr lang="de-DE" dirty="0"/>
+          </a:p>
+          <a:p>
+            <a:endParaRPr lang="de-DE" dirty="0"/>
+          </a:p>
+        </p:txBody>
+      </p:sp>
+      <p:sp>
+        <p:nvSpPr>
+          <p:cNvPr id="3" name="Datumsplatzhalter 2"/>
+          <p:cNvSpPr>
+            <a:spLocks noGrp="1"/>
+          </p:cNvSpPr>
+          <p:nvPr>
+            <p:ph type="dt" sz="half" idx="14"/>
+          </p:nvPr>
+        </p:nvSpPr>
+        <p:spPr/>
+        <p:txBody>
+          <a:bodyPr/>
+          <a:lstStyle/>
+          <a:p>
+            <a:pPr>
+              <a:defRPr/>
+            </a:pPr>
+            <a:fld id="{C098E26C-8BAA-4ACE-83C6-8F04F03DE16F}" type="datetime1">
+              <a:rPr lang="de-DE" smtClean="0"/>
+              <a:pPr>
+                <a:defRPr/>
+              </a:pPr>
+              <a:t>31.07.2018</a:t>
+            </a:fld>
+            <a:endParaRPr lang="de-DE" dirty="0"/>
+          </a:p>
+        </p:txBody>
+      </p:sp>
+      <p:sp>
+        <p:nvSpPr>
+          <p:cNvPr id="4" name="Fußzeilenplatzhalter 3"/>
+          <p:cNvSpPr>
+            <a:spLocks noGrp="1"/>
+          </p:cNvSpPr>
+          <p:nvPr>
+            <p:ph type="ftr" sz="quarter" idx="15"/>
+          </p:nvPr>
+        </p:nvSpPr>
+        <p:spPr/>
+        <p:txBody>
+          <a:bodyPr/>
+          <a:lstStyle/>
+          <a:p>
+            <a:pPr>
+              <a:defRPr/>
+            </a:pPr>
+            <a:endParaRPr lang="de-DE"/>
+          </a:p>
+        </p:txBody>
+      </p:sp>
+      <p:sp>
+        <p:nvSpPr>
+          <p:cNvPr id="5" name="Foliennummernplatzhalter 4"/>
+          <p:cNvSpPr>
+            <a:spLocks noGrp="1"/>
+          </p:cNvSpPr>
+          <p:nvPr>
+            <p:ph type="sldNum" sz="quarter" idx="16"/>
+          </p:nvPr>
+        </p:nvSpPr>
+        <p:spPr/>
+        <p:txBody>
+          <a:bodyPr/>
+          <a:lstStyle/>
+          <a:p>
+            <a:pPr>
+              <a:defRPr/>
+            </a:pPr>
+            <a:fld id="{7A8CEE4A-E163-47DE-8784-5B8DE9F7A78A}" type="slidenum">
+              <a:rPr lang="de-DE" altLang="de-DE" smtClean="0"/>
+              <a:pPr>
+                <a:defRPr/>
+              </a:pPr>
+              <a:t>23</a:t>
+            </a:fld>
+            <a:endParaRPr lang="de-DE" altLang="de-DE" dirty="0"/>
+          </a:p>
+        </p:txBody>
+      </p:sp>
+      <p:sp>
+        <p:nvSpPr>
+          <p:cNvPr id="6" name="Titel 5"/>
+          <p:cNvSpPr>
+            <a:spLocks noGrp="1"/>
+          </p:cNvSpPr>
+          <p:nvPr>
+            <p:ph type="title"/>
+          </p:nvPr>
+        </p:nvSpPr>
+        <p:spPr/>
+        <p:txBody>
+          <a:bodyPr/>
+          <a:lstStyle/>
+          <a:p>
+            <a:r>
+              <a:rPr lang="de-DE" dirty="0"/>
+              <a:t>Agenda</a:t>
+            </a:r>
+          </a:p>
+        </p:txBody>
+      </p:sp>
+    </p:spTree>
+    <p:extLst>
+      <p:ext uri="{BB962C8B-B14F-4D97-AF65-F5344CB8AC3E}">
+        <p14:creationId xmlns:p14="http://schemas.microsoft.com/office/powerpoint/2010/main" val="3394915412"/>
+      </p:ext>
+    </p:extLst>
+  </p:cSld>
+  <p:clrMapOvr>
+    <a:masterClrMapping/>
+  </p:clrMapOvr>
+</p:sld>
+</file>
+
+<file path=ppt/slides/slide24.xml><?xml version="1.0" encoding="utf-8"?>
+<p:sld xmlns:a="http://schemas.openxmlformats.org/drawingml/2006/main" xmlns:r="http://schemas.openxmlformats.org/officeDocument/2006/relationships" xmlns:p="http://schemas.openxmlformats.org/presentationml/2006/main">
+  <p:cSld>
+    <p:spTree>
+      <p:nvGrpSpPr>
+        <p:cNvPr id="1" name=""/>
+        <p:cNvGrpSpPr/>
+        <p:nvPr/>
+      </p:nvGrpSpPr>
+      <p:grpSpPr>
+        <a:xfrm>
+          <a:off x="0" y="0"/>
+          <a:ext cx="0" cy="0"/>
+          <a:chOff x="0" y="0"/>
+          <a:chExt cx="0" cy="0"/>
+        </a:xfrm>
+      </p:grpSpPr>
+      <p:sp>
+        <p:nvSpPr>
+          <p:cNvPr id="2" name="Inhaltsplatzhalter 1"/>
+          <p:cNvSpPr>
+            <a:spLocks noGrp="1"/>
+          </p:cNvSpPr>
+          <p:nvPr>
+            <p:ph sz="quarter" idx="13"/>
+          </p:nvPr>
+        </p:nvSpPr>
+        <p:spPr/>
+        <p:txBody>
+          <a:bodyPr/>
+          <a:lstStyle/>
+          <a:p>
+            <a:pPr>
+              <a:lnSpc>
+                <a:spcPct val="200000"/>
+              </a:lnSpc>
+            </a:pPr>
+            <a:r>
+              <a:rPr lang="de-DE" dirty="0"/>
+              <a:t>Tatsächliche Implementierung des </a:t>
+            </a:r>
+            <a:r>
+              <a:rPr lang="de-DE" dirty="0" err="1"/>
+              <a:t>Topology</a:t>
+            </a:r>
+            <a:r>
+              <a:rPr lang="de-DE" dirty="0"/>
+              <a:t>-Editors </a:t>
+            </a:r>
+          </a:p>
+          <a:p>
+            <a:pPr>
+              <a:lnSpc>
+                <a:spcPct val="200000"/>
+              </a:lnSpc>
+            </a:pPr>
+            <a:r>
+              <a:rPr lang="de-DE" dirty="0"/>
+              <a:t>Unterstützung der Echtzeitverhalten</a:t>
+            </a:r>
+          </a:p>
+          <a:p>
+            <a:pPr>
+              <a:lnSpc>
+                <a:spcPct val="200000"/>
+              </a:lnSpc>
+            </a:pPr>
+            <a:r>
+              <a:rPr lang="de-DE" dirty="0"/>
+              <a:t>Hohe Übertragungssicherheit gewährleisten </a:t>
+            </a:r>
+          </a:p>
+          <a:p>
+            <a:pPr>
+              <a:lnSpc>
+                <a:spcPct val="200000"/>
+              </a:lnSpc>
+            </a:pPr>
+            <a:r>
+              <a:rPr lang="de-DE" dirty="0"/>
+              <a:t>Implementierung der Funktion für die logische Topologie</a:t>
+            </a:r>
+          </a:p>
+          <a:p>
+            <a:pPr>
+              <a:lnSpc>
+                <a:spcPct val="200000"/>
+              </a:lnSpc>
+            </a:pPr>
+            <a:r>
+              <a:rPr lang="de-DE" dirty="0"/>
+              <a:t>Implementierung der Funktion für die Darstellung der Submodule</a:t>
+            </a:r>
+          </a:p>
+          <a:p>
+            <a:endParaRPr lang="de-DE" dirty="0"/>
+          </a:p>
+        </p:txBody>
+      </p:sp>
+      <p:sp>
+        <p:nvSpPr>
+          <p:cNvPr id="3" name="Datumsplatzhalter 2"/>
+          <p:cNvSpPr>
+            <a:spLocks noGrp="1"/>
+          </p:cNvSpPr>
+          <p:nvPr>
+            <p:ph type="dt" sz="half" idx="14"/>
+          </p:nvPr>
+        </p:nvSpPr>
+        <p:spPr/>
+        <p:txBody>
+          <a:bodyPr/>
+          <a:lstStyle/>
+          <a:p>
+            <a:pPr>
+              <a:defRPr/>
+            </a:pPr>
+            <a:fld id="{C098E26C-8BAA-4ACE-83C6-8F04F03DE16F}" type="datetime1">
+              <a:rPr lang="de-DE" smtClean="0"/>
+              <a:pPr>
+                <a:defRPr/>
+              </a:pPr>
+              <a:t>31.07.2018</a:t>
+            </a:fld>
+            <a:endParaRPr lang="de-DE" dirty="0"/>
+          </a:p>
+        </p:txBody>
+      </p:sp>
+      <p:sp>
+        <p:nvSpPr>
+          <p:cNvPr id="4" name="Fußzeilenplatzhalter 3"/>
+          <p:cNvSpPr>
+            <a:spLocks noGrp="1"/>
+          </p:cNvSpPr>
+          <p:nvPr>
+            <p:ph type="ftr" sz="quarter" idx="15"/>
+          </p:nvPr>
+        </p:nvSpPr>
+        <p:spPr/>
+        <p:txBody>
+          <a:bodyPr/>
+          <a:lstStyle/>
+          <a:p>
+            <a:pPr>
+              <a:defRPr/>
+            </a:pPr>
+            <a:endParaRPr lang="de-DE"/>
+          </a:p>
+        </p:txBody>
+      </p:sp>
+      <p:sp>
+        <p:nvSpPr>
+          <p:cNvPr id="5" name="Foliennummernplatzhalter 4"/>
+          <p:cNvSpPr>
+            <a:spLocks noGrp="1"/>
+          </p:cNvSpPr>
+          <p:nvPr>
+            <p:ph type="sldNum" sz="quarter" idx="16"/>
+          </p:nvPr>
+        </p:nvSpPr>
+        <p:spPr/>
+        <p:txBody>
+          <a:bodyPr/>
+          <a:lstStyle/>
+          <a:p>
+            <a:pPr>
+              <a:defRPr/>
+            </a:pPr>
+            <a:fld id="{7A8CEE4A-E163-47DE-8784-5B8DE9F7A78A}" type="slidenum">
+              <a:rPr lang="de-DE" altLang="de-DE" smtClean="0"/>
+              <a:pPr>
+                <a:defRPr/>
+              </a:pPr>
+              <a:t>24</a:t>
+            </a:fld>
+            <a:endParaRPr lang="de-DE" altLang="de-DE" dirty="0"/>
+          </a:p>
+        </p:txBody>
+      </p:sp>
+      <p:sp>
+        <p:nvSpPr>
+          <p:cNvPr id="6" name="Titel 5"/>
+          <p:cNvSpPr>
+            <a:spLocks noGrp="1"/>
+          </p:cNvSpPr>
+          <p:nvPr>
+            <p:ph type="title"/>
+          </p:nvPr>
+        </p:nvSpPr>
+        <p:spPr/>
+        <p:txBody>
+          <a:bodyPr/>
+          <a:lstStyle/>
+          <a:p>
+            <a:r>
+              <a:rPr lang="de-DE" dirty="0"/>
+              <a:t>Fortsetzungsmöglichkeiten</a:t>
+            </a:r>
+          </a:p>
+        </p:txBody>
+      </p:sp>
+    </p:spTree>
+    <p:extLst>
+      <p:ext uri="{BB962C8B-B14F-4D97-AF65-F5344CB8AC3E}">
+        <p14:creationId xmlns:p14="http://schemas.microsoft.com/office/powerpoint/2010/main" val="3073158476"/>
+      </p:ext>
+    </p:extLst>
+  </p:cSld>
+  <p:clrMapOvr>
+    <a:masterClrMapping/>
+  </p:clrMapOvr>
+</p:sld>
+</file>
+
+<file path=ppt/slides/slide25.xml><?xml version="1.0" encoding="utf-8"?>
+<p:sld xmlns:a="http://schemas.openxmlformats.org/drawingml/2006/main" xmlns:r="http://schemas.openxmlformats.org/officeDocument/2006/relationships" xmlns:p="http://schemas.openxmlformats.org/presentationml/2006/main">
+  <p:cSld>
+    <p:spTree>
+      <p:nvGrpSpPr>
+        <p:cNvPr id="1" name=""/>
+        <p:cNvGrpSpPr/>
+        <p:nvPr/>
+      </p:nvGrpSpPr>
+      <p:grpSpPr>
+        <a:xfrm>
+          <a:off x="0" y="0"/>
+          <a:ext cx="0" cy="0"/>
+          <a:chOff x="0" y="0"/>
+          <a:chExt cx="0" cy="0"/>
+        </a:xfrm>
+      </p:grpSpPr>
+      <p:sp>
+        <p:nvSpPr>
+          <p:cNvPr id="2" name="Inhaltsplatzhalter 1"/>
+          <p:cNvSpPr>
+            <a:spLocks noGrp="1"/>
+          </p:cNvSpPr>
+          <p:nvPr>
+            <p:ph sz="quarter" idx="13"/>
+          </p:nvPr>
+        </p:nvSpPr>
+        <p:spPr/>
+        <p:txBody>
+          <a:bodyPr/>
+          <a:lstStyle/>
+          <a:p>
+            <a:pPr marL="0" indent="0" algn="ctr">
+              <a:buNone/>
+            </a:pPr>
+            <a:endParaRPr lang="de-DE" dirty="0"/>
+          </a:p>
+          <a:p>
+            <a:pPr marL="0" indent="0" algn="ctr">
+              <a:buNone/>
+            </a:pPr>
+            <a:endParaRPr lang="de-DE" sz="3600" dirty="0"/>
+          </a:p>
+          <a:p>
+            <a:pPr marL="0" indent="0" algn="ctr">
+              <a:buNone/>
+            </a:pPr>
+            <a:r>
+              <a:rPr lang="de-DE" sz="3600" dirty="0"/>
+              <a:t>Vielen Dank für Ihre Aufmerksamkeit!</a:t>
+            </a:r>
+          </a:p>
+          <a:p>
+            <a:pPr marL="0" indent="0" algn="ctr">
+              <a:buNone/>
+            </a:pPr>
+            <a:endParaRPr lang="de-DE" dirty="0"/>
+          </a:p>
+          <a:p>
+            <a:pPr marL="0" indent="0" algn="ctr">
+              <a:buNone/>
+            </a:pPr>
+            <a:endParaRPr lang="de-DE" dirty="0"/>
+          </a:p>
+          <a:p>
+            <a:pPr marL="0" indent="0" algn="ctr">
+              <a:buNone/>
+            </a:pPr>
+            <a:r>
+              <a:rPr lang="de-DE" dirty="0"/>
+              <a:t>Quellen, Abbildungen, usw. können in der Masterarbeit nachgeschlagen oder per E-Mail angefordert werden.</a:t>
+            </a:r>
+          </a:p>
+          <a:p>
+            <a:pPr marL="0" indent="0" algn="ctr">
+              <a:buNone/>
+            </a:pPr>
+            <a:endParaRPr lang="de-DE" dirty="0"/>
+          </a:p>
+        </p:txBody>
+      </p:sp>
+      <p:sp>
+        <p:nvSpPr>
+          <p:cNvPr id="3" name="Datumsplatzhalter 2"/>
+          <p:cNvSpPr>
+            <a:spLocks noGrp="1"/>
+          </p:cNvSpPr>
+          <p:nvPr>
+            <p:ph type="dt" sz="half" idx="14"/>
+          </p:nvPr>
+        </p:nvSpPr>
+        <p:spPr/>
+        <p:txBody>
+          <a:bodyPr/>
+          <a:lstStyle/>
+          <a:p>
+            <a:pPr>
+              <a:defRPr/>
+            </a:pPr>
+            <a:fld id="{C098E26C-8BAA-4ACE-83C6-8F04F03DE16F}" type="datetime1">
+              <a:rPr lang="de-DE" smtClean="0"/>
+              <a:pPr>
+                <a:defRPr/>
+              </a:pPr>
+              <a:t>31.07.2018</a:t>
+            </a:fld>
+            <a:endParaRPr lang="de-DE" dirty="0"/>
+          </a:p>
+        </p:txBody>
+      </p:sp>
+      <p:sp>
+        <p:nvSpPr>
+          <p:cNvPr id="4" name="Fußzeilenplatzhalter 3"/>
+          <p:cNvSpPr>
+            <a:spLocks noGrp="1"/>
+          </p:cNvSpPr>
+          <p:nvPr>
+            <p:ph type="ftr" sz="quarter" idx="15"/>
+          </p:nvPr>
+        </p:nvSpPr>
+        <p:spPr/>
+        <p:txBody>
+          <a:bodyPr/>
+          <a:lstStyle/>
+          <a:p>
+            <a:pPr>
+              <a:defRPr/>
+            </a:pPr>
+            <a:endParaRPr lang="de-DE"/>
+          </a:p>
+        </p:txBody>
+      </p:sp>
+      <p:sp>
+        <p:nvSpPr>
+          <p:cNvPr id="5" name="Foliennummernplatzhalter 4"/>
+          <p:cNvSpPr>
+            <a:spLocks noGrp="1"/>
+          </p:cNvSpPr>
+          <p:nvPr>
+            <p:ph type="sldNum" sz="quarter" idx="16"/>
+          </p:nvPr>
+        </p:nvSpPr>
+        <p:spPr/>
+        <p:txBody>
+          <a:bodyPr/>
+          <a:lstStyle/>
+          <a:p>
+            <a:pPr>
+              <a:defRPr/>
+            </a:pPr>
+            <a:fld id="{7A8CEE4A-E163-47DE-8784-5B8DE9F7A78A}" type="slidenum">
+              <a:rPr lang="de-DE" altLang="de-DE" smtClean="0"/>
+              <a:pPr>
+                <a:defRPr/>
+              </a:pPr>
+              <a:t>25</a:t>
             </a:fld>
             <a:endParaRPr lang="de-DE" altLang="de-DE" dirty="0"/>
           </a:p>

--- a/__Master-Abschlussarbeit.pptx
+++ b/__Master-Abschlussarbeit.pptx
@@ -281,7 +281,7 @@
               <a:pPr>
                 <a:defRPr/>
               </a:pPr>
-              <a:t>31.07.2018</a:t>
+              <a:t>01.08.2018</a:t>
             </a:fld>
             <a:endParaRPr lang="de-DE"/>
           </a:p>
@@ -467,7 +467,7 @@
               <a:pPr>
                 <a:defRPr/>
               </a:pPr>
-              <a:t>31.07.2018</a:t>
+              <a:t>01.08.2018</a:t>
             </a:fld>
             <a:endParaRPr lang="de-DE"/>
           </a:p>
@@ -1457,36 +1457,20 @@
               <a:t>. </a:t>
             </a:r>
             <a:r>
-              <a:rPr lang="de-DE" dirty="0" err="1"/>
-              <a:t>Komponent</a:t>
+              <a:rPr lang="de-DE" dirty="0" smtClean="0"/>
+              <a:t>Komponenten sichergestellt werden. </a:t>
             </a:r>
             <a:r>
               <a:rPr lang="de-DE" dirty="0"/>
-              <a:t> </a:t>
-            </a:r>
-            <a:r>
-              <a:rPr lang="de-DE" dirty="0" err="1"/>
-              <a:t>sichegestellt</a:t>
+              <a:t>Und andere </a:t>
+            </a:r>
+            <a:r>
+              <a:rPr lang="de-DE" dirty="0" smtClean="0"/>
+              <a:t>Seite </a:t>
             </a:r>
             <a:r>
               <a:rPr lang="de-DE" dirty="0"/>
-              <a:t> </a:t>
-            </a:r>
-            <a:r>
-              <a:rPr lang="de-DE" dirty="0" err="1"/>
-              <a:t>werdenn</a:t>
-            </a:r>
-            <a:r>
-              <a:rPr lang="de-DE" dirty="0"/>
-              <a:t>. Und andere </a:t>
-            </a:r>
-            <a:r>
-              <a:rPr lang="de-DE" dirty="0" err="1"/>
-              <a:t>seite</a:t>
-            </a:r>
-            <a:r>
-              <a:rPr lang="de-DE" dirty="0"/>
-              <a:t> soll Interface zu Datendank bereitgestellt werden.</a:t>
+              <a:t>soll Interface zu Datendank bereitgestellt werden.</a:t>
             </a:r>
           </a:p>
           <a:p>
@@ -1514,8 +1498,41 @@
           <a:p>
             <a:r>
               <a:rPr lang="de-DE" dirty="0"/>
-              <a:t>-- Diese Kategorie bezieht  sich auf die Lernkurve und alle finanzielle ausgaben , die für die Nutzung der Frameworks entstehen.</a:t>
-            </a:r>
+              <a:t>-- Diese Kategorie bezieht  sich auf die Lernkurve und alle finanzielle </a:t>
+            </a:r>
+            <a:r>
+              <a:rPr lang="de-DE" dirty="0" smtClean="0"/>
+              <a:t>Ausgaben </a:t>
+            </a:r>
+            <a:r>
+              <a:rPr lang="de-DE" dirty="0"/>
+              <a:t>, die für die Nutzung der Frameworks entstehen</a:t>
+            </a:r>
+            <a:r>
+              <a:rPr lang="de-DE" dirty="0" smtClean="0"/>
+              <a:t>.</a:t>
+            </a:r>
+          </a:p>
+          <a:p>
+            <a:r>
+              <a:rPr lang="de-DE" dirty="0" smtClean="0"/>
+              <a:t>-- Das Konzept für Zeichnung und Behandlung</a:t>
+            </a:r>
+            <a:r>
+              <a:rPr lang="de-DE" baseline="0" dirty="0" smtClean="0"/>
+              <a:t> der Grundelemente wie Linien, Polygone ist relativ einfach und userfreundlich…</a:t>
+            </a:r>
+          </a:p>
+          <a:p>
+            <a:r>
+              <a:rPr lang="de-DE" baseline="0" dirty="0" smtClean="0"/>
+              <a:t>-- Ang nutzt die DI-Pattern was die Wartbarkeit der Applikation </a:t>
+            </a:r>
+            <a:r>
+              <a:rPr lang="de-DE" baseline="0" dirty="0" err="1" smtClean="0"/>
+              <a:t>erleichern</a:t>
+            </a:r>
+            <a:endParaRPr lang="de-DE" dirty="0"/>
           </a:p>
           <a:p>
             <a:endParaRPr lang="de-DE" dirty="0"/>
@@ -1608,6 +1625,38 @@
           <a:bodyPr/>
           <a:lstStyle/>
           <a:p>
+            <a:r>
+              <a:rPr lang="de-DE" dirty="0" smtClean="0"/>
+              <a:t>In dieser Kapitel werde ich erklären welche Konzepte</a:t>
+            </a:r>
+            <a:r>
+              <a:rPr lang="de-DE" baseline="0" dirty="0" smtClean="0"/>
+              <a:t> das </a:t>
+            </a:r>
+            <a:r>
+              <a:rPr lang="de-DE" baseline="0" dirty="0" err="1" smtClean="0"/>
+              <a:t>Plugin</a:t>
+            </a:r>
+            <a:r>
+              <a:rPr lang="de-DE" baseline="0" dirty="0" smtClean="0"/>
+              <a:t> anwendet,  um</a:t>
+            </a:r>
+            <a:r>
+              <a:rPr lang="de-DE" dirty="0" smtClean="0"/>
+              <a:t> die Daten von verschieden</a:t>
+            </a:r>
+            <a:r>
+              <a:rPr lang="de-DE" baseline="0" dirty="0" smtClean="0"/>
+              <a:t> </a:t>
+            </a:r>
+            <a:r>
+              <a:rPr lang="de-DE" dirty="0" smtClean="0"/>
+              <a:t>Quellen bis</a:t>
+            </a:r>
+            <a:r>
+              <a:rPr lang="de-DE" baseline="0" dirty="0" smtClean="0"/>
+              <a:t> zur Ansicht zu übertragen.</a:t>
+            </a:r>
             <a:endParaRPr lang="de-DE" dirty="0"/>
           </a:p>
         </p:txBody>
@@ -1700,7 +1749,23 @@
           <a:p>
             <a:r>
               <a:rPr lang="de-DE" dirty="0"/>
-              <a:t>Die Abbildung zeigt die Datenhandhabungskonzept für die TE. Die beide gerundeten Rechtecke repräsentieren die feldbusspezifische Geräten. TE besteht aus 2 Hauptkomponenten: TES und TEC</a:t>
+              <a:t>Die </a:t>
+            </a:r>
+            <a:r>
+              <a:rPr lang="de-DE" dirty="0" smtClean="0"/>
+              <a:t>Abb.</a:t>
+            </a:r>
+            <a:r>
+              <a:rPr lang="de-DE" baseline="0" dirty="0" smtClean="0"/>
+              <a:t> </a:t>
+            </a:r>
+            <a:r>
+              <a:rPr lang="de-DE" dirty="0" smtClean="0"/>
+              <a:t>zeigt </a:t>
+            </a:r>
+            <a:r>
+              <a:rPr lang="de-DE" dirty="0"/>
+              <a:t>die Datenhandhabungskonzept für die TE. Die beide gerundeten Rechtecke repräsentieren die feldbusspezifische Geräten. TE besteht aus 2 Hauptkomponenten: TES und TEC</a:t>
             </a:r>
           </a:p>
           <a:p>
@@ -1709,19 +1774,51 @@
               <a:t>-Server umfasst die </a:t>
             </a:r>
             <a:r>
-              <a:rPr lang="de-DE" dirty="0" err="1"/>
-              <a:t>Kernfunkionen</a:t>
+              <a:rPr lang="de-DE" dirty="0" smtClean="0"/>
+              <a:t>Kernfunktionen </a:t>
             </a:r>
             <a:r>
               <a:rPr lang="de-DE" dirty="0"/>
-              <a:t> wie das Parsen der protokollneutralen Gerät-Informationen, erstellt, aktualisiert und löscht eine Topologie-Modell für die gesparten Informationen. Darüber hinaus  bietet einen Mechanismus für Laden&amp; Speicher von Daten und einen Mechanismus für Fehlerbehandlungen </a:t>
-            </a:r>
-          </a:p>
-          <a:p>
+              <a:t>wie das Parsen der protokollneutralen Gerät-Informationen, erstellt, aktualisiert und löscht eine Topologie-Modell für die gesparten Informationen. Darüber hinaus  bietet einen Mechanismus für Laden&amp; Speicher von Daten und </a:t>
+            </a:r>
+            <a:r>
+              <a:rPr lang="de-DE" dirty="0" smtClean="0"/>
+              <a:t>Fehlerbehandlungen </a:t>
+            </a:r>
+            <a:endParaRPr lang="de-DE" dirty="0"/>
+          </a:p>
+          <a:p>
+            <a:pPr marL="171450" indent="-171450">
+              <a:buFontTx/>
+              <a:buChar char="-"/>
+            </a:pPr>
+            <a:r>
+              <a:rPr lang="de-DE" dirty="0" smtClean="0"/>
+              <a:t>Client </a:t>
+            </a:r>
             <a:r>
               <a:rPr lang="de-DE" dirty="0"/>
-              <a:t>- Client verwendet das HTTP-P um die Topologie-Information abzufragen und bietet eine Benutzerfreundlichkeit für die Visualisierung.</a:t>
-            </a:r>
+              <a:t>verwendet das HTTP-P um die Topologie-Information abzufragen und bietet eine Benutzerfreundlichkeit für die Visualisierung</a:t>
+            </a:r>
+            <a:r>
+              <a:rPr lang="de-DE" dirty="0" smtClean="0"/>
+              <a:t>.</a:t>
+            </a:r>
+          </a:p>
+          <a:p>
+            <a:pPr marL="171450" indent="-171450">
+              <a:buFontTx/>
+              <a:buChar char="-"/>
+            </a:pPr>
+            <a:r>
+              <a:rPr lang="de-DE" dirty="0" smtClean="0"/>
+              <a:t>Datenübertragung geschehen</a:t>
+            </a:r>
+            <a:r>
+              <a:rPr lang="de-DE" baseline="0" dirty="0" smtClean="0"/>
+              <a:t> über JSON-Format.</a:t>
+            </a:r>
+            <a:endParaRPr lang="de-DE" dirty="0"/>
           </a:p>
           <a:p>
             <a:endParaRPr lang="de-DE" dirty="0"/>
@@ -1904,6 +2001,22 @@
           <a:bodyPr/>
           <a:lstStyle/>
           <a:p>
+            <a:r>
+              <a:rPr lang="de-DE" dirty="0" smtClean="0"/>
+              <a:t>-Das </a:t>
+            </a:r>
+            <a:r>
+              <a:rPr lang="de-DE" dirty="0" err="1" smtClean="0"/>
+              <a:t>Beisp</a:t>
+            </a:r>
+            <a:r>
+              <a:rPr lang="de-DE" dirty="0" smtClean="0"/>
+              <a:t>.</a:t>
+            </a:r>
+            <a:r>
+              <a:rPr lang="de-DE" baseline="0" dirty="0" smtClean="0"/>
+              <a:t> Zeigt die Grunddaten einer Topologie, die von Client Konsumiert werden soll.</a:t>
+            </a:r>
             <a:endParaRPr lang="de-DE" dirty="0"/>
           </a:p>
         </p:txBody>
@@ -3166,6 +3279,243 @@
         <p:txBody>
           <a:bodyPr/>
           <a:lstStyle/>
+          <a:p>
+            <a:r>
+              <a:rPr lang="de-DE" sz="1200" b="0" i="0" u="none" strike="noStrike" kern="1200" baseline="0" dirty="0" smtClean="0">
+                <a:solidFill>
+                  <a:schemeClr val="tx1"/>
+                </a:solidFill>
+                <a:latin typeface="+mn-lt"/>
+                <a:ea typeface="+mn-ea"/>
+                <a:cs typeface="+mn-cs"/>
+              </a:rPr>
+              <a:t>-Wenn eine Endstation in Netz ausfällt, </a:t>
+            </a:r>
+            <a:r>
+              <a:rPr lang="de-DE" sz="1200" b="0" i="0" u="none" strike="noStrike" kern="1200" baseline="0" dirty="0" err="1" smtClean="0">
+                <a:solidFill>
+                  <a:schemeClr val="tx1"/>
+                </a:solidFill>
+                <a:latin typeface="+mn-lt"/>
+                <a:ea typeface="+mn-ea"/>
+                <a:cs typeface="+mn-cs"/>
+              </a:rPr>
+              <a:t>ergiben</a:t>
+            </a:r>
+            <a:r>
+              <a:rPr lang="de-DE" sz="1200" b="0" i="0" u="none" strike="noStrike" kern="1200" baseline="0" dirty="0" smtClean="0">
+                <a:solidFill>
+                  <a:schemeClr val="tx1"/>
+                </a:solidFill>
+                <a:latin typeface="+mn-lt"/>
+                <a:ea typeface="+mn-ea"/>
+                <a:cs typeface="+mn-cs"/>
+              </a:rPr>
+              <a:t> sich daraus keine Konsequenzen für die restlichen Geräte </a:t>
+            </a:r>
+          </a:p>
+          <a:p>
+            <a:pPr marL="0" indent="0">
+              <a:buFontTx/>
+              <a:buNone/>
+            </a:pPr>
+            <a:r>
+              <a:rPr lang="de-DE" sz="1200" b="0" i="0" u="none" strike="noStrike" kern="1200" baseline="0" dirty="0" smtClean="0">
+                <a:solidFill>
+                  <a:schemeClr val="tx1"/>
+                </a:solidFill>
+                <a:latin typeface="+mn-lt"/>
+                <a:ea typeface="+mn-ea"/>
+                <a:cs typeface="+mn-cs"/>
+              </a:rPr>
+              <a:t>-Das System ermöglicht den Transport großer Datenmengen über großen Entfernungen und bietet somit ….</a:t>
+            </a:r>
+          </a:p>
+          <a:p>
+            <a:r>
+              <a:rPr lang="en-US" sz="1200" b="0" i="0" u="none" strike="noStrike" kern="1200" baseline="0" dirty="0" smtClean="0">
+                <a:solidFill>
+                  <a:schemeClr val="tx1"/>
+                </a:solidFill>
+                <a:latin typeface="+mn-lt"/>
+                <a:ea typeface="+mn-ea"/>
+                <a:cs typeface="+mn-cs"/>
+              </a:rPr>
+              <a:t>- </a:t>
+            </a:r>
+            <a:r>
+              <a:rPr lang="de-DE" sz="1200" b="0" i="0" u="none" strike="noStrike" kern="1200" baseline="0" dirty="0" smtClean="0">
+                <a:solidFill>
+                  <a:schemeClr val="tx1"/>
+                </a:solidFill>
+                <a:latin typeface="+mn-lt"/>
+                <a:ea typeface="+mn-ea"/>
+                <a:cs typeface="+mn-cs"/>
+              </a:rPr>
+              <a:t>Der Ausfall des Wurzelelements hat hohe Auswirkungen auf die Verfügbarkeiten der restlichen Geräte. </a:t>
+            </a:r>
+          </a:p>
+          <a:p>
+            <a:r>
+              <a:rPr lang="de-DE" sz="1200" b="0" i="0" u="none" strike="noStrike" kern="1200" baseline="0" dirty="0" smtClean="0">
+                <a:solidFill>
+                  <a:schemeClr val="tx1"/>
+                </a:solidFill>
+                <a:latin typeface="+mn-lt"/>
+                <a:ea typeface="+mn-ea"/>
+                <a:cs typeface="+mn-cs"/>
+              </a:rPr>
+              <a:t>- </a:t>
+            </a:r>
+            <a:r>
+              <a:rPr lang="en-US" sz="1200" b="0" i="0" u="none" strike="noStrike" kern="1200" baseline="0" dirty="0" err="1" smtClean="0">
+                <a:solidFill>
+                  <a:schemeClr val="tx1"/>
+                </a:solidFill>
+                <a:latin typeface="+mn-lt"/>
+                <a:ea typeface="+mn-ea"/>
+                <a:cs typeface="+mn-cs"/>
+              </a:rPr>
+              <a:t>Bedarf</a:t>
+            </a:r>
+            <a:r>
+              <a:rPr lang="en-US" sz="1200" b="0" i="0" u="none" strike="noStrike" kern="1200" baseline="0" dirty="0" smtClean="0">
+                <a:solidFill>
+                  <a:schemeClr val="tx1"/>
+                </a:solidFill>
+                <a:latin typeface="+mn-lt"/>
+                <a:ea typeface="+mn-ea"/>
+                <a:cs typeface="+mn-cs"/>
+              </a:rPr>
+              <a:t> </a:t>
+            </a:r>
+            <a:r>
+              <a:rPr lang="en-US" sz="1200" b="0" i="0" u="none" strike="noStrike" kern="1200" baseline="0" dirty="0" err="1" smtClean="0">
+                <a:solidFill>
+                  <a:schemeClr val="tx1"/>
+                </a:solidFill>
+                <a:latin typeface="+mn-lt"/>
+                <a:ea typeface="+mn-ea"/>
+                <a:cs typeface="+mn-cs"/>
+              </a:rPr>
+              <a:t>einer</a:t>
+            </a:r>
+            <a:r>
+              <a:rPr lang="en-US" sz="1200" b="0" i="0" u="none" strike="noStrike" kern="1200" baseline="0" dirty="0" smtClean="0">
+                <a:solidFill>
+                  <a:schemeClr val="tx1"/>
+                </a:solidFill>
+                <a:latin typeface="+mn-lt"/>
+                <a:ea typeface="+mn-ea"/>
+                <a:cs typeface="+mn-cs"/>
+              </a:rPr>
+              <a:t> ….  </a:t>
+            </a:r>
+            <a:r>
+              <a:rPr lang="en-US" sz="1200" b="0" i="0" u="none" strike="noStrike" kern="1200" baseline="0" dirty="0" err="1" smtClean="0">
+                <a:solidFill>
+                  <a:schemeClr val="tx1"/>
+                </a:solidFill>
+                <a:latin typeface="+mn-lt"/>
+                <a:ea typeface="+mn-ea"/>
+                <a:cs typeface="+mn-cs"/>
+              </a:rPr>
+              <a:t>Wenn</a:t>
+            </a:r>
+            <a:r>
+              <a:rPr lang="en-US" sz="1200" b="0" i="0" u="none" strike="noStrike" kern="1200" baseline="0" dirty="0" smtClean="0">
+                <a:solidFill>
+                  <a:schemeClr val="tx1"/>
+                </a:solidFill>
+                <a:latin typeface="+mn-lt"/>
+                <a:ea typeface="+mn-ea"/>
+                <a:cs typeface="+mn-cs"/>
+              </a:rPr>
+              <a:t> das System </a:t>
+            </a:r>
+            <a:r>
+              <a:rPr lang="en-US" sz="1200" b="0" i="0" u="none" strike="noStrike" kern="1200" baseline="0" dirty="0" err="1" smtClean="0">
+                <a:solidFill>
+                  <a:schemeClr val="tx1"/>
+                </a:solidFill>
+                <a:latin typeface="+mn-lt"/>
+                <a:ea typeface="+mn-ea"/>
+                <a:cs typeface="+mn-cs"/>
+              </a:rPr>
+              <a:t>erweitert</a:t>
+            </a:r>
+            <a:r>
+              <a:rPr lang="en-US" sz="1200" b="0" i="0" u="none" strike="noStrike" kern="1200" baseline="0" dirty="0" smtClean="0">
+                <a:solidFill>
+                  <a:schemeClr val="tx1"/>
+                </a:solidFill>
+                <a:latin typeface="+mn-lt"/>
+                <a:ea typeface="+mn-ea"/>
+                <a:cs typeface="+mn-cs"/>
+              </a:rPr>
+              <a:t> </a:t>
+            </a:r>
+            <a:r>
+              <a:rPr lang="en-US" sz="1200" b="0" i="0" u="none" strike="noStrike" kern="1200" baseline="0" dirty="0" err="1" smtClean="0">
+                <a:solidFill>
+                  <a:schemeClr val="tx1"/>
+                </a:solidFill>
+                <a:latin typeface="+mn-lt"/>
+                <a:ea typeface="+mn-ea"/>
+                <a:cs typeface="+mn-cs"/>
+              </a:rPr>
+              <a:t>wird</a:t>
+            </a:r>
+            <a:r>
+              <a:rPr lang="en-US" sz="1200" b="0" i="0" u="none" strike="noStrike" kern="1200" baseline="0" dirty="0" smtClean="0">
+                <a:solidFill>
+                  <a:schemeClr val="tx1"/>
+                </a:solidFill>
+                <a:latin typeface="+mn-lt"/>
+                <a:ea typeface="+mn-ea"/>
+                <a:cs typeface="+mn-cs"/>
+              </a:rPr>
+              <a:t>, </a:t>
+            </a:r>
+          </a:p>
+          <a:p>
+            <a:pPr marL="0" indent="0">
+              <a:buFontTx/>
+              <a:buNone/>
+            </a:pPr>
+            <a:endParaRPr lang="de-DE" sz="1200" b="0" i="0" u="none" strike="noStrike" kern="1200" baseline="0" dirty="0" smtClean="0">
+              <a:solidFill>
+                <a:schemeClr val="tx1"/>
+              </a:solidFill>
+              <a:latin typeface="+mn-lt"/>
+              <a:ea typeface="+mn-ea"/>
+              <a:cs typeface="+mn-cs"/>
+            </a:endParaRPr>
+          </a:p>
+          <a:p>
+            <a:pPr marL="0" indent="0">
+              <a:buFontTx/>
+              <a:buNone/>
+            </a:pPr>
+            <a:endParaRPr lang="de-DE" sz="1200" b="0" i="0" u="none" strike="noStrike" kern="1200" baseline="0" dirty="0" smtClean="0">
+              <a:solidFill>
+                <a:schemeClr val="tx1"/>
+              </a:solidFill>
+              <a:latin typeface="+mn-lt"/>
+              <a:ea typeface="+mn-ea"/>
+              <a:cs typeface="+mn-cs"/>
+            </a:endParaRPr>
+          </a:p>
+          <a:p>
+            <a:endParaRPr lang="de-DE" sz="1200" b="0" i="0" u="none" strike="noStrike" kern="1200" baseline="0" dirty="0" smtClean="0">
+              <a:solidFill>
+                <a:schemeClr val="tx1"/>
+              </a:solidFill>
+              <a:latin typeface="+mn-lt"/>
+              <a:ea typeface="+mn-ea"/>
+              <a:cs typeface="+mn-cs"/>
+            </a:endParaRPr>
+          </a:p>
           <a:p>
             <a:endParaRPr lang="de-DE" dirty="0"/>
           </a:p>
@@ -3638,7 +3988,7 @@
               <a:pPr>
                 <a:defRPr/>
               </a:pPr>
-              <a:t>31.07.2018</a:t>
+              <a:t>01.08.2018</a:t>
             </a:fld>
             <a:endParaRPr lang="de-DE" dirty="0"/>
           </a:p>
@@ -4444,7 +4794,7 @@
               <a:pPr>
                 <a:defRPr/>
               </a:pPr>
-              <a:t>31.07.2018</a:t>
+              <a:t>01.08.2018</a:t>
             </a:fld>
             <a:endParaRPr lang="de-DE" dirty="0"/>
           </a:p>
@@ -4791,7 +5141,7 @@
               <a:pPr>
                 <a:defRPr/>
               </a:pPr>
-              <a:t>31.07.2018</a:t>
+              <a:t>01.08.2018</a:t>
             </a:fld>
             <a:endParaRPr lang="de-DE" dirty="0"/>
           </a:p>
@@ -5127,7 +5477,7 @@
               <a:pPr>
                 <a:defRPr/>
               </a:pPr>
-              <a:t>31.07.2018</a:t>
+              <a:t>01.08.2018</a:t>
             </a:fld>
             <a:endParaRPr lang="de-DE" dirty="0"/>
           </a:p>
@@ -5448,7 +5798,7 @@
               <a:pPr>
                 <a:defRPr/>
               </a:pPr>
-              <a:t>31.07.2018</a:t>
+              <a:t>01.08.2018</a:t>
             </a:fld>
             <a:endParaRPr lang="de-DE" dirty="0"/>
           </a:p>
@@ -5769,7 +6119,7 @@
               <a:pPr>
                 <a:defRPr/>
               </a:pPr>
-              <a:t>31.07.2018</a:t>
+              <a:t>01.08.2018</a:t>
             </a:fld>
             <a:endParaRPr lang="de-DE" dirty="0"/>
           </a:p>
@@ -6170,7 +6520,7 @@
               <a:pPr>
                 <a:defRPr/>
               </a:pPr>
-              <a:t>31.07.2018</a:t>
+              <a:t>01.08.2018</a:t>
             </a:fld>
             <a:endParaRPr lang="de-DE" dirty="0"/>
           </a:p>
@@ -6531,7 +6881,7 @@
               <a:pPr>
                 <a:defRPr/>
               </a:pPr>
-              <a:t>31.07.2018</a:t>
+              <a:t>01.08.2018</a:t>
             </a:fld>
             <a:endParaRPr lang="de-DE" dirty="0"/>
           </a:p>
@@ -6787,7 +7137,7 @@
               <a:pPr>
                 <a:defRPr/>
               </a:pPr>
-              <a:t>31.07.2018</a:t>
+              <a:t>01.08.2018</a:t>
             </a:fld>
             <a:endParaRPr lang="de-DE" dirty="0"/>
           </a:p>
@@ -7568,7 +7918,7 @@
               <a:pPr>
                 <a:defRPr/>
               </a:pPr>
-              <a:t>31.07.2018</a:t>
+              <a:t>01.08.2018</a:t>
             </a:fld>
             <a:endParaRPr lang="de-DE" dirty="0"/>
           </a:p>
@@ -7828,7 +8178,7 @@
               <a:pPr>
                 <a:defRPr/>
               </a:pPr>
-              <a:t>31.07.2018</a:t>
+              <a:t>01.08.2018</a:t>
             </a:fld>
             <a:endParaRPr lang="de-DE" dirty="0"/>
           </a:p>
@@ -8142,7 +8492,7 @@
               <a:pPr>
                 <a:defRPr/>
               </a:pPr>
-              <a:t>31.07.2018</a:t>
+              <a:t>01.08.2018</a:t>
             </a:fld>
             <a:endParaRPr lang="de-DE" dirty="0"/>
           </a:p>
@@ -8311,7 +8661,15 @@
           <a:p>
             <a:r>
               <a:rPr lang="de-DE" dirty="0"/>
-              <a:t>Für die visuelle Darstellung</a:t>
+              <a:t>Für die </a:t>
+            </a:r>
+            <a:r>
+              <a:rPr lang="de-DE" dirty="0" smtClean="0"/>
+              <a:t>grafische </a:t>
+            </a:r>
+            <a:r>
+              <a:rPr lang="de-DE" dirty="0"/>
+              <a:t>Darstellung</a:t>
             </a:r>
           </a:p>
           <a:p>
@@ -8438,7 +8796,7 @@
               <a:pPr>
                 <a:defRPr/>
               </a:pPr>
-              <a:t>31.07.2018</a:t>
+              <a:t>01.08.2018</a:t>
             </a:fld>
             <a:endParaRPr lang="de-DE" dirty="0"/>
           </a:p>
@@ -8773,7 +9131,7 @@
               <a:pPr>
                 <a:defRPr/>
               </a:pPr>
-              <a:t>31.07.2018</a:t>
+              <a:t>01.08.2018</a:t>
             </a:fld>
             <a:endParaRPr lang="de-DE" dirty="0"/>
           </a:p>
@@ -8943,7 +9301,7 @@
               <a:pPr>
                 <a:defRPr/>
               </a:pPr>
-              <a:t>31.07.2018</a:t>
+              <a:t>01.08.2018</a:t>
             </a:fld>
             <a:endParaRPr lang="de-DE" dirty="0"/>
           </a:p>
@@ -9043,8 +9401,13 @@
             </a:r>
             <a:r>
               <a:rPr lang="de-DE" dirty="0"/>
-              <a:t>-Editor:: grundlegende Konzept </a:t>
-            </a:r>
+              <a:t>-Editor:: grundlegende </a:t>
+            </a:r>
+            <a:r>
+              <a:rPr lang="de-DE" dirty="0" smtClean="0"/>
+              <a:t>Konzepte </a:t>
+            </a:r>
+            <a:endParaRPr lang="de-DE" dirty="0"/>
           </a:p>
         </p:txBody>
       </p:sp>
@@ -9139,7 +9502,7 @@
               <a:pPr>
                 <a:defRPr/>
               </a:pPr>
-              <a:t>31.07.2018</a:t>
+              <a:t>01.08.2018</a:t>
             </a:fld>
             <a:endParaRPr lang="de-DE" dirty="0"/>
           </a:p>
@@ -9864,7 +10227,7 @@
               <a:pPr>
                 <a:defRPr/>
               </a:pPr>
-              <a:t>31.07.2018</a:t>
+              <a:t>01.08.2018</a:t>
             </a:fld>
             <a:endParaRPr lang="de-DE" dirty="0"/>
           </a:p>
@@ -10344,7 +10707,7 @@
               <a:pPr>
                 <a:defRPr/>
               </a:pPr>
-              <a:t>31.07.2018</a:t>
+              <a:t>01.08.2018</a:t>
             </a:fld>
             <a:endParaRPr lang="de-DE" dirty="0"/>
           </a:p>
@@ -10724,7 +11087,7 @@
               <a:pPr>
                 <a:defRPr/>
               </a:pPr>
-              <a:t>31.07.2018</a:t>
+              <a:t>01.08.2018</a:t>
             </a:fld>
             <a:endParaRPr lang="de-DE" dirty="0"/>
           </a:p>
@@ -10974,7 +11337,7 @@
               <a:pPr>
                 <a:defRPr/>
               </a:pPr>
-              <a:t>31.07.2018</a:t>
+              <a:t>01.08.2018</a:t>
             </a:fld>
             <a:endParaRPr lang="de-DE" dirty="0"/>
           </a:p>
@@ -11142,7 +11505,7 @@
               <a:pPr>
                 <a:defRPr/>
               </a:pPr>
-              <a:t>31.07.2018</a:t>
+              <a:t>01.08.2018</a:t>
             </a:fld>
             <a:endParaRPr lang="de-DE" dirty="0"/>
           </a:p>
@@ -11335,7 +11698,7 @@
               <a:pPr>
                 <a:defRPr/>
               </a:pPr>
-              <a:t>31.07.2018</a:t>
+              <a:t>01.08.2018</a:t>
             </a:fld>
             <a:endParaRPr lang="de-DE" dirty="0"/>
           </a:p>
@@ -11566,7 +11929,7 @@
               <a:pPr>
                 <a:defRPr/>
               </a:pPr>
-              <a:t>31.07.2018</a:t>
+              <a:t>01.08.2018</a:t>
             </a:fld>
             <a:endParaRPr lang="de-DE" dirty="0"/>
           </a:p>
@@ -12004,7 +12367,7 @@
               <a:pPr>
                 <a:defRPr/>
               </a:pPr>
-              <a:t>31.07.2018</a:t>
+              <a:t>01.08.2018</a:t>
             </a:fld>
             <a:endParaRPr lang="de-DE" dirty="0"/>
           </a:p>
@@ -12093,6 +12456,13 @@
   <p:clrMapOvr>
     <a:masterClrMapping/>
   </p:clrMapOvr>
+  <p:timing>
+    <p:tnLst>
+      <p:par>
+        <p:cTn id="1" dur="indefinite" restart="never" nodeType="tmRoot"/>
+      </p:par>
+    </p:tnLst>
+  </p:timing>
 </p:sld>
 </file>
 
@@ -12218,7 +12588,7 @@
               <a:pPr>
                 <a:defRPr/>
               </a:pPr>
-              <a:t>31.07.2018</a:t>
+              <a:t>01.08.2018</a:t>
             </a:fld>
             <a:endParaRPr lang="de-DE" dirty="0"/>
           </a:p>
@@ -12307,6 +12677,13 @@
   <p:clrMapOvr>
     <a:masterClrMapping/>
   </p:clrMapOvr>
+  <p:timing>
+    <p:tnLst>
+      <p:par>
+        <p:cTn id="1" dur="indefinite" restart="never" nodeType="tmRoot"/>
+      </p:par>
+    </p:tnLst>
+  </p:timing>
 </p:sld>
 </file>
 
@@ -12414,7 +12791,7 @@
               <a:pPr>
                 <a:defRPr/>
               </a:pPr>
-              <a:t>31.07.2018</a:t>
+              <a:t>01.08.2018</a:t>
             </a:fld>
             <a:endParaRPr lang="de-DE" dirty="0"/>
           </a:p>
@@ -12500,6 +12877,13 @@
   <p:clrMapOvr>
     <a:masterClrMapping/>
   </p:clrMapOvr>
+  <p:timing>
+    <p:tnLst>
+      <p:par>
+        <p:cTn id="1" dur="indefinite" restart="never" nodeType="tmRoot"/>
+      </p:par>
+    </p:tnLst>
+  </p:timing>
 </p:sld>
 </file>
 
@@ -12739,7 +13123,7 @@
               <a:pPr>
                 <a:defRPr/>
               </a:pPr>
-              <a:t>31.07.2018</a:t>
+              <a:t>01.08.2018</a:t>
             </a:fld>
             <a:endParaRPr lang="de-DE" dirty="0"/>
           </a:p>
@@ -12964,7 +13348,7 @@
               <a:pPr>
                 <a:defRPr/>
               </a:pPr>
-              <a:t>31.07.2018</a:t>
+              <a:t>01.08.2018</a:t>
             </a:fld>
             <a:endParaRPr lang="de-DE" dirty="0"/>
           </a:p>
@@ -13232,7 +13616,7 @@
               <a:pPr>
                 <a:defRPr/>
               </a:pPr>
-              <a:t>31.07.2018</a:t>
+              <a:t>01.08.2018</a:t>
             </a:fld>
             <a:endParaRPr lang="de-DE" dirty="0"/>
           </a:p>
@@ -13438,7 +13822,7 @@
               <a:pPr>
                 <a:defRPr/>
               </a:pPr>
-              <a:t>31.07.2018</a:t>
+              <a:t>01.08.2018</a:t>
             </a:fld>
             <a:endParaRPr lang="de-DE" dirty="0"/>
           </a:p>
@@ -13656,7 +14040,7 @@
               <a:pPr>
                 <a:defRPr/>
               </a:pPr>
-              <a:t>31.07.2018</a:t>
+              <a:t>01.08.2018</a:t>
             </a:fld>
             <a:endParaRPr lang="de-DE" dirty="0"/>
           </a:p>
@@ -13737,6 +14121,10 @@
             <a:r>
               <a:rPr lang="de-DE" dirty="0" err="1"/>
               <a:t>Topologiemuster</a:t>
+            </a:r>
+            <a:r>
+              <a:rPr lang="de-DE" dirty="0"/>
+              <a:t/>
             </a:r>
             <a:br>
               <a:rPr lang="de-DE" dirty="0"/>
@@ -13853,16 +14241,22 @@
           <a:p>
             <a:pPr lvl="2"/>
             <a:r>
+              <a:rPr lang="de-DE" dirty="0" smtClean="0"/>
+              <a:t>Unabhängigkeiten der Endstationen</a:t>
+            </a:r>
+            <a:endParaRPr lang="de-DE" dirty="0"/>
+          </a:p>
+          <a:p>
+            <a:pPr lvl="2"/>
+            <a:r>
               <a:rPr lang="de-DE" dirty="0"/>
-              <a:t>A</a:t>
-            </a:r>
-          </a:p>
-          <a:p>
-            <a:pPr lvl="2"/>
-            <a:r>
-              <a:rPr lang="de-DE" dirty="0"/>
-              <a:t>A1</a:t>
-            </a:r>
+              <a:t>H</a:t>
+            </a:r>
+            <a:r>
+              <a:rPr lang="de-DE" dirty="0" smtClean="0"/>
+              <a:t>ohes Kosteneinsparpotential</a:t>
+            </a:r>
+            <a:endParaRPr lang="de-DE" dirty="0"/>
           </a:p>
           <a:p>
             <a:pPr lvl="2"/>
@@ -13878,16 +14272,26 @@
           <a:p>
             <a:pPr lvl="2"/>
             <a:r>
-              <a:rPr lang="de-DE" dirty="0"/>
-              <a:t>A</a:t>
-            </a:r>
+              <a:rPr lang="de-DE" dirty="0" smtClean="0"/>
+              <a:t>Wurzelelement ist überlastet</a:t>
+            </a:r>
+            <a:endParaRPr lang="de-DE" dirty="0"/>
           </a:p>
           <a:p>
             <a:pPr lvl="2"/>
             <a:r>
-              <a:rPr lang="de-DE" dirty="0"/>
-              <a:t>a2</a:t>
-            </a:r>
+              <a:rPr lang="en-US" dirty="0" err="1" smtClean="0"/>
+              <a:t>Aufwändige</a:t>
+            </a:r>
+            <a:r>
+              <a:rPr lang="en-US" dirty="0" smtClean="0"/>
+              <a:t> </a:t>
+            </a:r>
+            <a:r>
+              <a:rPr lang="en-US" dirty="0" err="1"/>
+              <a:t>Verkabelung</a:t>
+            </a:r>
+            <a:endParaRPr lang="de-DE" dirty="0"/>
           </a:p>
         </p:txBody>
       </p:sp>
@@ -13914,7 +14318,7 @@
               <a:pPr>
                 <a:defRPr/>
               </a:pPr>
-              <a:t>31.07.2018</a:t>
+              <a:t>01.08.2018</a:t>
             </a:fld>
             <a:endParaRPr lang="de-DE" dirty="0"/>
           </a:p>
@@ -13995,6 +14399,10 @@
             <a:r>
               <a:rPr lang="de-DE" dirty="0" err="1"/>
               <a:t>Topologiemuster</a:t>
+            </a:r>
+            <a:r>
+              <a:rPr lang="de-DE" dirty="0"/>
+              <a:t/>
             </a:r>
             <a:br>
               <a:rPr lang="de-DE" dirty="0"/>
@@ -14246,7 +14654,7 @@
               <a:pPr>
                 <a:defRPr/>
               </a:pPr>
-              <a:t>31.07.2018</a:t>
+              <a:t>01.08.2018</a:t>
             </a:fld>
             <a:endParaRPr lang="de-DE" dirty="0"/>
           </a:p>

--- a/__Master-Abschlussarbeit.pptx
+++ b/__Master-Abschlussarbeit.pptx
@@ -5,10 +5,10 @@
     <p:sldMasterId id="2147483648" r:id="rId1"/>
   </p:sldMasterIdLst>
   <p:notesMasterIdLst>
-    <p:notesMasterId r:id="rId27"/>
+    <p:notesMasterId r:id="rId28"/>
   </p:notesMasterIdLst>
   <p:handoutMasterIdLst>
-    <p:handoutMasterId r:id="rId28"/>
+    <p:handoutMasterId r:id="rId29"/>
   </p:handoutMasterIdLst>
   <p:sldIdLst>
     <p:sldId id="258" r:id="rId2"/>
@@ -36,6 +36,7 @@
     <p:sldId id="271" r:id="rId24"/>
     <p:sldId id="270" r:id="rId25"/>
     <p:sldId id="268" r:id="rId26"/>
+    <p:sldId id="284" r:id="rId27"/>
   </p:sldIdLst>
   <p:sldSz cx="9144000" cy="6858000" type="screen4x3"/>
   <p:notesSz cx="6858000" cy="9144000"/>
@@ -869,7 +870,7 @@
             </a:pPr>
             <a:r>
               <a:rPr lang="de-DE" altLang="de-DE" dirty="0"/>
-              <a:t>Guten Tag, meine Damen und Herren, und herzlich willkommen in meiner Präsentation bzw. Colloquien mit dem Thema …. Mein Name ist … Student an der H und seit 2 J </a:t>
+              <a:t>Guten Tag, meine Damen und Herren, und herzlich willkommen zu meiner Präsentation bzw. zum Colloquien mit dem Thema …. Mein Name ist … Student an der H und seit 2 J </a:t>
             </a:r>
             <a:r>
               <a:rPr lang="de-DE" altLang="de-DE" dirty="0" err="1"/>
@@ -1104,7 +1105,31 @@
             </a:r>
             <a:r>
               <a:rPr lang="de-DE" dirty="0"/>
-              <a:t> ist..</a:t>
+              <a:t> ist.. Ein </a:t>
+            </a:r>
+            <a:r>
+              <a:rPr lang="de-DE" dirty="0" err="1"/>
+              <a:t>engeneri</a:t>
+            </a:r>
+            <a:r>
+              <a:rPr lang="de-DE" dirty="0"/>
+              <a:t> toll mit dem man ein </a:t>
+            </a:r>
+            <a:r>
+              <a:rPr lang="de-DE" dirty="0" err="1"/>
+              <a:t>netzwer</a:t>
+            </a:r>
+            <a:r>
+              <a:rPr lang="de-DE" dirty="0"/>
+              <a:t> planen projektieren kann. Geräte  </a:t>
+            </a:r>
+            <a:r>
+              <a:rPr lang="de-DE" dirty="0" err="1"/>
+              <a:t>parametier</a:t>
+            </a:r>
+            <a:r>
+              <a:rPr lang="de-DE" dirty="0"/>
+              <a:t> </a:t>
             </a:r>
           </a:p>
           <a:p>
@@ -1454,23 +1479,7 @@
             </a:r>
             <a:r>
               <a:rPr lang="de-DE" dirty="0"/>
-              <a:t>. </a:t>
-            </a:r>
-            <a:r>
-              <a:rPr lang="de-DE" dirty="0" smtClean="0"/>
-              <a:t>Komponenten sichergestellt werden. </a:t>
-            </a:r>
-            <a:r>
-              <a:rPr lang="de-DE" dirty="0"/>
-              <a:t>Und andere </a:t>
-            </a:r>
-            <a:r>
-              <a:rPr lang="de-DE" dirty="0" smtClean="0"/>
-              <a:t>Seite </a:t>
-            </a:r>
-            <a:r>
-              <a:rPr lang="de-DE" dirty="0"/>
-              <a:t>soll Interface zu Datendank bereitgestellt werden.</a:t>
+              <a:t>. Komponenten sichergestellt werden. Und andere Seite soll Interface zu Datendank bereitgestellt werden.</a:t>
             </a:r>
           </a:p>
           <a:p>
@@ -1498,38 +1507,26 @@
           <a:p>
             <a:r>
               <a:rPr lang="de-DE" dirty="0"/>
-              <a:t>-- Diese Kategorie bezieht  sich auf die Lernkurve und alle finanzielle </a:t>
-            </a:r>
-            <a:r>
-              <a:rPr lang="de-DE" dirty="0" smtClean="0"/>
-              <a:t>Ausgaben </a:t>
-            </a:r>
-            <a:r>
-              <a:rPr lang="de-DE" dirty="0"/>
-              <a:t>, die für die Nutzung der Frameworks entstehen</a:t>
-            </a:r>
-            <a:r>
-              <a:rPr lang="de-DE" dirty="0" smtClean="0"/>
-              <a:t>.</a:t>
-            </a:r>
-          </a:p>
-          <a:p>
-            <a:r>
-              <a:rPr lang="de-DE" dirty="0" smtClean="0"/>
+              <a:t>-- Diese Kategorie bezieht  sich auf die Lernkurve und alle finanzielle Ausgaben , die für die Nutzung der Frameworks entstehen.</a:t>
+            </a:r>
+          </a:p>
+          <a:p>
+            <a:r>
+              <a:rPr lang="de-DE" dirty="0"/>
               <a:t>-- Das Konzept für Zeichnung und Behandlung</a:t>
             </a:r>
             <a:r>
-              <a:rPr lang="de-DE" baseline="0" dirty="0" smtClean="0"/>
+              <a:rPr lang="de-DE" baseline="0" dirty="0"/>
               <a:t> der Grundelemente wie Linien, Polygone ist relativ einfach und userfreundlich…</a:t>
             </a:r>
           </a:p>
           <a:p>
             <a:r>
-              <a:rPr lang="de-DE" baseline="0" dirty="0" smtClean="0"/>
+              <a:rPr lang="de-DE" baseline="0" dirty="0"/>
               <a:t>-- Ang nutzt die DI-Pattern was die Wartbarkeit der Applikation </a:t>
             </a:r>
             <a:r>
-              <a:rPr lang="de-DE" baseline="0" dirty="0" err="1" smtClean="0"/>
+              <a:rPr lang="de-DE" baseline="0" dirty="0" err="1"/>
               <a:t>erleichern</a:t>
             </a:r>
             <a:endParaRPr lang="de-DE" dirty="0"/>
@@ -1626,35 +1623,35 @@
           <a:lstStyle/>
           <a:p>
             <a:r>
-              <a:rPr lang="de-DE" dirty="0" smtClean="0"/>
+              <a:rPr lang="de-DE" dirty="0"/>
               <a:t>In dieser Kapitel werde ich erklären welche Konzepte</a:t>
             </a:r>
             <a:r>
-              <a:rPr lang="de-DE" baseline="0" dirty="0" smtClean="0"/>
+              <a:rPr lang="de-DE" baseline="0" dirty="0"/>
               <a:t> das </a:t>
             </a:r>
             <a:r>
-              <a:rPr lang="de-DE" baseline="0" dirty="0" err="1" smtClean="0"/>
+              <a:rPr lang="de-DE" baseline="0" dirty="0" err="1"/>
               <a:t>Plugin</a:t>
             </a:r>
             <a:r>
-              <a:rPr lang="de-DE" baseline="0" dirty="0" smtClean="0"/>
+              <a:rPr lang="de-DE" baseline="0" dirty="0"/>
               <a:t> anwendet,  um</a:t>
             </a:r>
             <a:r>
-              <a:rPr lang="de-DE" dirty="0" smtClean="0"/>
+              <a:rPr lang="de-DE" dirty="0"/>
               <a:t> die Daten von verschieden</a:t>
             </a:r>
             <a:r>
-              <a:rPr lang="de-DE" baseline="0" dirty="0" smtClean="0"/>
+              <a:rPr lang="de-DE" baseline="0" dirty="0"/>
               <a:t> </a:t>
             </a:r>
             <a:r>
-              <a:rPr lang="de-DE" dirty="0" smtClean="0"/>
+              <a:rPr lang="de-DE" dirty="0"/>
               <a:t>Quellen bis</a:t>
             </a:r>
             <a:r>
-              <a:rPr lang="de-DE" baseline="0" dirty="0" smtClean="0"/>
+              <a:rPr lang="de-DE" baseline="0" dirty="0"/>
               <a:t> zur Ansicht zu übertragen.</a:t>
             </a:r>
             <a:endParaRPr lang="de-DE" dirty="0"/>
@@ -1749,43 +1746,16 @@
           <a:p>
             <a:r>
               <a:rPr lang="de-DE" dirty="0"/>
-              <a:t>Die </a:t>
-            </a:r>
-            <a:r>
-              <a:rPr lang="de-DE" dirty="0" smtClean="0"/>
-              <a:t>Abb.</a:t>
-            </a:r>
-            <a:r>
-              <a:rPr lang="de-DE" baseline="0" dirty="0" smtClean="0"/>
+              <a:t>Die Abb.</a:t>
+            </a:r>
+            <a:r>
+              <a:rPr lang="de-DE" baseline="0" dirty="0"/>
               <a:t> </a:t>
             </a:r>
             <a:r>
-              <a:rPr lang="de-DE" dirty="0" smtClean="0"/>
-              <a:t>zeigt </a:t>
-            </a:r>
-            <a:r>
-              <a:rPr lang="de-DE" dirty="0"/>
-              <a:t>die Datenhandhabungskonzept für die TE. Die beide gerundeten Rechtecke repräsentieren die feldbusspezifische Geräten. TE besteht aus 2 Hauptkomponenten: TES und TEC</a:t>
-            </a:r>
-          </a:p>
-          <a:p>
-            <a:r>
-              <a:rPr lang="de-DE" dirty="0"/>
-              <a:t>-Server umfasst die </a:t>
-            </a:r>
-            <a:r>
-              <a:rPr lang="de-DE" dirty="0" smtClean="0"/>
-              <a:t>Kernfunktionen </a:t>
-            </a:r>
-            <a:r>
-              <a:rPr lang="de-DE" dirty="0"/>
-              <a:t>wie das Parsen der protokollneutralen Gerät-Informationen, erstellt, aktualisiert und löscht eine Topologie-Modell für die gesparten Informationen. Darüber hinaus  bietet einen Mechanismus für Laden&amp; Speicher von Daten und </a:t>
-            </a:r>
-            <a:r>
-              <a:rPr lang="de-DE" dirty="0" smtClean="0"/>
-              <a:t>Fehlerbehandlungen </a:t>
-            </a:r>
-            <a:endParaRPr lang="de-DE" dirty="0"/>
+              <a:rPr lang="de-DE" dirty="0"/>
+              <a:t>zeigt die Datenhandhabungskonzept für die TE. Die beide gerundeten Rechtecke repräsentieren die feldbusspezifische Geräten. TE besteht aus 2 Hauptkomponenten: TES und TEC  -Server umfasst die Kernfunktionen wie das Parsen der protokollneutralen Gerät-Informationen, erstellt, aktualisiert und löscht eine Topologie-Modell für die gesparten Informationen. Darüber hinaus  bietet einen Mechanismus für Laden&amp; Speicher von Daten und Fehlerbehandlungen </a:t>
+            </a:r>
           </a:p>
           <a:p>
             <a:pPr marL="171450" indent="-171450">
@@ -1793,16 +1763,8 @@
               <a:buChar char="-"/>
             </a:pPr>
             <a:r>
-              <a:rPr lang="de-DE" dirty="0" smtClean="0"/>
-              <a:t>Client </a:t>
-            </a:r>
-            <a:r>
-              <a:rPr lang="de-DE" dirty="0"/>
-              <a:t>verwendet das HTTP-P um die Topologie-Information abzufragen und bietet eine Benutzerfreundlichkeit für die Visualisierung</a:t>
-            </a:r>
-            <a:r>
-              <a:rPr lang="de-DE" dirty="0" smtClean="0"/>
-              <a:t>.</a:t>
+              <a:rPr lang="de-DE" dirty="0"/>
+              <a:t>Client verwendet das HTTP-P um die Topologie-Information abzufragen und bietet eine Benutzerfreundlichkeit für die Visualisierung.</a:t>
             </a:r>
           </a:p>
           <a:p>
@@ -1811,11 +1773,11 @@
               <a:buChar char="-"/>
             </a:pPr>
             <a:r>
-              <a:rPr lang="de-DE" dirty="0" smtClean="0"/>
+              <a:rPr lang="de-DE" dirty="0"/>
               <a:t>Datenübertragung geschehen</a:t>
             </a:r>
             <a:r>
-              <a:rPr lang="de-DE" baseline="0" dirty="0" smtClean="0"/>
+              <a:rPr lang="de-DE" baseline="0" dirty="0"/>
               <a:t> über JSON-Format.</a:t>
             </a:r>
             <a:endParaRPr lang="de-DE" dirty="0"/>
@@ -2002,20 +1964,42 @@
           <a:lstStyle/>
           <a:p>
             <a:r>
-              <a:rPr lang="de-DE" dirty="0" smtClean="0"/>
+              <a:rPr lang="de-DE" dirty="0"/>
               <a:t>-Das </a:t>
             </a:r>
             <a:r>
-              <a:rPr lang="de-DE" dirty="0" err="1" smtClean="0"/>
+              <a:rPr lang="de-DE" dirty="0" err="1"/>
               <a:t>Beisp</a:t>
             </a:r>
             <a:r>
-              <a:rPr lang="de-DE" dirty="0" smtClean="0"/>
+              <a:rPr lang="de-DE" dirty="0"/>
               <a:t>.</a:t>
             </a:r>
             <a:r>
-              <a:rPr lang="de-DE" baseline="0" dirty="0" smtClean="0"/>
-              <a:t> Zeigt die Grunddaten einer Topologie, die von Client Konsumiert werden soll.</a:t>
+              <a:rPr lang="de-DE" baseline="0" dirty="0"/>
+              <a:t> Zeigt die Grunddaten einer Topologie, die von Client Konsumiert werden soll. Es handelt sich um ein Key-Value-Paare. Der erste Schlüssel systemtag…</a:t>
+            </a:r>
+          </a:p>
+          <a:p>
+            <a:r>
+              <a:rPr lang="de-DE" baseline="0" dirty="0"/>
+              <a:t>- Die </a:t>
+            </a:r>
+            <a:r>
+              <a:rPr lang="de-DE" baseline="0" dirty="0" err="1"/>
+              <a:t>Topo</a:t>
+            </a:r>
+            <a:r>
+              <a:rPr lang="de-DE" baseline="0" dirty="0"/>
+              <a:t> besitzt eine Liste von Ports wo die jeweils Verbindung abgeschlossen werden. Mit </a:t>
+            </a:r>
+            <a:r>
+              <a:rPr lang="de-DE" baseline="0" dirty="0" err="1"/>
+              <a:t>deviceList-key</a:t>
+            </a:r>
+            <a:r>
+              <a:rPr lang="de-DE" baseline="0" dirty="0"/>
+              <a:t> listet sie eine Liste der restliche Geräten.</a:t>
             </a:r>
             <a:endParaRPr lang="de-DE" dirty="0"/>
           </a:p>
@@ -2107,7 +2091,66 @@
           <a:bodyPr/>
           <a:lstStyle/>
           <a:p>
-            <a:endParaRPr lang="de-DE" dirty="0"/>
+            <a:r>
+              <a:rPr lang="de-DE" dirty="0"/>
+              <a:t>Das 2te Jason Format beschreibt die liste der Verbindung in Netz. </a:t>
+            </a:r>
+            <a:r>
+              <a:rPr lang="de-DE" dirty="0" err="1"/>
+              <a:t>From</a:t>
+            </a:r>
+            <a:r>
+              <a:rPr lang="de-DE" dirty="0"/>
+              <a:t> und </a:t>
+            </a:r>
+            <a:r>
+              <a:rPr lang="de-DE" dirty="0" err="1"/>
+              <a:t>to</a:t>
+            </a:r>
+            <a:r>
+              <a:rPr lang="de-DE" dirty="0"/>
+              <a:t> sind die systemtag der Quelle </a:t>
+            </a:r>
+            <a:r>
+              <a:rPr lang="de-DE" dirty="0" err="1"/>
+              <a:t>nd</a:t>
+            </a:r>
+            <a:r>
+              <a:rPr lang="de-DE" dirty="0"/>
+              <a:t> Ziel-Geräts. Mit </a:t>
+            </a:r>
+            <a:r>
+              <a:rPr lang="de-DE" dirty="0" err="1"/>
+              <a:t>linkColor</a:t>
+            </a:r>
+            <a:r>
+              <a:rPr lang="de-DE" dirty="0"/>
+              <a:t> kann die Farbe der </a:t>
+            </a:r>
+            <a:r>
+              <a:rPr lang="de-DE" dirty="0" err="1"/>
+              <a:t>Linen</a:t>
+            </a:r>
+            <a:r>
+              <a:rPr lang="de-DE" dirty="0"/>
+              <a:t> definiert. Zum </a:t>
+            </a:r>
+            <a:r>
+              <a:rPr lang="de-DE" dirty="0" err="1"/>
+              <a:t>Besipe</a:t>
+            </a:r>
+            <a:r>
+              <a:rPr lang="de-DE" dirty="0"/>
+              <a:t> bei </a:t>
+            </a:r>
+            <a:r>
+              <a:rPr lang="de-DE" dirty="0" err="1"/>
+              <a:t>Profubis</a:t>
+            </a:r>
+            <a:r>
+              <a:rPr lang="de-DE" dirty="0"/>
+              <a:t> ist grün.</a:t>
+            </a:r>
           </a:p>
         </p:txBody>
       </p:sp>
@@ -2134,7 +2177,7 @@
               <a:pPr>
                 <a:defRPr/>
               </a:pPr>
-              <a:t>19</a:t>
+              <a:t>18</a:t>
             </a:fld>
             <a:endParaRPr lang="de-DE"/>
           </a:p>
@@ -2143,7 +2186,7 @@
     </p:spTree>
     <p:extLst>
       <p:ext uri="{BB962C8B-B14F-4D97-AF65-F5344CB8AC3E}">
-        <p14:creationId xmlns:p14="http://schemas.microsoft.com/office/powerpoint/2010/main" val="1615335567"/>
+        <p14:creationId xmlns:p14="http://schemas.microsoft.com/office/powerpoint/2010/main" val="3700424465"/>
       </p:ext>
     </p:extLst>
   </p:cSld>
@@ -2197,7 +2240,10 @@
           <a:bodyPr/>
           <a:lstStyle/>
           <a:p>
-            <a:endParaRPr lang="de-DE" dirty="0"/>
+            <a:r>
+              <a:rPr lang="de-DE" dirty="0"/>
+              <a:t>PI ist das dritte Ergebnis das ich im Lauf der Projekt herausgegeben wurde. Ich werde ich hier keine KL anzeigen, da.. Nicht übersichtlich ist.</a:t>
+            </a:r>
           </a:p>
         </p:txBody>
       </p:sp>
@@ -2224,7 +2270,7 @@
               <a:pPr>
                 <a:defRPr/>
               </a:pPr>
-              <a:t>23</a:t>
+              <a:t>19</a:t>
             </a:fld>
             <a:endParaRPr lang="de-DE"/>
           </a:p>
@@ -2233,7 +2279,7 @@
     </p:spTree>
     <p:extLst>
       <p:ext uri="{BB962C8B-B14F-4D97-AF65-F5344CB8AC3E}">
-        <p14:creationId xmlns:p14="http://schemas.microsoft.com/office/powerpoint/2010/main" val="2033798850"/>
+        <p14:creationId xmlns:p14="http://schemas.microsoft.com/office/powerpoint/2010/main" val="1615335567"/>
       </p:ext>
     </p:extLst>
   </p:cSld>
@@ -2289,7 +2335,7 @@
           <a:p>
             <a:r>
               <a:rPr lang="de-DE" dirty="0"/>
-              <a:t>Mein Vortrag besteht aus folgenden Teilen: Erstens [spreche ich über die Einleitung warum eine grafische Komponente entstehen soll, welche Zeile im erreicht werden soll], zweitens [wird über die Grundlage der Topologie eingegangen und dann analysiere ich einige Anforderungen], drittens [spreche ich ausführlich über die 3 Ergebnisse, die in Laufe der MA herausgegeben wurden]. Zum Schluss  gibt es noch einige Fakten zu grafischen Komponenten.</a:t>
+              <a:t>Mein Vortrag besteht aus folgenden Teilen: Erstens [spreche ich über die Einleitung warum eine grafische Komponente entstehen soll, welche Zeile im erreicht werden sollen], zweitens [wird über die Grundlage der Topologie eingegangen und dann analysiere ich einige Anforderungen], drittens [spreche ich ausführlich über die 3 Ergebnisse, die in Laufe der MA herausgegeben wurden]. Zum Schluss  gibt es noch einige Fakten zur grafischen Komponenten.</a:t>
             </a:r>
           </a:p>
         </p:txBody>
@@ -2382,6 +2428,408 @@
           <a:p>
             <a:r>
               <a:rPr lang="de-DE" dirty="0"/>
+              <a:t>Modul-</a:t>
+            </a:r>
+            <a:r>
+              <a:rPr lang="de-DE" dirty="0" err="1"/>
+              <a:t>Diagram</a:t>
+            </a:r>
+            <a:r>
+              <a:rPr lang="de-DE" dirty="0"/>
+              <a:t> beseht aus 4 </a:t>
+            </a:r>
+            <a:r>
+              <a:rPr lang="de-DE" dirty="0" err="1"/>
+              <a:t>module</a:t>
+            </a:r>
+            <a:r>
+              <a:rPr lang="de-DE" dirty="0"/>
+              <a:t>. </a:t>
+            </a:r>
+            <a:r>
+              <a:rPr lang="de-DE" dirty="0" err="1"/>
+              <a:t>AppModule</a:t>
+            </a:r>
+            <a:r>
+              <a:rPr lang="de-DE" dirty="0"/>
+              <a:t>  besser gesagt aus angular Module. </a:t>
+            </a:r>
+            <a:r>
+              <a:rPr lang="de-DE" dirty="0" err="1"/>
+              <a:t>AppModule</a:t>
+            </a:r>
+            <a:r>
+              <a:rPr lang="de-DE" dirty="0"/>
+              <a:t> ist das </a:t>
+            </a:r>
+            <a:r>
+              <a:rPr lang="de-DE" dirty="0" err="1"/>
+              <a:t>hauptmodell</a:t>
+            </a:r>
+            <a:r>
+              <a:rPr lang="de-DE" dirty="0"/>
+              <a:t>. </a:t>
+            </a:r>
+          </a:p>
+        </p:txBody>
+      </p:sp>
+      <p:sp>
+        <p:nvSpPr>
+          <p:cNvPr id="4" name="Foliennummernplatzhalter 3"/>
+          <p:cNvSpPr>
+            <a:spLocks noGrp="1"/>
+          </p:cNvSpPr>
+          <p:nvPr>
+            <p:ph type="sldNum" sz="quarter" idx="10"/>
+          </p:nvPr>
+        </p:nvSpPr>
+        <p:spPr/>
+        <p:txBody>
+          <a:bodyPr/>
+          <a:lstStyle/>
+          <a:p>
+            <a:pPr>
+              <a:defRPr/>
+            </a:pPr>
+            <a:fld id="{862C4B85-5E71-423A-A9E4-96958528BF14}" type="slidenum">
+              <a:rPr lang="de-DE" smtClean="0"/>
+              <a:pPr>
+                <a:defRPr/>
+              </a:pPr>
+              <a:t>20</a:t>
+            </a:fld>
+            <a:endParaRPr lang="de-DE"/>
+          </a:p>
+        </p:txBody>
+      </p:sp>
+    </p:spTree>
+    <p:extLst>
+      <p:ext uri="{BB962C8B-B14F-4D97-AF65-F5344CB8AC3E}">
+        <p14:creationId xmlns:p14="http://schemas.microsoft.com/office/powerpoint/2010/main" val="3511203290"/>
+      </p:ext>
+    </p:extLst>
+  </p:cSld>
+  <p:clrMapOvr>
+    <a:masterClrMapping/>
+  </p:clrMapOvr>
+</p:notes>
+</file>
+
+<file path=ppt/notesSlides/notesSlide21.xml><?xml version="1.0" encoding="utf-8"?>
+<p:notes xmlns:a="http://schemas.openxmlformats.org/drawingml/2006/main" xmlns:r="http://schemas.openxmlformats.org/officeDocument/2006/relationships" xmlns:p="http://schemas.openxmlformats.org/presentationml/2006/main">
+  <p:cSld>
+    <p:spTree>
+      <p:nvGrpSpPr>
+        <p:cNvPr id="1" name=""/>
+        <p:cNvGrpSpPr/>
+        <p:nvPr/>
+      </p:nvGrpSpPr>
+      <p:grpSpPr>
+        <a:xfrm>
+          <a:off x="0" y="0"/>
+          <a:ext cx="0" cy="0"/>
+          <a:chOff x="0" y="0"/>
+          <a:chExt cx="0" cy="0"/>
+        </a:xfrm>
+      </p:grpSpPr>
+      <p:sp>
+        <p:nvSpPr>
+          <p:cNvPr id="2" name="Folienbildplatzhalter 1"/>
+          <p:cNvSpPr>
+            <a:spLocks noGrp="1" noRot="1" noChangeAspect="1"/>
+          </p:cNvSpPr>
+          <p:nvPr>
+            <p:ph type="sldImg"/>
+          </p:nvPr>
+        </p:nvSpPr>
+        <p:spPr/>
+      </p:sp>
+      <p:sp>
+        <p:nvSpPr>
+          <p:cNvPr id="3" name="Notizenplatzhalter 2"/>
+          <p:cNvSpPr>
+            <a:spLocks noGrp="1"/>
+          </p:cNvSpPr>
+          <p:nvPr>
+            <p:ph type="body" idx="1"/>
+          </p:nvPr>
+        </p:nvSpPr>
+        <p:spPr/>
+        <p:txBody>
+          <a:bodyPr/>
+          <a:lstStyle/>
+          <a:p>
+            <a:r>
+              <a:rPr lang="de-DE" dirty="0"/>
+              <a:t>Das </a:t>
+            </a:r>
+            <a:r>
+              <a:rPr lang="de-DE" dirty="0" err="1"/>
+              <a:t>ergebnis</a:t>
+            </a:r>
+            <a:r>
+              <a:rPr lang="de-DE" dirty="0"/>
+              <a:t> sieht so  aus. Wenn man TE in einer Webbrowser öffnet. Jedes </a:t>
+            </a:r>
+            <a:r>
+              <a:rPr lang="de-DE" dirty="0" err="1"/>
+              <a:t>Devce</a:t>
+            </a:r>
+            <a:r>
+              <a:rPr lang="de-DE" dirty="0"/>
+              <a:t> wird durch ein </a:t>
+            </a:r>
+            <a:r>
+              <a:rPr lang="de-DE" dirty="0" err="1"/>
+              <a:t>rechteck</a:t>
+            </a:r>
+            <a:r>
+              <a:rPr lang="de-DE" dirty="0"/>
+              <a:t> dargestellt. Die </a:t>
+            </a:r>
+            <a:r>
+              <a:rPr lang="de-DE" dirty="0" err="1"/>
+              <a:t>ports</a:t>
+            </a:r>
+            <a:r>
+              <a:rPr lang="de-DE" dirty="0"/>
+              <a:t> werden direkt unter die Rechtteck gekennzeichnet.. Die </a:t>
+            </a:r>
+            <a:r>
+              <a:rPr lang="de-DE" dirty="0" err="1"/>
+              <a:t>Verbindun</a:t>
+            </a:r>
+            <a:r>
+              <a:rPr lang="de-DE" dirty="0"/>
+              <a:t> wird durch die </a:t>
+            </a:r>
+            <a:r>
+              <a:rPr lang="de-DE" dirty="0" err="1"/>
+              <a:t>linie</a:t>
+            </a:r>
+            <a:r>
+              <a:rPr lang="de-DE" dirty="0"/>
+              <a:t> repräsentiert. Unter haben wir einige </a:t>
+            </a:r>
+            <a:r>
+              <a:rPr lang="de-DE" dirty="0" err="1"/>
+              <a:t>button</a:t>
+            </a:r>
+            <a:r>
+              <a:rPr lang="de-DE" dirty="0"/>
+              <a:t> </a:t>
+            </a:r>
+            <a:r>
+              <a:rPr lang="de-DE" dirty="0" err="1"/>
+              <a:t>z.b</a:t>
+            </a:r>
+            <a:r>
+              <a:rPr lang="de-DE" dirty="0"/>
+              <a:t> automatisch </a:t>
+            </a:r>
+            <a:r>
+              <a:rPr lang="de-DE" dirty="0" err="1"/>
+              <a:t>anodrnung</a:t>
+            </a:r>
+            <a:r>
+              <a:rPr lang="de-DE" dirty="0"/>
+              <a:t> der </a:t>
+            </a:r>
+            <a:r>
+              <a:rPr lang="de-DE" dirty="0" err="1"/>
+              <a:t>geräten</a:t>
+            </a:r>
+            <a:r>
+              <a:rPr lang="de-DE" dirty="0"/>
+              <a:t>.</a:t>
+            </a:r>
+          </a:p>
+        </p:txBody>
+      </p:sp>
+      <p:sp>
+        <p:nvSpPr>
+          <p:cNvPr id="4" name="Foliennummernplatzhalter 3"/>
+          <p:cNvSpPr>
+            <a:spLocks noGrp="1"/>
+          </p:cNvSpPr>
+          <p:nvPr>
+            <p:ph type="sldNum" sz="quarter" idx="10"/>
+          </p:nvPr>
+        </p:nvSpPr>
+        <p:spPr/>
+        <p:txBody>
+          <a:bodyPr/>
+          <a:lstStyle/>
+          <a:p>
+            <a:pPr>
+              <a:defRPr/>
+            </a:pPr>
+            <a:fld id="{862C4B85-5E71-423A-A9E4-96958528BF14}" type="slidenum">
+              <a:rPr lang="de-DE" smtClean="0"/>
+              <a:pPr>
+                <a:defRPr/>
+              </a:pPr>
+              <a:t>21</a:t>
+            </a:fld>
+            <a:endParaRPr lang="de-DE"/>
+          </a:p>
+        </p:txBody>
+      </p:sp>
+    </p:spTree>
+    <p:extLst>
+      <p:ext uri="{BB962C8B-B14F-4D97-AF65-F5344CB8AC3E}">
+        <p14:creationId xmlns:p14="http://schemas.microsoft.com/office/powerpoint/2010/main" val="3156112262"/>
+      </p:ext>
+    </p:extLst>
+  </p:cSld>
+  <p:clrMapOvr>
+    <a:masterClrMapping/>
+  </p:clrMapOvr>
+</p:notes>
+</file>
+
+<file path=ppt/notesSlides/notesSlide22.xml><?xml version="1.0" encoding="utf-8"?>
+<p:notes xmlns:a="http://schemas.openxmlformats.org/drawingml/2006/main" xmlns:r="http://schemas.openxmlformats.org/officeDocument/2006/relationships" xmlns:p="http://schemas.openxmlformats.org/presentationml/2006/main">
+  <p:cSld>
+    <p:spTree>
+      <p:nvGrpSpPr>
+        <p:cNvPr id="1" name=""/>
+        <p:cNvGrpSpPr/>
+        <p:nvPr/>
+      </p:nvGrpSpPr>
+      <p:grpSpPr>
+        <a:xfrm>
+          <a:off x="0" y="0"/>
+          <a:ext cx="0" cy="0"/>
+          <a:chOff x="0" y="0"/>
+          <a:chExt cx="0" cy="0"/>
+        </a:xfrm>
+      </p:grpSpPr>
+      <p:sp>
+        <p:nvSpPr>
+          <p:cNvPr id="2" name="Folienbildplatzhalter 1"/>
+          <p:cNvSpPr>
+            <a:spLocks noGrp="1" noRot="1" noChangeAspect="1"/>
+          </p:cNvSpPr>
+          <p:nvPr>
+            <p:ph type="sldImg"/>
+          </p:nvPr>
+        </p:nvSpPr>
+        <p:spPr/>
+      </p:sp>
+      <p:sp>
+        <p:nvSpPr>
+          <p:cNvPr id="3" name="Notizenplatzhalter 2"/>
+          <p:cNvSpPr>
+            <a:spLocks noGrp="1"/>
+          </p:cNvSpPr>
+          <p:nvPr>
+            <p:ph type="body" idx="1"/>
+          </p:nvPr>
+        </p:nvSpPr>
+        <p:spPr/>
+        <p:txBody>
+          <a:bodyPr/>
+          <a:lstStyle/>
+          <a:p>
+            <a:endParaRPr lang="de-DE" dirty="0"/>
+          </a:p>
+        </p:txBody>
+      </p:sp>
+      <p:sp>
+        <p:nvSpPr>
+          <p:cNvPr id="4" name="Foliennummernplatzhalter 3"/>
+          <p:cNvSpPr>
+            <a:spLocks noGrp="1"/>
+          </p:cNvSpPr>
+          <p:nvPr>
+            <p:ph type="sldNum" sz="quarter" idx="10"/>
+          </p:nvPr>
+        </p:nvSpPr>
+        <p:spPr/>
+        <p:txBody>
+          <a:bodyPr/>
+          <a:lstStyle/>
+          <a:p>
+            <a:pPr>
+              <a:defRPr/>
+            </a:pPr>
+            <a:fld id="{862C4B85-5E71-423A-A9E4-96958528BF14}" type="slidenum">
+              <a:rPr lang="de-DE" smtClean="0"/>
+              <a:pPr>
+                <a:defRPr/>
+              </a:pPr>
+              <a:t>23</a:t>
+            </a:fld>
+            <a:endParaRPr lang="de-DE"/>
+          </a:p>
+        </p:txBody>
+      </p:sp>
+    </p:spTree>
+    <p:extLst>
+      <p:ext uri="{BB962C8B-B14F-4D97-AF65-F5344CB8AC3E}">
+        <p14:creationId xmlns:p14="http://schemas.microsoft.com/office/powerpoint/2010/main" val="2033798850"/>
+      </p:ext>
+    </p:extLst>
+  </p:cSld>
+  <p:clrMapOvr>
+    <a:masterClrMapping/>
+  </p:clrMapOvr>
+</p:notes>
+</file>
+
+<file path=ppt/notesSlides/notesSlide23.xml><?xml version="1.0" encoding="utf-8"?>
+<p:notes xmlns:a="http://schemas.openxmlformats.org/drawingml/2006/main" xmlns:r="http://schemas.openxmlformats.org/officeDocument/2006/relationships" xmlns:p="http://schemas.openxmlformats.org/presentationml/2006/main">
+  <p:cSld>
+    <p:spTree>
+      <p:nvGrpSpPr>
+        <p:cNvPr id="1" name=""/>
+        <p:cNvGrpSpPr/>
+        <p:nvPr/>
+      </p:nvGrpSpPr>
+      <p:grpSpPr>
+        <a:xfrm>
+          <a:off x="0" y="0"/>
+          <a:ext cx="0" cy="0"/>
+          <a:chOff x="0" y="0"/>
+          <a:chExt cx="0" cy="0"/>
+        </a:xfrm>
+      </p:grpSpPr>
+      <p:sp>
+        <p:nvSpPr>
+          <p:cNvPr id="2" name="Folienbildplatzhalter 1"/>
+          <p:cNvSpPr>
+            <a:spLocks noGrp="1" noRot="1" noChangeAspect="1"/>
+          </p:cNvSpPr>
+          <p:nvPr>
+            <p:ph type="sldImg"/>
+          </p:nvPr>
+        </p:nvSpPr>
+        <p:spPr/>
+      </p:sp>
+      <p:sp>
+        <p:nvSpPr>
+          <p:cNvPr id="3" name="Notizenplatzhalter 2"/>
+          <p:cNvSpPr>
+            <a:spLocks noGrp="1"/>
+          </p:cNvSpPr>
+          <p:nvPr>
+            <p:ph type="body" idx="1"/>
+          </p:nvPr>
+        </p:nvSpPr>
+        <p:spPr/>
+        <p:txBody>
+          <a:bodyPr/>
+          <a:lstStyle/>
+          <a:p>
+            <a:r>
+              <a:rPr lang="de-DE" dirty="0"/>
+              <a:t>Verbalisieren..</a:t>
+            </a:r>
+          </a:p>
+          <a:p>
+            <a:r>
+              <a:rPr lang="de-DE" dirty="0"/>
               <a:t>4) </a:t>
             </a:r>
             <a:r>
@@ -2392,6 +2840,42 @@
               <a:rPr lang="de-DE" baseline="0" dirty="0"/>
               <a:t> mit Berücksichtigung des Datenflusses</a:t>
             </a:r>
+          </a:p>
+          <a:p>
+            <a:pPr marL="0" marR="0" lvl="0" indent="0" algn="l" defTabSz="914400" rtl="0" eaLnBrk="0" fontAlgn="base" latinLnBrk="0" hangingPunct="0">
+              <a:lnSpc>
+                <a:spcPct val="100000"/>
+              </a:lnSpc>
+              <a:spcBef>
+                <a:spcPct val="30000"/>
+              </a:spcBef>
+              <a:spcAft>
+                <a:spcPct val="0"/>
+              </a:spcAft>
+              <a:buClrTx/>
+              <a:buSzTx/>
+              <a:buFontTx/>
+              <a:buNone/>
+              <a:tabLst/>
+              <a:defRPr/>
+            </a:pPr>
+            <a:r>
+              <a:rPr lang="de-DE" baseline="0" dirty="0"/>
+              <a:t>- </a:t>
+            </a:r>
+            <a:r>
+              <a:rPr lang="de-DE" sz="1200" b="0" i="0" u="none" strike="noStrike" kern="1200" baseline="0" dirty="0">
+                <a:solidFill>
+                  <a:schemeClr val="tx1"/>
+                </a:solidFill>
+                <a:latin typeface="+mn-lt"/>
+                <a:ea typeface="+mn-ea"/>
+                <a:cs typeface="+mn-cs"/>
+              </a:rPr>
+              <a:t>verschiedene Technologien basieren und schwer zu warten und zu erweitern sind.</a:t>
+            </a:r>
+          </a:p>
+          <a:p>
             <a:endParaRPr lang="de-DE" dirty="0"/>
           </a:p>
         </p:txBody>
@@ -2482,7 +2966,10 @@
           <a:bodyPr/>
           <a:lstStyle/>
           <a:p>
-            <a:endParaRPr lang="de-DE" dirty="0"/>
+            <a:r>
+              <a:rPr lang="de-DE" dirty="0"/>
+              <a:t>Nun fangen wir mit der ersten Kapitel an !</a:t>
+            </a:r>
           </a:p>
         </p:txBody>
       </p:sp>
@@ -2581,33 +3068,7 @@
                 <a:ea typeface="+mn-ea"/>
                 <a:cs typeface="+mn-cs"/>
               </a:rPr>
-              <a:t>Die Firma Hilscher sucht eine Möglichkeit, das Engineering Tool Communication Studio um eine grafische Komponente für die Abbildung komplexer industriellen Netzwerke zu erweitern… CS ist eine Software um Netzwerk zu parametrisieren und Konfigurieren  und  Der aktuelle Stand des CS bietet   Darstellung der Netzwerktopologien, die</a:t>
-            </a:r>
-          </a:p>
-          <a:p>
-            <a:r>
-              <a:rPr lang="de-DE" sz="1200" b="0" i="0" u="none" strike="noStrike" kern="1200" baseline="0" dirty="0">
-                <a:solidFill>
-                  <a:schemeClr val="tx1"/>
-                </a:solidFill>
-                <a:latin typeface="+mn-lt"/>
-                <a:ea typeface="+mn-ea"/>
-                <a:cs typeface="+mn-cs"/>
-              </a:rPr>
-              <a:t> unhandlich sind,  protokollabhängig in jeweiliger Binärkomponente verankert sind, auf verschiedene Technologien basieren und schwer zu warten und zu erweitern sind.</a:t>
-            </a:r>
-          </a:p>
-          <a:p>
-            <a:r>
-              <a:rPr lang="de-DE" sz="1200" b="0" i="0" u="none" strike="noStrike" kern="1200" baseline="0" dirty="0">
-                <a:solidFill>
-                  <a:schemeClr val="tx1"/>
-                </a:solidFill>
-                <a:latin typeface="+mn-lt"/>
-                <a:ea typeface="+mn-ea"/>
-                <a:cs typeface="+mn-cs"/>
-              </a:rPr>
-              <a:t>- --- in … die es dem Anwender einfaches Management der Netzwerke erlaubt, alle gängigen </a:t>
+              <a:t>Die Firma Hilscher sucht eine Möglichkeit, das Engineering Tool Communication Studio um eine grafische Komponente für die Abbildung komplexer industriellen Netzwerke zu erweitern. Die --- soll die topologische Information visuell darstellen, die es dem Anwender einfaches Management der Netzwerke erlaubt und  alle gängigen </a:t>
             </a:r>
             <a:r>
               <a:rPr lang="de-DE" sz="1200" b="0" i="0" u="none" strike="noStrike" kern="1200" baseline="0" dirty="0" err="1">
@@ -2629,19 +3090,27 @@
                 <a:ea typeface="+mn-ea"/>
                 <a:cs typeface="+mn-cs"/>
               </a:rPr>
-              <a:t> im Kontext der industriellen Netzwerke unterstützt, leicht erweiterbar ist, um künftige Netzwerke zu unterstützen. Dabei stellt man die FP mit welchen Technologie lässt  ein Verteilte Anwendung mit einer möglichst einheitlichen Codebasis umsetzen, mit dem Ziel vernachlässigbare Veränderung der Host-</a:t>
-            </a:r>
-            <a:r>
-              <a:rPr lang="de-DE" sz="1200" b="0" i="0" u="none" strike="noStrike" kern="1200" baseline="0" dirty="0" err="1">
-                <a:solidFill>
-                  <a:schemeClr val="tx1"/>
-                </a:solidFill>
-                <a:latin typeface="+mn-lt"/>
-                <a:ea typeface="+mn-ea"/>
-                <a:cs typeface="+mn-cs"/>
-              </a:rPr>
-              <a:t>Appl</a:t>
-            </a:r>
+              <a:t> im Kontext der industriellen Netzwerke unterstützt. Gefordert ist ---</a:t>
+            </a:r>
+          </a:p>
+          <a:p>
+            <a:pPr marL="0" marR="0" lvl="0" indent="0" algn="l" defTabSz="914400" rtl="0" eaLnBrk="0" fontAlgn="base" latinLnBrk="0" hangingPunct="0">
+              <a:lnSpc>
+                <a:spcPct val="100000"/>
+              </a:lnSpc>
+              <a:spcBef>
+                <a:spcPct val="30000"/>
+              </a:spcBef>
+              <a:spcAft>
+                <a:spcPct val="0"/>
+              </a:spcAft>
+              <a:buClrTx/>
+              <a:buSzTx/>
+              <a:buFontTx/>
+              <a:buNone/>
+              <a:tabLst/>
+              <a:defRPr/>
+            </a:pPr>
             <a:r>
               <a:rPr lang="de-DE" sz="1200" b="0" i="0" u="none" strike="noStrike" kern="1200" baseline="0" dirty="0">
                 <a:solidFill>
@@ -2651,10 +3120,8 @@
                 <a:ea typeface="+mn-ea"/>
                 <a:cs typeface="+mn-cs"/>
               </a:rPr>
-              <a:t> vorauszusetzen </a:t>
-            </a:r>
-          </a:p>
-          <a:p>
+              <a:t>Als Zielsetzung soll ----  Dabei stellt man die FP mit welchen Technologie lässt  ein Verteilte Anwendung mit einer möglichst einheitlichen Codebasis umsetzen, mit dem Ziel vernachlässigbare Veränderung der Host-App vorauszusetzen. </a:t>
+            </a:r>
             <a:endParaRPr lang="de-DE" dirty="0"/>
           </a:p>
         </p:txBody>
@@ -2745,7 +3212,10 @@
           <a:bodyPr/>
           <a:lstStyle/>
           <a:p>
-            <a:endParaRPr lang="de-DE" dirty="0"/>
+            <a:r>
+              <a:rPr lang="de-DE" dirty="0"/>
+              <a:t>Die Kapitel 2 befassen wir mit der Grundlegende Topologie.</a:t>
+            </a:r>
           </a:p>
         </p:txBody>
       </p:sp>
@@ -3281,7 +3751,7 @@
           <a:lstStyle/>
           <a:p>
             <a:r>
-              <a:rPr lang="de-DE" sz="1200" b="0" i="0" u="none" strike="noStrike" kern="1200" baseline="0" dirty="0" smtClean="0">
+              <a:rPr lang="de-DE" sz="1200" b="0" i="0" u="none" strike="noStrike" kern="1200" baseline="0" dirty="0">
                 <a:solidFill>
                   <a:schemeClr val="tx1"/>
                 </a:solidFill>
@@ -3292,7 +3762,7 @@
               <a:t>-Wenn eine Endstation in Netz ausfällt, </a:t>
             </a:r>
             <a:r>
-              <a:rPr lang="de-DE" sz="1200" b="0" i="0" u="none" strike="noStrike" kern="1200" baseline="0" dirty="0" err="1" smtClean="0">
+              <a:rPr lang="de-DE" sz="1200" b="0" i="0" u="none" strike="noStrike" kern="1200" baseline="0" dirty="0" err="1">
                 <a:solidFill>
                   <a:schemeClr val="tx1"/>
                 </a:solidFill>
@@ -3303,7 +3773,7 @@
               <a:t>ergiben</a:t>
             </a:r>
             <a:r>
-              <a:rPr lang="de-DE" sz="1200" b="0" i="0" u="none" strike="noStrike" kern="1200" baseline="0" dirty="0" smtClean="0">
+              <a:rPr lang="de-DE" sz="1200" b="0" i="0" u="none" strike="noStrike" kern="1200" baseline="0" dirty="0">
                 <a:solidFill>
                   <a:schemeClr val="tx1"/>
                 </a:solidFill>
@@ -3320,7 +3790,7 @@
               <a:buNone/>
             </a:pPr>
             <a:r>
-              <a:rPr lang="de-DE" sz="1200" b="0" i="0" u="none" strike="noStrike" kern="1200" baseline="0" dirty="0" smtClean="0">
+              <a:rPr lang="de-DE" sz="1200" b="0" i="0" u="none" strike="noStrike" kern="1200" baseline="0" dirty="0">
                 <a:solidFill>
                   <a:schemeClr val="tx1"/>
                 </a:solidFill>
@@ -3333,7 +3803,7 @@
           </a:p>
           <a:p>
             <a:r>
-              <a:rPr lang="en-US" sz="1200" b="0" i="0" u="none" strike="noStrike" kern="1200" baseline="0" dirty="0" smtClean="0">
+              <a:rPr lang="en-US" sz="1200" b="0" i="0" u="none" strike="noStrike" kern="1200" baseline="0" dirty="0">
                 <a:solidFill>
                   <a:schemeClr val="tx1"/>
                 </a:solidFill>
@@ -3344,7 +3814,7 @@
               <a:t>- </a:t>
             </a:r>
             <a:r>
-              <a:rPr lang="de-DE" sz="1200" b="0" i="0" u="none" strike="noStrike" kern="1200" baseline="0" dirty="0" smtClean="0">
+              <a:rPr lang="de-DE" sz="1200" b="0" i="0" u="none" strike="noStrike" kern="1200" baseline="0" dirty="0">
                 <a:solidFill>
                   <a:schemeClr val="tx1"/>
                 </a:solidFill>
@@ -3357,7 +3827,7 @@
           </a:p>
           <a:p>
             <a:r>
-              <a:rPr lang="de-DE" sz="1200" b="0" i="0" u="none" strike="noStrike" kern="1200" baseline="0" dirty="0" smtClean="0">
+              <a:rPr lang="de-DE" sz="1200" b="0" i="0" u="none" strike="noStrike" kern="1200" baseline="0" dirty="0">
                 <a:solidFill>
                   <a:schemeClr val="tx1"/>
                 </a:solidFill>
@@ -3368,7 +3838,7 @@
               <a:t>- </a:t>
             </a:r>
             <a:r>
-              <a:rPr lang="en-US" sz="1200" b="0" i="0" u="none" strike="noStrike" kern="1200" baseline="0" dirty="0" err="1" smtClean="0">
+              <a:rPr lang="en-US" sz="1200" b="0" i="0" u="none" strike="noStrike" kern="1200" baseline="0" dirty="0" err="1">
                 <a:solidFill>
                   <a:schemeClr val="tx1"/>
                 </a:solidFill>
@@ -3379,7 +3849,7 @@
               <a:t>Bedarf</a:t>
             </a:r>
             <a:r>
-              <a:rPr lang="en-US" sz="1200" b="0" i="0" u="none" strike="noStrike" kern="1200" baseline="0" dirty="0" smtClean="0">
+              <a:rPr lang="en-US" sz="1200" b="0" i="0" u="none" strike="noStrike" kern="1200" baseline="0" dirty="0">
                 <a:solidFill>
                   <a:schemeClr val="tx1"/>
                 </a:solidFill>
@@ -3390,7 +3860,7 @@
               <a:t> </a:t>
             </a:r>
             <a:r>
-              <a:rPr lang="en-US" sz="1200" b="0" i="0" u="none" strike="noStrike" kern="1200" baseline="0" dirty="0" err="1" smtClean="0">
+              <a:rPr lang="en-US" sz="1200" b="0" i="0" u="none" strike="noStrike" kern="1200" baseline="0" dirty="0" err="1">
                 <a:solidFill>
                   <a:schemeClr val="tx1"/>
                 </a:solidFill>
@@ -3401,7 +3871,7 @@
               <a:t>einer</a:t>
             </a:r>
             <a:r>
-              <a:rPr lang="en-US" sz="1200" b="0" i="0" u="none" strike="noStrike" kern="1200" baseline="0" dirty="0" smtClean="0">
+              <a:rPr lang="en-US" sz="1200" b="0" i="0" u="none" strike="noStrike" kern="1200" baseline="0" dirty="0">
                 <a:solidFill>
                   <a:schemeClr val="tx1"/>
                 </a:solidFill>
@@ -3412,7 +3882,7 @@
               <a:t> ….  </a:t>
             </a:r>
             <a:r>
-              <a:rPr lang="en-US" sz="1200" b="0" i="0" u="none" strike="noStrike" kern="1200" baseline="0" dirty="0" err="1" smtClean="0">
+              <a:rPr lang="en-US" sz="1200" b="0" i="0" u="none" strike="noStrike" kern="1200" baseline="0" dirty="0" err="1">
                 <a:solidFill>
                   <a:schemeClr val="tx1"/>
                 </a:solidFill>
@@ -3423,7 +3893,7 @@
               <a:t>Wenn</a:t>
             </a:r>
             <a:r>
-              <a:rPr lang="en-US" sz="1200" b="0" i="0" u="none" strike="noStrike" kern="1200" baseline="0" dirty="0" smtClean="0">
+              <a:rPr lang="en-US" sz="1200" b="0" i="0" u="none" strike="noStrike" kern="1200" baseline="0" dirty="0">
                 <a:solidFill>
                   <a:schemeClr val="tx1"/>
                 </a:solidFill>
@@ -3434,7 +3904,7 @@
               <a:t> das System </a:t>
             </a:r>
             <a:r>
-              <a:rPr lang="en-US" sz="1200" b="0" i="0" u="none" strike="noStrike" kern="1200" baseline="0" dirty="0" err="1" smtClean="0">
+              <a:rPr lang="en-US" sz="1200" b="0" i="0" u="none" strike="noStrike" kern="1200" baseline="0" dirty="0" err="1">
                 <a:solidFill>
                   <a:schemeClr val="tx1"/>
                 </a:solidFill>
@@ -3445,7 +3915,7 @@
               <a:t>erweitert</a:t>
             </a:r>
             <a:r>
-              <a:rPr lang="en-US" sz="1200" b="0" i="0" u="none" strike="noStrike" kern="1200" baseline="0" dirty="0" smtClean="0">
+              <a:rPr lang="en-US" sz="1200" b="0" i="0" u="none" strike="noStrike" kern="1200" baseline="0" dirty="0">
                 <a:solidFill>
                   <a:schemeClr val="tx1"/>
                 </a:solidFill>
@@ -3456,7 +3926,7 @@
               <a:t> </a:t>
             </a:r>
             <a:r>
-              <a:rPr lang="en-US" sz="1200" b="0" i="0" u="none" strike="noStrike" kern="1200" baseline="0" dirty="0" err="1" smtClean="0">
+              <a:rPr lang="en-US" sz="1200" b="0" i="0" u="none" strike="noStrike" kern="1200" baseline="0" dirty="0" err="1">
                 <a:solidFill>
                   <a:schemeClr val="tx1"/>
                 </a:solidFill>
@@ -3467,7 +3937,7 @@
               <a:t>wird</a:t>
             </a:r>
             <a:r>
-              <a:rPr lang="en-US" sz="1200" b="0" i="0" u="none" strike="noStrike" kern="1200" baseline="0" dirty="0" smtClean="0">
+              <a:rPr lang="en-US" sz="1200" b="0" i="0" u="none" strike="noStrike" kern="1200" baseline="0" dirty="0">
                 <a:solidFill>
                   <a:schemeClr val="tx1"/>
                 </a:solidFill>
@@ -3483,7 +3953,7 @@
               <a:buFontTx/>
               <a:buNone/>
             </a:pPr>
-            <a:endParaRPr lang="de-DE" sz="1200" b="0" i="0" u="none" strike="noStrike" kern="1200" baseline="0" dirty="0" smtClean="0">
+            <a:endParaRPr lang="de-DE" sz="1200" b="0" i="0" u="none" strike="noStrike" kern="1200" baseline="0" dirty="0">
               <a:solidFill>
                 <a:schemeClr val="tx1"/>
               </a:solidFill>
@@ -3497,7 +3967,7 @@
               <a:buFontTx/>
               <a:buNone/>
             </a:pPr>
-            <a:endParaRPr lang="de-DE" sz="1200" b="0" i="0" u="none" strike="noStrike" kern="1200" baseline="0" dirty="0" smtClean="0">
+            <a:endParaRPr lang="de-DE" sz="1200" b="0" i="0" u="none" strike="noStrike" kern="1200" baseline="0" dirty="0">
               <a:solidFill>
                 <a:schemeClr val="tx1"/>
               </a:solidFill>
@@ -3507,7 +3977,7 @@
             </a:endParaRPr>
           </a:p>
           <a:p>
-            <a:endParaRPr lang="de-DE" sz="1200" b="0" i="0" u="none" strike="noStrike" kern="1200" baseline="0" dirty="0" smtClean="0">
+            <a:endParaRPr lang="de-DE" sz="1200" b="0" i="0" u="none" strike="noStrike" kern="1200" baseline="0" dirty="0">
               <a:solidFill>
                 <a:schemeClr val="tx1"/>
               </a:solidFill>
@@ -3607,7 +4077,10 @@
           <a:bodyPr/>
           <a:lstStyle/>
           <a:p>
-            <a:endParaRPr lang="de-DE" dirty="0"/>
+            <a:r>
+              <a:rPr lang="de-DE" dirty="0"/>
+              <a:t>Hier werden die Fun und nicht Funktion Anforderungen analysieren</a:t>
+            </a:r>
           </a:p>
         </p:txBody>
       </p:sp>
@@ -8092,7 +8565,7 @@
             <a:pPr lvl="1"/>
             <a:r>
               <a:rPr lang="de-DE" dirty="0"/>
-              <a:t>Die topologischen Informationen müssen Mit Symbolen dargestellt werden</a:t>
+              <a:t>Die topologischen Informationen müssen mit Symbolen dargestellt werden</a:t>
             </a:r>
           </a:p>
           <a:p>
@@ -8139,7 +8612,7 @@
             <a:pPr lvl="1"/>
             <a:r>
               <a:rPr lang="de-DE" dirty="0"/>
-              <a:t>Stabilität</a:t>
+              <a:t>Leicht erweiterbar</a:t>
             </a:r>
           </a:p>
           <a:p>
@@ -8661,15 +9134,7 @@
           <a:p>
             <a:r>
               <a:rPr lang="de-DE" dirty="0"/>
-              <a:t>Für die </a:t>
-            </a:r>
-            <a:r>
-              <a:rPr lang="de-DE" dirty="0" smtClean="0"/>
-              <a:t>grafische </a:t>
-            </a:r>
-            <a:r>
-              <a:rPr lang="de-DE" dirty="0"/>
-              <a:t>Darstellung</a:t>
+              <a:t>Für die grafische Darstellung</a:t>
             </a:r>
           </a:p>
           <a:p>
@@ -9401,13 +9866,8 @@
             </a:r>
             <a:r>
               <a:rPr lang="de-DE" dirty="0"/>
-              <a:t>-Editor:: grundlegende </a:t>
-            </a:r>
-            <a:r>
-              <a:rPr lang="de-DE" dirty="0" smtClean="0"/>
-              <a:t>Konzepte </a:t>
-            </a:r>
-            <a:endParaRPr lang="de-DE" dirty="0"/>
+              <a:t>-Editor:: grundlegende Konzepte </a:t>
+            </a:r>
           </a:p>
         </p:txBody>
       </p:sp>
@@ -11461,7 +11921,7 @@
           <p:nvPr/>
         </p:nvPicPr>
         <p:blipFill>
-          <a:blip r:embed="rId2"/>
+          <a:blip r:embed="rId3"/>
           <a:stretch>
             <a:fillRect/>
           </a:stretch>
@@ -11855,7 +12315,7 @@
           <p:nvPr/>
         </p:nvPicPr>
         <p:blipFill>
-          <a:blip r:embed="rId2"/>
+          <a:blip r:embed="rId3"/>
           <a:stretch>
             <a:fillRect/>
           </a:stretch>
@@ -12456,13 +12916,6 @@
   <p:clrMapOvr>
     <a:masterClrMapping/>
   </p:clrMapOvr>
-  <p:timing>
-    <p:tnLst>
-      <p:par>
-        <p:cTn id="1" dur="indefinite" restart="never" nodeType="tmRoot"/>
-      </p:par>
-    </p:tnLst>
-  </p:timing>
 </p:sld>
 </file>
 
@@ -12677,13 +13130,6 @@
   <p:clrMapOvr>
     <a:masterClrMapping/>
   </p:clrMapOvr>
-  <p:timing>
-    <p:tnLst>
-      <p:par>
-        <p:cTn id="1" dur="indefinite" restart="never" nodeType="tmRoot"/>
-      </p:par>
-    </p:tnLst>
-  </p:timing>
 </p:sld>
 </file>
 
@@ -12714,9 +13160,29 @@
             <p:ph sz="quarter" idx="13"/>
           </p:nvPr>
         </p:nvSpPr>
-        <p:spPr/>
-        <p:txBody>
-          <a:bodyPr/>
+        <p:spPr>
+          <a:ln>
+            <a:noFill/>
+          </a:ln>
+        </p:spPr>
+        <p:txBody>
+          <a:bodyPr>
+            <a:scene3d>
+              <a:camera prst="perspectiveContrastingRightFacing">
+                <a:rot lat="654769" lon="17437227" rev="21526407"/>
+              </a:camera>
+              <a:lightRig rig="threePt" dir="t"/>
+            </a:scene3d>
+            <a:sp3d extrusionH="273050" contourW="273050">
+              <a:bevelT w="120650" h="228600"/>
+              <a:extrusionClr>
+                <a:srgbClr val="C00000"/>
+              </a:extrusionClr>
+              <a:contourClr>
+                <a:srgbClr val="C00000"/>
+              </a:contourClr>
+            </a:sp3d>
+          </a:bodyPr>
           <a:lstStyle/>
           <a:p>
             <a:pPr marL="0" indent="0" algn="ctr">
@@ -12734,10 +13200,7 @@
             <a:pPr marL="0" indent="0" algn="ctr">
               <a:buNone/>
             </a:pPr>
-            <a:r>
-              <a:rPr lang="de-DE" sz="3600" dirty="0"/>
-              <a:t>Vielen Dank für Ihre Aufmerksamkeit!</a:t>
-            </a:r>
+            <a:endParaRPr lang="de-DE" dirty="0"/>
           </a:p>
           <a:p>
             <a:pPr marL="0" indent="0" algn="ctr">
@@ -12755,16 +13218,15 @@
             <a:pPr marL="0" indent="0" algn="ctr">
               <a:buNone/>
             </a:pPr>
-            <a:r>
-              <a:rPr lang="de-DE" dirty="0"/>
-              <a:t>Quellen, Abbildungen, usw. können in der Masterarbeit nachgeschlagen oder per E-Mail angefordert werden.</a:t>
-            </a:r>
-          </a:p>
-          <a:p>
-            <a:pPr marL="0" indent="0" algn="ctr">
-              <a:buNone/>
-            </a:pPr>
-            <a:endParaRPr lang="de-DE" dirty="0"/>
+            <a:endParaRPr lang="de-DE" dirty="0">
+              <a:effectLst>
+                <a:outerShdw blurRad="50800" dist="50800" dir="5400000" sx="140000" sy="140000" algn="ctr" rotWithShape="0">
+                  <a:srgbClr val="000000">
+                    <a:alpha val="43137"/>
+                  </a:srgbClr>
+                </a:outerShdw>
+              </a:effectLst>
+            </a:endParaRPr>
           </a:p>
         </p:txBody>
       </p:sp>
@@ -12864,6 +13326,128 @@
           <a:lstStyle/>
           <a:p>
             <a:endParaRPr lang="de-DE"/>
+          </a:p>
+        </p:txBody>
+      </p:sp>
+      <p:sp>
+        <p:nvSpPr>
+          <p:cNvPr id="8" name="Interaktive Schaltfläche: Hilfe 7">
+            <a:hlinkClick r:id="" action="ppaction://noaction" highlightClick="1"/>
+            <a:extLst>
+              <a:ext uri="{FF2B5EF4-FFF2-40B4-BE49-F238E27FC236}">
+                <a16:creationId xmlns:a16="http://schemas.microsoft.com/office/drawing/2014/main" id="{4CA860F3-7FB2-4FC4-ABF4-9FDC9F0A7B66}"/>
+              </a:ext>
+            </a:extLst>
+          </p:cNvPr>
+          <p:cNvSpPr/>
+          <p:nvPr/>
+        </p:nvSpPr>
+        <p:spPr>
+          <a:xfrm>
+            <a:off x="3887444" y="2204864"/>
+            <a:ext cx="1368152" cy="2190728"/>
+          </a:xfrm>
+          <a:prstGeom prst="actionButtonHelp">
+            <a:avLst/>
+          </a:prstGeom>
+          <a:noFill/>
+          <a:ln>
+            <a:noFill/>
+          </a:ln>
+        </p:spPr>
+        <p:style>
+          <a:lnRef idx="2">
+            <a:schemeClr val="accent1">
+              <a:shade val="50000"/>
+            </a:schemeClr>
+          </a:lnRef>
+          <a:fillRef idx="1">
+            <a:schemeClr val="accent1"/>
+          </a:fillRef>
+          <a:effectRef idx="0">
+            <a:schemeClr val="accent1"/>
+          </a:effectRef>
+          <a:fontRef idx="minor">
+            <a:schemeClr val="lt1"/>
+          </a:fontRef>
+        </p:style>
+        <p:txBody>
+          <a:bodyPr lIns="0" tIns="0" rIns="0" bIns="0" rtlCol="0" anchor="ctr">
+            <a:noAutofit/>
+            <a:scene3d>
+              <a:camera prst="orthographicFront"/>
+              <a:lightRig rig="threePt" dir="t"/>
+            </a:scene3d>
+            <a:sp3d extrusionH="57150">
+              <a:extrusionClr>
+                <a:srgbClr val="C00000"/>
+              </a:extrusionClr>
+            </a:sp3d>
+          </a:bodyPr>
+          <a:lstStyle/>
+          <a:p>
+            <a:pPr algn="ctr"/>
+            <a:endParaRPr lang="de-DE" dirty="0"/>
+          </a:p>
+        </p:txBody>
+      </p:sp>
+      <p:sp>
+        <p:nvSpPr>
+          <p:cNvPr id="9" name="Textfeld 8">
+            <a:extLst>
+              <a:ext uri="{FF2B5EF4-FFF2-40B4-BE49-F238E27FC236}">
+                <a16:creationId xmlns:a16="http://schemas.microsoft.com/office/drawing/2014/main" id="{79DB7833-F491-41CC-90B0-7B4FE03E615A}"/>
+              </a:ext>
+            </a:extLst>
+          </p:cNvPr>
+          <p:cNvSpPr txBox="1"/>
+          <p:nvPr/>
+        </p:nvSpPr>
+        <p:spPr>
+          <a:xfrm>
+            <a:off x="2915816" y="1412776"/>
+            <a:ext cx="3924000" cy="4095224"/>
+          </a:xfrm>
+          <a:prstGeom prst="rect">
+            <a:avLst/>
+          </a:prstGeom>
+          <a:solidFill>
+            <a:schemeClr val="bg1"/>
+          </a:solidFill>
+          <a:ln>
+            <a:noFill/>
+          </a:ln>
+        </p:spPr>
+        <p:txBody>
+          <a:bodyPr wrap="square" lIns="0" rtlCol="0">
+            <a:noAutofit/>
+            <a:scene3d>
+              <a:camera prst="obliqueTopLeft"/>
+              <a:lightRig rig="threePt" dir="t"/>
+            </a:scene3d>
+            <a:sp3d extrusionH="431800">
+              <a:bevelT w="203200" h="698500"/>
+              <a:extrusionClr>
+                <a:srgbClr val="C00000"/>
+              </a:extrusionClr>
+            </a:sp3d>
+          </a:bodyPr>
+          <a:lstStyle/>
+          <a:p>
+            <a:pPr algn="ctr"/>
+            <a:r>
+              <a:rPr lang="de-DE" sz="30000" dirty="0">
+                <a:effectLst>
+                  <a:outerShdw blurRad="1270000" dist="419100" dir="21540000" sx="200000" sy="200000" algn="ctr" rotWithShape="0">
+                    <a:srgbClr val="C00000">
+                      <a:alpha val="0"/>
+                    </a:srgbClr>
+                  </a:outerShdw>
+                </a:effectLst>
+                <a:latin typeface="Arial" panose="020B0604020202020204" pitchFamily="34" charset="0"/>
+              </a:rPr>
+              <a:t>?</a:t>
+            </a:r>
           </a:p>
         </p:txBody>
       </p:sp>
@@ -12877,13 +13461,199 @@
   <p:clrMapOvr>
     <a:masterClrMapping/>
   </p:clrMapOvr>
-  <p:timing>
-    <p:tnLst>
-      <p:par>
-        <p:cTn id="1" dur="indefinite" restart="never" nodeType="tmRoot"/>
-      </p:par>
-    </p:tnLst>
-  </p:timing>
+</p:sld>
+</file>
+
+<file path=ppt/slides/slide26.xml><?xml version="1.0" encoding="utf-8"?>
+<p:sld xmlns:a="http://schemas.openxmlformats.org/drawingml/2006/main" xmlns:r="http://schemas.openxmlformats.org/officeDocument/2006/relationships" xmlns:p="http://schemas.openxmlformats.org/presentationml/2006/main">
+  <p:cSld>
+    <p:spTree>
+      <p:nvGrpSpPr>
+        <p:cNvPr id="1" name=""/>
+        <p:cNvGrpSpPr/>
+        <p:nvPr/>
+      </p:nvGrpSpPr>
+      <p:grpSpPr>
+        <a:xfrm>
+          <a:off x="0" y="0"/>
+          <a:ext cx="0" cy="0"/>
+          <a:chOff x="0" y="0"/>
+          <a:chExt cx="0" cy="0"/>
+        </a:xfrm>
+      </p:grpSpPr>
+      <p:sp>
+        <p:nvSpPr>
+          <p:cNvPr id="2" name="Inhaltsplatzhalter 1"/>
+          <p:cNvSpPr>
+            <a:spLocks noGrp="1"/>
+          </p:cNvSpPr>
+          <p:nvPr>
+            <p:ph sz="quarter" idx="13"/>
+          </p:nvPr>
+        </p:nvSpPr>
+        <p:spPr/>
+        <p:txBody>
+          <a:bodyPr/>
+          <a:lstStyle/>
+          <a:p>
+            <a:pPr marL="0" indent="0" algn="ctr">
+              <a:buNone/>
+            </a:pPr>
+            <a:endParaRPr lang="de-DE" dirty="0"/>
+          </a:p>
+          <a:p>
+            <a:pPr marL="0" indent="0" algn="ctr">
+              <a:buNone/>
+            </a:pPr>
+            <a:endParaRPr lang="de-DE" sz="3600" dirty="0"/>
+          </a:p>
+          <a:p>
+            <a:pPr marL="0" indent="0" algn="ctr">
+              <a:buNone/>
+            </a:pPr>
+            <a:r>
+              <a:rPr lang="de-DE" sz="3600" dirty="0"/>
+              <a:t>Vielen Dank für Ihre Aufmerksamkeit!</a:t>
+            </a:r>
+          </a:p>
+          <a:p>
+            <a:pPr marL="0" indent="0" algn="ctr">
+              <a:buNone/>
+            </a:pPr>
+            <a:endParaRPr lang="de-DE" dirty="0"/>
+          </a:p>
+          <a:p>
+            <a:pPr marL="0" indent="0" algn="ctr">
+              <a:buNone/>
+            </a:pPr>
+            <a:endParaRPr lang="de-DE" dirty="0"/>
+          </a:p>
+          <a:p>
+            <a:pPr marL="0" indent="0" algn="ctr">
+              <a:buNone/>
+            </a:pPr>
+            <a:r>
+              <a:rPr lang="de-DE" dirty="0"/>
+              <a:t>Quellen, Abbildungen, usw. können in der Masterarbeit nachgeschlagen oder per E-Mail angefordert werden.</a:t>
+            </a:r>
+          </a:p>
+          <a:p>
+            <a:pPr marL="0" indent="0" algn="ctr">
+              <a:buNone/>
+            </a:pPr>
+            <a:endParaRPr lang="de-DE" dirty="0"/>
+          </a:p>
+        </p:txBody>
+      </p:sp>
+      <p:sp>
+        <p:nvSpPr>
+          <p:cNvPr id="3" name="Datumsplatzhalter 2"/>
+          <p:cNvSpPr>
+            <a:spLocks noGrp="1"/>
+          </p:cNvSpPr>
+          <p:nvPr>
+            <p:ph type="dt" sz="half" idx="14"/>
+          </p:nvPr>
+        </p:nvSpPr>
+        <p:spPr/>
+        <p:txBody>
+          <a:bodyPr/>
+          <a:lstStyle/>
+          <a:p>
+            <a:pPr>
+              <a:defRPr/>
+            </a:pPr>
+            <a:fld id="{C098E26C-8BAA-4ACE-83C6-8F04F03DE16F}" type="datetime1">
+              <a:rPr lang="de-DE" smtClean="0"/>
+              <a:pPr>
+                <a:defRPr/>
+              </a:pPr>
+              <a:t>01.08.2018</a:t>
+            </a:fld>
+            <a:endParaRPr lang="de-DE" dirty="0"/>
+          </a:p>
+        </p:txBody>
+      </p:sp>
+      <p:sp>
+        <p:nvSpPr>
+          <p:cNvPr id="4" name="Fußzeilenplatzhalter 3"/>
+          <p:cNvSpPr>
+            <a:spLocks noGrp="1"/>
+          </p:cNvSpPr>
+          <p:nvPr>
+            <p:ph type="ftr" sz="quarter" idx="15"/>
+          </p:nvPr>
+        </p:nvSpPr>
+        <p:spPr/>
+        <p:txBody>
+          <a:bodyPr/>
+          <a:lstStyle/>
+          <a:p>
+            <a:pPr>
+              <a:defRPr/>
+            </a:pPr>
+            <a:endParaRPr lang="de-DE"/>
+          </a:p>
+        </p:txBody>
+      </p:sp>
+      <p:sp>
+        <p:nvSpPr>
+          <p:cNvPr id="5" name="Foliennummernplatzhalter 4"/>
+          <p:cNvSpPr>
+            <a:spLocks noGrp="1"/>
+          </p:cNvSpPr>
+          <p:nvPr>
+            <p:ph type="sldNum" sz="quarter" idx="16"/>
+          </p:nvPr>
+        </p:nvSpPr>
+        <p:spPr/>
+        <p:txBody>
+          <a:bodyPr/>
+          <a:lstStyle/>
+          <a:p>
+            <a:pPr>
+              <a:defRPr/>
+            </a:pPr>
+            <a:fld id="{7A8CEE4A-E163-47DE-8784-5B8DE9F7A78A}" type="slidenum">
+              <a:rPr lang="de-DE" altLang="de-DE" smtClean="0"/>
+              <a:pPr>
+                <a:defRPr/>
+              </a:pPr>
+              <a:t>26</a:t>
+            </a:fld>
+            <a:endParaRPr lang="de-DE" altLang="de-DE" dirty="0"/>
+          </a:p>
+        </p:txBody>
+      </p:sp>
+      <p:sp>
+        <p:nvSpPr>
+          <p:cNvPr id="6" name="Titel 5"/>
+          <p:cNvSpPr>
+            <a:spLocks noGrp="1"/>
+          </p:cNvSpPr>
+          <p:nvPr>
+            <p:ph type="title"/>
+          </p:nvPr>
+        </p:nvSpPr>
+        <p:spPr/>
+        <p:txBody>
+          <a:bodyPr/>
+          <a:lstStyle/>
+          <a:p>
+            <a:endParaRPr lang="de-DE"/>
+          </a:p>
+        </p:txBody>
+      </p:sp>
+    </p:spTree>
+    <p:extLst>
+      <p:ext uri="{BB962C8B-B14F-4D97-AF65-F5344CB8AC3E}">
+        <p14:creationId xmlns:p14="http://schemas.microsoft.com/office/powerpoint/2010/main" val="795146112"/>
+      </p:ext>
+    </p:extLst>
+  </p:cSld>
+  <p:clrMapOvr>
+    <a:masterClrMapping/>
+  </p:clrMapOvr>
 </p:sld>
 </file>
 
@@ -14121,10 +14891,6 @@
             <a:r>
               <a:rPr lang="de-DE" dirty="0" err="1"/>
               <a:t>Topologiemuster</a:t>
-            </a:r>
-            <a:r>
-              <a:rPr lang="de-DE" dirty="0"/>
-              <a:t/>
             </a:r>
             <a:br>
               <a:rPr lang="de-DE" dirty="0"/>
@@ -14241,22 +15007,16 @@
           <a:p>
             <a:pPr lvl="2"/>
             <a:r>
-              <a:rPr lang="de-DE" dirty="0" smtClean="0"/>
+              <a:rPr lang="de-DE" dirty="0"/>
               <a:t>Unabhängigkeiten der Endstationen</a:t>
             </a:r>
-            <a:endParaRPr lang="de-DE" dirty="0"/>
           </a:p>
           <a:p>
             <a:pPr lvl="2"/>
             <a:r>
               <a:rPr lang="de-DE" dirty="0"/>
-              <a:t>H</a:t>
-            </a:r>
-            <a:r>
-              <a:rPr lang="de-DE" dirty="0" smtClean="0"/>
-              <a:t>ohes Kosteneinsparpotential</a:t>
-            </a:r>
-            <a:endParaRPr lang="de-DE" dirty="0"/>
+              <a:t>Hohes Kosteneinsparpotential</a:t>
+            </a:r>
           </a:p>
           <a:p>
             <a:pPr lvl="2"/>
@@ -14272,19 +15032,18 @@
           <a:p>
             <a:pPr lvl="2"/>
             <a:r>
-              <a:rPr lang="de-DE" dirty="0" smtClean="0"/>
+              <a:rPr lang="de-DE" dirty="0"/>
               <a:t>Wurzelelement ist überlastet</a:t>
             </a:r>
-            <a:endParaRPr lang="de-DE" dirty="0"/>
           </a:p>
           <a:p>
             <a:pPr lvl="2"/>
             <a:r>
-              <a:rPr lang="en-US" dirty="0" err="1" smtClean="0"/>
+              <a:rPr lang="en-US" dirty="0" err="1"/>
               <a:t>Aufwändige</a:t>
             </a:r>
             <a:r>
-              <a:rPr lang="en-US" dirty="0" smtClean="0"/>
+              <a:rPr lang="en-US" dirty="0"/>
               <a:t> </a:t>
             </a:r>
             <a:r>
@@ -14399,10 +15158,6 @@
             <a:r>
               <a:rPr lang="de-DE" dirty="0" err="1"/>
               <a:t>Topologiemuster</a:t>
-            </a:r>
-            <a:r>
-              <a:rPr lang="de-DE" dirty="0"/>
-              <a:t/>
             </a:r>
             <a:br>
               <a:rPr lang="de-DE" dirty="0"/>

--- a/__Master-Abschlussarbeit.pptx
+++ b/__Master-Abschlussarbeit.pptx
@@ -35,8 +35,8 @@
     <p:sldId id="283" r:id="rId23"/>
     <p:sldId id="271" r:id="rId24"/>
     <p:sldId id="270" r:id="rId25"/>
-    <p:sldId id="268" r:id="rId26"/>
-    <p:sldId id="284" r:id="rId27"/>
+    <p:sldId id="284" r:id="rId26"/>
+    <p:sldId id="268" r:id="rId27"/>
   </p:sldIdLst>
   <p:sldSz cx="9144000" cy="6858000" type="screen4x3"/>
   <p:notesSz cx="6858000" cy="9144000"/>
@@ -3214,7 +3214,15 @@
           <a:p>
             <a:r>
               <a:rPr lang="de-DE" dirty="0"/>
-              <a:t>Die Kapitel 2 befassen wir mit der Grundlegende Topologie.</a:t>
+              <a:t>Die Kapitel 2 befassen wir mit der Grundlegende </a:t>
+            </a:r>
+            <a:r>
+              <a:rPr lang="de-DE" dirty="0" err="1"/>
+              <a:t>Topologiemuster</a:t>
+            </a:r>
+            <a:r>
+              <a:rPr lang="de-DE" dirty="0"/>
+              <a:t>. Einige begriffe die in Laufen der Präsentation zu finden sind werde ich in dieser Kapitel erklären.</a:t>
             </a:r>
           </a:p>
         </p:txBody>
@@ -3317,13 +3325,19 @@
                 <a:ea typeface="+mn-ea"/>
                 <a:cs typeface="+mn-cs"/>
               </a:rPr>
-              <a:t>unter Feldbus versteht man ein leitungsgebundenes Bussystem, das es ermöglicht, Daten in einer Prozessautomatisierungstechnik zu übertragen. </a:t>
-            </a:r>
-          </a:p>
-          <a:p>
-            <a:pPr marL="228600" indent="-228600">
-              <a:buAutoNum type="arabicParenR"/>
-            </a:pPr>
+              <a:t>unter </a:t>
+            </a:r>
+            <a:r>
+              <a:rPr lang="de-DE" sz="1200" b="0" i="1" u="none" strike="noStrike" kern="1200" baseline="0" dirty="0">
+                <a:solidFill>
+                  <a:schemeClr val="tx1"/>
+                </a:solidFill>
+                <a:latin typeface="+mn-lt"/>
+                <a:ea typeface="+mn-ea"/>
+                <a:cs typeface="+mn-cs"/>
+              </a:rPr>
+              <a:t>Feldbus</a:t>
+            </a:r>
             <a:r>
               <a:rPr lang="de-DE" sz="1200" b="0" i="0" u="none" strike="noStrike" kern="1200" baseline="0" dirty="0">
                 <a:solidFill>
@@ -3333,7 +3347,7 @@
                 <a:ea typeface="+mn-ea"/>
                 <a:cs typeface="+mn-cs"/>
               </a:rPr>
-              <a:t>In Kontext der industrielle Kommunikation ist die Topologie  die Verbindungen der Geräte untereinander, die den Datenverkehr ermöglichen.</a:t>
+              <a:t> versteht man ein leitungsgebundenes Bussystem, das es ermöglicht, Daten in einer Prozessautomatisierungstechnik zu übertragen. </a:t>
             </a:r>
           </a:p>
           <a:p>
@@ -3349,13 +3363,19 @@
                 <a:ea typeface="+mn-ea"/>
                 <a:cs typeface="+mn-cs"/>
               </a:rPr>
-              <a:t>C oder M ist der aktive Teil bei der die Kommunikation der angeschlossenen Devices/Slaves parametriert und konfiguriert wird.</a:t>
-            </a:r>
-          </a:p>
-          <a:p>
-            <a:pPr marL="228600" indent="-228600">
-              <a:buAutoNum type="arabicParenR"/>
-            </a:pPr>
+              <a:t>In Kontext der industrielle Kommunikation ist die </a:t>
+            </a:r>
+            <a:r>
+              <a:rPr lang="de-DE" sz="1200" b="0" i="1" u="none" strike="noStrike" kern="1200" baseline="0" dirty="0">
+                <a:solidFill>
+                  <a:schemeClr val="tx1"/>
+                </a:solidFill>
+                <a:latin typeface="+mn-lt"/>
+                <a:ea typeface="+mn-ea"/>
+                <a:cs typeface="+mn-cs"/>
+              </a:rPr>
+              <a:t>Topologie</a:t>
+            </a:r>
             <a:r>
               <a:rPr lang="de-DE" sz="1200" b="0" i="0" u="none" strike="noStrike" kern="1200" baseline="0" dirty="0">
                 <a:solidFill>
@@ -3365,7 +3385,61 @@
                 <a:ea typeface="+mn-ea"/>
                 <a:cs typeface="+mn-cs"/>
               </a:rPr>
-              <a:t>D oder S ist die passive Station, die gemäß der </a:t>
+              <a:t>  die Verbindungen der Geräte untereinander, die den Datenverkehr ermöglichen.</a:t>
+            </a:r>
+          </a:p>
+          <a:p>
+            <a:pPr marL="228600" indent="-228600">
+              <a:buAutoNum type="arabicParenR"/>
+            </a:pPr>
+            <a:r>
+              <a:rPr lang="de-DE" sz="1200" b="0" i="1" u="none" strike="noStrike" kern="1200" baseline="0" dirty="0">
+                <a:solidFill>
+                  <a:schemeClr val="tx1"/>
+                </a:solidFill>
+                <a:latin typeface="+mn-lt"/>
+                <a:ea typeface="+mn-ea"/>
+                <a:cs typeface="+mn-cs"/>
+              </a:rPr>
+              <a:t>C oder M </a:t>
+            </a:r>
+            <a:r>
+              <a:rPr lang="de-DE" sz="1200" b="0" i="0" u="none" strike="noStrike" kern="1200" baseline="0" dirty="0">
+                <a:solidFill>
+                  <a:schemeClr val="tx1"/>
+                </a:solidFill>
+                <a:latin typeface="+mn-lt"/>
+                <a:ea typeface="+mn-ea"/>
+                <a:cs typeface="+mn-cs"/>
+              </a:rPr>
+              <a:t>ist der aktive Teil bei der die Kommunikation der angeschlossenen Devices/Slaves parametriert und konfiguriert wird.</a:t>
+            </a:r>
+          </a:p>
+          <a:p>
+            <a:pPr marL="228600" indent="-228600">
+              <a:buAutoNum type="arabicParenR"/>
+            </a:pPr>
+            <a:r>
+              <a:rPr lang="de-DE" sz="1200" b="0" i="1" u="none" strike="noStrike" kern="1200" baseline="0" dirty="0">
+                <a:solidFill>
+                  <a:schemeClr val="tx1"/>
+                </a:solidFill>
+                <a:latin typeface="+mn-lt"/>
+                <a:ea typeface="+mn-ea"/>
+                <a:cs typeface="+mn-cs"/>
+              </a:rPr>
+              <a:t>D oder S </a:t>
+            </a:r>
+            <a:r>
+              <a:rPr lang="de-DE" sz="1200" b="0" i="0" u="none" strike="noStrike" kern="1200" baseline="0" dirty="0">
+                <a:solidFill>
+                  <a:schemeClr val="tx1"/>
+                </a:solidFill>
+                <a:latin typeface="+mn-lt"/>
+                <a:ea typeface="+mn-ea"/>
+                <a:cs typeface="+mn-cs"/>
+              </a:rPr>
+              <a:t>ist die passive Station, die gemäß der </a:t>
             </a:r>
             <a:r>
               <a:rPr lang="de-DE" sz="1200" b="0" i="0" u="none" strike="noStrike" kern="1200" baseline="0" dirty="0" err="1">
@@ -3439,6 +3513,17 @@
               <a:buAutoNum type="arabicParenR"/>
             </a:pPr>
             <a:r>
+              <a:rPr lang="de-DE" sz="1200" b="0" i="1" u="none" strike="noStrike" kern="1200" baseline="0" dirty="0">
+                <a:solidFill>
+                  <a:schemeClr val="tx1"/>
+                </a:solidFill>
+                <a:latin typeface="+mn-lt"/>
+                <a:ea typeface="+mn-ea"/>
+                <a:cs typeface="+mn-cs"/>
+              </a:rPr>
+              <a:t>Gateway</a:t>
+            </a:r>
+            <a:r>
               <a:rPr lang="de-DE" sz="1200" b="0" i="0" u="none" strike="noStrike" kern="1200" baseline="0" dirty="0">
                 <a:solidFill>
                   <a:schemeClr val="tx1"/>
@@ -3447,7 +3532,7 @@
                 <a:ea typeface="+mn-ea"/>
                 <a:cs typeface="+mn-cs"/>
               </a:rPr>
-              <a:t>Gateway ist die </a:t>
+              <a:t> ist die </a:t>
             </a:r>
             <a:r>
               <a:rPr lang="de-DE" sz="1200" b="0" i="0" u="none" strike="noStrike" kern="1200" baseline="0" dirty="0" err="1">
@@ -3629,7 +3714,29 @@
                 <a:ea typeface="+mn-ea"/>
                 <a:cs typeface="+mn-cs"/>
               </a:rPr>
-              <a:t>Die Linien-Topologie war einer der ersten Netzstrukturen, die in Firmen und privaten Hauhalten zu finden war und wird auch als Bus-Topologie bezeichnet. </a:t>
+              <a:t>Die </a:t>
+            </a:r>
+            <a:r>
+              <a:rPr lang="de-DE" sz="1200" b="0" i="1" u="none" strike="noStrike" kern="1200" baseline="0" dirty="0">
+                <a:solidFill>
+                  <a:schemeClr val="tx1"/>
+                </a:solidFill>
+                <a:latin typeface="+mn-lt"/>
+                <a:ea typeface="+mn-ea"/>
+                <a:cs typeface="+mn-cs"/>
+              </a:rPr>
+              <a:t>Linien-Topologie</a:t>
+            </a:r>
+            <a:r>
+              <a:rPr lang="de-DE" sz="1200" b="0" i="0" u="none" strike="noStrike" kern="1200" baseline="0" dirty="0">
+                <a:solidFill>
+                  <a:schemeClr val="tx1"/>
+                </a:solidFill>
+                <a:latin typeface="+mn-lt"/>
+                <a:ea typeface="+mn-ea"/>
+                <a:cs typeface="+mn-cs"/>
+              </a:rPr>
+              <a:t> war einer der ersten Netzstrukturen, die in Firmen und privaten Hauhalten zu finden war und wird auch als Bus-Topologie bezeichnet. </a:t>
             </a:r>
           </a:p>
           <a:p>
@@ -3655,7 +3762,7 @@
                 <a:ea typeface="+mn-ea"/>
                 <a:cs typeface="+mn-cs"/>
               </a:rPr>
-              <a:t>N: Da die Übertragung von Daten erfolgt über ein einziges Kabel. ---</a:t>
+              <a:t>N: die Übertragung von Daten erfolgt über ein einziges Kabel dadurch wird ---. ---</a:t>
             </a:r>
             <a:r>
               <a:rPr lang="de-DE" dirty="0"/>
@@ -8284,10 +8391,7 @@
                 <a:spcPct val="0"/>
               </a:spcBef>
             </a:pPr>
-            <a:r>
-              <a:rPr lang="de-DE" altLang="de-DE" sz="1800" dirty="0"/>
-              <a:t>von</a:t>
-            </a:r>
+            <a:endParaRPr lang="de-DE" altLang="de-DE" sz="1800" dirty="0"/>
           </a:p>
           <a:p>
             <a:pPr algn="ctr">
@@ -13160,6 +13264,199 @@
             <p:ph sz="quarter" idx="13"/>
           </p:nvPr>
         </p:nvSpPr>
+        <p:spPr/>
+        <p:txBody>
+          <a:bodyPr/>
+          <a:lstStyle/>
+          <a:p>
+            <a:pPr marL="0" indent="0" algn="ctr">
+              <a:buNone/>
+            </a:pPr>
+            <a:endParaRPr lang="de-DE" dirty="0"/>
+          </a:p>
+          <a:p>
+            <a:pPr marL="0" indent="0" algn="ctr">
+              <a:buNone/>
+            </a:pPr>
+            <a:endParaRPr lang="de-DE" sz="3600" dirty="0"/>
+          </a:p>
+          <a:p>
+            <a:pPr marL="0" indent="0" algn="ctr">
+              <a:buNone/>
+            </a:pPr>
+            <a:r>
+              <a:rPr lang="de-DE" sz="3600" dirty="0"/>
+              <a:t>Vielen Dank für Ihre Aufmerksamkeit!</a:t>
+            </a:r>
+          </a:p>
+          <a:p>
+            <a:pPr marL="0" indent="0" algn="ctr">
+              <a:buNone/>
+            </a:pPr>
+            <a:endParaRPr lang="de-DE" dirty="0"/>
+          </a:p>
+          <a:p>
+            <a:pPr marL="0" indent="0" algn="ctr">
+              <a:buNone/>
+            </a:pPr>
+            <a:endParaRPr lang="de-DE" dirty="0"/>
+          </a:p>
+          <a:p>
+            <a:pPr marL="0" indent="0" algn="ctr">
+              <a:buNone/>
+            </a:pPr>
+            <a:r>
+              <a:rPr lang="de-DE" dirty="0"/>
+              <a:t>Quellen, Abbildungen, usw. können in der Masterarbeit nachgeschlagen oder per E-Mail angefordert werden.</a:t>
+            </a:r>
+          </a:p>
+          <a:p>
+            <a:pPr marL="0" indent="0" algn="ctr">
+              <a:buNone/>
+            </a:pPr>
+            <a:endParaRPr lang="de-DE" dirty="0"/>
+          </a:p>
+        </p:txBody>
+      </p:sp>
+      <p:sp>
+        <p:nvSpPr>
+          <p:cNvPr id="3" name="Datumsplatzhalter 2"/>
+          <p:cNvSpPr>
+            <a:spLocks noGrp="1"/>
+          </p:cNvSpPr>
+          <p:nvPr>
+            <p:ph type="dt" sz="half" idx="14"/>
+          </p:nvPr>
+        </p:nvSpPr>
+        <p:spPr/>
+        <p:txBody>
+          <a:bodyPr/>
+          <a:lstStyle/>
+          <a:p>
+            <a:pPr>
+              <a:defRPr/>
+            </a:pPr>
+            <a:fld id="{C098E26C-8BAA-4ACE-83C6-8F04F03DE16F}" type="datetime1">
+              <a:rPr lang="de-DE" smtClean="0"/>
+              <a:pPr>
+                <a:defRPr/>
+              </a:pPr>
+              <a:t>01.08.2018</a:t>
+            </a:fld>
+            <a:endParaRPr lang="de-DE" dirty="0"/>
+          </a:p>
+        </p:txBody>
+      </p:sp>
+      <p:sp>
+        <p:nvSpPr>
+          <p:cNvPr id="4" name="Fußzeilenplatzhalter 3"/>
+          <p:cNvSpPr>
+            <a:spLocks noGrp="1"/>
+          </p:cNvSpPr>
+          <p:nvPr>
+            <p:ph type="ftr" sz="quarter" idx="15"/>
+          </p:nvPr>
+        </p:nvSpPr>
+        <p:spPr/>
+        <p:txBody>
+          <a:bodyPr/>
+          <a:lstStyle/>
+          <a:p>
+            <a:pPr>
+              <a:defRPr/>
+            </a:pPr>
+            <a:endParaRPr lang="de-DE"/>
+          </a:p>
+        </p:txBody>
+      </p:sp>
+      <p:sp>
+        <p:nvSpPr>
+          <p:cNvPr id="5" name="Foliennummernplatzhalter 4"/>
+          <p:cNvSpPr>
+            <a:spLocks noGrp="1"/>
+          </p:cNvSpPr>
+          <p:nvPr>
+            <p:ph type="sldNum" sz="quarter" idx="16"/>
+          </p:nvPr>
+        </p:nvSpPr>
+        <p:spPr/>
+        <p:txBody>
+          <a:bodyPr/>
+          <a:lstStyle/>
+          <a:p>
+            <a:pPr>
+              <a:defRPr/>
+            </a:pPr>
+            <a:fld id="{7A8CEE4A-E163-47DE-8784-5B8DE9F7A78A}" type="slidenum">
+              <a:rPr lang="de-DE" altLang="de-DE" smtClean="0"/>
+              <a:pPr>
+                <a:defRPr/>
+              </a:pPr>
+              <a:t>25</a:t>
+            </a:fld>
+            <a:endParaRPr lang="de-DE" altLang="de-DE" dirty="0"/>
+          </a:p>
+        </p:txBody>
+      </p:sp>
+      <p:sp>
+        <p:nvSpPr>
+          <p:cNvPr id="6" name="Titel 5"/>
+          <p:cNvSpPr>
+            <a:spLocks noGrp="1"/>
+          </p:cNvSpPr>
+          <p:nvPr>
+            <p:ph type="title"/>
+          </p:nvPr>
+        </p:nvSpPr>
+        <p:spPr/>
+        <p:txBody>
+          <a:bodyPr/>
+          <a:lstStyle/>
+          <a:p>
+            <a:endParaRPr lang="de-DE"/>
+          </a:p>
+        </p:txBody>
+      </p:sp>
+    </p:spTree>
+    <p:extLst>
+      <p:ext uri="{BB962C8B-B14F-4D97-AF65-F5344CB8AC3E}">
+        <p14:creationId xmlns:p14="http://schemas.microsoft.com/office/powerpoint/2010/main" val="795146112"/>
+      </p:ext>
+    </p:extLst>
+  </p:cSld>
+  <p:clrMapOvr>
+    <a:masterClrMapping/>
+  </p:clrMapOvr>
+</p:sld>
+</file>
+
+<file path=ppt/slides/slide26.xml><?xml version="1.0" encoding="utf-8"?>
+<p:sld xmlns:a="http://schemas.openxmlformats.org/drawingml/2006/main" xmlns:r="http://schemas.openxmlformats.org/officeDocument/2006/relationships" xmlns:p="http://schemas.openxmlformats.org/presentationml/2006/main">
+  <p:cSld>
+    <p:spTree>
+      <p:nvGrpSpPr>
+        <p:cNvPr id="1" name=""/>
+        <p:cNvGrpSpPr/>
+        <p:nvPr/>
+      </p:nvGrpSpPr>
+      <p:grpSpPr>
+        <a:xfrm>
+          <a:off x="0" y="0"/>
+          <a:ext cx="0" cy="0"/>
+          <a:chOff x="0" y="0"/>
+          <a:chExt cx="0" cy="0"/>
+        </a:xfrm>
+      </p:grpSpPr>
+      <p:sp>
+        <p:nvSpPr>
+          <p:cNvPr id="2" name="Inhaltsplatzhalter 1"/>
+          <p:cNvSpPr>
+            <a:spLocks noGrp="1"/>
+          </p:cNvSpPr>
+          <p:nvPr>
+            <p:ph sz="quarter" idx="13"/>
+          </p:nvPr>
+        </p:nvSpPr>
         <p:spPr>
           <a:ln>
             <a:noFill/>
@@ -13304,7 +13601,7 @@
               <a:pPr>
                 <a:defRPr/>
               </a:pPr>
-              <a:t>25</a:t>
+              <a:t>26</a:t>
             </a:fld>
             <a:endParaRPr lang="de-DE" altLang="de-DE" dirty="0"/>
           </a:p>
@@ -13455,199 +13752,6 @@
     <p:extLst>
       <p:ext uri="{BB962C8B-B14F-4D97-AF65-F5344CB8AC3E}">
         <p14:creationId xmlns:p14="http://schemas.microsoft.com/office/powerpoint/2010/main" val="2185345473"/>
-      </p:ext>
-    </p:extLst>
-  </p:cSld>
-  <p:clrMapOvr>
-    <a:masterClrMapping/>
-  </p:clrMapOvr>
-</p:sld>
-</file>
-
-<file path=ppt/slides/slide26.xml><?xml version="1.0" encoding="utf-8"?>
-<p:sld xmlns:a="http://schemas.openxmlformats.org/drawingml/2006/main" xmlns:r="http://schemas.openxmlformats.org/officeDocument/2006/relationships" xmlns:p="http://schemas.openxmlformats.org/presentationml/2006/main">
-  <p:cSld>
-    <p:spTree>
-      <p:nvGrpSpPr>
-        <p:cNvPr id="1" name=""/>
-        <p:cNvGrpSpPr/>
-        <p:nvPr/>
-      </p:nvGrpSpPr>
-      <p:grpSpPr>
-        <a:xfrm>
-          <a:off x="0" y="0"/>
-          <a:ext cx="0" cy="0"/>
-          <a:chOff x="0" y="0"/>
-          <a:chExt cx="0" cy="0"/>
-        </a:xfrm>
-      </p:grpSpPr>
-      <p:sp>
-        <p:nvSpPr>
-          <p:cNvPr id="2" name="Inhaltsplatzhalter 1"/>
-          <p:cNvSpPr>
-            <a:spLocks noGrp="1"/>
-          </p:cNvSpPr>
-          <p:nvPr>
-            <p:ph sz="quarter" idx="13"/>
-          </p:nvPr>
-        </p:nvSpPr>
-        <p:spPr/>
-        <p:txBody>
-          <a:bodyPr/>
-          <a:lstStyle/>
-          <a:p>
-            <a:pPr marL="0" indent="0" algn="ctr">
-              <a:buNone/>
-            </a:pPr>
-            <a:endParaRPr lang="de-DE" dirty="0"/>
-          </a:p>
-          <a:p>
-            <a:pPr marL="0" indent="0" algn="ctr">
-              <a:buNone/>
-            </a:pPr>
-            <a:endParaRPr lang="de-DE" sz="3600" dirty="0"/>
-          </a:p>
-          <a:p>
-            <a:pPr marL="0" indent="0" algn="ctr">
-              <a:buNone/>
-            </a:pPr>
-            <a:r>
-              <a:rPr lang="de-DE" sz="3600" dirty="0"/>
-              <a:t>Vielen Dank für Ihre Aufmerksamkeit!</a:t>
-            </a:r>
-          </a:p>
-          <a:p>
-            <a:pPr marL="0" indent="0" algn="ctr">
-              <a:buNone/>
-            </a:pPr>
-            <a:endParaRPr lang="de-DE" dirty="0"/>
-          </a:p>
-          <a:p>
-            <a:pPr marL="0" indent="0" algn="ctr">
-              <a:buNone/>
-            </a:pPr>
-            <a:endParaRPr lang="de-DE" dirty="0"/>
-          </a:p>
-          <a:p>
-            <a:pPr marL="0" indent="0" algn="ctr">
-              <a:buNone/>
-            </a:pPr>
-            <a:r>
-              <a:rPr lang="de-DE" dirty="0"/>
-              <a:t>Quellen, Abbildungen, usw. können in der Masterarbeit nachgeschlagen oder per E-Mail angefordert werden.</a:t>
-            </a:r>
-          </a:p>
-          <a:p>
-            <a:pPr marL="0" indent="0" algn="ctr">
-              <a:buNone/>
-            </a:pPr>
-            <a:endParaRPr lang="de-DE" dirty="0"/>
-          </a:p>
-        </p:txBody>
-      </p:sp>
-      <p:sp>
-        <p:nvSpPr>
-          <p:cNvPr id="3" name="Datumsplatzhalter 2"/>
-          <p:cNvSpPr>
-            <a:spLocks noGrp="1"/>
-          </p:cNvSpPr>
-          <p:nvPr>
-            <p:ph type="dt" sz="half" idx="14"/>
-          </p:nvPr>
-        </p:nvSpPr>
-        <p:spPr/>
-        <p:txBody>
-          <a:bodyPr/>
-          <a:lstStyle/>
-          <a:p>
-            <a:pPr>
-              <a:defRPr/>
-            </a:pPr>
-            <a:fld id="{C098E26C-8BAA-4ACE-83C6-8F04F03DE16F}" type="datetime1">
-              <a:rPr lang="de-DE" smtClean="0"/>
-              <a:pPr>
-                <a:defRPr/>
-              </a:pPr>
-              <a:t>01.08.2018</a:t>
-            </a:fld>
-            <a:endParaRPr lang="de-DE" dirty="0"/>
-          </a:p>
-        </p:txBody>
-      </p:sp>
-      <p:sp>
-        <p:nvSpPr>
-          <p:cNvPr id="4" name="Fußzeilenplatzhalter 3"/>
-          <p:cNvSpPr>
-            <a:spLocks noGrp="1"/>
-          </p:cNvSpPr>
-          <p:nvPr>
-            <p:ph type="ftr" sz="quarter" idx="15"/>
-          </p:nvPr>
-        </p:nvSpPr>
-        <p:spPr/>
-        <p:txBody>
-          <a:bodyPr/>
-          <a:lstStyle/>
-          <a:p>
-            <a:pPr>
-              <a:defRPr/>
-            </a:pPr>
-            <a:endParaRPr lang="de-DE"/>
-          </a:p>
-        </p:txBody>
-      </p:sp>
-      <p:sp>
-        <p:nvSpPr>
-          <p:cNvPr id="5" name="Foliennummernplatzhalter 4"/>
-          <p:cNvSpPr>
-            <a:spLocks noGrp="1"/>
-          </p:cNvSpPr>
-          <p:nvPr>
-            <p:ph type="sldNum" sz="quarter" idx="16"/>
-          </p:nvPr>
-        </p:nvSpPr>
-        <p:spPr/>
-        <p:txBody>
-          <a:bodyPr/>
-          <a:lstStyle/>
-          <a:p>
-            <a:pPr>
-              <a:defRPr/>
-            </a:pPr>
-            <a:fld id="{7A8CEE4A-E163-47DE-8784-5B8DE9F7A78A}" type="slidenum">
-              <a:rPr lang="de-DE" altLang="de-DE" smtClean="0"/>
-              <a:pPr>
-                <a:defRPr/>
-              </a:pPr>
-              <a:t>26</a:t>
-            </a:fld>
-            <a:endParaRPr lang="de-DE" altLang="de-DE" dirty="0"/>
-          </a:p>
-        </p:txBody>
-      </p:sp>
-      <p:sp>
-        <p:nvSpPr>
-          <p:cNvPr id="6" name="Titel 5"/>
-          <p:cNvSpPr>
-            <a:spLocks noGrp="1"/>
-          </p:cNvSpPr>
-          <p:nvPr>
-            <p:ph type="title"/>
-          </p:nvPr>
-        </p:nvSpPr>
-        <p:spPr/>
-        <p:txBody>
-          <a:bodyPr/>
-          <a:lstStyle/>
-          <a:p>
-            <a:endParaRPr lang="de-DE"/>
-          </a:p>
-        </p:txBody>
-      </p:sp>
-    </p:spTree>
-    <p:extLst>
-      <p:ext uri="{BB962C8B-B14F-4D97-AF65-F5344CB8AC3E}">
-        <p14:creationId xmlns:p14="http://schemas.microsoft.com/office/powerpoint/2010/main" val="795146112"/>
       </p:ext>
     </p:extLst>
   </p:cSld>

--- a/__Master-Abschlussarbeit.pptx
+++ b/__Master-Abschlussarbeit.pptx
@@ -282,7 +282,7 @@
               <a:pPr>
                 <a:defRPr/>
               </a:pPr>
-              <a:t>01.08.2018</a:t>
+              <a:t>02.08.2018</a:t>
             </a:fld>
             <a:endParaRPr lang="de-DE"/>
           </a:p>
@@ -468,7 +468,7 @@
               <a:pPr>
                 <a:defRPr/>
               </a:pPr>
-              <a:t>01.08.2018</a:t>
+              <a:t>02.08.2018</a:t>
             </a:fld>
             <a:endParaRPr lang="de-DE"/>
           </a:p>
@@ -1097,7 +1097,23 @@
           <a:p>
             <a:r>
               <a:rPr lang="de-DE" dirty="0"/>
-              <a:t>5) Bevor wir über die AA  sprechen, sollen wir zuerst die bestehende Host-Applikation beschreiben. Da die Auswertung des Ist-Zustands dient als Grundlage  für den Soll-Zustand. </a:t>
+              <a:t>5) </a:t>
+            </a:r>
+            <a:r>
+              <a:rPr lang="de-DE" b="1" dirty="0"/>
+              <a:t>Bevor wir über </a:t>
+            </a:r>
+            <a:r>
+              <a:rPr lang="de-DE" dirty="0"/>
+              <a:t>die AA  sprechen, sollen wir zuerst die bestehende Host-Applikation beschreiben. Da </a:t>
+            </a:r>
+            <a:r>
+              <a:rPr lang="de-DE" b="1" dirty="0"/>
+              <a:t>die Auswertung des Ist-Zustands </a:t>
+            </a:r>
+            <a:r>
+              <a:rPr lang="de-DE" dirty="0"/>
+              <a:t>dient als Grundlage  für den Soll-Zustand. </a:t>
             </a:r>
             <a:r>
               <a:rPr lang="de-DE" dirty="0" err="1"/>
@@ -1113,28 +1129,54 @@
             </a:r>
             <a:r>
               <a:rPr lang="de-DE" dirty="0"/>
-              <a:t> toll mit dem man ein </a:t>
-            </a:r>
-            <a:r>
-              <a:rPr lang="de-DE" dirty="0" err="1"/>
-              <a:t>netzwer</a:t>
-            </a:r>
-            <a:r>
-              <a:rPr lang="de-DE" dirty="0"/>
-              <a:t> planen projektieren kann. Geräte  </a:t>
-            </a:r>
-            <a:r>
-              <a:rPr lang="de-DE" dirty="0" err="1"/>
-              <a:t>parametier</a:t>
-            </a:r>
-            <a:r>
-              <a:rPr lang="de-DE" dirty="0"/>
               <a:t> </a:t>
             </a:r>
-          </a:p>
-          <a:p>
-            <a:r>
-              <a:rPr lang="de-DE" sz="1200" b="0" i="0" u="none" strike="noStrike" kern="1200" baseline="0" dirty="0">
+            <a:r>
+              <a:rPr lang="de-DE" dirty="0" err="1" smtClean="0"/>
+              <a:t>tool</a:t>
+            </a:r>
+            <a:r>
+              <a:rPr lang="de-DE" dirty="0" smtClean="0"/>
+              <a:t> um ein </a:t>
+            </a:r>
+            <a:r>
+              <a:rPr lang="de-DE" dirty="0" err="1" smtClean="0"/>
+              <a:t>netzwerk</a:t>
+            </a:r>
+            <a:r>
+              <a:rPr lang="de-DE" dirty="0" smtClean="0"/>
+              <a:t> zu planen oder projektieren. Mit CS</a:t>
+            </a:r>
+            <a:r>
+              <a:rPr lang="de-DE" baseline="0" dirty="0" smtClean="0"/>
+              <a:t> </a:t>
+            </a:r>
+            <a:r>
+              <a:rPr lang="de-DE" baseline="0" dirty="0" err="1" smtClean="0"/>
+              <a:t>kaann</a:t>
+            </a:r>
+            <a:r>
+              <a:rPr lang="de-DE" baseline="0" dirty="0" smtClean="0"/>
+              <a:t> man </a:t>
+            </a:r>
+            <a:r>
+              <a:rPr lang="de-DE" dirty="0" smtClean="0"/>
+              <a:t>Geräte  </a:t>
+            </a:r>
+            <a:r>
+              <a:rPr lang="de-DE" dirty="0" err="1" smtClean="0"/>
+              <a:t>Konfi</a:t>
+            </a:r>
+            <a:r>
+              <a:rPr lang="de-DE" dirty="0" smtClean="0"/>
+              <a:t>,</a:t>
+            </a:r>
+            <a:r>
+              <a:rPr lang="de-DE" baseline="0" dirty="0" smtClean="0"/>
+              <a:t> parametrieren. </a:t>
+            </a:r>
+            <a:r>
+              <a:rPr lang="de-DE" sz="1200" b="0" i="0" u="none" strike="noStrike" kern="1200" baseline="0" dirty="0" smtClean="0">
                 <a:solidFill>
                   <a:schemeClr val="tx1"/>
                 </a:solidFill>
@@ -1142,7 +1184,51 @@
                 <a:ea typeface="+mn-ea"/>
                 <a:cs typeface="+mn-cs"/>
               </a:rPr>
-              <a:t>Abbildung zeigt die Standard-Ansichten der </a:t>
+              <a:t>Abbildung z </a:t>
+            </a:r>
+            <a:r>
+              <a:rPr lang="de-DE" sz="1200" b="0" i="0" u="none" strike="noStrike" kern="1200" baseline="0" dirty="0" err="1" smtClean="0">
+                <a:solidFill>
+                  <a:schemeClr val="tx1"/>
+                </a:solidFill>
+                <a:latin typeface="+mn-lt"/>
+                <a:ea typeface="+mn-ea"/>
+                <a:cs typeface="+mn-cs"/>
+              </a:rPr>
+              <a:t>eigt</a:t>
+            </a:r>
+            <a:r>
+              <a:rPr lang="de-DE" sz="1200" b="0" i="0" u="none" strike="noStrike" kern="1200" baseline="0" dirty="0" smtClean="0">
+                <a:solidFill>
+                  <a:schemeClr val="tx1"/>
+                </a:solidFill>
+                <a:latin typeface="+mn-lt"/>
+                <a:ea typeface="+mn-ea"/>
+                <a:cs typeface="+mn-cs"/>
+              </a:rPr>
+              <a:t> </a:t>
+            </a:r>
+            <a:r>
+              <a:rPr lang="de-DE" sz="1200" b="1" i="0" u="none" strike="noStrike" kern="1200" baseline="0" dirty="0">
+                <a:solidFill>
+                  <a:schemeClr val="tx1"/>
+                </a:solidFill>
+                <a:latin typeface="+mn-lt"/>
+                <a:ea typeface="+mn-ea"/>
+                <a:cs typeface="+mn-cs"/>
+              </a:rPr>
+              <a:t>die Standard-Ansichten </a:t>
+            </a:r>
+            <a:r>
+              <a:rPr lang="de-DE" sz="1200" b="0" i="0" u="none" strike="noStrike" kern="1200" baseline="0" dirty="0">
+                <a:solidFill>
+                  <a:schemeClr val="tx1"/>
+                </a:solidFill>
+                <a:latin typeface="+mn-lt"/>
+                <a:ea typeface="+mn-ea"/>
+                <a:cs typeface="+mn-cs"/>
+              </a:rPr>
+              <a:t>der </a:t>
             </a:r>
             <a:r>
               <a:rPr lang="de-DE" sz="1200" b="0" i="0" u="none" strike="noStrike" kern="1200" baseline="0" dirty="0" err="1">
@@ -1156,7 +1242,7 @@
               <a:t>ComStudio</a:t>
             </a:r>
             <a:r>
-              <a:rPr lang="de-DE" sz="1200" b="0" i="0" u="none" strike="noStrike" kern="1200" baseline="0" dirty="0">
+              <a:rPr lang="de-DE" sz="1200" b="0" i="0" u="none" strike="noStrike" kern="1200" baseline="0" dirty="0" smtClean="0">
                 <a:solidFill>
                   <a:schemeClr val="tx1"/>
                 </a:solidFill>
@@ -1164,7 +1250,84 @@
                 <a:ea typeface="+mn-ea"/>
                 <a:cs typeface="+mn-cs"/>
               </a:rPr>
-              <a:t>.</a:t>
+              <a:t>. Auf der Linke Seite.  </a:t>
+            </a:r>
+            <a:r>
+              <a:rPr lang="de-DE" sz="1200" b="0" i="0" u="none" strike="noStrike" kern="1200" baseline="0" dirty="0" err="1" smtClean="0">
+                <a:solidFill>
+                  <a:schemeClr val="tx1"/>
+                </a:solidFill>
+                <a:latin typeface="+mn-lt"/>
+                <a:ea typeface="+mn-ea"/>
+                <a:cs typeface="+mn-cs"/>
+              </a:rPr>
+              <a:t>Workspage</a:t>
+            </a:r>
+            <a:r>
+              <a:rPr lang="de-DE" sz="1200" b="0" i="0" u="none" strike="noStrike" kern="1200" baseline="0" dirty="0" smtClean="0">
+                <a:solidFill>
+                  <a:schemeClr val="tx1"/>
+                </a:solidFill>
+                <a:latin typeface="+mn-lt"/>
+                <a:ea typeface="+mn-ea"/>
+                <a:cs typeface="+mn-cs"/>
+              </a:rPr>
+              <a:t> wo </a:t>
+            </a:r>
+            <a:r>
+              <a:rPr lang="de-DE" sz="1200" b="1" i="0" u="none" strike="noStrike" kern="1200" baseline="0" dirty="0" err="1" smtClean="0">
+                <a:solidFill>
+                  <a:schemeClr val="tx1"/>
+                </a:solidFill>
+                <a:latin typeface="+mn-lt"/>
+                <a:ea typeface="+mn-ea"/>
+                <a:cs typeface="+mn-cs"/>
+              </a:rPr>
+              <a:t>Plugin</a:t>
+            </a:r>
+            <a:r>
+              <a:rPr lang="de-DE" sz="1200" b="1" i="0" u="none" strike="noStrike" kern="1200" baseline="0" dirty="0" smtClean="0">
+                <a:solidFill>
+                  <a:schemeClr val="tx1"/>
+                </a:solidFill>
+                <a:latin typeface="+mn-lt"/>
+                <a:ea typeface="+mn-ea"/>
+                <a:cs typeface="+mn-cs"/>
+              </a:rPr>
+              <a:t>-UI </a:t>
+            </a:r>
+            <a:r>
+              <a:rPr lang="de-DE" sz="1200" b="1" i="0" u="none" strike="noStrike" kern="1200" baseline="0" dirty="0" err="1" smtClean="0">
+                <a:solidFill>
+                  <a:schemeClr val="tx1"/>
+                </a:solidFill>
+                <a:latin typeface="+mn-lt"/>
+                <a:ea typeface="+mn-ea"/>
+                <a:cs typeface="+mn-cs"/>
+              </a:rPr>
+              <a:t>gehosted</a:t>
+            </a:r>
+            <a:r>
+              <a:rPr lang="de-DE" sz="1200" b="1" i="0" u="none" strike="noStrike" kern="1200" baseline="0" dirty="0" smtClean="0">
+                <a:solidFill>
+                  <a:schemeClr val="tx1"/>
+                </a:solidFill>
+                <a:latin typeface="+mn-lt"/>
+                <a:ea typeface="+mn-ea"/>
+                <a:cs typeface="+mn-cs"/>
+              </a:rPr>
+              <a:t> </a:t>
+            </a:r>
+            <a:r>
+              <a:rPr lang="de-DE" sz="1200" b="0" i="0" u="none" strike="noStrike" kern="1200" baseline="0" dirty="0" smtClean="0">
+                <a:solidFill>
+                  <a:schemeClr val="tx1"/>
+                </a:solidFill>
+                <a:latin typeface="+mn-lt"/>
+                <a:ea typeface="+mn-ea"/>
+                <a:cs typeface="+mn-cs"/>
+              </a:rPr>
+              <a:t>werden</a:t>
             </a:r>
             <a:endParaRPr lang="de-DE" dirty="0"/>
           </a:p>
@@ -2335,7 +2498,39 @@
           <a:p>
             <a:r>
               <a:rPr lang="de-DE" dirty="0"/>
-              <a:t>Mein Vortrag besteht aus folgenden Teilen: Erstens [spreche ich über die Einleitung warum eine grafische Komponente entstehen soll, welche Zeile im erreicht werden sollen], zweitens [wird über die Grundlage der Topologie eingegangen und dann analysiere ich einige Anforderungen], drittens [spreche ich ausführlich über die 3 Ergebnisse, die in Laufe der MA herausgegeben wurden]. Zum Schluss  gibt es noch einige Fakten zur grafischen Komponenten.</a:t>
+              <a:t>Mein Vortrag besteht aus folgenden Teilen: </a:t>
+            </a:r>
+            <a:r>
+              <a:rPr lang="de-DE" b="1" i="1" dirty="0"/>
+              <a:t>Erstens</a:t>
+            </a:r>
+            <a:r>
+              <a:rPr lang="de-DE" dirty="0"/>
+              <a:t> [spreche ich über die Einleitung warum eine grafische Komponente entstehen soll, welche Zeile im erreicht werden sollen], </a:t>
+            </a:r>
+            <a:r>
+              <a:rPr lang="de-DE" b="1" dirty="0"/>
+              <a:t>zweitens</a:t>
+            </a:r>
+            <a:r>
+              <a:rPr lang="de-DE" dirty="0"/>
+              <a:t> [wird über die Grundlage der Topologie eingegangen und dann analysiere ich einige Anforderungen], </a:t>
+            </a:r>
+            <a:r>
+              <a:rPr lang="de-DE" b="1" dirty="0"/>
+              <a:t>drittens</a:t>
+            </a:r>
+            <a:r>
+              <a:rPr lang="de-DE" dirty="0"/>
+              <a:t> [spreche ich ausführlich über die 3 Ergebnisse, die in Laufe der MA herausgegeben wurden]. </a:t>
+            </a:r>
+            <a:r>
+              <a:rPr lang="de-DE" b="1" dirty="0"/>
+              <a:t>Zum Schluss  </a:t>
+            </a:r>
+            <a:r>
+              <a:rPr lang="de-DE" dirty="0"/>
+              <a:t>gibt es noch einige Fakten zur grafischen Komponenten.</a:t>
             </a:r>
           </a:p>
         </p:txBody>
@@ -3068,7 +3263,29 @@
                 <a:ea typeface="+mn-ea"/>
                 <a:cs typeface="+mn-cs"/>
               </a:rPr>
-              <a:t>Die Firma Hilscher sucht eine Möglichkeit, das Engineering Tool Communication Studio um eine grafische Komponente für die Abbildung komplexer industriellen Netzwerke zu erweitern. Die --- soll die topologische Information visuell darstellen, die es dem Anwender einfaches Management der Netzwerke erlaubt und  alle gängigen </a:t>
+              <a:t>Die Firma Hilscher sucht eine Möglichkeit, das Engineering Tool Communication Studio um eine grafische Komponente für die Abbildung komplexer industriellen Netzwerke zu erweitern. </a:t>
+            </a:r>
+            <a:r>
+              <a:rPr lang="de-DE" sz="1200" b="1" i="0" u="none" strike="noStrike" kern="1200" baseline="0" dirty="0">
+                <a:solidFill>
+                  <a:schemeClr val="tx1"/>
+                </a:solidFill>
+                <a:latin typeface="+mn-lt"/>
+                <a:ea typeface="+mn-ea"/>
+                <a:cs typeface="+mn-cs"/>
+              </a:rPr>
+              <a:t>Die --- </a:t>
+            </a:r>
+            <a:r>
+              <a:rPr lang="de-DE" sz="1200" b="0" i="0" u="none" strike="noStrike" kern="1200" baseline="0" dirty="0">
+                <a:solidFill>
+                  <a:schemeClr val="tx1"/>
+                </a:solidFill>
+                <a:latin typeface="+mn-lt"/>
+                <a:ea typeface="+mn-ea"/>
+                <a:cs typeface="+mn-cs"/>
+              </a:rPr>
+              <a:t>soll die topologische Information visuell darstellen, die es dem Anwender einfaches Management der Netzwerke erlaubt und  alle gängigen </a:t>
             </a:r>
             <a:r>
               <a:rPr lang="de-DE" sz="1200" b="0" i="0" u="none" strike="noStrike" kern="1200" baseline="0" dirty="0" err="1">
@@ -3090,7 +3307,29 @@
                 <a:ea typeface="+mn-ea"/>
                 <a:cs typeface="+mn-cs"/>
               </a:rPr>
-              <a:t> im Kontext der industriellen Netzwerke unterstützt. Gefordert ist ---</a:t>
+              <a:t> im Kontext der industriellen Netzwerke unterstützt. </a:t>
+            </a:r>
+            <a:r>
+              <a:rPr lang="de-DE" sz="1200" b="1" i="0" u="none" strike="noStrike" kern="1200" baseline="0" dirty="0">
+                <a:solidFill>
+                  <a:schemeClr val="tx1"/>
+                </a:solidFill>
+                <a:latin typeface="+mn-lt"/>
+                <a:ea typeface="+mn-ea"/>
+                <a:cs typeface="+mn-cs"/>
+              </a:rPr>
+              <a:t>Gefordert ist </a:t>
+            </a:r>
+            <a:r>
+              <a:rPr lang="de-DE" sz="1200" b="0" i="0" u="none" strike="noStrike" kern="1200" baseline="0" dirty="0">
+                <a:solidFill>
+                  <a:schemeClr val="tx1"/>
+                </a:solidFill>
+                <a:latin typeface="+mn-lt"/>
+                <a:ea typeface="+mn-ea"/>
+                <a:cs typeface="+mn-cs"/>
+              </a:rPr>
+              <a:t>---</a:t>
             </a:r>
           </a:p>
           <a:p>
@@ -3120,7 +3359,29 @@
                 <a:ea typeface="+mn-ea"/>
                 <a:cs typeface="+mn-cs"/>
               </a:rPr>
-              <a:t>Als Zielsetzung soll ----  Dabei stellt man die FP mit welchen Technologie lässt  ein Verteilte Anwendung mit einer möglichst einheitlichen Codebasis umsetzen, mit dem Ziel vernachlässigbare Veränderung der Host-App vorauszusetzen. </a:t>
+              <a:t>Als Zielsetzung soll ----  </a:t>
+            </a:r>
+            <a:r>
+              <a:rPr lang="de-DE" sz="1200" b="1" i="0" u="none" strike="noStrike" kern="1200" baseline="0" dirty="0">
+                <a:solidFill>
+                  <a:schemeClr val="tx1"/>
+                </a:solidFill>
+                <a:latin typeface="+mn-lt"/>
+                <a:ea typeface="+mn-ea"/>
+                <a:cs typeface="+mn-cs"/>
+              </a:rPr>
+              <a:t>Dabei stellt </a:t>
+            </a:r>
+            <a:r>
+              <a:rPr lang="de-DE" sz="1200" b="0" i="0" u="none" strike="noStrike" kern="1200" baseline="0" dirty="0">
+                <a:solidFill>
+                  <a:schemeClr val="tx1"/>
+                </a:solidFill>
+                <a:latin typeface="+mn-lt"/>
+                <a:ea typeface="+mn-ea"/>
+                <a:cs typeface="+mn-cs"/>
+              </a:rPr>
+              <a:t>man die FP mit welchen Technologie lässt  ein Verteilte Anwendung mit einer möglichst einheitlichen Codebasis umsetzen, mit dem Ziel vernachlässigbare Veränderung der Host-App vorauszusetzen. </a:t>
             </a:r>
             <a:endParaRPr lang="de-DE" dirty="0"/>
           </a:p>
@@ -3213,16 +3474,40 @@
           <a:lstStyle/>
           <a:p>
             <a:r>
-              <a:rPr lang="de-DE" dirty="0"/>
-              <a:t>Die Kapitel 2 befassen wir mit der Grundlegende </a:t>
-            </a:r>
-            <a:r>
-              <a:rPr lang="de-DE" dirty="0" err="1"/>
+              <a:rPr lang="de-DE" dirty="0" smtClean="0"/>
+              <a:t>Kapitel </a:t>
+            </a:r>
+            <a:r>
+              <a:rPr lang="de-DE" dirty="0"/>
+              <a:t>2 befassen wir </a:t>
+            </a:r>
+            <a:r>
+              <a:rPr lang="de-DE" b="1" dirty="0" smtClean="0"/>
+              <a:t>vor allem mit </a:t>
+            </a:r>
+            <a:r>
+              <a:rPr lang="de-DE" b="1" dirty="0"/>
+              <a:t>der </a:t>
+            </a:r>
+            <a:r>
+              <a:rPr lang="de-DE" b="1" dirty="0" smtClean="0"/>
+              <a:t>grundlegenden </a:t>
+            </a:r>
+            <a:r>
+              <a:rPr lang="de-DE" b="1" dirty="0" err="1"/>
               <a:t>Topologiemuster</a:t>
             </a:r>
             <a:r>
               <a:rPr lang="de-DE" dirty="0"/>
-              <a:t>. Einige begriffe die in Laufen der Präsentation zu finden sind werde ich in dieser Kapitel erklären.</a:t>
+              <a:t>. Einige begriffe die in Laufen der Präsentation zu </a:t>
+            </a:r>
+            <a:r>
+              <a:rPr lang="de-DE" dirty="0" smtClean="0"/>
+              <a:t>finden, </a:t>
+            </a:r>
+            <a:r>
+              <a:rPr lang="de-DE" dirty="0"/>
+              <a:t>sind werde ich in dieser Kapitel erklären.</a:t>
             </a:r>
           </a:p>
         </p:txBody>
@@ -3347,7 +3632,29 @@
                 <a:ea typeface="+mn-ea"/>
                 <a:cs typeface="+mn-cs"/>
               </a:rPr>
-              <a:t> versteht man ein leitungsgebundenes Bussystem, das es ermöglicht, Daten in einer Prozessautomatisierungstechnik zu übertragen. </a:t>
+              <a:t> versteht man ein leitungsgebundenes Bussystem, das es ermöglicht, Daten </a:t>
+            </a:r>
+            <a:r>
+              <a:rPr lang="de-DE" sz="1200" b="1" i="0" u="none" strike="noStrike" kern="1200" baseline="0" dirty="0">
+                <a:solidFill>
+                  <a:schemeClr val="tx1"/>
+                </a:solidFill>
+                <a:latin typeface="+mn-lt"/>
+                <a:ea typeface="+mn-ea"/>
+                <a:cs typeface="+mn-cs"/>
+              </a:rPr>
+              <a:t>in einer Prozessautomatisierungstechnik </a:t>
+            </a:r>
+            <a:r>
+              <a:rPr lang="de-DE" sz="1200" b="0" i="0" u="none" strike="noStrike" kern="1200" baseline="0" dirty="0">
+                <a:solidFill>
+                  <a:schemeClr val="tx1"/>
+                </a:solidFill>
+                <a:latin typeface="+mn-lt"/>
+                <a:ea typeface="+mn-ea"/>
+                <a:cs typeface="+mn-cs"/>
+              </a:rPr>
+              <a:t>zu übertragen. </a:t>
             </a:r>
           </a:p>
           <a:p>
@@ -3412,8 +3719,49 @@
                 <a:ea typeface="+mn-ea"/>
                 <a:cs typeface="+mn-cs"/>
               </a:rPr>
-              <a:t>ist der aktive Teil bei der die Kommunikation der angeschlossenen Devices/Slaves parametriert und konfiguriert wird.</a:t>
-            </a:r>
+              <a:t>ist der aktive Teil bei der die </a:t>
+            </a:r>
+            <a:r>
+              <a:rPr lang="de-DE" sz="1200" b="1" i="0" u="none" strike="noStrike" kern="1200" baseline="0" dirty="0">
+                <a:solidFill>
+                  <a:schemeClr val="tx1"/>
+                </a:solidFill>
+                <a:latin typeface="+mn-lt"/>
+                <a:ea typeface="+mn-ea"/>
+                <a:cs typeface="+mn-cs"/>
+              </a:rPr>
+              <a:t>Kommunikation der angeschlossenen </a:t>
+            </a:r>
+            <a:r>
+              <a:rPr lang="de-DE" sz="1200" b="0" i="0" u="none" strike="noStrike" kern="1200" baseline="0" dirty="0">
+                <a:solidFill>
+                  <a:schemeClr val="tx1"/>
+                </a:solidFill>
+                <a:latin typeface="+mn-lt"/>
+                <a:ea typeface="+mn-ea"/>
+                <a:cs typeface="+mn-cs"/>
+              </a:rPr>
+              <a:t>Devices/Slaves parametriert und konfiguriert </a:t>
+            </a:r>
+            <a:r>
+              <a:rPr lang="de-DE" sz="1200" b="0" i="0" u="none" strike="noStrike" kern="1200" baseline="0" dirty="0" smtClean="0">
+                <a:solidFill>
+                  <a:schemeClr val="tx1"/>
+                </a:solidFill>
+                <a:latin typeface="+mn-lt"/>
+                <a:ea typeface="+mn-ea"/>
+                <a:cs typeface="+mn-cs"/>
+              </a:rPr>
+              <a:t>werden.</a:t>
+            </a:r>
+            <a:endParaRPr lang="de-DE" sz="1200" b="0" i="0" u="none" strike="noStrike" kern="1200" baseline="0" dirty="0">
+              <a:solidFill>
+                <a:schemeClr val="tx1"/>
+              </a:solidFill>
+              <a:latin typeface="+mn-lt"/>
+              <a:ea typeface="+mn-ea"/>
+              <a:cs typeface="+mn-cs"/>
+            </a:endParaRPr>
           </a:p>
           <a:p>
             <a:pPr marL="228600" indent="-228600">
@@ -3439,10 +3787,21 @@
                 <a:ea typeface="+mn-ea"/>
                 <a:cs typeface="+mn-cs"/>
               </a:rPr>
-              <a:t>ist die passive Station, die gemäß der </a:t>
-            </a:r>
-            <a:r>
-              <a:rPr lang="de-DE" sz="1200" b="0" i="0" u="none" strike="noStrike" kern="1200" baseline="0" dirty="0" err="1">
+              <a:t>ist die passive Station, </a:t>
+            </a:r>
+            <a:r>
+              <a:rPr lang="de-DE" sz="1200" b="1" i="0" u="none" strike="noStrike" kern="1200" baseline="0" dirty="0">
+                <a:solidFill>
+                  <a:schemeClr val="tx1"/>
+                </a:solidFill>
+                <a:latin typeface="+mn-lt"/>
+                <a:ea typeface="+mn-ea"/>
+                <a:cs typeface="+mn-cs"/>
+              </a:rPr>
+              <a:t>die gemäß der </a:t>
+            </a:r>
+            <a:r>
+              <a:rPr lang="de-DE" sz="1200" b="1" i="0" u="none" strike="noStrike" kern="1200" baseline="0" dirty="0" err="1">
                 <a:solidFill>
                   <a:schemeClr val="tx1"/>
                 </a:solidFill>
@@ -3453,7 +3812,7 @@
               <a:t>Proktokolle</a:t>
             </a:r>
             <a:r>
-              <a:rPr lang="de-DE" sz="1200" b="0" i="0" u="none" strike="noStrike" kern="1200" baseline="0" dirty="0">
+              <a:rPr lang="de-DE" sz="1200" b="1" i="0" u="none" strike="noStrike" kern="1200" baseline="0" dirty="0">
                 <a:solidFill>
                   <a:schemeClr val="tx1"/>
                 </a:solidFill>
@@ -3464,7 +3823,7 @@
               <a:t> </a:t>
             </a:r>
             <a:r>
-              <a:rPr lang="de-DE" sz="1200" b="0" i="0" u="none" strike="noStrike" kern="1200" baseline="0" dirty="0" err="1">
+              <a:rPr lang="de-DE" sz="1200" b="1" i="0" u="none" strike="noStrike" kern="1200" baseline="0" dirty="0" err="1">
                 <a:solidFill>
                   <a:schemeClr val="tx1"/>
                 </a:solidFill>
@@ -3475,7 +3834,7 @@
               <a:t>ie</a:t>
             </a:r>
             <a:r>
-              <a:rPr lang="de-DE" sz="1200" b="0" i="0" u="none" strike="noStrike" kern="1200" baseline="0" dirty="0">
+              <a:rPr lang="de-DE" sz="1200" b="1" i="0" u="none" strike="noStrike" kern="1200" baseline="0" dirty="0">
                 <a:solidFill>
                   <a:schemeClr val="tx1"/>
                 </a:solidFill>
@@ -3486,7 +3845,7 @@
               <a:t> </a:t>
             </a:r>
             <a:r>
-              <a:rPr lang="de-DE" sz="1200" b="0" i="0" u="none" strike="noStrike" kern="1200" baseline="0" dirty="0" err="1">
+              <a:rPr lang="de-DE" sz="1200" b="1" i="0" u="none" strike="noStrike" kern="1200" baseline="0" dirty="0" err="1">
                 <a:solidFill>
                   <a:schemeClr val="tx1"/>
                 </a:solidFill>
@@ -3497,7 +3856,7 @@
               <a:t>Prozessadaten</a:t>
             </a:r>
             <a:r>
-              <a:rPr lang="de-DE" sz="1200" b="0" i="0" u="none" strike="noStrike" kern="1200" baseline="0" dirty="0">
+              <a:rPr lang="de-DE" sz="1200" b="1" i="0" u="none" strike="noStrike" kern="1200" baseline="0" dirty="0">
                 <a:solidFill>
                   <a:schemeClr val="tx1"/>
                 </a:solidFill>
@@ -3505,7 +3864,18 @@
                 <a:ea typeface="+mn-ea"/>
                 <a:cs typeface="+mn-cs"/>
               </a:rPr>
-              <a:t> an Master/Control überträgt. Meldet kritische Anlagezustände wie Diagnose und Alarme</a:t>
+              <a:t> an </a:t>
+            </a:r>
+            <a:r>
+              <a:rPr lang="de-DE" sz="1200" b="0" i="0" u="none" strike="noStrike" kern="1200" baseline="0" dirty="0">
+                <a:solidFill>
+                  <a:schemeClr val="tx1"/>
+                </a:solidFill>
+                <a:latin typeface="+mn-lt"/>
+                <a:ea typeface="+mn-ea"/>
+                <a:cs typeface="+mn-cs"/>
+              </a:rPr>
+              <a:t>Master/Control überträgt. Meldet kritische Anlagezustände wie Diagnose und Alarme</a:t>
             </a:r>
           </a:p>
           <a:p>
@@ -3535,7 +3905,7 @@
               <a:t> ist die </a:t>
             </a:r>
             <a:r>
-              <a:rPr lang="de-DE" sz="1200" b="0" i="0" u="none" strike="noStrike" kern="1200" baseline="0" dirty="0" err="1">
+              <a:rPr lang="de-DE" sz="1200" b="0" i="0" u="none" strike="noStrike" kern="1200" baseline="0" dirty="0" smtClean="0">
                 <a:solidFill>
                   <a:schemeClr val="tx1"/>
                 </a:solidFill>
@@ -3543,7 +3913,7 @@
                 <a:ea typeface="+mn-ea"/>
                 <a:cs typeface="+mn-cs"/>
               </a:rPr>
-              <a:t>Insfrakturgeräte</a:t>
+              <a:t>Infrastrukturgerät </a:t>
             </a:r>
             <a:r>
               <a:rPr lang="de-DE" sz="1200" b="0" i="0" u="none" strike="noStrike" kern="1200" baseline="0" dirty="0">
@@ -3554,10 +3924,10 @@
                 <a:ea typeface="+mn-ea"/>
                 <a:cs typeface="+mn-cs"/>
               </a:rPr>
-              <a:t> bei der </a:t>
-            </a:r>
-            <a:r>
-              <a:rPr lang="de-DE" sz="1200" b="0" i="0" u="none" strike="noStrike" kern="1200" baseline="0" dirty="0" err="1">
+              <a:t>bei der </a:t>
+            </a:r>
+            <a:r>
+              <a:rPr lang="de-DE" sz="1200" b="0" i="0" u="none" strike="noStrike" kern="1200" baseline="0" dirty="0" smtClean="0">
                 <a:solidFill>
                   <a:schemeClr val="tx1"/>
                 </a:solidFill>
@@ -3565,7 +3935,7 @@
                 <a:ea typeface="+mn-ea"/>
                 <a:cs typeface="+mn-cs"/>
               </a:rPr>
-              <a:t>Kommikation</a:t>
+              <a:t>Kommunikation</a:t>
             </a:r>
             <a:r>
               <a:rPr lang="de-DE" sz="1200" b="0" i="0" u="none" strike="noStrike" kern="1200" baseline="0" dirty="0">
@@ -3749,12 +4119,10 @@
                 <a:ea typeface="+mn-ea"/>
                 <a:cs typeface="+mn-cs"/>
               </a:rPr>
-              <a:t>V: Das System gewährleistet…., da nur geringe Kabelmengen erforderlich sind.---  da mit T-Stücke kann man ein gerät problemlos anschließen</a:t>
-            </a:r>
-          </a:p>
-          <a:p>
-            <a:r>
-              <a:rPr lang="de-DE" sz="1200" b="0" i="0" u="none" strike="noStrike" kern="1200" baseline="0" dirty="0">
+              <a:t>V</a:t>
+            </a:r>
+            <a:r>
+              <a:rPr lang="de-DE" sz="1200" b="1" i="0" u="none" strike="noStrike" kern="1200" baseline="0" dirty="0">
                 <a:solidFill>
                   <a:schemeClr val="tx1"/>
                 </a:solidFill>
@@ -3762,11 +4130,127 @@
                 <a:ea typeface="+mn-ea"/>
                 <a:cs typeface="+mn-cs"/>
               </a:rPr>
-              <a:t>N: die Übertragung von Daten erfolgt über ein einziges Kabel dadurch wird ---. ---</a:t>
-            </a:r>
-            <a:r>
-              <a:rPr lang="de-DE" dirty="0"/>
-              <a:t>ein Angreifer kann sich zwischen 2 Geräten anschließen und somit kann das gesamte System abgehört werden. </a:t>
+              <a:t>: Das System gewährleistet</a:t>
+            </a:r>
+            <a:r>
+              <a:rPr lang="de-DE" sz="1200" b="0" i="0" u="none" strike="noStrike" kern="1200" baseline="0" dirty="0">
+                <a:solidFill>
+                  <a:schemeClr val="tx1"/>
+                </a:solidFill>
+                <a:latin typeface="+mn-lt"/>
+                <a:ea typeface="+mn-ea"/>
+                <a:cs typeface="+mn-cs"/>
+              </a:rPr>
+              <a:t>…., da nur geringe Kabelmengen erforderlich sind</a:t>
+            </a:r>
+            <a:r>
+              <a:rPr lang="de-DE" sz="1200" b="0" i="0" u="none" strike="noStrike" kern="1200" baseline="0" dirty="0" smtClean="0">
+                <a:solidFill>
+                  <a:schemeClr val="tx1"/>
+                </a:solidFill>
+                <a:latin typeface="+mn-lt"/>
+                <a:ea typeface="+mn-ea"/>
+                <a:cs typeface="+mn-cs"/>
+              </a:rPr>
+              <a:t>. </a:t>
+            </a:r>
+            <a:r>
+              <a:rPr lang="de-DE" sz="1200" b="1" i="0" u="none" strike="noStrike" kern="1200" baseline="0" dirty="0" smtClean="0">
+                <a:solidFill>
+                  <a:schemeClr val="tx1"/>
+                </a:solidFill>
+                <a:latin typeface="+mn-lt"/>
+                <a:ea typeface="+mn-ea"/>
+                <a:cs typeface="+mn-cs"/>
+              </a:rPr>
+              <a:t>---  </a:t>
+            </a:r>
+            <a:r>
+              <a:rPr lang="de-DE" sz="1200" b="1" i="0" u="none" strike="noStrike" kern="1200" baseline="0" dirty="0">
+                <a:solidFill>
+                  <a:schemeClr val="tx1"/>
+                </a:solidFill>
+                <a:latin typeface="+mn-lt"/>
+                <a:ea typeface="+mn-ea"/>
+                <a:cs typeface="+mn-cs"/>
+              </a:rPr>
+              <a:t>da mit </a:t>
+            </a:r>
+            <a:r>
+              <a:rPr lang="de-DE" sz="1200" b="0" i="0" u="none" strike="noStrike" kern="1200" baseline="0" dirty="0">
+                <a:solidFill>
+                  <a:schemeClr val="tx1"/>
+                </a:solidFill>
+                <a:latin typeface="+mn-lt"/>
+                <a:ea typeface="+mn-ea"/>
+                <a:cs typeface="+mn-cs"/>
+              </a:rPr>
+              <a:t>T-Stücke kann man ein gerät problemlos anschließen</a:t>
+            </a:r>
+          </a:p>
+          <a:p>
+            <a:r>
+              <a:rPr lang="de-DE" sz="1200" b="0" i="0" u="none" strike="noStrike" kern="1200" baseline="0" dirty="0">
+                <a:solidFill>
+                  <a:schemeClr val="tx1"/>
+                </a:solidFill>
+                <a:latin typeface="+mn-lt"/>
+                <a:ea typeface="+mn-ea"/>
+                <a:cs typeface="+mn-cs"/>
+              </a:rPr>
+              <a:t>N: die Übertragung von Daten erfolgt über </a:t>
+            </a:r>
+            <a:r>
+              <a:rPr lang="de-DE" sz="1200" b="1" i="0" u="none" strike="noStrike" kern="1200" baseline="0" dirty="0">
+                <a:solidFill>
+                  <a:schemeClr val="tx1"/>
+                </a:solidFill>
+                <a:latin typeface="+mn-lt"/>
+                <a:ea typeface="+mn-ea"/>
+                <a:cs typeface="+mn-cs"/>
+              </a:rPr>
+              <a:t>ein einziges Kabel </a:t>
+            </a:r>
+            <a:r>
+              <a:rPr lang="de-DE" sz="1200" b="0" i="0" u="none" strike="noStrike" kern="1200" baseline="0" dirty="0">
+                <a:solidFill>
+                  <a:schemeClr val="tx1"/>
+                </a:solidFill>
+                <a:latin typeface="+mn-lt"/>
+                <a:ea typeface="+mn-ea"/>
+                <a:cs typeface="+mn-cs"/>
+              </a:rPr>
+              <a:t>dadurch wird ---. </a:t>
+            </a:r>
+            <a:r>
+              <a:rPr lang="de-DE" sz="1200" b="1" i="0" u="none" strike="noStrike" kern="1200" baseline="0" dirty="0" smtClean="0">
+                <a:solidFill>
+                  <a:schemeClr val="tx1"/>
+                </a:solidFill>
+                <a:latin typeface="+mn-lt"/>
+                <a:ea typeface="+mn-ea"/>
+                <a:cs typeface="+mn-cs"/>
+              </a:rPr>
+              <a:t>Das System ist </a:t>
+            </a:r>
+            <a:r>
+              <a:rPr lang="de-DE" sz="1200" b="0" i="0" u="none" strike="noStrike" kern="1200" baseline="0" dirty="0" smtClean="0">
+                <a:solidFill>
+                  <a:schemeClr val="tx1"/>
+                </a:solidFill>
+                <a:latin typeface="+mn-lt"/>
+                <a:ea typeface="+mn-ea"/>
+                <a:cs typeface="+mn-cs"/>
+              </a:rPr>
+              <a:t> </a:t>
+            </a:r>
+            <a:r>
+              <a:rPr lang="de-DE" dirty="0" smtClean="0"/>
+              <a:t>ein </a:t>
+            </a:r>
+            <a:r>
+              <a:rPr lang="de-DE" dirty="0"/>
+              <a:t>Angreifer kann sich zwischen 2 Geräten anschließen und somit kann das gesamte System abgehört werden. </a:t>
             </a:r>
           </a:p>
         </p:txBody>
@@ -3858,7 +4342,7 @@
           <a:lstStyle/>
           <a:p>
             <a:r>
-              <a:rPr lang="de-DE" sz="1200" b="0" i="0" u="none" strike="noStrike" kern="1200" baseline="0" dirty="0">
+              <a:rPr lang="de-DE" sz="1200" b="1" i="0" u="none" strike="noStrike" kern="1200" baseline="0" dirty="0" smtClean="0">
                 <a:solidFill>
                   <a:schemeClr val="tx1"/>
                 </a:solidFill>
@@ -3866,7 +4350,31 @@
                 <a:ea typeface="+mn-ea"/>
                 <a:cs typeface="+mn-cs"/>
               </a:rPr>
-              <a:t>-Wenn eine Endstation in Netz ausfällt, </a:t>
+              <a:t>Aus der Name</a:t>
+            </a:r>
+          </a:p>
+          <a:p>
+            <a:r>
+              <a:rPr lang="de-DE" sz="1200" b="0" i="0" u="none" strike="noStrike" kern="1200" baseline="0" dirty="0" smtClean="0">
+                <a:solidFill>
+                  <a:schemeClr val="tx1"/>
+                </a:solidFill>
+                <a:latin typeface="+mn-lt"/>
+                <a:ea typeface="+mn-ea"/>
+                <a:cs typeface="+mn-cs"/>
+              </a:rPr>
+              <a:t>-</a:t>
+            </a:r>
+            <a:r>
+              <a:rPr lang="de-DE" sz="1200" b="0" i="0" u="none" strike="noStrike" kern="1200" baseline="0" dirty="0">
+                <a:solidFill>
+                  <a:schemeClr val="tx1"/>
+                </a:solidFill>
+                <a:latin typeface="+mn-lt"/>
+                <a:ea typeface="+mn-ea"/>
+                <a:cs typeface="+mn-cs"/>
+              </a:rPr>
+              <a:t>Wenn eine Endstation in Netz ausfällt, </a:t>
             </a:r>
             <a:r>
               <a:rPr lang="de-DE" sz="1200" b="0" i="0" u="none" strike="noStrike" kern="1200" baseline="0" dirty="0" err="1">
@@ -3905,7 +4413,29 @@
                 <a:ea typeface="+mn-ea"/>
                 <a:cs typeface="+mn-cs"/>
               </a:rPr>
-              <a:t>-Das System ermöglicht den Transport großer Datenmengen über großen Entfernungen und bietet somit ….</a:t>
+              <a:t>-Das System ermöglicht den Transport großer </a:t>
+            </a:r>
+            <a:r>
+              <a:rPr lang="de-DE" sz="1200" b="1" i="0" u="none" strike="noStrike" kern="1200" baseline="0" dirty="0">
+                <a:solidFill>
+                  <a:schemeClr val="tx1"/>
+                </a:solidFill>
+                <a:latin typeface="+mn-lt"/>
+                <a:ea typeface="+mn-ea"/>
+                <a:cs typeface="+mn-cs"/>
+              </a:rPr>
+              <a:t>Datenmengen über großen Entfernungen </a:t>
+            </a:r>
+            <a:r>
+              <a:rPr lang="de-DE" sz="1200" b="0" i="0" u="none" strike="noStrike" kern="1200" baseline="0" dirty="0">
+                <a:solidFill>
+                  <a:schemeClr val="tx1"/>
+                </a:solidFill>
+                <a:latin typeface="+mn-lt"/>
+                <a:ea typeface="+mn-ea"/>
+                <a:cs typeface="+mn-cs"/>
+              </a:rPr>
+              <a:t>und bietet somit ….</a:t>
             </a:r>
           </a:p>
           <a:p>
@@ -4568,7 +5098,7 @@
               <a:pPr>
                 <a:defRPr/>
               </a:pPr>
-              <a:t>01.08.2018</a:t>
+              <a:t>02.08.2018</a:t>
             </a:fld>
             <a:endParaRPr lang="de-DE" dirty="0"/>
           </a:p>
@@ -5374,7 +5904,7 @@
               <a:pPr>
                 <a:defRPr/>
               </a:pPr>
-              <a:t>01.08.2018</a:t>
+              <a:t>02.08.2018</a:t>
             </a:fld>
             <a:endParaRPr lang="de-DE" dirty="0"/>
           </a:p>
@@ -5721,7 +6251,7 @@
               <a:pPr>
                 <a:defRPr/>
               </a:pPr>
-              <a:t>01.08.2018</a:t>
+              <a:t>02.08.2018</a:t>
             </a:fld>
             <a:endParaRPr lang="de-DE" dirty="0"/>
           </a:p>
@@ -6057,7 +6587,7 @@
               <a:pPr>
                 <a:defRPr/>
               </a:pPr>
-              <a:t>01.08.2018</a:t>
+              <a:t>02.08.2018</a:t>
             </a:fld>
             <a:endParaRPr lang="de-DE" dirty="0"/>
           </a:p>
@@ -6378,7 +6908,7 @@
               <a:pPr>
                 <a:defRPr/>
               </a:pPr>
-              <a:t>01.08.2018</a:t>
+              <a:t>02.08.2018</a:t>
             </a:fld>
             <a:endParaRPr lang="de-DE" dirty="0"/>
           </a:p>
@@ -6699,7 +7229,7 @@
               <a:pPr>
                 <a:defRPr/>
               </a:pPr>
-              <a:t>01.08.2018</a:t>
+              <a:t>02.08.2018</a:t>
             </a:fld>
             <a:endParaRPr lang="de-DE" dirty="0"/>
           </a:p>
@@ -7100,7 +7630,7 @@
               <a:pPr>
                 <a:defRPr/>
               </a:pPr>
-              <a:t>01.08.2018</a:t>
+              <a:t>02.08.2018</a:t>
             </a:fld>
             <a:endParaRPr lang="de-DE" dirty="0"/>
           </a:p>
@@ -7461,7 +7991,7 @@
               <a:pPr>
                 <a:defRPr/>
               </a:pPr>
-              <a:t>01.08.2018</a:t>
+              <a:t>02.08.2018</a:t>
             </a:fld>
             <a:endParaRPr lang="de-DE" dirty="0"/>
           </a:p>
@@ -7717,7 +8247,7 @@
               <a:pPr>
                 <a:defRPr/>
               </a:pPr>
-              <a:t>01.08.2018</a:t>
+              <a:t>02.08.2018</a:t>
             </a:fld>
             <a:endParaRPr lang="de-DE" dirty="0"/>
           </a:p>
@@ -8495,7 +9025,7 @@
               <a:pPr>
                 <a:defRPr/>
               </a:pPr>
-              <a:t>01.08.2018</a:t>
+              <a:t>02.08.2018</a:t>
             </a:fld>
             <a:endParaRPr lang="de-DE" dirty="0"/>
           </a:p>
@@ -8618,6 +9148,13 @@
   <p:clrMapOvr>
     <a:masterClrMapping/>
   </p:clrMapOvr>
+  <p:timing>
+    <p:tnLst>
+      <p:par>
+        <p:cTn id="1" dur="indefinite" restart="never" nodeType="tmRoot"/>
+      </p:par>
+    </p:tnLst>
+  </p:timing>
 </p:sld>
 </file>
 
@@ -8755,7 +9292,7 @@
               <a:pPr>
                 <a:defRPr/>
               </a:pPr>
-              <a:t>01.08.2018</a:t>
+              <a:t>02.08.2018</a:t>
             </a:fld>
             <a:endParaRPr lang="de-DE" dirty="0"/>
           </a:p>
@@ -8848,6 +9385,13 @@
   <p:clrMapOvr>
     <a:masterClrMapping/>
   </p:clrMapOvr>
+  <p:timing>
+    <p:tnLst>
+      <p:par>
+        <p:cTn id="1" dur="indefinite" restart="never" nodeType="tmRoot"/>
+      </p:par>
+    </p:tnLst>
+  </p:timing>
 </p:sld>
 </file>
 
@@ -9069,7 +9613,7 @@
               <a:pPr>
                 <a:defRPr/>
               </a:pPr>
-              <a:t>01.08.2018</a:t>
+              <a:t>02.08.2018</a:t>
             </a:fld>
             <a:endParaRPr lang="de-DE" dirty="0"/>
           </a:p>
@@ -9365,7 +9909,7 @@
               <a:pPr>
                 <a:defRPr/>
               </a:pPr>
-              <a:t>01.08.2018</a:t>
+              <a:t>02.08.2018</a:t>
             </a:fld>
             <a:endParaRPr lang="de-DE" dirty="0"/>
           </a:p>
@@ -9700,7 +10244,7 @@
               <a:pPr>
                 <a:defRPr/>
               </a:pPr>
-              <a:t>01.08.2018</a:t>
+              <a:t>02.08.2018</a:t>
             </a:fld>
             <a:endParaRPr lang="de-DE" dirty="0"/>
           </a:p>
@@ -9870,7 +10414,7 @@
               <a:pPr>
                 <a:defRPr/>
               </a:pPr>
-              <a:t>01.08.2018</a:t>
+              <a:t>02.08.2018</a:t>
             </a:fld>
             <a:endParaRPr lang="de-DE" dirty="0"/>
           </a:p>
@@ -10066,7 +10610,7 @@
               <a:pPr>
                 <a:defRPr/>
               </a:pPr>
-              <a:t>01.08.2018</a:t>
+              <a:t>02.08.2018</a:t>
             </a:fld>
             <a:endParaRPr lang="de-DE" dirty="0"/>
           </a:p>
@@ -10791,7 +11335,7 @@
               <a:pPr>
                 <a:defRPr/>
               </a:pPr>
-              <a:t>01.08.2018</a:t>
+              <a:t>02.08.2018</a:t>
             </a:fld>
             <a:endParaRPr lang="de-DE" dirty="0"/>
           </a:p>
@@ -11271,7 +11815,7 @@
               <a:pPr>
                 <a:defRPr/>
               </a:pPr>
-              <a:t>01.08.2018</a:t>
+              <a:t>02.08.2018</a:t>
             </a:fld>
             <a:endParaRPr lang="de-DE" dirty="0"/>
           </a:p>
@@ -11651,7 +12195,7 @@
               <a:pPr>
                 <a:defRPr/>
               </a:pPr>
-              <a:t>01.08.2018</a:t>
+              <a:t>02.08.2018</a:t>
             </a:fld>
             <a:endParaRPr lang="de-DE" dirty="0"/>
           </a:p>
@@ -11901,7 +12445,7 @@
               <a:pPr>
                 <a:defRPr/>
               </a:pPr>
-              <a:t>01.08.2018</a:t>
+              <a:t>02.08.2018</a:t>
             </a:fld>
             <a:endParaRPr lang="de-DE" dirty="0"/>
           </a:p>
@@ -12069,7 +12613,7 @@
               <a:pPr>
                 <a:defRPr/>
               </a:pPr>
-              <a:t>01.08.2018</a:t>
+              <a:t>02.08.2018</a:t>
             </a:fld>
             <a:endParaRPr lang="de-DE" dirty="0"/>
           </a:p>
@@ -12262,7 +12806,7 @@
               <a:pPr>
                 <a:defRPr/>
               </a:pPr>
-              <a:t>01.08.2018</a:t>
+              <a:t>02.08.2018</a:t>
             </a:fld>
             <a:endParaRPr lang="de-DE" dirty="0"/>
           </a:p>
@@ -12493,7 +13037,7 @@
               <a:pPr>
                 <a:defRPr/>
               </a:pPr>
-              <a:t>01.08.2018</a:t>
+              <a:t>02.08.2018</a:t>
             </a:fld>
             <a:endParaRPr lang="de-DE" dirty="0"/>
           </a:p>
@@ -12931,7 +13475,7 @@
               <a:pPr>
                 <a:defRPr/>
               </a:pPr>
-              <a:t>01.08.2018</a:t>
+              <a:t>02.08.2018</a:t>
             </a:fld>
             <a:endParaRPr lang="de-DE" dirty="0"/>
           </a:p>
@@ -13145,7 +13689,7 @@
               <a:pPr>
                 <a:defRPr/>
               </a:pPr>
-              <a:t>01.08.2018</a:t>
+              <a:t>02.08.2018</a:t>
             </a:fld>
             <a:endParaRPr lang="de-DE" dirty="0"/>
           </a:p>
@@ -13341,7 +13885,7 @@
               <a:pPr>
                 <a:defRPr/>
               </a:pPr>
-              <a:t>01.08.2018</a:t>
+              <a:t>02.08.2018</a:t>
             </a:fld>
             <a:endParaRPr lang="de-DE" dirty="0"/>
           </a:p>
@@ -13550,7 +14094,7 @@
               <a:pPr>
                 <a:defRPr/>
               </a:pPr>
-              <a:t>01.08.2018</a:t>
+              <a:t>02.08.2018</a:t>
             </a:fld>
             <a:endParaRPr lang="de-DE" dirty="0"/>
           </a:p>
@@ -13997,7 +14541,7 @@
               <a:pPr>
                 <a:defRPr/>
               </a:pPr>
-              <a:t>01.08.2018</a:t>
+              <a:t>02.08.2018</a:t>
             </a:fld>
             <a:endParaRPr lang="de-DE" dirty="0"/>
           </a:p>
@@ -14222,7 +14766,7 @@
               <a:pPr>
                 <a:defRPr/>
               </a:pPr>
-              <a:t>01.08.2018</a:t>
+              <a:t>02.08.2018</a:t>
             </a:fld>
             <a:endParaRPr lang="de-DE" dirty="0"/>
           </a:p>
@@ -14490,7 +15034,7 @@
               <a:pPr>
                 <a:defRPr/>
               </a:pPr>
-              <a:t>01.08.2018</a:t>
+              <a:t>02.08.2018</a:t>
             </a:fld>
             <a:endParaRPr lang="de-DE" dirty="0"/>
           </a:p>
@@ -14696,7 +15240,7 @@
               <a:pPr>
                 <a:defRPr/>
               </a:pPr>
-              <a:t>01.08.2018</a:t>
+              <a:t>02.08.2018</a:t>
             </a:fld>
             <a:endParaRPr lang="de-DE" dirty="0"/>
           </a:p>
@@ -14914,7 +15458,7 @@
               <a:pPr>
                 <a:defRPr/>
               </a:pPr>
-              <a:t>01.08.2018</a:t>
+              <a:t>02.08.2018</a:t>
             </a:fld>
             <a:endParaRPr lang="de-DE" dirty="0"/>
           </a:p>
@@ -14995,6 +15539,10 @@
             <a:r>
               <a:rPr lang="de-DE" dirty="0" err="1"/>
               <a:t>Topologiemuster</a:t>
+            </a:r>
+            <a:r>
+              <a:rPr lang="de-DE" dirty="0"/>
+              <a:t/>
             </a:r>
             <a:br>
               <a:rPr lang="de-DE" dirty="0"/>
@@ -15181,7 +15729,7 @@
               <a:pPr>
                 <a:defRPr/>
               </a:pPr>
-              <a:t>01.08.2018</a:t>
+              <a:t>02.08.2018</a:t>
             </a:fld>
             <a:endParaRPr lang="de-DE" dirty="0"/>
           </a:p>
@@ -15262,6 +15810,10 @@
             <a:r>
               <a:rPr lang="de-DE" dirty="0" err="1"/>
               <a:t>Topologiemuster</a:t>
+            </a:r>
+            <a:r>
+              <a:rPr lang="de-DE" dirty="0"/>
+              <a:t/>
             </a:r>
             <a:br>
               <a:rPr lang="de-DE" dirty="0"/>
@@ -15310,6 +15862,13 @@
   <p:clrMapOvr>
     <a:masterClrMapping/>
   </p:clrMapOvr>
+  <p:timing>
+    <p:tnLst>
+      <p:par>
+        <p:cTn id="1" dur="indefinite" restart="never" nodeType="tmRoot"/>
+      </p:par>
+    </p:tnLst>
+  </p:timing>
 </p:sld>
 </file>
 
@@ -15513,7 +16072,7 @@
               <a:pPr>
                 <a:defRPr/>
               </a:pPr>
-              <a:t>01.08.2018</a:t>
+              <a:t>02.08.2018</a:t>
             </a:fld>
             <a:endParaRPr lang="de-DE" dirty="0"/>
           </a:p>
@@ -15602,6 +16161,13 @@
   <p:clrMapOvr>
     <a:masterClrMapping/>
   </p:clrMapOvr>
+  <p:timing>
+    <p:tnLst>
+      <p:par>
+        <p:cTn id="1" dur="indefinite" restart="never" nodeType="tmRoot"/>
+      </p:par>
+    </p:tnLst>
+  </p:timing>
 </p:sld>
 </file>
 
